--- a/Sequência de Ensino/Itens Necessários/Slide.pptx
+++ b/Sequência de Ensino/Itens Necessários/Slide.pptx
@@ -13,6 +13,15 @@
     <p:sldId id="260" r:id="rId8"/>
     <p:sldId id="261" r:id="rId9"/>
     <p:sldId id="262" r:id="rId10"/>
+    <p:sldId id="263" r:id="rId11"/>
+    <p:sldId id="264" r:id="rId12"/>
+    <p:sldId id="265" r:id="rId13"/>
+    <p:sldId id="266" r:id="rId14"/>
+    <p:sldId id="267" r:id="rId15"/>
+    <p:sldId id="268" r:id="rId16"/>
+    <p:sldId id="269" r:id="rId17"/>
+    <p:sldId id="270" r:id="rId18"/>
+    <p:sldId id="271" r:id="rId19"/>
   </p:sldIdLst>
   <p:sldSz cx="9144000" cy="6858000"/>
   <p:notesSz cx="7559675" cy="10691812"/>
@@ -70,8 +79,8 @@
         </p:nvSpPr>
         <p:spPr>
           <a:xfrm>
-            <a:off x="457200" y="274680"/>
-            <a:ext cx="8228520" cy="1142640"/>
+            <a:off x="457200" y="273600"/>
+            <a:ext cx="8229240" cy="1144800"/>
           </a:xfrm>
           <a:prstGeom prst="rect">
             <a:avLst/>
@@ -98,7 +107,7 @@
         <p:spPr>
           <a:xfrm>
             <a:off x="457200" y="1604520"/>
-            <a:ext cx="8228880" cy="1896840"/>
+            <a:ext cx="8229240" cy="1896840"/>
           </a:xfrm>
           <a:prstGeom prst="rect">
             <a:avLst/>
@@ -124,7 +133,7 @@
         <p:spPr>
           <a:xfrm>
             <a:off x="457200" y="3682080"/>
-            <a:ext cx="8228880" cy="1896840"/>
+            <a:ext cx="8229240" cy="1896840"/>
           </a:xfrm>
           <a:prstGeom prst="rect">
             <a:avLst/>
@@ -171,8 +180,8 @@
         </p:nvSpPr>
         <p:spPr>
           <a:xfrm>
-            <a:off x="457200" y="274680"/>
-            <a:ext cx="8228520" cy="1142640"/>
+            <a:off x="457200" y="273600"/>
+            <a:ext cx="8229240" cy="1144800"/>
           </a:xfrm>
           <a:prstGeom prst="rect">
             <a:avLst/>
@@ -199,7 +208,7 @@
         <p:spPr>
           <a:xfrm>
             <a:off x="457200" y="1604520"/>
-            <a:ext cx="4015440" cy="1896840"/>
+            <a:ext cx="4015800" cy="1896840"/>
           </a:xfrm>
           <a:prstGeom prst="rect">
             <a:avLst/>
@@ -224,8 +233,8 @@
         </p:nvSpPr>
         <p:spPr>
           <a:xfrm>
-            <a:off x="4673880" y="1604520"/>
-            <a:ext cx="4015440" cy="1896840"/>
+            <a:off x="4674240" y="1604520"/>
+            <a:ext cx="4015800" cy="1896840"/>
           </a:xfrm>
           <a:prstGeom prst="rect">
             <a:avLst/>
@@ -250,8 +259,8 @@
         </p:nvSpPr>
         <p:spPr>
           <a:xfrm>
-            <a:off x="4673880" y="3682080"/>
-            <a:ext cx="4015440" cy="1896840"/>
+            <a:off x="4674240" y="3682080"/>
+            <a:ext cx="4015800" cy="1896840"/>
           </a:xfrm>
           <a:prstGeom prst="rect">
             <a:avLst/>
@@ -277,7 +286,7 @@
         <p:spPr>
           <a:xfrm>
             <a:off x="457200" y="3682080"/>
-            <a:ext cx="4015440" cy="1896840"/>
+            <a:ext cx="4015800" cy="1896840"/>
           </a:xfrm>
           <a:prstGeom prst="rect">
             <a:avLst/>
@@ -324,8 +333,8 @@
         </p:nvSpPr>
         <p:spPr>
           <a:xfrm>
-            <a:off x="457200" y="274680"/>
-            <a:ext cx="8228520" cy="1142640"/>
+            <a:off x="457200" y="273600"/>
+            <a:ext cx="8229240" cy="1144800"/>
           </a:xfrm>
           <a:prstGeom prst="rect">
             <a:avLst/>
@@ -352,7 +361,7 @@
         <p:spPr>
           <a:xfrm>
             <a:off x="457200" y="1604520"/>
-            <a:ext cx="8228880" cy="3976920"/>
+            <a:ext cx="8229240" cy="3977280"/>
           </a:xfrm>
           <a:prstGeom prst="rect">
             <a:avLst/>
@@ -378,7 +387,7 @@
         <p:spPr>
           <a:xfrm>
             <a:off x="457200" y="1604520"/>
-            <a:ext cx="8228880" cy="3976920"/>
+            <a:ext cx="8229240" cy="3977280"/>
           </a:xfrm>
           <a:prstGeom prst="rect">
             <a:avLst/>
@@ -403,8 +412,8 @@
         </p:blipFill>
         <p:spPr>
           <a:xfrm>
-            <a:off x="2079360" y="1604160"/>
-            <a:ext cx="4984200" cy="3976920"/>
+            <a:off x="2079000" y="1604520"/>
+            <a:ext cx="4984920" cy="3977280"/>
           </a:xfrm>
           <a:prstGeom prst="rect">
             <a:avLst/>
@@ -426,8 +435,8 @@
         </p:blipFill>
         <p:spPr>
           <a:xfrm>
-            <a:off x="2079360" y="1604160"/>
-            <a:ext cx="4984200" cy="3976920"/>
+            <a:off x="2079000" y="1604520"/>
+            <a:ext cx="4984920" cy="3977280"/>
           </a:xfrm>
           <a:prstGeom prst="rect">
             <a:avLst/>
@@ -493,8 +502,8 @@
         </p:nvSpPr>
         <p:spPr>
           <a:xfrm>
-            <a:off x="457200" y="274680"/>
-            <a:ext cx="8228520" cy="1142640"/>
+            <a:off x="457200" y="273600"/>
+            <a:ext cx="8229240" cy="1144800"/>
           </a:xfrm>
           <a:prstGeom prst="rect">
             <a:avLst/>
@@ -521,7 +530,7 @@
         <p:spPr>
           <a:xfrm>
             <a:off x="457200" y="1604520"/>
-            <a:ext cx="8228880" cy="3976920"/>
+            <a:ext cx="8229240" cy="3977280"/>
           </a:xfrm>
           <a:prstGeom prst="rect">
             <a:avLst/>
@@ -569,8 +578,8 @@
         </p:nvSpPr>
         <p:spPr>
           <a:xfrm>
-            <a:off x="457200" y="274680"/>
-            <a:ext cx="8228520" cy="1142640"/>
+            <a:off x="457200" y="273600"/>
+            <a:ext cx="8229240" cy="1144800"/>
           </a:xfrm>
           <a:prstGeom prst="rect">
             <a:avLst/>
@@ -597,7 +606,7 @@
         <p:spPr>
           <a:xfrm>
             <a:off x="457200" y="1604520"/>
-            <a:ext cx="8228880" cy="3976920"/>
+            <a:ext cx="8229240" cy="3977280"/>
           </a:xfrm>
           <a:prstGeom prst="rect">
             <a:avLst/>
@@ -644,8 +653,8 @@
         </p:nvSpPr>
         <p:spPr>
           <a:xfrm>
-            <a:off x="457200" y="274680"/>
-            <a:ext cx="8228520" cy="1142640"/>
+            <a:off x="457200" y="273600"/>
+            <a:ext cx="8229240" cy="1144800"/>
           </a:xfrm>
           <a:prstGeom prst="rect">
             <a:avLst/>
@@ -672,7 +681,7 @@
         <p:spPr>
           <a:xfrm>
             <a:off x="457200" y="1604520"/>
-            <a:ext cx="4015440" cy="3976920"/>
+            <a:ext cx="4015800" cy="3977280"/>
           </a:xfrm>
           <a:prstGeom prst="rect">
             <a:avLst/>
@@ -697,8 +706,8 @@
         </p:nvSpPr>
         <p:spPr>
           <a:xfrm>
-            <a:off x="4673880" y="1604520"/>
-            <a:ext cx="4015440" cy="3976920"/>
+            <a:off x="4674240" y="1604520"/>
+            <a:ext cx="4015800" cy="3977280"/>
           </a:xfrm>
           <a:prstGeom prst="rect">
             <a:avLst/>
@@ -745,8 +754,8 @@
         </p:nvSpPr>
         <p:spPr>
           <a:xfrm>
-            <a:off x="457200" y="274680"/>
-            <a:ext cx="8228520" cy="1142640"/>
+            <a:off x="457200" y="273600"/>
+            <a:ext cx="8229240" cy="1144800"/>
           </a:xfrm>
           <a:prstGeom prst="rect">
             <a:avLst/>
@@ -794,8 +803,8 @@
         </p:nvSpPr>
         <p:spPr>
           <a:xfrm>
-            <a:off x="457200" y="274680"/>
-            <a:ext cx="8228520" cy="5297760"/>
+            <a:off x="457200" y="273600"/>
+            <a:ext cx="8229240" cy="5307840"/>
           </a:xfrm>
           <a:prstGeom prst="rect">
             <a:avLst/>
@@ -843,8 +852,8 @@
         </p:nvSpPr>
         <p:spPr>
           <a:xfrm>
-            <a:off x="457200" y="274680"/>
-            <a:ext cx="8228520" cy="1142640"/>
+            <a:off x="457200" y="273600"/>
+            <a:ext cx="8229240" cy="1144800"/>
           </a:xfrm>
           <a:prstGeom prst="rect">
             <a:avLst/>
@@ -871,7 +880,7 @@
         <p:spPr>
           <a:xfrm>
             <a:off x="457200" y="1604520"/>
-            <a:ext cx="4015440" cy="1896840"/>
+            <a:ext cx="4015800" cy="1896840"/>
           </a:xfrm>
           <a:prstGeom prst="rect">
             <a:avLst/>
@@ -897,7 +906,7 @@
         <p:spPr>
           <a:xfrm>
             <a:off x="457200" y="3682080"/>
-            <a:ext cx="4015440" cy="1896840"/>
+            <a:ext cx="4015800" cy="1896840"/>
           </a:xfrm>
           <a:prstGeom prst="rect">
             <a:avLst/>
@@ -922,8 +931,8 @@
         </p:nvSpPr>
         <p:spPr>
           <a:xfrm>
-            <a:off x="4673880" y="1604520"/>
-            <a:ext cx="4015440" cy="3976920"/>
+            <a:off x="4674240" y="1604520"/>
+            <a:ext cx="4015800" cy="3977280"/>
           </a:xfrm>
           <a:prstGeom prst="rect">
             <a:avLst/>
@@ -970,8 +979,8 @@
         </p:nvSpPr>
         <p:spPr>
           <a:xfrm>
-            <a:off x="457200" y="274680"/>
-            <a:ext cx="8228520" cy="1142640"/>
+            <a:off x="457200" y="273600"/>
+            <a:ext cx="8229240" cy="1144800"/>
           </a:xfrm>
           <a:prstGeom prst="rect">
             <a:avLst/>
@@ -998,7 +1007,7 @@
         <p:spPr>
           <a:xfrm>
             <a:off x="457200" y="1604520"/>
-            <a:ext cx="8228880" cy="3976920"/>
+            <a:ext cx="8229240" cy="3977280"/>
           </a:xfrm>
           <a:prstGeom prst="rect">
             <a:avLst/>
@@ -1046,8 +1055,8 @@
         </p:nvSpPr>
         <p:spPr>
           <a:xfrm>
-            <a:off x="457200" y="274680"/>
-            <a:ext cx="8228520" cy="1142640"/>
+            <a:off x="457200" y="273600"/>
+            <a:ext cx="8229240" cy="1144800"/>
           </a:xfrm>
           <a:prstGeom prst="rect">
             <a:avLst/>
@@ -1074,7 +1083,7 @@
         <p:spPr>
           <a:xfrm>
             <a:off x="457200" y="1604520"/>
-            <a:ext cx="4015440" cy="3976920"/>
+            <a:ext cx="4015800" cy="3977280"/>
           </a:xfrm>
           <a:prstGeom prst="rect">
             <a:avLst/>
@@ -1099,8 +1108,8 @@
         </p:nvSpPr>
         <p:spPr>
           <a:xfrm>
-            <a:off x="4673880" y="1604520"/>
-            <a:ext cx="4015440" cy="1896840"/>
+            <a:off x="4674240" y="1604520"/>
+            <a:ext cx="4015800" cy="1896840"/>
           </a:xfrm>
           <a:prstGeom prst="rect">
             <a:avLst/>
@@ -1125,8 +1134,8 @@
         </p:nvSpPr>
         <p:spPr>
           <a:xfrm>
-            <a:off x="4673880" y="3682080"/>
-            <a:ext cx="4015440" cy="1896840"/>
+            <a:off x="4674240" y="3682080"/>
+            <a:ext cx="4015800" cy="1896840"/>
           </a:xfrm>
           <a:prstGeom prst="rect">
             <a:avLst/>
@@ -1173,8 +1182,8 @@
         </p:nvSpPr>
         <p:spPr>
           <a:xfrm>
-            <a:off x="457200" y="274680"/>
-            <a:ext cx="8228520" cy="1142640"/>
+            <a:off x="457200" y="273600"/>
+            <a:ext cx="8229240" cy="1144800"/>
           </a:xfrm>
           <a:prstGeom prst="rect">
             <a:avLst/>
@@ -1201,7 +1210,7 @@
         <p:spPr>
           <a:xfrm>
             <a:off x="457200" y="1604520"/>
-            <a:ext cx="4015440" cy="1896840"/>
+            <a:ext cx="4015800" cy="1896840"/>
           </a:xfrm>
           <a:prstGeom prst="rect">
             <a:avLst/>
@@ -1226,8 +1235,8 @@
         </p:nvSpPr>
         <p:spPr>
           <a:xfrm>
-            <a:off x="4673880" y="1604520"/>
-            <a:ext cx="4015440" cy="1896840"/>
+            <a:off x="4674240" y="1604520"/>
+            <a:ext cx="4015800" cy="1896840"/>
           </a:xfrm>
           <a:prstGeom prst="rect">
             <a:avLst/>
@@ -1253,7 +1262,7 @@
         <p:spPr>
           <a:xfrm>
             <a:off x="457200" y="3682080"/>
-            <a:ext cx="8228880" cy="1896840"/>
+            <a:ext cx="8229240" cy="1896840"/>
           </a:xfrm>
           <a:prstGeom prst="rect">
             <a:avLst/>
@@ -1300,8 +1309,8 @@
         </p:nvSpPr>
         <p:spPr>
           <a:xfrm>
-            <a:off x="457200" y="274680"/>
-            <a:ext cx="8228520" cy="1142640"/>
+            <a:off x="457200" y="273600"/>
+            <a:ext cx="8229240" cy="1144800"/>
           </a:xfrm>
           <a:prstGeom prst="rect">
             <a:avLst/>
@@ -1328,7 +1337,7 @@
         <p:spPr>
           <a:xfrm>
             <a:off x="457200" y="1604520"/>
-            <a:ext cx="8228880" cy="1896840"/>
+            <a:ext cx="8229240" cy="1896840"/>
           </a:xfrm>
           <a:prstGeom prst="rect">
             <a:avLst/>
@@ -1354,7 +1363,7 @@
         <p:spPr>
           <a:xfrm>
             <a:off x="457200" y="3682080"/>
-            <a:ext cx="8228880" cy="1896840"/>
+            <a:ext cx="8229240" cy="1896840"/>
           </a:xfrm>
           <a:prstGeom prst="rect">
             <a:avLst/>
@@ -1401,8 +1410,8 @@
         </p:nvSpPr>
         <p:spPr>
           <a:xfrm>
-            <a:off x="457200" y="274680"/>
-            <a:ext cx="8228520" cy="1142640"/>
+            <a:off x="457200" y="273600"/>
+            <a:ext cx="8229240" cy="1144800"/>
           </a:xfrm>
           <a:prstGeom prst="rect">
             <a:avLst/>
@@ -1429,7 +1438,7 @@
         <p:spPr>
           <a:xfrm>
             <a:off x="457200" y="1604520"/>
-            <a:ext cx="4015440" cy="1896840"/>
+            <a:ext cx="4015800" cy="1896840"/>
           </a:xfrm>
           <a:prstGeom prst="rect">
             <a:avLst/>
@@ -1454,8 +1463,8 @@
         </p:nvSpPr>
         <p:spPr>
           <a:xfrm>
-            <a:off x="4673880" y="1604520"/>
-            <a:ext cx="4015440" cy="1896840"/>
+            <a:off x="4674240" y="1604520"/>
+            <a:ext cx="4015800" cy="1896840"/>
           </a:xfrm>
           <a:prstGeom prst="rect">
             <a:avLst/>
@@ -1480,8 +1489,8 @@
         </p:nvSpPr>
         <p:spPr>
           <a:xfrm>
-            <a:off x="4673880" y="3682080"/>
-            <a:ext cx="4015440" cy="1896840"/>
+            <a:off x="4674240" y="3682080"/>
+            <a:ext cx="4015800" cy="1896840"/>
           </a:xfrm>
           <a:prstGeom prst="rect">
             <a:avLst/>
@@ -1507,7 +1516,7 @@
         <p:spPr>
           <a:xfrm>
             <a:off x="457200" y="3682080"/>
-            <a:ext cx="4015440" cy="1896840"/>
+            <a:ext cx="4015800" cy="1896840"/>
           </a:xfrm>
           <a:prstGeom prst="rect">
             <a:avLst/>
@@ -1554,8 +1563,8 @@
         </p:nvSpPr>
         <p:spPr>
           <a:xfrm>
-            <a:off x="457200" y="274680"/>
-            <a:ext cx="8228520" cy="1142640"/>
+            <a:off x="457200" y="273600"/>
+            <a:ext cx="8229240" cy="1144800"/>
           </a:xfrm>
           <a:prstGeom prst="rect">
             <a:avLst/>
@@ -1582,7 +1591,7 @@
         <p:spPr>
           <a:xfrm>
             <a:off x="457200" y="1604520"/>
-            <a:ext cx="8228880" cy="3976920"/>
+            <a:ext cx="8229240" cy="3977280"/>
           </a:xfrm>
           <a:prstGeom prst="rect">
             <a:avLst/>
@@ -1608,7 +1617,7 @@
         <p:spPr>
           <a:xfrm>
             <a:off x="457200" y="1604520"/>
-            <a:ext cx="8228880" cy="3976920"/>
+            <a:ext cx="8229240" cy="3977280"/>
           </a:xfrm>
           <a:prstGeom prst="rect">
             <a:avLst/>
@@ -1633,8 +1642,8 @@
         </p:blipFill>
         <p:spPr>
           <a:xfrm>
-            <a:off x="2079360" y="1604160"/>
-            <a:ext cx="4984200" cy="3976920"/>
+            <a:off x="2079000" y="1604520"/>
+            <a:ext cx="4984920" cy="3977280"/>
           </a:xfrm>
           <a:prstGeom prst="rect">
             <a:avLst/>
@@ -1656,8 +1665,8 @@
         </p:blipFill>
         <p:spPr>
           <a:xfrm>
-            <a:off x="2079360" y="1604160"/>
-            <a:ext cx="4984200" cy="3976920"/>
+            <a:off x="2079000" y="1604520"/>
+            <a:ext cx="4984920" cy="3977280"/>
           </a:xfrm>
           <a:prstGeom prst="rect">
             <a:avLst/>
@@ -1701,8 +1710,8 @@
         </p:nvSpPr>
         <p:spPr>
           <a:xfrm>
-            <a:off x="457200" y="274680"/>
-            <a:ext cx="8228520" cy="1142640"/>
+            <a:off x="457200" y="273600"/>
+            <a:ext cx="8229240" cy="1144800"/>
           </a:xfrm>
           <a:prstGeom prst="rect">
             <a:avLst/>
@@ -1729,7 +1738,7 @@
         <p:spPr>
           <a:xfrm>
             <a:off x="457200" y="1604520"/>
-            <a:ext cx="8228880" cy="3976920"/>
+            <a:ext cx="8229240" cy="3977280"/>
           </a:xfrm>
           <a:prstGeom prst="rect">
             <a:avLst/>
@@ -1776,8 +1785,8 @@
         </p:nvSpPr>
         <p:spPr>
           <a:xfrm>
-            <a:off x="457200" y="274680"/>
-            <a:ext cx="8228520" cy="1142640"/>
+            <a:off x="457200" y="273600"/>
+            <a:ext cx="8229240" cy="1144800"/>
           </a:xfrm>
           <a:prstGeom prst="rect">
             <a:avLst/>
@@ -1804,7 +1813,7 @@
         <p:spPr>
           <a:xfrm>
             <a:off x="457200" y="1604520"/>
-            <a:ext cx="4015440" cy="3976920"/>
+            <a:ext cx="4015800" cy="3977280"/>
           </a:xfrm>
           <a:prstGeom prst="rect">
             <a:avLst/>
@@ -1829,8 +1838,8 @@
         </p:nvSpPr>
         <p:spPr>
           <a:xfrm>
-            <a:off x="4673880" y="1604520"/>
-            <a:ext cx="4015440" cy="3976920"/>
+            <a:off x="4674240" y="1604520"/>
+            <a:ext cx="4015800" cy="3977280"/>
           </a:xfrm>
           <a:prstGeom prst="rect">
             <a:avLst/>
@@ -1877,8 +1886,8 @@
         </p:nvSpPr>
         <p:spPr>
           <a:xfrm>
-            <a:off x="457200" y="274680"/>
-            <a:ext cx="8228520" cy="1142640"/>
+            <a:off x="457200" y="273600"/>
+            <a:ext cx="8229240" cy="1144800"/>
           </a:xfrm>
           <a:prstGeom prst="rect">
             <a:avLst/>
@@ -1926,8 +1935,8 @@
         </p:nvSpPr>
         <p:spPr>
           <a:xfrm>
-            <a:off x="457200" y="274680"/>
-            <a:ext cx="8228520" cy="5297760"/>
+            <a:off x="457200" y="273600"/>
+            <a:ext cx="8229240" cy="5307840"/>
           </a:xfrm>
           <a:prstGeom prst="rect">
             <a:avLst/>
@@ -1975,8 +1984,8 @@
         </p:nvSpPr>
         <p:spPr>
           <a:xfrm>
-            <a:off x="457200" y="274680"/>
-            <a:ext cx="8228520" cy="1142640"/>
+            <a:off x="457200" y="273600"/>
+            <a:ext cx="8229240" cy="1144800"/>
           </a:xfrm>
           <a:prstGeom prst="rect">
             <a:avLst/>
@@ -2003,7 +2012,7 @@
         <p:spPr>
           <a:xfrm>
             <a:off x="457200" y="1604520"/>
-            <a:ext cx="4015440" cy="1896840"/>
+            <a:ext cx="4015800" cy="1896840"/>
           </a:xfrm>
           <a:prstGeom prst="rect">
             <a:avLst/>
@@ -2029,7 +2038,7 @@
         <p:spPr>
           <a:xfrm>
             <a:off x="457200" y="3682080"/>
-            <a:ext cx="4015440" cy="1896840"/>
+            <a:ext cx="4015800" cy="1896840"/>
           </a:xfrm>
           <a:prstGeom prst="rect">
             <a:avLst/>
@@ -2054,8 +2063,8 @@
         </p:nvSpPr>
         <p:spPr>
           <a:xfrm>
-            <a:off x="4673880" y="1604520"/>
-            <a:ext cx="4015440" cy="3976920"/>
+            <a:off x="4674240" y="1604520"/>
+            <a:ext cx="4015800" cy="3977280"/>
           </a:xfrm>
           <a:prstGeom prst="rect">
             <a:avLst/>
@@ -2102,8 +2111,8 @@
         </p:nvSpPr>
         <p:spPr>
           <a:xfrm>
-            <a:off x="457200" y="274680"/>
-            <a:ext cx="8228520" cy="1142640"/>
+            <a:off x="457200" y="273600"/>
+            <a:ext cx="8229240" cy="1144800"/>
           </a:xfrm>
           <a:prstGeom prst="rect">
             <a:avLst/>
@@ -2130,7 +2139,7 @@
         <p:spPr>
           <a:xfrm>
             <a:off x="457200" y="1604520"/>
-            <a:ext cx="4015440" cy="3976920"/>
+            <a:ext cx="4015800" cy="3977280"/>
           </a:xfrm>
           <a:prstGeom prst="rect">
             <a:avLst/>
@@ -2155,8 +2164,8 @@
         </p:nvSpPr>
         <p:spPr>
           <a:xfrm>
-            <a:off x="4673880" y="1604520"/>
-            <a:ext cx="4015440" cy="1896840"/>
+            <a:off x="4674240" y="1604520"/>
+            <a:ext cx="4015800" cy="1896840"/>
           </a:xfrm>
           <a:prstGeom prst="rect">
             <a:avLst/>
@@ -2181,8 +2190,8 @@
         </p:nvSpPr>
         <p:spPr>
           <a:xfrm>
-            <a:off x="4673880" y="3682080"/>
-            <a:ext cx="4015440" cy="1896840"/>
+            <a:off x="4674240" y="3682080"/>
+            <a:ext cx="4015800" cy="1896840"/>
           </a:xfrm>
           <a:prstGeom prst="rect">
             <a:avLst/>
@@ -2229,8 +2238,8 @@
         </p:nvSpPr>
         <p:spPr>
           <a:xfrm>
-            <a:off x="457200" y="274680"/>
-            <a:ext cx="8228520" cy="1142640"/>
+            <a:off x="457200" y="273600"/>
+            <a:ext cx="8229240" cy="1144800"/>
           </a:xfrm>
           <a:prstGeom prst="rect">
             <a:avLst/>
@@ -2257,7 +2266,7 @@
         <p:spPr>
           <a:xfrm>
             <a:off x="457200" y="1604520"/>
-            <a:ext cx="4015440" cy="1896840"/>
+            <a:ext cx="4015800" cy="1896840"/>
           </a:xfrm>
           <a:prstGeom prst="rect">
             <a:avLst/>
@@ -2282,8 +2291,8 @@
         </p:nvSpPr>
         <p:spPr>
           <a:xfrm>
-            <a:off x="4673880" y="1604520"/>
-            <a:ext cx="4015440" cy="1896840"/>
+            <a:off x="4674240" y="1604520"/>
+            <a:ext cx="4015800" cy="1896840"/>
           </a:xfrm>
           <a:prstGeom prst="rect">
             <a:avLst/>
@@ -2309,7 +2318,7 @@
         <p:spPr>
           <a:xfrm>
             <a:off x="457200" y="3682080"/>
-            <a:ext cx="8228880" cy="1896840"/>
+            <a:ext cx="8229240" cy="1896840"/>
           </a:xfrm>
           <a:prstGeom prst="rect">
             <a:avLst/>
@@ -2582,8 +2591,8 @@
         </p:nvSpPr>
         <p:spPr>
           <a:xfrm>
-            <a:off x="457200" y="274680"/>
-            <a:ext cx="8228520" cy="1142640"/>
+            <a:off x="457200" y="273600"/>
+            <a:ext cx="8229240" cy="1144800"/>
           </a:xfrm>
           <a:prstGeom prst="rect">
             <a:avLst/>
@@ -2593,6 +2602,12 @@
           <a:bodyPr lIns="0" rIns="0" tIns="0" bIns="0" anchor="ctr"/>
           <a:p>
             <a:pPr algn="ctr"/>
+            <a:r>
+              <a:rPr lang="pt-BR" sz="4400" spc="-1">
+                <a:latin typeface="Arial"/>
+              </a:rPr>
+              <a:t>Clique para editar o formato do texto do título</a:t>
+            </a:r>
             <a:endParaRPr/>
           </a:p>
         </p:txBody>
@@ -2610,7 +2625,7 @@
         <p:spPr>
           <a:xfrm>
             <a:off x="457200" y="1604520"/>
-            <a:ext cx="8228880" cy="3976920"/>
+            <a:ext cx="8229240" cy="3977280"/>
           </a:xfrm>
           <a:prstGeom prst="rect">
             <a:avLst/>
@@ -2628,7 +2643,7 @@
               <a:buChar char=""/>
             </a:pPr>
             <a:r>
-              <a:rPr lang="pt-BR" sz="1800" spc="-1">
+              <a:rPr lang="pt-BR" sz="3200" spc="-1">
                 <a:latin typeface="Arial"/>
               </a:rPr>
               <a:t>Clique para editar o formato do texto da estrutura de tópicos</a:t>
@@ -2645,7 +2660,7 @@
               <a:buChar char=""/>
             </a:pPr>
             <a:r>
-              <a:rPr lang="pt-BR" sz="1800" spc="-1">
+              <a:rPr lang="pt-BR" sz="2800" spc="-1">
                 <a:latin typeface="Arial"/>
               </a:rPr>
               <a:t>2.º nível da estrutura de tópicos</a:t>
@@ -2662,7 +2677,7 @@
               <a:buChar char=""/>
             </a:pPr>
             <a:r>
-              <a:rPr lang="pt-BR" sz="1800" spc="-1">
+              <a:rPr lang="pt-BR" sz="2400" spc="-1">
                 <a:latin typeface="Arial"/>
               </a:rPr>
               <a:t>3.º nível da estrutura de tópicos</a:t>
@@ -2679,7 +2694,7 @@
               <a:buChar char=""/>
             </a:pPr>
             <a:r>
-              <a:rPr lang="pt-BR" sz="1800" spc="-1">
+              <a:rPr lang="pt-BR" sz="2000" spc="-1">
                 <a:latin typeface="Arial"/>
               </a:rPr>
               <a:t>4.º nível da estrutura de tópicos</a:t>
@@ -2696,7 +2711,7 @@
               <a:buChar char=""/>
             </a:pPr>
             <a:r>
-              <a:rPr lang="pt-BR" sz="1800" spc="-1">
+              <a:rPr lang="pt-BR" sz="2000" spc="-1">
                 <a:latin typeface="Arial"/>
               </a:rPr>
               <a:t>5.º nível da estrutura de tópicos</a:t>
@@ -2713,7 +2728,7 @@
               <a:buChar char=""/>
             </a:pPr>
             <a:r>
-              <a:rPr lang="pt-BR" sz="1800" spc="-1">
+              <a:rPr lang="pt-BR" sz="2000" spc="-1">
                 <a:latin typeface="Arial"/>
               </a:rPr>
               <a:t>6.º nível da estrutura de tópicos</a:t>
@@ -2730,7 +2745,7 @@
               <a:buChar char=""/>
             </a:pPr>
             <a:r>
-              <a:rPr lang="pt-BR" sz="1800" spc="-1">
+              <a:rPr lang="pt-BR" sz="2000" spc="-1">
                 <a:latin typeface="Arial"/>
               </a:rPr>
               <a:t>7.º nível da estrutura de tópicos</a:t>
@@ -2785,7 +2800,7 @@
         <p:spPr>
           <a:xfrm>
             <a:off x="0" y="260640"/>
-            <a:ext cx="9143280" cy="5363280"/>
+            <a:ext cx="9142920" cy="5362920"/>
           </a:xfrm>
           <a:prstGeom prst="rect">
             <a:avLst/>
@@ -2822,7 +2837,7 @@
                 <a:latin typeface="Arial"/>
                 <a:ea typeface="DejaVu Sans"/>
               </a:rPr>
-              <a:t>Recursos Útilizados</a:t>
+              <a:t>Recursos Utilizados</a:t>
             </a:r>
             <a:endParaRPr/>
           </a:p>
@@ -3257,6 +3272,1693 @@
           <p:childTnLst>
             <p:seq>
               <p:cTn id="2" nodeType="mainSeq"/>
+              <p:prevCondLst>
+                <p:cond delay="0" evt="onPrev">
+                  <p:tgtEl>
+                    <p:sldTgt/>
+                  </p:tgtEl>
+                </p:cond>
+              </p:prevCondLst>
+              <p:nextCondLst>
+                <p:cond delay="0" evt="onNext">
+                  <p:tgtEl>
+                    <p:sldTgt/>
+                  </p:tgtEl>
+                </p:cond>
+              </p:nextCondLst>
+            </p:seq>
+          </p:childTnLst>
+        </p:cTn>
+      </p:par>
+    </p:tnLst>
+  </p:timing>
+</p:sld>
+</file>
+
+<file path=ppt/slides/slide10.xml><?xml version="1.0" encoding="utf-8"?>
+<p:sld xmlns:a="http://schemas.openxmlformats.org/drawingml/2006/main" xmlns:p="http://schemas.openxmlformats.org/presentationml/2006/main" xmlns:r="http://schemas.openxmlformats.org/officeDocument/2006/relationships">
+  <p:cSld>
+    <p:spTree>
+      <p:nvGrpSpPr>
+        <p:cNvPr id="1" name=""/>
+        <p:cNvGrpSpPr/>
+        <p:nvPr/>
+      </p:nvGrpSpPr>
+      <p:grpSpPr>
+        <a:xfrm>
+          <a:off x="0" y="0"/>
+          <a:ext cx="0" cy="0"/>
+          <a:chOff x="0" y="0"/>
+          <a:chExt cx="0" cy="0"/>
+        </a:xfrm>
+      </p:grpSpPr>
+      <p:pic>
+        <p:nvPicPr>
+          <p:cNvPr id="86" name="" descr=""/>
+          <p:cNvPicPr/>
+          <p:nvPr/>
+        </p:nvPicPr>
+        <p:blipFill>
+          <a:blip r:embed="rId1"/>
+          <a:stretch/>
+        </p:blipFill>
+        <p:spPr>
+          <a:xfrm>
+            <a:off x="271080" y="0"/>
+            <a:ext cx="8620920" cy="6857640"/>
+          </a:xfrm>
+          <a:prstGeom prst="rect">
+            <a:avLst/>
+          </a:prstGeom>
+          <a:ln>
+            <a:noFill/>
+          </a:ln>
+        </p:spPr>
+      </p:pic>
+    </p:spTree>
+  </p:cSld>
+  <p:timing>
+    <p:tnLst>
+      <p:par>
+        <p:cTn id="19" dur="indefinite" restart="never" nodeType="tmRoot">
+          <p:childTnLst>
+            <p:seq>
+              <p:cTn id="20" nodeType="mainSeq"/>
+              <p:prevCondLst>
+                <p:cond delay="0" evt="onPrev">
+                  <p:tgtEl>
+                    <p:sldTgt/>
+                  </p:tgtEl>
+                </p:cond>
+              </p:prevCondLst>
+              <p:nextCondLst>
+                <p:cond delay="0" evt="onNext">
+                  <p:tgtEl>
+                    <p:sldTgt/>
+                  </p:tgtEl>
+                </p:cond>
+              </p:nextCondLst>
+            </p:seq>
+          </p:childTnLst>
+        </p:cTn>
+      </p:par>
+    </p:tnLst>
+  </p:timing>
+</p:sld>
+</file>
+
+<file path=ppt/slides/slide11.xml><?xml version="1.0" encoding="utf-8"?>
+<p:sld xmlns:a="http://schemas.openxmlformats.org/drawingml/2006/main" xmlns:p="http://schemas.openxmlformats.org/presentationml/2006/main" xmlns:r="http://schemas.openxmlformats.org/officeDocument/2006/relationships">
+  <p:cSld>
+    <p:spTree>
+      <p:nvGrpSpPr>
+        <p:cNvPr id="1" name=""/>
+        <p:cNvGrpSpPr/>
+        <p:nvPr/>
+      </p:nvGrpSpPr>
+      <p:grpSpPr>
+        <a:xfrm>
+          <a:off x="0" y="0"/>
+          <a:ext cx="0" cy="0"/>
+          <a:chOff x="0" y="0"/>
+          <a:chExt cx="0" cy="0"/>
+        </a:xfrm>
+      </p:grpSpPr>
+      <p:sp>
+        <p:nvSpPr>
+          <p:cNvPr id="87" name="CustomShape 1"/>
+          <p:cNvSpPr/>
+          <p:nvPr/>
+        </p:nvSpPr>
+        <p:spPr>
+          <a:xfrm>
+            <a:off x="0" y="260640"/>
+            <a:ext cx="9142920" cy="7070040"/>
+          </a:xfrm>
+          <a:prstGeom prst="rect">
+            <a:avLst/>
+          </a:prstGeom>
+          <a:noFill/>
+          <a:ln>
+            <a:noFill/>
+          </a:ln>
+        </p:spPr>
+        <p:style>
+          <a:lnRef idx="0"/>
+          <a:fillRef idx="0"/>
+          <a:effectRef idx="0"/>
+          <a:fontRef idx="minor"/>
+        </p:style>
+        <p:txBody>
+          <a:bodyPr lIns="90000" rIns="90000" tIns="45000" bIns="45000"/>
+          <a:p>
+            <a:pPr algn="ctr">
+              <a:lnSpc>
+                <a:spcPct val="100000"/>
+              </a:lnSpc>
+            </a:pPr>
+            <a:endParaRPr/>
+          </a:p>
+          <a:p>
+            <a:pPr algn="ctr">
+              <a:lnSpc>
+                <a:spcPct val="100000"/>
+              </a:lnSpc>
+            </a:pPr>
+            <a:endParaRPr/>
+          </a:p>
+          <a:p>
+            <a:pPr algn="ctr">
+              <a:lnSpc>
+                <a:spcPct val="100000"/>
+              </a:lnSpc>
+            </a:pPr>
+            <a:r>
+              <a:rPr lang="pt-BR" sz="2000" spc="-1" strike="noStrike" u="sng">
+                <a:solidFill>
+                  <a:srgbClr val="77933c"/>
+                </a:solidFill>
+                <a:uFill>
+                  <a:solidFill>
+                    <a:srgbClr val="ffffff"/>
+                  </a:solidFill>
+                </a:uFill>
+                <a:latin typeface="Arial"/>
+                <a:ea typeface="DejaVu Sans"/>
+              </a:rPr>
+              <a:t>SpriteBatch</a:t>
+            </a:r>
+            <a:endParaRPr/>
+          </a:p>
+          <a:p>
+            <a:pPr algn="ctr">
+              <a:lnSpc>
+                <a:spcPct val="100000"/>
+              </a:lnSpc>
+            </a:pPr>
+            <a:endParaRPr/>
+          </a:p>
+          <a:p>
+            <a:pPr algn="ctr">
+              <a:lnSpc>
+                <a:spcPct val="100000"/>
+              </a:lnSpc>
+            </a:pPr>
+            <a:r>
+              <a:rPr lang="pt-BR" sz="1800" spc="-1" strike="noStrike">
+                <a:solidFill>
+                  <a:srgbClr val="000000"/>
+                </a:solidFill>
+                <a:uFill>
+                  <a:solidFill>
+                    <a:srgbClr val="ffffff"/>
+                  </a:solidFill>
+                </a:uFill>
+                <a:latin typeface="Arial"/>
+                <a:ea typeface="DejaVu Sans"/>
+              </a:rPr>
+              <a:t>É a função que é encarregada por desenhar os sprites/texturas na tela, sua implementação é nativa do XNA.</a:t>
+            </a:r>
+            <a:endParaRPr/>
+          </a:p>
+          <a:p>
+            <a:pPr>
+              <a:lnSpc>
+                <a:spcPct val="100000"/>
+              </a:lnSpc>
+            </a:pPr>
+            <a:endParaRPr/>
+          </a:p>
+          <a:p>
+            <a:pPr algn="ctr">
+              <a:lnSpc>
+                <a:spcPct val="100000"/>
+              </a:lnSpc>
+            </a:pPr>
+            <a:r>
+              <a:rPr lang="pt-BR" sz="2000" spc="-1" strike="noStrike" u="sng">
+                <a:solidFill>
+                  <a:srgbClr val="31859c"/>
+                </a:solidFill>
+                <a:uFill>
+                  <a:solidFill>
+                    <a:srgbClr val="ffffff"/>
+                  </a:solidFill>
+                </a:uFill>
+                <a:latin typeface="Arial"/>
+                <a:ea typeface="DejaVu Sans"/>
+              </a:rPr>
+              <a:t>Uso</a:t>
+            </a:r>
+            <a:r>
+              <a:rPr lang="pt-BR" sz="2000" spc="-1" strike="noStrike">
+                <a:solidFill>
+                  <a:srgbClr val="31859c"/>
+                </a:solidFill>
+                <a:uFill>
+                  <a:solidFill>
+                    <a:srgbClr val="ffffff"/>
+                  </a:solidFill>
+                </a:uFill>
+                <a:latin typeface="Arial"/>
+                <a:ea typeface="DejaVu Sans"/>
+              </a:rPr>
+              <a:t> </a:t>
+            </a:r>
+            <a:endParaRPr/>
+          </a:p>
+          <a:p>
+            <a:pPr algn="ctr">
+              <a:lnSpc>
+                <a:spcPct val="100000"/>
+              </a:lnSpc>
+            </a:pPr>
+            <a:endParaRPr/>
+          </a:p>
+          <a:p>
+            <a:pPr algn="ctr">
+              <a:lnSpc>
+                <a:spcPct val="100000"/>
+              </a:lnSpc>
+            </a:pPr>
+            <a:r>
+              <a:rPr lang="pt-BR" sz="1800" spc="-1" strike="noStrike">
+                <a:solidFill>
+                  <a:srgbClr val="000000"/>
+                </a:solidFill>
+                <a:uFill>
+                  <a:solidFill>
+                    <a:srgbClr val="ffffff"/>
+                  </a:solidFill>
+                </a:uFill>
+                <a:latin typeface="Arial"/>
+                <a:ea typeface="DejaVu Sans"/>
+              </a:rPr>
+              <a:t>spriteBatch</a:t>
+            </a:r>
+            <a:r>
+              <a:rPr lang="pt-BR" sz="1800" spc="-1" strike="noStrike">
+                <a:solidFill>
+                  <a:srgbClr val="77933c"/>
+                </a:solidFill>
+                <a:uFill>
+                  <a:solidFill>
+                    <a:srgbClr val="ffffff"/>
+                  </a:solidFill>
+                </a:uFill>
+                <a:latin typeface="Arial"/>
+                <a:ea typeface="DejaVu Sans"/>
+              </a:rPr>
+              <a:t>.</a:t>
+            </a:r>
+            <a:r>
+              <a:rPr lang="pt-BR" sz="1800" spc="-1" strike="noStrike">
+                <a:solidFill>
+                  <a:srgbClr val="000000"/>
+                </a:solidFill>
+                <a:uFill>
+                  <a:solidFill>
+                    <a:srgbClr val="ffffff"/>
+                  </a:solidFill>
+                </a:uFill>
+                <a:latin typeface="Arial"/>
+                <a:ea typeface="DejaVu Sans"/>
+              </a:rPr>
+              <a:t>Begin</a:t>
+            </a:r>
+            <a:r>
+              <a:rPr lang="pt-BR" sz="1800" spc="-1" strike="noStrike">
+                <a:solidFill>
+                  <a:srgbClr val="31859c"/>
+                </a:solidFill>
+                <a:uFill>
+                  <a:solidFill>
+                    <a:srgbClr val="ffffff"/>
+                  </a:solidFill>
+                </a:uFill>
+                <a:latin typeface="Arial"/>
+                <a:ea typeface="DejaVu Sans"/>
+              </a:rPr>
+              <a:t>(0, </a:t>
+            </a:r>
+            <a:r>
+              <a:rPr lang="pt-BR" sz="1800" spc="-1" strike="noStrike">
+                <a:solidFill>
+                  <a:srgbClr val="77933c"/>
+                </a:solidFill>
+                <a:uFill>
+                  <a:solidFill>
+                    <a:srgbClr val="ffffff"/>
+                  </a:solidFill>
+                </a:uFill>
+                <a:latin typeface="Arial"/>
+                <a:ea typeface="DejaVu Sans"/>
+              </a:rPr>
+              <a:t>BlendState</a:t>
+            </a:r>
+            <a:r>
+              <a:rPr lang="pt-BR" sz="1800" spc="-1" strike="noStrike">
+                <a:solidFill>
+                  <a:srgbClr val="31859c"/>
+                </a:solidFill>
+                <a:uFill>
+                  <a:solidFill>
+                    <a:srgbClr val="ffffff"/>
+                  </a:solidFill>
+                </a:uFill>
+                <a:latin typeface="Arial"/>
+                <a:ea typeface="DejaVu Sans"/>
+              </a:rPr>
+              <a:t>.</a:t>
+            </a:r>
+            <a:r>
+              <a:rPr lang="pt-BR" sz="1800" spc="-1" strike="noStrike">
+                <a:solidFill>
+                  <a:srgbClr val="000000"/>
+                </a:solidFill>
+                <a:uFill>
+                  <a:solidFill>
+                    <a:srgbClr val="ffffff"/>
+                  </a:solidFill>
+                </a:uFill>
+                <a:latin typeface="Arial"/>
+                <a:ea typeface="DejaVu Sans"/>
+              </a:rPr>
+              <a:t>NonPremultiplied</a:t>
+            </a:r>
+            <a:r>
+              <a:rPr lang="pt-BR" sz="1800" spc="-1" strike="noStrike">
+                <a:solidFill>
+                  <a:srgbClr val="31859c"/>
+                </a:solidFill>
+                <a:uFill>
+                  <a:solidFill>
+                    <a:srgbClr val="ffffff"/>
+                  </a:solidFill>
+                </a:uFill>
+                <a:latin typeface="Arial"/>
+                <a:ea typeface="DejaVu Sans"/>
+              </a:rPr>
+              <a:t>);</a:t>
+            </a:r>
+            <a:endParaRPr/>
+          </a:p>
+          <a:p>
+            <a:pPr algn="ctr">
+              <a:lnSpc>
+                <a:spcPct val="100000"/>
+              </a:lnSpc>
+            </a:pPr>
+            <a:r>
+              <a:rPr lang="pt-BR" sz="1800" spc="-1" strike="noStrike">
+                <a:solidFill>
+                  <a:srgbClr val="000000"/>
+                </a:solidFill>
+                <a:uFill>
+                  <a:solidFill>
+                    <a:srgbClr val="ffffff"/>
+                  </a:solidFill>
+                </a:uFill>
+                <a:latin typeface="Arial"/>
+                <a:ea typeface="DejaVu Sans"/>
+              </a:rPr>
+              <a:t>spriteBatch</a:t>
+            </a:r>
+            <a:r>
+              <a:rPr lang="pt-BR" sz="1800" spc="-1" strike="noStrike">
+                <a:solidFill>
+                  <a:srgbClr val="77933c"/>
+                </a:solidFill>
+                <a:uFill>
+                  <a:solidFill>
+                    <a:srgbClr val="ffffff"/>
+                  </a:solidFill>
+                </a:uFill>
+                <a:latin typeface="Arial"/>
+                <a:ea typeface="DejaVu Sans"/>
+              </a:rPr>
+              <a:t>.</a:t>
+            </a:r>
+            <a:r>
+              <a:rPr lang="pt-BR" sz="1800" spc="-1" strike="noStrike">
+                <a:solidFill>
+                  <a:srgbClr val="000000"/>
+                </a:solidFill>
+                <a:uFill>
+                  <a:solidFill>
+                    <a:srgbClr val="ffffff"/>
+                  </a:solidFill>
+                </a:uFill>
+                <a:latin typeface="Arial"/>
+                <a:ea typeface="DejaVu Sans"/>
+              </a:rPr>
+              <a:t>End();</a:t>
+            </a:r>
+            <a:endParaRPr/>
+          </a:p>
+          <a:p>
+            <a:pPr algn="ctr">
+              <a:lnSpc>
+                <a:spcPct val="100000"/>
+              </a:lnSpc>
+            </a:pPr>
+            <a:r>
+              <a:rPr lang="pt-BR" sz="1800" spc="-1" strike="noStrike">
+                <a:solidFill>
+                  <a:srgbClr val="000000"/>
+                </a:solidFill>
+                <a:uFill>
+                  <a:solidFill>
+                    <a:srgbClr val="ffffff"/>
+                  </a:solidFill>
+                </a:uFill>
+                <a:latin typeface="Arial"/>
+                <a:ea typeface="DejaVu Sans"/>
+              </a:rPr>
+              <a:t>spriteBatch</a:t>
+            </a:r>
+            <a:r>
+              <a:rPr lang="pt-BR" sz="1800" spc="-1" strike="noStrike">
+                <a:solidFill>
+                  <a:srgbClr val="77933c"/>
+                </a:solidFill>
+                <a:uFill>
+                  <a:solidFill>
+                    <a:srgbClr val="ffffff"/>
+                  </a:solidFill>
+                </a:uFill>
+                <a:latin typeface="Arial"/>
+                <a:ea typeface="DejaVu Sans"/>
+              </a:rPr>
+              <a:t>.</a:t>
+            </a:r>
+            <a:r>
+              <a:rPr lang="pt-BR" sz="1800" spc="-1" strike="noStrike">
+                <a:solidFill>
+                  <a:srgbClr val="000000"/>
+                </a:solidFill>
+                <a:uFill>
+                  <a:solidFill>
+                    <a:srgbClr val="ffffff"/>
+                  </a:solidFill>
+                </a:uFill>
+                <a:latin typeface="Arial"/>
+                <a:ea typeface="DejaVu Sans"/>
+              </a:rPr>
+              <a:t>Draw</a:t>
+            </a:r>
+            <a:r>
+              <a:rPr lang="pt-BR" sz="1800" spc="-1" strike="noStrike">
+                <a:solidFill>
+                  <a:srgbClr val="77933c"/>
+                </a:solidFill>
+                <a:uFill>
+                  <a:solidFill>
+                    <a:srgbClr val="ffffff"/>
+                  </a:solidFill>
+                </a:uFill>
+                <a:latin typeface="Arial"/>
+                <a:ea typeface="DejaVu Sans"/>
+              </a:rPr>
+              <a:t>(Texture2D, Vector2, Color);</a:t>
+            </a:r>
+            <a:r>
+              <a:rPr lang="pt-BR" sz="1800" spc="-1" strike="noStrike">
+                <a:solidFill>
+                  <a:srgbClr val="000000"/>
+                </a:solidFill>
+                <a:uFill>
+                  <a:solidFill>
+                    <a:srgbClr val="ffffff"/>
+                  </a:solidFill>
+                </a:uFill>
+                <a:latin typeface="Arial"/>
+                <a:ea typeface="DejaVu Sans"/>
+              </a:rPr>
+              <a:t>;</a:t>
+            </a:r>
+            <a:endParaRPr/>
+          </a:p>
+          <a:p>
+            <a:pPr algn="ctr">
+              <a:lnSpc>
+                <a:spcPct val="100000"/>
+              </a:lnSpc>
+            </a:pPr>
+            <a:endParaRPr/>
+          </a:p>
+          <a:p>
+            <a:pPr algn="ctr">
+              <a:lnSpc>
+                <a:spcPct val="100000"/>
+              </a:lnSpc>
+            </a:pPr>
+            <a:endParaRPr/>
+          </a:p>
+          <a:p>
+            <a:pPr algn="ctr">
+              <a:lnSpc>
+                <a:spcPct val="100000"/>
+              </a:lnSpc>
+            </a:pPr>
+            <a:endParaRPr/>
+          </a:p>
+          <a:p>
+            <a:pPr algn="ctr">
+              <a:lnSpc>
+                <a:spcPct val="100000"/>
+              </a:lnSpc>
+            </a:pPr>
+            <a:endParaRPr/>
+          </a:p>
+          <a:p>
+            <a:pPr algn="ctr">
+              <a:lnSpc>
+                <a:spcPct val="100000"/>
+              </a:lnSpc>
+            </a:pPr>
+            <a:endParaRPr/>
+          </a:p>
+          <a:p>
+            <a:pPr algn="ctr">
+              <a:lnSpc>
+                <a:spcPct val="100000"/>
+              </a:lnSpc>
+            </a:pPr>
+            <a:endParaRPr/>
+          </a:p>
+          <a:p>
+            <a:pPr>
+              <a:lnSpc>
+                <a:spcPct val="100000"/>
+              </a:lnSpc>
+            </a:pPr>
+            <a:endParaRPr/>
+          </a:p>
+          <a:p>
+            <a:pPr>
+              <a:lnSpc>
+                <a:spcPct val="100000"/>
+              </a:lnSpc>
+            </a:pPr>
+            <a:endParaRPr/>
+          </a:p>
+          <a:p>
+            <a:pPr>
+              <a:lnSpc>
+                <a:spcPct val="100000"/>
+              </a:lnSpc>
+            </a:pPr>
+            <a:endParaRPr/>
+          </a:p>
+        </p:txBody>
+      </p:sp>
+    </p:spTree>
+  </p:cSld>
+  <p:timing>
+    <p:tnLst>
+      <p:par>
+        <p:cTn id="21" dur="indefinite" restart="never" nodeType="tmRoot">
+          <p:childTnLst>
+            <p:seq>
+              <p:cTn id="22" nodeType="mainSeq"/>
+              <p:prevCondLst>
+                <p:cond delay="0" evt="onPrev">
+                  <p:tgtEl>
+                    <p:sldTgt/>
+                  </p:tgtEl>
+                </p:cond>
+              </p:prevCondLst>
+              <p:nextCondLst>
+                <p:cond delay="0" evt="onNext">
+                  <p:tgtEl>
+                    <p:sldTgt/>
+                  </p:tgtEl>
+                </p:cond>
+              </p:nextCondLst>
+            </p:seq>
+          </p:childTnLst>
+        </p:cTn>
+      </p:par>
+    </p:tnLst>
+  </p:timing>
+</p:sld>
+</file>
+
+<file path=ppt/slides/slide12.xml><?xml version="1.0" encoding="utf-8"?>
+<p:sld xmlns:a="http://schemas.openxmlformats.org/drawingml/2006/main" xmlns:p="http://schemas.openxmlformats.org/presentationml/2006/main" xmlns:r="http://schemas.openxmlformats.org/officeDocument/2006/relationships">
+  <p:cSld>
+    <p:spTree>
+      <p:nvGrpSpPr>
+        <p:cNvPr id="1" name=""/>
+        <p:cNvGrpSpPr/>
+        <p:nvPr/>
+      </p:nvGrpSpPr>
+      <p:grpSpPr>
+        <a:xfrm>
+          <a:off x="0" y="0"/>
+          <a:ext cx="0" cy="0"/>
+          <a:chOff x="0" y="0"/>
+          <a:chExt cx="0" cy="0"/>
+        </a:xfrm>
+      </p:grpSpPr>
+      <p:pic>
+        <p:nvPicPr>
+          <p:cNvPr id="88" name="" descr=""/>
+          <p:cNvPicPr/>
+          <p:nvPr/>
+        </p:nvPicPr>
+        <p:blipFill>
+          <a:blip r:embed="rId1"/>
+          <a:stretch/>
+        </p:blipFill>
+        <p:spPr>
+          <a:xfrm>
+            <a:off x="235080" y="36360"/>
+            <a:ext cx="8620920" cy="6857640"/>
+          </a:xfrm>
+          <a:prstGeom prst="rect">
+            <a:avLst/>
+          </a:prstGeom>
+          <a:ln>
+            <a:noFill/>
+          </a:ln>
+        </p:spPr>
+      </p:pic>
+    </p:spTree>
+  </p:cSld>
+  <p:timing>
+    <p:tnLst>
+      <p:par>
+        <p:cTn id="23" dur="indefinite" restart="never" nodeType="tmRoot">
+          <p:childTnLst>
+            <p:seq>
+              <p:cTn id="24" nodeType="mainSeq"/>
+              <p:prevCondLst>
+                <p:cond delay="0" evt="onPrev">
+                  <p:tgtEl>
+                    <p:sldTgt/>
+                  </p:tgtEl>
+                </p:cond>
+              </p:prevCondLst>
+              <p:nextCondLst>
+                <p:cond delay="0" evt="onNext">
+                  <p:tgtEl>
+                    <p:sldTgt/>
+                  </p:tgtEl>
+                </p:cond>
+              </p:nextCondLst>
+            </p:seq>
+          </p:childTnLst>
+        </p:cTn>
+      </p:par>
+    </p:tnLst>
+  </p:timing>
+</p:sld>
+</file>
+
+<file path=ppt/slides/slide13.xml><?xml version="1.0" encoding="utf-8"?>
+<p:sld xmlns:a="http://schemas.openxmlformats.org/drawingml/2006/main" xmlns:p="http://schemas.openxmlformats.org/presentationml/2006/main" xmlns:r="http://schemas.openxmlformats.org/officeDocument/2006/relationships">
+  <p:cSld>
+    <p:spTree>
+      <p:nvGrpSpPr>
+        <p:cNvPr id="1" name=""/>
+        <p:cNvGrpSpPr/>
+        <p:nvPr/>
+      </p:nvGrpSpPr>
+      <p:grpSpPr>
+        <a:xfrm>
+          <a:off x="0" y="0"/>
+          <a:ext cx="0" cy="0"/>
+          <a:chOff x="0" y="0"/>
+          <a:chExt cx="0" cy="0"/>
+        </a:xfrm>
+      </p:grpSpPr>
+      <p:sp>
+        <p:nvSpPr>
+          <p:cNvPr id="89" name="CustomShape 1"/>
+          <p:cNvSpPr/>
+          <p:nvPr/>
+        </p:nvSpPr>
+        <p:spPr>
+          <a:xfrm>
+            <a:off x="0" y="260640"/>
+            <a:ext cx="9142920" cy="5698440"/>
+          </a:xfrm>
+          <a:prstGeom prst="rect">
+            <a:avLst/>
+          </a:prstGeom>
+          <a:noFill/>
+          <a:ln>
+            <a:noFill/>
+          </a:ln>
+        </p:spPr>
+        <p:style>
+          <a:lnRef idx="0"/>
+          <a:fillRef idx="0"/>
+          <a:effectRef idx="0"/>
+          <a:fontRef idx="minor"/>
+        </p:style>
+        <p:txBody>
+          <a:bodyPr lIns="90000" rIns="90000" tIns="45000" bIns="45000"/>
+          <a:p>
+            <a:pPr algn="ctr">
+              <a:lnSpc>
+                <a:spcPct val="100000"/>
+              </a:lnSpc>
+            </a:pPr>
+            <a:endParaRPr/>
+          </a:p>
+          <a:p>
+            <a:pPr algn="ctr">
+              <a:lnSpc>
+                <a:spcPct val="100000"/>
+              </a:lnSpc>
+            </a:pPr>
+            <a:endParaRPr/>
+          </a:p>
+          <a:p>
+            <a:pPr algn="ctr">
+              <a:lnSpc>
+                <a:spcPct val="100000"/>
+              </a:lnSpc>
+            </a:pPr>
+            <a:r>
+              <a:rPr lang="pt-BR" sz="2000" spc="-1" strike="noStrike" u="sng">
+                <a:solidFill>
+                  <a:srgbClr val="77933c"/>
+                </a:solidFill>
+                <a:uFill>
+                  <a:solidFill>
+                    <a:srgbClr val="ffffff"/>
+                  </a:solidFill>
+                </a:uFill>
+                <a:latin typeface="Arial"/>
+                <a:ea typeface="DejaVu Sans"/>
+              </a:rPr>
+              <a:t>GameTime</a:t>
+            </a:r>
+            <a:endParaRPr/>
+          </a:p>
+          <a:p>
+            <a:pPr algn="ctr">
+              <a:lnSpc>
+                <a:spcPct val="100000"/>
+              </a:lnSpc>
+            </a:pPr>
+            <a:endParaRPr/>
+          </a:p>
+          <a:p>
+            <a:pPr algn="ctr">
+              <a:lnSpc>
+                <a:spcPct val="100000"/>
+              </a:lnSpc>
+            </a:pPr>
+            <a:r>
+              <a:rPr lang="pt-BR" sz="1800" spc="-1" strike="noStrike">
+                <a:solidFill>
+                  <a:srgbClr val="000000"/>
+                </a:solidFill>
+                <a:uFill>
+                  <a:solidFill>
+                    <a:srgbClr val="ffffff"/>
+                  </a:solidFill>
+                </a:uFill>
+                <a:latin typeface="Arial"/>
+                <a:ea typeface="DejaVu Sans"/>
+              </a:rPr>
+              <a:t>É a função que é encarregada de gerenciar o tempo do jogo (linha de tempo), sua implementação é nativa do XNA.</a:t>
+            </a:r>
+            <a:endParaRPr/>
+          </a:p>
+          <a:p>
+            <a:pPr>
+              <a:lnSpc>
+                <a:spcPct val="100000"/>
+              </a:lnSpc>
+            </a:pPr>
+            <a:endParaRPr/>
+          </a:p>
+          <a:p>
+            <a:pPr algn="ctr">
+              <a:lnSpc>
+                <a:spcPct val="100000"/>
+              </a:lnSpc>
+            </a:pPr>
+            <a:r>
+              <a:rPr lang="pt-BR" sz="2000" spc="-1" strike="noStrike" u="sng">
+                <a:solidFill>
+                  <a:srgbClr val="31859c"/>
+                </a:solidFill>
+                <a:uFill>
+                  <a:solidFill>
+                    <a:srgbClr val="ffffff"/>
+                  </a:solidFill>
+                </a:uFill>
+                <a:latin typeface="Arial"/>
+                <a:ea typeface="DejaVu Sans"/>
+              </a:rPr>
+              <a:t>Uso</a:t>
+            </a:r>
+            <a:r>
+              <a:rPr lang="pt-BR" sz="2000" spc="-1" strike="noStrike">
+                <a:solidFill>
+                  <a:srgbClr val="31859c"/>
+                </a:solidFill>
+                <a:uFill>
+                  <a:solidFill>
+                    <a:srgbClr val="ffffff"/>
+                  </a:solidFill>
+                </a:uFill>
+                <a:latin typeface="Arial"/>
+                <a:ea typeface="DejaVu Sans"/>
+              </a:rPr>
+              <a:t> </a:t>
+            </a:r>
+            <a:endParaRPr/>
+          </a:p>
+          <a:p>
+            <a:pPr algn="ctr">
+              <a:lnSpc>
+                <a:spcPct val="100000"/>
+              </a:lnSpc>
+            </a:pPr>
+            <a:endParaRPr/>
+          </a:p>
+          <a:p>
+            <a:pPr algn="ctr">
+              <a:lnSpc>
+                <a:spcPct val="100000"/>
+              </a:lnSpc>
+            </a:pPr>
+            <a:r>
+              <a:rPr lang="pt-BR" sz="1800" spc="-1" strike="noStrike">
+                <a:solidFill>
+                  <a:srgbClr val="77933c"/>
+                </a:solidFill>
+                <a:uFill>
+                  <a:solidFill>
+                    <a:srgbClr val="ffffff"/>
+                  </a:solidFill>
+                </a:uFill>
+                <a:latin typeface="Arial"/>
+                <a:ea typeface="DejaVu Sans"/>
+              </a:rPr>
+              <a:t>gametime</a:t>
+            </a:r>
+            <a:r>
+              <a:rPr lang="pt-BR" sz="1800" spc="-1" strike="noStrike">
+                <a:solidFill>
+                  <a:srgbClr val="000000"/>
+                </a:solidFill>
+                <a:uFill>
+                  <a:solidFill>
+                    <a:srgbClr val="ffffff"/>
+                  </a:solidFill>
+                </a:uFill>
+                <a:latin typeface="Arial"/>
+                <a:ea typeface="DejaVu Sans"/>
+              </a:rPr>
+              <a:t>.ElapsedGameTime.Milliseconds;</a:t>
+            </a:r>
+            <a:endParaRPr/>
+          </a:p>
+          <a:p>
+            <a:pPr algn="ctr">
+              <a:lnSpc>
+                <a:spcPct val="100000"/>
+              </a:lnSpc>
+            </a:pPr>
+            <a:endParaRPr/>
+          </a:p>
+          <a:p>
+            <a:pPr algn="ctr">
+              <a:lnSpc>
+                <a:spcPct val="100000"/>
+              </a:lnSpc>
+            </a:pPr>
+            <a:endParaRPr/>
+          </a:p>
+          <a:p>
+            <a:pPr algn="ctr">
+              <a:lnSpc>
+                <a:spcPct val="100000"/>
+              </a:lnSpc>
+            </a:pPr>
+            <a:endParaRPr/>
+          </a:p>
+          <a:p>
+            <a:pPr algn="ctr">
+              <a:lnSpc>
+                <a:spcPct val="100000"/>
+              </a:lnSpc>
+            </a:pPr>
+            <a:endParaRPr/>
+          </a:p>
+          <a:p>
+            <a:pPr algn="ctr">
+              <a:lnSpc>
+                <a:spcPct val="100000"/>
+              </a:lnSpc>
+            </a:pPr>
+            <a:endParaRPr/>
+          </a:p>
+          <a:p>
+            <a:pPr>
+              <a:lnSpc>
+                <a:spcPct val="100000"/>
+              </a:lnSpc>
+            </a:pPr>
+            <a:endParaRPr/>
+          </a:p>
+          <a:p>
+            <a:pPr>
+              <a:lnSpc>
+                <a:spcPct val="100000"/>
+              </a:lnSpc>
+            </a:pPr>
+            <a:endParaRPr/>
+          </a:p>
+          <a:p>
+            <a:pPr>
+              <a:lnSpc>
+                <a:spcPct val="100000"/>
+              </a:lnSpc>
+            </a:pPr>
+            <a:endParaRPr/>
+          </a:p>
+        </p:txBody>
+      </p:sp>
+    </p:spTree>
+  </p:cSld>
+  <p:timing>
+    <p:tnLst>
+      <p:par>
+        <p:cTn id="25" dur="indefinite" restart="never" nodeType="tmRoot">
+          <p:childTnLst>
+            <p:seq>
+              <p:cTn id="26" nodeType="mainSeq"/>
+              <p:prevCondLst>
+                <p:cond delay="0" evt="onPrev">
+                  <p:tgtEl>
+                    <p:sldTgt/>
+                  </p:tgtEl>
+                </p:cond>
+              </p:prevCondLst>
+              <p:nextCondLst>
+                <p:cond delay="0" evt="onNext">
+                  <p:tgtEl>
+                    <p:sldTgt/>
+                  </p:tgtEl>
+                </p:cond>
+              </p:nextCondLst>
+            </p:seq>
+          </p:childTnLst>
+        </p:cTn>
+      </p:par>
+    </p:tnLst>
+  </p:timing>
+</p:sld>
+</file>
+
+<file path=ppt/slides/slide14.xml><?xml version="1.0" encoding="utf-8"?>
+<p:sld xmlns:a="http://schemas.openxmlformats.org/drawingml/2006/main" xmlns:p="http://schemas.openxmlformats.org/presentationml/2006/main" xmlns:r="http://schemas.openxmlformats.org/officeDocument/2006/relationships">
+  <p:cSld>
+    <p:spTree>
+      <p:nvGrpSpPr>
+        <p:cNvPr id="1" name=""/>
+        <p:cNvGrpSpPr/>
+        <p:nvPr/>
+      </p:nvGrpSpPr>
+      <p:grpSpPr>
+        <a:xfrm>
+          <a:off x="0" y="0"/>
+          <a:ext cx="0" cy="0"/>
+          <a:chOff x="0" y="0"/>
+          <a:chExt cx="0" cy="0"/>
+        </a:xfrm>
+      </p:grpSpPr>
+      <p:sp>
+        <p:nvSpPr>
+          <p:cNvPr id="90" name="CustomShape 1"/>
+          <p:cNvSpPr/>
+          <p:nvPr/>
+        </p:nvSpPr>
+        <p:spPr>
+          <a:xfrm>
+            <a:off x="0" y="260640"/>
+            <a:ext cx="9142920" cy="7070040"/>
+          </a:xfrm>
+          <a:prstGeom prst="rect">
+            <a:avLst/>
+          </a:prstGeom>
+          <a:noFill/>
+          <a:ln>
+            <a:noFill/>
+          </a:ln>
+        </p:spPr>
+        <p:style>
+          <a:lnRef idx="0"/>
+          <a:fillRef idx="0"/>
+          <a:effectRef idx="0"/>
+          <a:fontRef idx="minor"/>
+        </p:style>
+        <p:txBody>
+          <a:bodyPr lIns="90000" rIns="90000" tIns="45000" bIns="45000"/>
+          <a:p>
+            <a:pPr algn="ctr">
+              <a:lnSpc>
+                <a:spcPct val="100000"/>
+              </a:lnSpc>
+            </a:pPr>
+            <a:endParaRPr/>
+          </a:p>
+          <a:p>
+            <a:pPr algn="ctr">
+              <a:lnSpc>
+                <a:spcPct val="100000"/>
+              </a:lnSpc>
+            </a:pPr>
+            <a:endParaRPr/>
+          </a:p>
+          <a:p>
+            <a:pPr algn="ctr">
+              <a:lnSpc>
+                <a:spcPct val="100000"/>
+              </a:lnSpc>
+            </a:pPr>
+            <a:r>
+              <a:rPr lang="pt-BR" sz="2000" spc="-1" strike="noStrike" u="sng">
+                <a:solidFill>
+                  <a:srgbClr val="77933c"/>
+                </a:solidFill>
+                <a:uFill>
+                  <a:solidFill>
+                    <a:srgbClr val="ffffff"/>
+                  </a:solidFill>
+                </a:uFill>
+                <a:latin typeface="Arial"/>
+                <a:ea typeface="DejaVu Sans"/>
+              </a:rPr>
+              <a:t>List</a:t>
+            </a:r>
+            <a:endParaRPr/>
+          </a:p>
+          <a:p>
+            <a:pPr algn="ctr">
+              <a:lnSpc>
+                <a:spcPct val="100000"/>
+              </a:lnSpc>
+            </a:pPr>
+            <a:endParaRPr/>
+          </a:p>
+          <a:p>
+            <a:pPr algn="ctr">
+              <a:lnSpc>
+                <a:spcPct val="100000"/>
+              </a:lnSpc>
+            </a:pPr>
+            <a:r>
+              <a:rPr lang="pt-BR" sz="1800" spc="-1" strike="noStrike">
+                <a:solidFill>
+                  <a:srgbClr val="000000"/>
+                </a:solidFill>
+                <a:uFill>
+                  <a:solidFill>
+                    <a:srgbClr val="ffffff"/>
+                  </a:solidFill>
+                </a:uFill>
+                <a:latin typeface="Arial"/>
+                <a:ea typeface="DejaVu Sans"/>
+              </a:rPr>
+              <a:t>É a estrutura que vamos usar para organizar e agrupar determinado tipo de objeto.</a:t>
+            </a:r>
+            <a:endParaRPr/>
+          </a:p>
+          <a:p>
+            <a:pPr>
+              <a:lnSpc>
+                <a:spcPct val="100000"/>
+              </a:lnSpc>
+            </a:pPr>
+            <a:endParaRPr/>
+          </a:p>
+          <a:p>
+            <a:pPr algn="ctr">
+              <a:lnSpc>
+                <a:spcPct val="100000"/>
+              </a:lnSpc>
+            </a:pPr>
+            <a:r>
+              <a:rPr lang="pt-BR" sz="2000" spc="-1" strike="noStrike" u="sng">
+                <a:solidFill>
+                  <a:srgbClr val="31859c"/>
+                </a:solidFill>
+                <a:uFill>
+                  <a:solidFill>
+                    <a:srgbClr val="ffffff"/>
+                  </a:solidFill>
+                </a:uFill>
+                <a:latin typeface="Arial"/>
+                <a:ea typeface="DejaVu Sans"/>
+              </a:rPr>
+              <a:t>Uso</a:t>
+            </a:r>
+            <a:r>
+              <a:rPr lang="pt-BR" sz="2000" spc="-1" strike="noStrike">
+                <a:solidFill>
+                  <a:srgbClr val="31859c"/>
+                </a:solidFill>
+                <a:uFill>
+                  <a:solidFill>
+                    <a:srgbClr val="ffffff"/>
+                  </a:solidFill>
+                </a:uFill>
+                <a:latin typeface="Arial"/>
+                <a:ea typeface="DejaVu Sans"/>
+              </a:rPr>
+              <a:t> </a:t>
+            </a:r>
+            <a:endParaRPr/>
+          </a:p>
+          <a:p>
+            <a:pPr algn="ctr">
+              <a:lnSpc>
+                <a:spcPct val="100000"/>
+              </a:lnSpc>
+            </a:pPr>
+            <a:endParaRPr/>
+          </a:p>
+          <a:p>
+            <a:pPr algn="ctr">
+              <a:lnSpc>
+                <a:spcPct val="100000"/>
+              </a:lnSpc>
+            </a:pPr>
+            <a:r>
+              <a:rPr lang="pt-BR" sz="1800" spc="-1" strike="noStrike">
+                <a:solidFill>
+                  <a:srgbClr val="77933c"/>
+                </a:solidFill>
+                <a:uFill>
+                  <a:solidFill>
+                    <a:srgbClr val="ffffff"/>
+                  </a:solidFill>
+                </a:uFill>
+                <a:latin typeface="Arial"/>
+                <a:ea typeface="DejaVu Sans"/>
+              </a:rPr>
+              <a:t>List&lt;String&gt; </a:t>
+            </a:r>
+            <a:r>
+              <a:rPr lang="pt-BR" sz="1800" spc="-1" strike="noStrike">
+                <a:solidFill>
+                  <a:srgbClr val="000000"/>
+                </a:solidFill>
+                <a:uFill>
+                  <a:solidFill>
+                    <a:srgbClr val="ffffff"/>
+                  </a:solidFill>
+                </a:uFill>
+                <a:latin typeface="Arial"/>
+                <a:ea typeface="DejaVu Sans"/>
+              </a:rPr>
+              <a:t>listaDeTexto</a:t>
+            </a:r>
+            <a:r>
+              <a:rPr lang="pt-BR" sz="1800" spc="-1" strike="noStrike">
+                <a:solidFill>
+                  <a:srgbClr val="77933c"/>
+                </a:solidFill>
+                <a:uFill>
+                  <a:solidFill>
+                    <a:srgbClr val="ffffff"/>
+                  </a:solidFill>
+                </a:uFill>
+                <a:latin typeface="Arial"/>
+                <a:ea typeface="DejaVu Sans"/>
+              </a:rPr>
+              <a:t> = new List&lt;String&gt;;</a:t>
+            </a:r>
+            <a:endParaRPr/>
+          </a:p>
+          <a:p>
+            <a:pPr algn="ctr">
+              <a:lnSpc>
+                <a:spcPct val="100000"/>
+              </a:lnSpc>
+            </a:pPr>
+            <a:r>
+              <a:rPr lang="pt-BR" sz="1800" spc="-1" strike="noStrike">
+                <a:solidFill>
+                  <a:srgbClr val="000000"/>
+                </a:solidFill>
+                <a:uFill>
+                  <a:solidFill>
+                    <a:srgbClr val="ffffff"/>
+                  </a:solidFill>
+                </a:uFill>
+                <a:latin typeface="Arial"/>
+                <a:ea typeface="DejaVu Sans"/>
+              </a:rPr>
+              <a:t>listaDeTexto</a:t>
+            </a:r>
+            <a:r>
+              <a:rPr lang="pt-BR" sz="1800" spc="-1" strike="noStrike">
+                <a:solidFill>
+                  <a:srgbClr val="77933c"/>
+                </a:solidFill>
+                <a:uFill>
+                  <a:solidFill>
+                    <a:srgbClr val="ffffff"/>
+                  </a:solidFill>
+                </a:uFill>
+                <a:latin typeface="Arial"/>
+                <a:ea typeface="DejaVu Sans"/>
+              </a:rPr>
+              <a:t>.add(“amarelo”);</a:t>
+            </a:r>
+            <a:endParaRPr/>
+          </a:p>
+          <a:p>
+            <a:pPr algn="ctr">
+              <a:lnSpc>
+                <a:spcPct val="100000"/>
+              </a:lnSpc>
+            </a:pPr>
+            <a:r>
+              <a:rPr lang="pt-BR" sz="1800" spc="-1" strike="noStrike">
+                <a:solidFill>
+                  <a:srgbClr val="000000"/>
+                </a:solidFill>
+                <a:uFill>
+                  <a:solidFill>
+                    <a:srgbClr val="ffffff"/>
+                  </a:solidFill>
+                </a:uFill>
+                <a:latin typeface="Arial"/>
+                <a:ea typeface="DejaVu Sans"/>
+              </a:rPr>
+              <a:t>listaDeTexto.Count;</a:t>
+            </a:r>
+            <a:endParaRPr/>
+          </a:p>
+          <a:p>
+            <a:pPr algn="ctr">
+              <a:lnSpc>
+                <a:spcPct val="100000"/>
+              </a:lnSpc>
+            </a:pPr>
+            <a:r>
+              <a:rPr lang="pt-BR" sz="1800" spc="-1" strike="noStrike">
+                <a:solidFill>
+                  <a:srgbClr val="000000"/>
+                </a:solidFill>
+                <a:uFill>
+                  <a:solidFill>
+                    <a:srgbClr val="ffffff"/>
+                  </a:solidFill>
+                </a:uFill>
+                <a:latin typeface="Arial"/>
+                <a:ea typeface="DejaVu Sans"/>
+              </a:rPr>
+              <a:t>listaDeTexto.Remove(ListItem);</a:t>
+            </a:r>
+            <a:endParaRPr/>
+          </a:p>
+          <a:p>
+            <a:pPr algn="ctr">
+              <a:lnSpc>
+                <a:spcPct val="100000"/>
+              </a:lnSpc>
+            </a:pPr>
+            <a:r>
+              <a:rPr lang="pt-BR" sz="1800" spc="-1" strike="noStrike">
+                <a:solidFill>
+                  <a:srgbClr val="000000"/>
+                </a:solidFill>
+                <a:uFill>
+                  <a:solidFill>
+                    <a:srgbClr val="ffffff"/>
+                  </a:solidFill>
+                </a:uFill>
+                <a:latin typeface="Arial"/>
+                <a:ea typeface="DejaVu Sans"/>
+              </a:rPr>
+              <a:t>listaDeTexto.Clear();</a:t>
+            </a:r>
+            <a:endParaRPr/>
+          </a:p>
+          <a:p>
+            <a:pPr algn="ctr">
+              <a:lnSpc>
+                <a:spcPct val="100000"/>
+              </a:lnSpc>
+            </a:pPr>
+            <a:r>
+              <a:rPr lang="pt-BR" sz="1800" spc="-1" strike="noStrike">
+                <a:solidFill>
+                  <a:srgbClr val="000000"/>
+                </a:solidFill>
+                <a:uFill>
+                  <a:solidFill>
+                    <a:srgbClr val="ffffff"/>
+                  </a:solidFill>
+                </a:uFill>
+                <a:latin typeface="Arial"/>
+                <a:ea typeface="DejaVu Sans"/>
+              </a:rPr>
+              <a:t>listaDeTexto</a:t>
+            </a:r>
+            <a:r>
+              <a:rPr lang="pt-BR" sz="1800" spc="-1" strike="noStrike">
+                <a:solidFill>
+                  <a:srgbClr val="77933c"/>
+                </a:solidFill>
+                <a:uFill>
+                  <a:solidFill>
+                    <a:srgbClr val="ffffff"/>
+                  </a:solidFill>
+                </a:uFill>
+                <a:latin typeface="Arial"/>
+                <a:ea typeface="DejaVu Sans"/>
+              </a:rPr>
+              <a:t> = (List&lt;String&gt;)banco.</a:t>
+            </a:r>
+            <a:r>
+              <a:rPr lang="pt-BR" sz="1800" spc="-1" strike="noStrike">
+                <a:solidFill>
+                  <a:srgbClr val="000000"/>
+                </a:solidFill>
+                <a:uFill>
+                  <a:solidFill>
+                    <a:srgbClr val="ffffff"/>
+                  </a:solidFill>
+                </a:uFill>
+                <a:latin typeface="Arial"/>
+                <a:ea typeface="DejaVu Sans"/>
+              </a:rPr>
+              <a:t>CarregarRecurso</a:t>
+            </a:r>
+            <a:r>
+              <a:rPr lang="pt-BR" sz="1800" spc="-1" strike="noStrike">
+                <a:solidFill>
+                  <a:srgbClr val="77933c"/>
+                </a:solidFill>
+                <a:uFill>
+                  <a:solidFill>
+                    <a:srgbClr val="ffffff"/>
+                  </a:solidFill>
+                </a:uFill>
+                <a:latin typeface="Arial"/>
+                <a:ea typeface="DejaVu Sans"/>
+              </a:rPr>
+              <a:t>(String);</a:t>
+            </a:r>
+            <a:endParaRPr/>
+          </a:p>
+          <a:p>
+            <a:pPr algn="ctr">
+              <a:lnSpc>
+                <a:spcPct val="100000"/>
+              </a:lnSpc>
+            </a:pPr>
+            <a:endParaRPr/>
+          </a:p>
+          <a:p>
+            <a:pPr algn="ctr">
+              <a:lnSpc>
+                <a:spcPct val="100000"/>
+              </a:lnSpc>
+            </a:pPr>
+            <a:endParaRPr/>
+          </a:p>
+          <a:p>
+            <a:pPr algn="ctr">
+              <a:lnSpc>
+                <a:spcPct val="100000"/>
+              </a:lnSpc>
+            </a:pPr>
+            <a:endParaRPr/>
+          </a:p>
+          <a:p>
+            <a:pPr algn="ctr">
+              <a:lnSpc>
+                <a:spcPct val="100000"/>
+              </a:lnSpc>
+            </a:pPr>
+            <a:endParaRPr/>
+          </a:p>
+          <a:p>
+            <a:pPr algn="ctr">
+              <a:lnSpc>
+                <a:spcPct val="100000"/>
+              </a:lnSpc>
+            </a:pPr>
+            <a:endParaRPr/>
+          </a:p>
+          <a:p>
+            <a:pPr algn="ctr">
+              <a:lnSpc>
+                <a:spcPct val="100000"/>
+              </a:lnSpc>
+            </a:pPr>
+            <a:endParaRPr/>
+          </a:p>
+          <a:p>
+            <a:pPr>
+              <a:lnSpc>
+                <a:spcPct val="100000"/>
+              </a:lnSpc>
+            </a:pPr>
+            <a:endParaRPr/>
+          </a:p>
+          <a:p>
+            <a:pPr>
+              <a:lnSpc>
+                <a:spcPct val="100000"/>
+              </a:lnSpc>
+            </a:pPr>
+            <a:endParaRPr/>
+          </a:p>
+          <a:p>
+            <a:pPr>
+              <a:lnSpc>
+                <a:spcPct val="100000"/>
+              </a:lnSpc>
+            </a:pPr>
+            <a:endParaRPr/>
+          </a:p>
+        </p:txBody>
+      </p:sp>
+    </p:spTree>
+  </p:cSld>
+  <p:timing>
+    <p:tnLst>
+      <p:par>
+        <p:cTn id="27" dur="indefinite" restart="never" nodeType="tmRoot">
+          <p:childTnLst>
+            <p:seq>
+              <p:cTn id="28" nodeType="mainSeq"/>
+              <p:prevCondLst>
+                <p:cond delay="0" evt="onPrev">
+                  <p:tgtEl>
+                    <p:sldTgt/>
+                  </p:tgtEl>
+                </p:cond>
+              </p:prevCondLst>
+              <p:nextCondLst>
+                <p:cond delay="0" evt="onNext">
+                  <p:tgtEl>
+                    <p:sldTgt/>
+                  </p:tgtEl>
+                </p:cond>
+              </p:nextCondLst>
+            </p:seq>
+          </p:childTnLst>
+        </p:cTn>
+      </p:par>
+    </p:tnLst>
+  </p:timing>
+</p:sld>
+</file>
+
+<file path=ppt/slides/slide15.xml><?xml version="1.0" encoding="utf-8"?>
+<p:sld xmlns:a="http://schemas.openxmlformats.org/drawingml/2006/main" xmlns:p="http://schemas.openxmlformats.org/presentationml/2006/main" xmlns:r="http://schemas.openxmlformats.org/officeDocument/2006/relationships">
+  <p:cSld>
+    <p:spTree>
+      <p:nvGrpSpPr>
+        <p:cNvPr id="1" name=""/>
+        <p:cNvGrpSpPr/>
+        <p:nvPr/>
+      </p:nvGrpSpPr>
+      <p:grpSpPr>
+        <a:xfrm>
+          <a:off x="0" y="0"/>
+          <a:ext cx="0" cy="0"/>
+          <a:chOff x="0" y="0"/>
+          <a:chExt cx="0" cy="0"/>
+        </a:xfrm>
+      </p:grpSpPr>
+      <p:pic>
+        <p:nvPicPr>
+          <p:cNvPr id="91" name="" descr=""/>
+          <p:cNvPicPr/>
+          <p:nvPr/>
+        </p:nvPicPr>
+        <p:blipFill>
+          <a:blip r:embed="rId1"/>
+          <a:stretch/>
+        </p:blipFill>
+        <p:spPr>
+          <a:xfrm>
+            <a:off x="252000" y="36360"/>
+            <a:ext cx="8620920" cy="6857640"/>
+          </a:xfrm>
+          <a:prstGeom prst="rect">
+            <a:avLst/>
+          </a:prstGeom>
+          <a:ln>
+            <a:noFill/>
+          </a:ln>
+        </p:spPr>
+      </p:pic>
+    </p:spTree>
+  </p:cSld>
+  <p:timing>
+    <p:tnLst>
+      <p:par>
+        <p:cTn id="29" dur="indefinite" restart="never" nodeType="tmRoot">
+          <p:childTnLst>
+            <p:seq>
+              <p:cTn id="30" nodeType="mainSeq"/>
+              <p:prevCondLst>
+                <p:cond delay="0" evt="onPrev">
+                  <p:tgtEl>
+                    <p:sldTgt/>
+                  </p:tgtEl>
+                </p:cond>
+              </p:prevCondLst>
+              <p:nextCondLst>
+                <p:cond delay="0" evt="onNext">
+                  <p:tgtEl>
+                    <p:sldTgt/>
+                  </p:tgtEl>
+                </p:cond>
+              </p:nextCondLst>
+            </p:seq>
+          </p:childTnLst>
+        </p:cTn>
+      </p:par>
+    </p:tnLst>
+  </p:timing>
+</p:sld>
+</file>
+
+<file path=ppt/slides/slide16.xml><?xml version="1.0" encoding="utf-8"?>
+<p:sld xmlns:a="http://schemas.openxmlformats.org/drawingml/2006/main" xmlns:p="http://schemas.openxmlformats.org/presentationml/2006/main" xmlns:r="http://schemas.openxmlformats.org/officeDocument/2006/relationships">
+  <p:cSld>
+    <p:spTree>
+      <p:nvGrpSpPr>
+        <p:cNvPr id="1" name=""/>
+        <p:cNvGrpSpPr/>
+        <p:nvPr/>
+      </p:nvGrpSpPr>
+      <p:grpSpPr>
+        <a:xfrm>
+          <a:off x="0" y="0"/>
+          <a:ext cx="0" cy="0"/>
+          <a:chOff x="0" y="0"/>
+          <a:chExt cx="0" cy="0"/>
+        </a:xfrm>
+      </p:grpSpPr>
+      <p:sp>
+        <p:nvSpPr>
+          <p:cNvPr id="92" name="TextShape 1"/>
+          <p:cNvSpPr txBox="1"/>
+          <p:nvPr/>
+        </p:nvSpPr>
+        <p:spPr>
+          <a:xfrm>
+            <a:off x="2664000" y="476640"/>
+            <a:ext cx="3969360" cy="459360"/>
+          </a:xfrm>
+          <a:prstGeom prst="rect">
+            <a:avLst/>
+          </a:prstGeom>
+          <a:noFill/>
+          <a:ln>
+            <a:noFill/>
+          </a:ln>
+        </p:spPr>
+        <p:txBody>
+          <a:bodyPr lIns="90000" rIns="90000" tIns="45000" bIns="45000"/>
+          <a:p>
+            <a:r>
+              <a:rPr lang="pt-BR" sz="2600" spc="-1">
+                <a:latin typeface="Arial"/>
+              </a:rPr>
+              <a:t>Orientação a Objeto (OO)</a:t>
+            </a:r>
+            <a:endParaRPr/>
+          </a:p>
+        </p:txBody>
+      </p:sp>
+      <p:pic>
+        <p:nvPicPr>
+          <p:cNvPr id="93" name="" descr=""/>
+          <p:cNvPicPr/>
+          <p:nvPr/>
+        </p:nvPicPr>
+        <p:blipFill>
+          <a:blip r:embed="rId1"/>
+          <a:stretch/>
+        </p:blipFill>
+        <p:spPr>
+          <a:xfrm>
+            <a:off x="720000" y="963000"/>
+            <a:ext cx="7675560" cy="5085000"/>
+          </a:xfrm>
+          <a:prstGeom prst="rect">
+            <a:avLst/>
+          </a:prstGeom>
+          <a:ln>
+            <a:noFill/>
+          </a:ln>
+        </p:spPr>
+      </p:pic>
+      <p:pic>
+        <p:nvPicPr>
+          <p:cNvPr id="94" name="" descr=""/>
+          <p:cNvPicPr/>
+          <p:nvPr/>
+        </p:nvPicPr>
+        <p:blipFill>
+          <a:blip r:embed="rId2"/>
+          <a:stretch/>
+        </p:blipFill>
+        <p:spPr>
+          <a:xfrm>
+            <a:off x="2664000" y="5904000"/>
+            <a:ext cx="4132800" cy="656640"/>
+          </a:xfrm>
+          <a:prstGeom prst="rect">
+            <a:avLst/>
+          </a:prstGeom>
+          <a:ln>
+            <a:noFill/>
+          </a:ln>
+        </p:spPr>
+      </p:pic>
+    </p:spTree>
+  </p:cSld>
+  <p:timing>
+    <p:tnLst>
+      <p:par>
+        <p:cTn id="31" dur="indefinite" restart="never" nodeType="tmRoot">
+          <p:childTnLst>
+            <p:seq>
+              <p:cTn id="32" nodeType="mainSeq"/>
               <p:prevCondLst>
                 <p:cond delay="0" evt="onPrev">
                   <p:tgtEl>
@@ -3297,422 +4999,29 @@
           <a:chExt cx="0" cy="0"/>
         </a:xfrm>
       </p:grpSpPr>
-      <p:sp>
-        <p:nvSpPr>
-          <p:cNvPr id="73" name="CustomShape 1"/>
-          <p:cNvSpPr/>
+      <p:pic>
+        <p:nvPicPr>
+          <p:cNvPr id="73" name="" descr=""/>
+          <p:cNvPicPr/>
           <p:nvPr/>
-        </p:nvSpPr>
-        <p:spPr>
-          <a:xfrm>
-            <a:off x="0" y="260640"/>
-            <a:ext cx="9143280" cy="5393880"/>
-          </a:xfrm>
-          <a:prstGeom prst="rect">
-            <a:avLst/>
-          </a:prstGeom>
-          <a:noFill/>
+        </p:nvPicPr>
+        <p:blipFill>
+          <a:blip r:embed="rId1"/>
+          <a:stretch/>
+        </p:blipFill>
+        <p:spPr>
+          <a:xfrm>
+            <a:off x="235080" y="0"/>
+            <a:ext cx="8620920" cy="6857640"/>
+          </a:xfrm>
+          <a:prstGeom prst="rect">
+            <a:avLst/>
+          </a:prstGeom>
           <a:ln>
             <a:noFill/>
           </a:ln>
         </p:spPr>
-        <p:style>
-          <a:lnRef idx="0"/>
-          <a:fillRef idx="0"/>
-          <a:effectRef idx="0"/>
-          <a:fontRef idx="minor"/>
-        </p:style>
-        <p:txBody>
-          <a:bodyPr lIns="90000" rIns="90000" tIns="45000" bIns="45000"/>
-          <a:p>
-            <a:pPr algn="ctr">
-              <a:lnSpc>
-                <a:spcPct val="100000"/>
-              </a:lnSpc>
-            </a:pPr>
-            <a:endParaRPr/>
-          </a:p>
-          <a:p>
-            <a:pPr algn="ctr">
-              <a:lnSpc>
-                <a:spcPct val="100000"/>
-              </a:lnSpc>
-            </a:pPr>
-            <a:endParaRPr/>
-          </a:p>
-          <a:p>
-            <a:pPr algn="ctr">
-              <a:lnSpc>
-                <a:spcPct val="100000"/>
-              </a:lnSpc>
-            </a:pPr>
-            <a:r>
-              <a:rPr lang="pt-BR" sz="2000" spc="-1" strike="noStrike" u="sng">
-                <a:solidFill>
-                  <a:srgbClr val="77933c"/>
-                </a:solidFill>
-                <a:uFill>
-                  <a:solidFill>
-                    <a:srgbClr val="ffffff"/>
-                  </a:solidFill>
-                </a:uFill>
-                <a:latin typeface="Arial"/>
-                <a:ea typeface="DejaVu Sans"/>
-              </a:rPr>
-              <a:t>Texture2D</a:t>
-            </a:r>
-            <a:endParaRPr/>
-          </a:p>
-          <a:p>
-            <a:pPr algn="ctr">
-              <a:lnSpc>
-                <a:spcPct val="100000"/>
-              </a:lnSpc>
-            </a:pPr>
-            <a:endParaRPr/>
-          </a:p>
-          <a:p>
-            <a:pPr algn="ctr">
-              <a:lnSpc>
-                <a:spcPct val="100000"/>
-              </a:lnSpc>
-            </a:pPr>
-            <a:r>
-              <a:rPr lang="pt-BR" sz="1800" spc="-1" strike="noStrike">
-                <a:solidFill>
-                  <a:srgbClr val="000000"/>
-                </a:solidFill>
-                <a:uFill>
-                  <a:solidFill>
-                    <a:srgbClr val="ffffff"/>
-                  </a:solidFill>
-                </a:uFill>
-                <a:latin typeface="Arial"/>
-                <a:ea typeface="DejaVu Sans"/>
-              </a:rPr>
-              <a:t>É a estrutura que representa uma imagem/textura</a:t>
-            </a:r>
-            <a:endParaRPr/>
-          </a:p>
-          <a:p>
-            <a:pPr>
-              <a:lnSpc>
-                <a:spcPct val="100000"/>
-              </a:lnSpc>
-            </a:pPr>
-            <a:endParaRPr/>
-          </a:p>
-          <a:p>
-            <a:pPr algn="ctr">
-              <a:lnSpc>
-                <a:spcPct val="100000"/>
-              </a:lnSpc>
-            </a:pPr>
-            <a:r>
-              <a:rPr lang="pt-BR" sz="2000" spc="-1" strike="noStrike" u="sng">
-                <a:solidFill>
-                  <a:srgbClr val="31859c"/>
-                </a:solidFill>
-                <a:uFill>
-                  <a:solidFill>
-                    <a:srgbClr val="ffffff"/>
-                  </a:solidFill>
-                </a:uFill>
-                <a:latin typeface="Arial"/>
-                <a:ea typeface="DejaVu Sans"/>
-              </a:rPr>
-              <a:t>Uso</a:t>
-            </a:r>
-            <a:r>
-              <a:rPr lang="pt-BR" sz="2000" spc="-1" strike="noStrike">
-                <a:solidFill>
-                  <a:srgbClr val="31859c"/>
-                </a:solidFill>
-                <a:uFill>
-                  <a:solidFill>
-                    <a:srgbClr val="ffffff"/>
-                  </a:solidFill>
-                </a:uFill>
-                <a:latin typeface="Arial"/>
-                <a:ea typeface="DejaVu Sans"/>
-              </a:rPr>
-              <a:t> </a:t>
-            </a:r>
-            <a:endParaRPr/>
-          </a:p>
-          <a:p>
-            <a:pPr algn="ctr">
-              <a:lnSpc>
-                <a:spcPct val="100000"/>
-              </a:lnSpc>
-            </a:pPr>
-            <a:endParaRPr/>
-          </a:p>
-          <a:p>
-            <a:pPr algn="ctr">
-              <a:lnSpc>
-                <a:spcPct val="100000"/>
-              </a:lnSpc>
-            </a:pPr>
-            <a:r>
-              <a:rPr lang="pt-BR" sz="1800" spc="-1" strike="noStrike">
-                <a:solidFill>
-                  <a:srgbClr val="77933c"/>
-                </a:solidFill>
-                <a:uFill>
-                  <a:solidFill>
-                    <a:srgbClr val="ffffff"/>
-                  </a:solidFill>
-                </a:uFill>
-                <a:latin typeface="Arial"/>
-                <a:ea typeface="DejaVu Sans"/>
-              </a:rPr>
-              <a:t>Texture2D </a:t>
-            </a:r>
-            <a:r>
-              <a:rPr lang="pt-BR" sz="1800" spc="-1" strike="noStrike">
-                <a:solidFill>
-                  <a:srgbClr val="000000"/>
-                </a:solidFill>
-                <a:uFill>
-                  <a:solidFill>
-                    <a:srgbClr val="ffffff"/>
-                  </a:solidFill>
-                </a:uFill>
-                <a:latin typeface="Arial"/>
-                <a:ea typeface="DejaVu Sans"/>
-              </a:rPr>
-              <a:t>textura;</a:t>
-            </a:r>
-            <a:endParaRPr/>
-          </a:p>
-          <a:p>
-            <a:pPr algn="ctr">
-              <a:lnSpc>
-                <a:spcPct val="100000"/>
-              </a:lnSpc>
-            </a:pPr>
-            <a:r>
-              <a:rPr lang="pt-BR" sz="1800" spc="-1" strike="noStrike">
-                <a:solidFill>
-                  <a:srgbClr val="000000"/>
-                </a:solidFill>
-                <a:uFill>
-                  <a:solidFill>
-                    <a:srgbClr val="ffffff"/>
-                  </a:solidFill>
-                </a:uFill>
-                <a:latin typeface="Arial"/>
-                <a:ea typeface="DejaVu Sans"/>
-              </a:rPr>
-              <a:t>textura =  </a:t>
-            </a:r>
-            <a:r>
-              <a:rPr lang="pt-BR" sz="1800" spc="-1" strike="noStrike">
-                <a:solidFill>
-                  <a:srgbClr val="77933c"/>
-                </a:solidFill>
-                <a:uFill>
-                  <a:solidFill>
-                    <a:srgbClr val="ffffff"/>
-                  </a:solidFill>
-                </a:uFill>
-                <a:latin typeface="Arial"/>
-                <a:ea typeface="DejaVu Sans"/>
-              </a:rPr>
-              <a:t>RL</a:t>
-            </a:r>
-            <a:r>
-              <a:rPr lang="pt-BR" sz="1800" spc="-1" strike="noStrike">
-                <a:solidFill>
-                  <a:srgbClr val="000000"/>
-                </a:solidFill>
-                <a:uFill>
-                  <a:solidFill>
-                    <a:srgbClr val="ffffff"/>
-                  </a:solidFill>
-                </a:uFill>
-                <a:latin typeface="Arial"/>
-                <a:ea typeface="DejaVu Sans"/>
-              </a:rPr>
-              <a:t>.Content.Load&lt;</a:t>
-            </a:r>
-            <a:r>
-              <a:rPr lang="pt-BR" sz="1800" spc="-1" strike="noStrike">
-                <a:solidFill>
-                  <a:srgbClr val="77933c"/>
-                </a:solidFill>
-                <a:uFill>
-                  <a:solidFill>
-                    <a:srgbClr val="ffffff"/>
-                  </a:solidFill>
-                </a:uFill>
-                <a:latin typeface="Arial"/>
-                <a:ea typeface="DejaVu Sans"/>
-              </a:rPr>
-              <a:t> Texture2D </a:t>
-            </a:r>
-            <a:r>
-              <a:rPr lang="pt-BR" sz="1800" spc="-1" strike="noStrike">
-                <a:solidFill>
-                  <a:srgbClr val="000000"/>
-                </a:solidFill>
-                <a:uFill>
-                  <a:solidFill>
-                    <a:srgbClr val="ffffff"/>
-                  </a:solidFill>
-                </a:uFill>
-                <a:latin typeface="Arial"/>
-                <a:ea typeface="DejaVu Sans"/>
-              </a:rPr>
-              <a:t>&gt;(</a:t>
-            </a:r>
-            <a:r>
-              <a:rPr lang="pt-BR" sz="1800" spc="-1" strike="noStrike">
-                <a:solidFill>
-                  <a:srgbClr val="c00000"/>
-                </a:solidFill>
-                <a:uFill>
-                  <a:solidFill>
-                    <a:srgbClr val="ffffff"/>
-                  </a:solidFill>
-                </a:uFill>
-                <a:latin typeface="Arial"/>
-                <a:ea typeface="DejaVu Sans"/>
-              </a:rPr>
-              <a:t>“nome da textura”</a:t>
-            </a:r>
-            <a:r>
-              <a:rPr lang="pt-BR" sz="1800" spc="-1" strike="noStrike">
-                <a:solidFill>
-                  <a:srgbClr val="000000"/>
-                </a:solidFill>
-                <a:uFill>
-                  <a:solidFill>
-                    <a:srgbClr val="ffffff"/>
-                  </a:solidFill>
-                </a:uFill>
-                <a:latin typeface="Arial"/>
-                <a:ea typeface="DejaVu Sans"/>
-              </a:rPr>
-              <a:t>);</a:t>
-            </a:r>
-            <a:endParaRPr/>
-          </a:p>
-          <a:p>
-            <a:pPr algn="ctr">
-              <a:lnSpc>
-                <a:spcPct val="100000"/>
-              </a:lnSpc>
-            </a:pPr>
-            <a:r>
-              <a:rPr lang="pt-BR" sz="1800" spc="-1" strike="noStrike">
-                <a:solidFill>
-                  <a:srgbClr val="000000"/>
-                </a:solidFill>
-                <a:uFill>
-                  <a:solidFill>
-                    <a:srgbClr val="ffffff"/>
-                  </a:solidFill>
-                </a:uFill>
-                <a:latin typeface="Arial"/>
-                <a:ea typeface="DejaVu Sans"/>
-              </a:rPr>
-              <a:t>textura.Width;</a:t>
-            </a:r>
-            <a:endParaRPr/>
-          </a:p>
-          <a:p>
-            <a:pPr algn="ctr">
-              <a:lnSpc>
-                <a:spcPct val="100000"/>
-              </a:lnSpc>
-            </a:pPr>
-            <a:r>
-              <a:rPr lang="pt-BR" sz="1800" spc="-1" strike="noStrike">
-                <a:solidFill>
-                  <a:srgbClr val="000000"/>
-                </a:solidFill>
-                <a:uFill>
-                  <a:solidFill>
-                    <a:srgbClr val="ffffff"/>
-                  </a:solidFill>
-                </a:uFill>
-                <a:latin typeface="Arial"/>
-                <a:ea typeface="DejaVu Sans"/>
-              </a:rPr>
-              <a:t>textura.Height;</a:t>
-            </a:r>
-            <a:endParaRPr/>
-          </a:p>
-          <a:p>
-            <a:pPr algn="ctr">
-              <a:lnSpc>
-                <a:spcPct val="100000"/>
-              </a:lnSpc>
-            </a:pPr>
-            <a:endParaRPr/>
-          </a:p>
-          <a:p>
-            <a:pPr algn="ctr">
-              <a:lnSpc>
-                <a:spcPct val="100000"/>
-              </a:lnSpc>
-            </a:pPr>
-            <a:endParaRPr/>
-          </a:p>
-          <a:p>
-            <a:pPr>
-              <a:lnSpc>
-                <a:spcPct val="100000"/>
-              </a:lnSpc>
-            </a:pPr>
-            <a:endParaRPr/>
-          </a:p>
-          <a:p>
-            <a:pPr>
-              <a:lnSpc>
-                <a:spcPct val="100000"/>
-              </a:lnSpc>
-            </a:pPr>
-            <a:endParaRPr/>
-          </a:p>
-          <a:p>
-            <a:pPr>
-              <a:lnSpc>
-                <a:spcPct val="100000"/>
-              </a:lnSpc>
-            </a:pPr>
-            <a:endParaRPr/>
-          </a:p>
-        </p:txBody>
-      </p:sp>
-      <p:sp>
-        <p:nvSpPr>
-          <p:cNvPr id="74" name="CustomShape 2"/>
-          <p:cNvSpPr/>
-          <p:nvPr/>
-        </p:nvSpPr>
-        <p:spPr>
-          <a:xfrm>
-            <a:off x="2411640" y="4221000"/>
-            <a:ext cx="4571280" cy="368640"/>
-          </a:xfrm>
-          <a:prstGeom prst="rect">
-            <a:avLst/>
-          </a:prstGeom>
-          <a:noFill/>
-          <a:ln>
-            <a:noFill/>
-          </a:ln>
-        </p:spPr>
-        <p:style>
-          <a:lnRef idx="0"/>
-          <a:fillRef idx="0"/>
-          <a:effectRef idx="0"/>
-          <a:fontRef idx="minor"/>
-        </p:style>
-      </p:sp>
+      </p:pic>
     </p:spTree>
   </p:cSld>
   <p:timing>
@@ -3762,396 +5071,29 @@
           <a:chExt cx="0" cy="0"/>
         </a:xfrm>
       </p:grpSpPr>
-      <p:sp>
-        <p:nvSpPr>
-          <p:cNvPr id="75" name="CustomShape 1"/>
-          <p:cNvSpPr/>
+      <p:pic>
+        <p:nvPicPr>
+          <p:cNvPr id="74" name="" descr=""/>
+          <p:cNvPicPr/>
           <p:nvPr/>
-        </p:nvSpPr>
-        <p:spPr>
-          <a:xfrm>
-            <a:off x="0" y="260640"/>
-            <a:ext cx="9143280" cy="5393880"/>
-          </a:xfrm>
-          <a:prstGeom prst="rect">
-            <a:avLst/>
-          </a:prstGeom>
-          <a:noFill/>
+        </p:nvPicPr>
+        <p:blipFill>
+          <a:blip r:embed="rId1"/>
+          <a:stretch/>
+        </p:blipFill>
+        <p:spPr>
+          <a:xfrm>
+            <a:off x="235080" y="0"/>
+            <a:ext cx="8620920" cy="6857640"/>
+          </a:xfrm>
+          <a:prstGeom prst="rect">
+            <a:avLst/>
+          </a:prstGeom>
           <a:ln>
             <a:noFill/>
           </a:ln>
         </p:spPr>
-        <p:style>
-          <a:lnRef idx="0"/>
-          <a:fillRef idx="0"/>
-          <a:effectRef idx="0"/>
-          <a:fontRef idx="minor"/>
-        </p:style>
-        <p:txBody>
-          <a:bodyPr lIns="90000" rIns="90000" tIns="45000" bIns="45000"/>
-          <a:p>
-            <a:pPr algn="ctr">
-              <a:lnSpc>
-                <a:spcPct val="100000"/>
-              </a:lnSpc>
-            </a:pPr>
-            <a:endParaRPr/>
-          </a:p>
-          <a:p>
-            <a:pPr algn="ctr">
-              <a:lnSpc>
-                <a:spcPct val="100000"/>
-              </a:lnSpc>
-            </a:pPr>
-            <a:endParaRPr/>
-          </a:p>
-          <a:p>
-            <a:pPr algn="ctr">
-              <a:lnSpc>
-                <a:spcPct val="100000"/>
-              </a:lnSpc>
-            </a:pPr>
-            <a:r>
-              <a:rPr lang="pt-BR" sz="2000" spc="-1" strike="noStrike" u="sng">
-                <a:solidFill>
-                  <a:srgbClr val="77933c"/>
-                </a:solidFill>
-                <a:uFill>
-                  <a:solidFill>
-                    <a:srgbClr val="ffffff"/>
-                  </a:solidFill>
-                </a:uFill>
-                <a:latin typeface="Arial"/>
-                <a:ea typeface="DejaVu Sans"/>
-              </a:rPr>
-              <a:t>KeyboardState, Keyboard e Keys</a:t>
-            </a:r>
-            <a:endParaRPr/>
-          </a:p>
-          <a:p>
-            <a:pPr algn="ctr">
-              <a:lnSpc>
-                <a:spcPct val="100000"/>
-              </a:lnSpc>
-            </a:pPr>
-            <a:endParaRPr/>
-          </a:p>
-          <a:p>
-            <a:pPr algn="ctr">
-              <a:lnSpc>
-                <a:spcPct val="100000"/>
-              </a:lnSpc>
-            </a:pPr>
-            <a:r>
-              <a:rPr lang="pt-BR" sz="1800" spc="-1" strike="noStrike">
-                <a:solidFill>
-                  <a:srgbClr val="000000"/>
-                </a:solidFill>
-                <a:uFill>
-                  <a:solidFill>
-                    <a:srgbClr val="ffffff"/>
-                  </a:solidFill>
-                </a:uFill>
-                <a:latin typeface="Arial"/>
-                <a:ea typeface="DejaVu Sans"/>
-              </a:rPr>
-              <a:t>É a estrutura que captura os comandos do teclado</a:t>
-            </a:r>
-            <a:endParaRPr/>
-          </a:p>
-          <a:p>
-            <a:pPr>
-              <a:lnSpc>
-                <a:spcPct val="100000"/>
-              </a:lnSpc>
-            </a:pPr>
-            <a:endParaRPr/>
-          </a:p>
-          <a:p>
-            <a:pPr algn="ctr">
-              <a:lnSpc>
-                <a:spcPct val="100000"/>
-              </a:lnSpc>
-            </a:pPr>
-            <a:r>
-              <a:rPr lang="pt-BR" sz="2000" spc="-1" strike="noStrike" u="sng">
-                <a:solidFill>
-                  <a:srgbClr val="31859c"/>
-                </a:solidFill>
-                <a:uFill>
-                  <a:solidFill>
-                    <a:srgbClr val="ffffff"/>
-                  </a:solidFill>
-                </a:uFill>
-                <a:latin typeface="Arial"/>
-                <a:ea typeface="DejaVu Sans"/>
-              </a:rPr>
-              <a:t>Uso</a:t>
-            </a:r>
-            <a:r>
-              <a:rPr lang="pt-BR" sz="2000" spc="-1" strike="noStrike">
-                <a:solidFill>
-                  <a:srgbClr val="31859c"/>
-                </a:solidFill>
-                <a:uFill>
-                  <a:solidFill>
-                    <a:srgbClr val="ffffff"/>
-                  </a:solidFill>
-                </a:uFill>
-                <a:latin typeface="Arial"/>
-                <a:ea typeface="DejaVu Sans"/>
-              </a:rPr>
-              <a:t> </a:t>
-            </a:r>
-            <a:endParaRPr/>
-          </a:p>
-          <a:p>
-            <a:pPr algn="ctr">
-              <a:lnSpc>
-                <a:spcPct val="100000"/>
-              </a:lnSpc>
-            </a:pPr>
-            <a:endParaRPr/>
-          </a:p>
-          <a:p>
-            <a:pPr algn="ctr">
-              <a:lnSpc>
-                <a:spcPct val="100000"/>
-              </a:lnSpc>
-            </a:pPr>
-            <a:r>
-              <a:rPr lang="pt-BR" sz="1800" spc="-1" strike="noStrike">
-                <a:solidFill>
-                  <a:srgbClr val="77933c"/>
-                </a:solidFill>
-                <a:uFill>
-                  <a:solidFill>
-                    <a:srgbClr val="ffffff"/>
-                  </a:solidFill>
-                </a:uFill>
-                <a:latin typeface="Arial"/>
-                <a:ea typeface="DejaVu Sans"/>
-              </a:rPr>
-              <a:t>KeyboardState </a:t>
-            </a:r>
-            <a:r>
-              <a:rPr lang="pt-BR" sz="1800" spc="-1" strike="noStrike">
-                <a:solidFill>
-                  <a:srgbClr val="000000"/>
-                </a:solidFill>
-                <a:uFill>
-                  <a:solidFill>
-                    <a:srgbClr val="ffffff"/>
-                  </a:solidFill>
-                </a:uFill>
-                <a:latin typeface="Arial"/>
-                <a:ea typeface="DejaVu Sans"/>
-              </a:rPr>
-              <a:t>teclado;</a:t>
-            </a:r>
-            <a:endParaRPr/>
-          </a:p>
-          <a:p>
-            <a:pPr algn="ctr">
-              <a:lnSpc>
-                <a:spcPct val="100000"/>
-              </a:lnSpc>
-            </a:pPr>
-            <a:r>
-              <a:rPr lang="pt-BR" sz="1800" spc="-1" strike="noStrike">
-                <a:solidFill>
-                  <a:srgbClr val="000000"/>
-                </a:solidFill>
-                <a:uFill>
-                  <a:solidFill>
-                    <a:srgbClr val="ffffff"/>
-                  </a:solidFill>
-                </a:uFill>
-                <a:latin typeface="Arial"/>
-                <a:ea typeface="DejaVu Sans"/>
-              </a:rPr>
-              <a:t>teclado = </a:t>
-            </a:r>
-            <a:r>
-              <a:rPr lang="pt-BR" sz="1800" spc="-1" strike="noStrike">
-                <a:solidFill>
-                  <a:srgbClr val="77933c"/>
-                </a:solidFill>
-                <a:uFill>
-                  <a:solidFill>
-                    <a:srgbClr val="ffffff"/>
-                  </a:solidFill>
-                </a:uFill>
-                <a:latin typeface="Arial"/>
-                <a:ea typeface="DejaVu Sans"/>
-              </a:rPr>
-              <a:t>Keyboard.</a:t>
-            </a:r>
-            <a:r>
-              <a:rPr lang="pt-BR" sz="1800" spc="-1" strike="noStrike">
-                <a:solidFill>
-                  <a:srgbClr val="000000"/>
-                </a:solidFill>
-                <a:uFill>
-                  <a:solidFill>
-                    <a:srgbClr val="ffffff"/>
-                  </a:solidFill>
-                </a:uFill>
-                <a:latin typeface="Arial"/>
-                <a:ea typeface="DejaVu Sans"/>
-              </a:rPr>
-              <a:t>GetState();</a:t>
-            </a:r>
-            <a:endParaRPr/>
-          </a:p>
-          <a:p>
-            <a:pPr algn="ctr">
-              <a:lnSpc>
-                <a:spcPct val="100000"/>
-              </a:lnSpc>
-            </a:pPr>
-            <a:r>
-              <a:rPr lang="pt-BR" sz="1800" spc="-1" strike="noStrike">
-                <a:solidFill>
-                  <a:srgbClr val="000000"/>
-                </a:solidFill>
-                <a:uFill>
-                  <a:solidFill>
-                    <a:srgbClr val="ffffff"/>
-                  </a:solidFill>
-                </a:uFill>
-                <a:latin typeface="Arial"/>
-                <a:ea typeface="DejaVu Sans"/>
-              </a:rPr>
-              <a:t>teclado. IsKeyDown(</a:t>
-            </a:r>
-            <a:r>
-              <a:rPr lang="pt-BR" sz="1800" spc="-1" strike="noStrike">
-                <a:solidFill>
-                  <a:srgbClr val="77933c"/>
-                </a:solidFill>
-                <a:uFill>
-                  <a:solidFill>
-                    <a:srgbClr val="ffffff"/>
-                  </a:solidFill>
-                </a:uFill>
-                <a:latin typeface="Arial"/>
-                <a:ea typeface="DejaVu Sans"/>
-              </a:rPr>
-              <a:t>Keys</a:t>
-            </a:r>
-            <a:r>
-              <a:rPr lang="pt-BR" sz="1800" spc="-1" strike="noStrike">
-                <a:solidFill>
-                  <a:srgbClr val="000000"/>
-                </a:solidFill>
-                <a:uFill>
-                  <a:solidFill>
-                    <a:srgbClr val="ffffff"/>
-                  </a:solidFill>
-                </a:uFill>
-                <a:latin typeface="Arial"/>
-                <a:ea typeface="DejaVu Sans"/>
-              </a:rPr>
-              <a:t>.Enter);</a:t>
-            </a:r>
-            <a:endParaRPr/>
-          </a:p>
-          <a:p>
-            <a:pPr algn="ctr">
-              <a:lnSpc>
-                <a:spcPct val="100000"/>
-              </a:lnSpc>
-            </a:pPr>
-            <a:r>
-              <a:rPr lang="pt-BR" sz="1800" spc="-1" strike="noStrike">
-                <a:solidFill>
-                  <a:srgbClr val="000000"/>
-                </a:solidFill>
-                <a:uFill>
-                  <a:solidFill>
-                    <a:srgbClr val="ffffff"/>
-                  </a:solidFill>
-                </a:uFill>
-                <a:latin typeface="Arial"/>
-                <a:ea typeface="DejaVu Sans"/>
-              </a:rPr>
-              <a:t>teclado. IsKeyUp(</a:t>
-            </a:r>
-            <a:r>
-              <a:rPr lang="pt-BR" sz="1800" spc="-1" strike="noStrike">
-                <a:solidFill>
-                  <a:srgbClr val="77933c"/>
-                </a:solidFill>
-                <a:uFill>
-                  <a:solidFill>
-                    <a:srgbClr val="ffffff"/>
-                  </a:solidFill>
-                </a:uFill>
-                <a:latin typeface="Arial"/>
-                <a:ea typeface="DejaVu Sans"/>
-              </a:rPr>
-              <a:t>Keys</a:t>
-            </a:r>
-            <a:r>
-              <a:rPr lang="pt-BR" sz="1800" spc="-1" strike="noStrike">
-                <a:solidFill>
-                  <a:srgbClr val="000000"/>
-                </a:solidFill>
-                <a:uFill>
-                  <a:solidFill>
-                    <a:srgbClr val="ffffff"/>
-                  </a:solidFill>
-                </a:uFill>
-                <a:latin typeface="Arial"/>
-                <a:ea typeface="DejaVu Sans"/>
-              </a:rPr>
-              <a:t>.Enter);</a:t>
-            </a:r>
-            <a:endParaRPr/>
-          </a:p>
-          <a:p>
-            <a:pPr algn="ctr">
-              <a:lnSpc>
-                <a:spcPct val="100000"/>
-              </a:lnSpc>
-            </a:pPr>
-            <a:endParaRPr/>
-          </a:p>
-          <a:p>
-            <a:pPr algn="ctr">
-              <a:lnSpc>
-                <a:spcPct val="100000"/>
-              </a:lnSpc>
-            </a:pPr>
-            <a:endParaRPr/>
-          </a:p>
-          <a:p>
-            <a:pPr>
-              <a:lnSpc>
-                <a:spcPct val="100000"/>
-              </a:lnSpc>
-            </a:pPr>
-            <a:endParaRPr/>
-          </a:p>
-          <a:p>
-            <a:pPr>
-              <a:lnSpc>
-                <a:spcPct val="100000"/>
-              </a:lnSpc>
-            </a:pPr>
-            <a:endParaRPr/>
-          </a:p>
-          <a:p>
-            <a:pPr>
-              <a:lnSpc>
-                <a:spcPct val="100000"/>
-              </a:lnSpc>
-            </a:pPr>
-            <a:endParaRPr/>
-          </a:p>
-        </p:txBody>
-      </p:sp>
+      </p:pic>
     </p:spTree>
   </p:cSld>
   <p:timing>
@@ -4203,14 +5145,14 @@
       </p:grpSpPr>
       <p:sp>
         <p:nvSpPr>
-          <p:cNvPr id="76" name="CustomShape 1"/>
+          <p:cNvPr id="75" name="CustomShape 1"/>
           <p:cNvSpPr/>
           <p:nvPr/>
         </p:nvSpPr>
         <p:spPr>
           <a:xfrm>
             <a:off x="0" y="260640"/>
-            <a:ext cx="9143280" cy="6765480"/>
+            <a:ext cx="9142920" cy="5393520"/>
           </a:xfrm>
           <a:prstGeom prst="rect">
             <a:avLst/>
@@ -4263,7 +5205,7 @@
                 <a:latin typeface="Arial"/>
                 <a:ea typeface="DejaVu Sans"/>
               </a:rPr>
-              <a:t>Rectangle</a:t>
+              <a:t>Texture2D</a:t>
             </a:r>
             <a:endParaRPr/>
           </a:p>
@@ -4294,7 +5236,7 @@
                 <a:latin typeface="Arial"/>
                 <a:ea typeface="DejaVu Sans"/>
               </a:rPr>
-              <a:t>É a estrutura que tem as informaçoes de um retângulo</a:t>
+              <a:t>É a estrutura que representa uma imagem/textura</a:t>
             </a:r>
             <a:endParaRPr/>
           </a:p>
@@ -4371,7 +5313,7 @@
                 <a:latin typeface="Arial"/>
                 <a:ea typeface="DejaVu Sans"/>
               </a:rPr>
-              <a:t>Rectangle </a:t>
+              <a:t>Texture2D </a:t>
             </a:r>
             <a:r>
               <a:rPr lang="pt-BR" sz="1800" spc="-1" strike="noStrike">
@@ -4386,7 +5328,7 @@
                 <a:latin typeface="Arial"/>
                 <a:ea typeface="DejaVu Sans"/>
               </a:rPr>
-              <a:t>retangulo;</a:t>
+              <a:t>textura;</a:t>
             </a:r>
             <a:endParaRPr/>
           </a:p>
@@ -4409,22 +5351,22 @@
                 <a:latin typeface="Arial"/>
                 <a:ea typeface="DejaVu Sans"/>
               </a:rPr>
-              <a:t>retangulo = </a:t>
-            </a:r>
-            <a:r>
-              <a:rPr lang="pt-BR" sz="1800" spc="-1" strike="noStrike">
-                <a:solidFill>
-                  <a:srgbClr val="0070c0"/>
-                </a:solidFill>
-                <a:uFill>
-                  <a:solidFill>
-                    <a:srgbClr val="ffffff"/>
-                  </a:solidFill>
-                </a:uFill>
-                <a:latin typeface="Arial"/>
-                <a:ea typeface="DejaVu Sans"/>
-              </a:rPr>
-              <a:t>new</a:t>
+              <a:t>textura =  </a:t>
+            </a:r>
+            <a:r>
+              <a:rPr lang="pt-BR" sz="1800" spc="-1" strike="noStrike">
+                <a:solidFill>
+                  <a:srgbClr val="000000"/>
+                </a:solidFill>
+                <a:uFill>
+                  <a:solidFill>
+                    <a:srgbClr val="ffffff"/>
+                  </a:solidFill>
+                </a:uFill>
+                <a:latin typeface="Arial"/>
+                <a:ea typeface="DejaVu Sans"/>
+              </a:rPr>
+              <a:t>Content.Load&lt;</a:t>
             </a:r>
             <a:r>
               <a:rPr lang="pt-BR" sz="1800" spc="-1" strike="noStrike">
@@ -4439,54 +5381,8 @@
                 <a:latin typeface="Arial"/>
                 <a:ea typeface="DejaVu Sans"/>
               </a:rPr>
-              <a:t> Rectangle (0, 0, 0, 0);</a:t>
-            </a:r>
-            <a:endParaRPr/>
-          </a:p>
-          <a:p>
-            <a:pPr algn="ctr">
-              <a:lnSpc>
-                <a:spcPct val="100000"/>
-              </a:lnSpc>
-            </a:pPr>
-            <a:r>
-              <a:rPr lang="pt-BR" sz="1800" spc="-1" strike="noStrike">
-                <a:solidFill>
-                  <a:srgbClr val="0070c0"/>
-                </a:solidFill>
-                <a:uFill>
-                  <a:solidFill>
-                    <a:srgbClr val="ffffff"/>
-                  </a:solidFill>
-                </a:uFill>
-                <a:latin typeface="Arial"/>
-                <a:ea typeface="DejaVu Sans"/>
-              </a:rPr>
-              <a:t>new</a:t>
-            </a:r>
-            <a:r>
-              <a:rPr lang="pt-BR" sz="1800" spc="-1" strike="noStrike">
-                <a:solidFill>
-                  <a:srgbClr val="77933c"/>
-                </a:solidFill>
-                <a:uFill>
-                  <a:solidFill>
-                    <a:srgbClr val="ffffff"/>
-                  </a:solidFill>
-                </a:uFill>
-                <a:latin typeface="Arial"/>
-                <a:ea typeface="DejaVu Sans"/>
-              </a:rPr>
-              <a:t> Rectangle (0, 0, 0, 0);</a:t>
-            </a:r>
-            <a:endParaRPr/>
-          </a:p>
-          <a:p>
-            <a:pPr algn="ctr">
-              <a:lnSpc>
-                <a:spcPct val="100000"/>
-              </a:lnSpc>
-            </a:pPr>
+              <a:t> Texture2D </a:t>
+            </a:r>
             <a:r>
               <a:rPr lang="pt-BR" sz="1800" spc="-1" strike="noStrike">
                 <a:solidFill>
@@ -4500,16 +5396,23 @@
                 <a:latin typeface="Arial"/>
                 <a:ea typeface="DejaVu Sans"/>
               </a:rPr>
-              <a:t>retangulo.Right;</a:t>
-            </a:r>
-            <a:endParaRPr/>
-          </a:p>
-          <a:p>
-            <a:pPr algn="ctr">
-              <a:lnSpc>
-                <a:spcPct val="100000"/>
-              </a:lnSpc>
-            </a:pPr>
+              <a:t>&gt;(</a:t>
+            </a:r>
+            <a:r>
+              <a:rPr lang="pt-BR" sz="1800" spc="-1" strike="noStrike">
+                <a:solidFill>
+                  <a:srgbClr val="c00000"/>
+                </a:solidFill>
+                <a:uFill>
+                  <a:solidFill>
+                    <a:srgbClr val="ffffff"/>
+                  </a:solidFill>
+                </a:uFill>
+                <a:latin typeface="Arial"/>
+                <a:ea typeface="DejaVu Sans"/>
+              </a:rPr>
+              <a:t>“nome da textura”</a:t>
+            </a:r>
             <a:r>
               <a:rPr lang="pt-BR" sz="1800" spc="-1" strike="noStrike">
                 <a:solidFill>
@@ -4523,7 +5426,7 @@
                 <a:latin typeface="Arial"/>
                 <a:ea typeface="DejaVu Sans"/>
               </a:rPr>
-              <a:t>retangulo.X;</a:t>
+              <a:t>);</a:t>
             </a:r>
             <a:endParaRPr/>
           </a:p>
@@ -4546,7 +5449,7 @@
                 <a:latin typeface="Arial"/>
                 <a:ea typeface="DejaVu Sans"/>
               </a:rPr>
-              <a:t>retangulo.Y;</a:t>
+              <a:t>textura.Width;</a:t>
             </a:r>
             <a:endParaRPr/>
           </a:p>
@@ -4569,39 +5472,8 @@
                 <a:latin typeface="Arial"/>
                 <a:ea typeface="DejaVu Sans"/>
               </a:rPr>
-              <a:t>retangulo.Width;</a:t>
-            </a:r>
-            <a:endParaRPr/>
-          </a:p>
-          <a:p>
-            <a:pPr algn="ctr">
-              <a:lnSpc>
-                <a:spcPct val="100000"/>
-              </a:lnSpc>
-            </a:pPr>
-            <a:r>
-              <a:rPr lang="pt-BR" sz="1800" spc="-1" strike="noStrike">
-                <a:solidFill>
-                  <a:srgbClr val="000000"/>
-                </a:solidFill>
-                <a:uFill>
-                  <a:solidFill>
-                    <a:srgbClr val="ffffff"/>
-                  </a:solidFill>
-                </a:uFill>
-                <a:latin typeface="Arial"/>
-                <a:ea typeface="DejaVu Sans"/>
-              </a:rPr>
-              <a:t>retangulo.Height;</a:t>
-            </a:r>
-            <a:endParaRPr/>
-          </a:p>
-          <a:p>
-            <a:pPr algn="ctr">
-              <a:lnSpc>
-                <a:spcPct val="100000"/>
-              </a:lnSpc>
-            </a:pPr>
+              <a:t>textura.Height;</a:t>
+            </a:r>
             <a:endParaRPr/>
           </a:p>
           <a:p>
@@ -4645,6 +5517,32 @@
             <a:endParaRPr/>
           </a:p>
         </p:txBody>
+      </p:sp>
+      <p:sp>
+        <p:nvSpPr>
+          <p:cNvPr id="76" name="CustomShape 2"/>
+          <p:cNvSpPr/>
+          <p:nvPr/>
+        </p:nvSpPr>
+        <p:spPr>
+          <a:xfrm>
+            <a:off x="2411640" y="4221000"/>
+            <a:ext cx="4570920" cy="368280"/>
+          </a:xfrm>
+          <a:prstGeom prst="rect">
+            <a:avLst/>
+          </a:prstGeom>
+          <a:noFill/>
+          <a:ln>
+            <a:noFill/>
+          </a:ln>
+        </p:spPr>
+        <p:style>
+          <a:lnRef idx="0"/>
+          <a:fillRef idx="0"/>
+          <a:effectRef idx="0"/>
+          <a:fontRef idx="minor"/>
+        </p:style>
       </p:sp>
     </p:spTree>
   </p:cSld>
@@ -4695,683 +5593,121 @@
           <a:chExt cx="0" cy="0"/>
         </a:xfrm>
       </p:grpSpPr>
-      <p:sp>
-        <p:nvSpPr>
-          <p:cNvPr id="77" name="CustomShape 1"/>
-          <p:cNvSpPr/>
+      <p:pic>
+        <p:nvPicPr>
+          <p:cNvPr id="77" name="" descr=""/>
+          <p:cNvPicPr/>
           <p:nvPr/>
-        </p:nvSpPr>
-        <p:spPr>
-          <a:xfrm>
-            <a:off x="0" y="260640"/>
-            <a:ext cx="9143280" cy="7070400"/>
-          </a:xfrm>
-          <a:prstGeom prst="rect">
-            <a:avLst/>
-          </a:prstGeom>
-          <a:noFill/>
+        </p:nvPicPr>
+        <p:blipFill>
+          <a:blip r:embed="rId1"/>
+          <a:stretch/>
+        </p:blipFill>
+        <p:spPr>
+          <a:xfrm>
+            <a:off x="5472000" y="5603760"/>
+            <a:ext cx="1020240" cy="948240"/>
+          </a:xfrm>
+          <a:prstGeom prst="rect">
+            <a:avLst/>
+          </a:prstGeom>
           <a:ln>
             <a:noFill/>
           </a:ln>
         </p:spPr>
-        <p:style>
-          <a:lnRef idx="0"/>
-          <a:fillRef idx="0"/>
-          <a:effectRef idx="0"/>
-          <a:fontRef idx="minor"/>
-        </p:style>
-        <p:txBody>
-          <a:bodyPr lIns="90000" rIns="90000" tIns="45000" bIns="45000"/>
-          <a:p>
-            <a:pPr algn="ctr">
-              <a:lnSpc>
-                <a:spcPct val="100000"/>
-              </a:lnSpc>
-            </a:pPr>
-            <a:endParaRPr/>
-          </a:p>
-          <a:p>
-            <a:pPr algn="ctr">
-              <a:lnSpc>
-                <a:spcPct val="100000"/>
-              </a:lnSpc>
-            </a:pPr>
-            <a:endParaRPr/>
-          </a:p>
-          <a:p>
-            <a:pPr algn="ctr">
-              <a:lnSpc>
-                <a:spcPct val="100000"/>
-              </a:lnSpc>
-            </a:pPr>
-            <a:r>
-              <a:rPr lang="pt-BR" sz="2000" spc="-1" strike="noStrike" u="sng">
-                <a:solidFill>
-                  <a:srgbClr val="77933c"/>
-                </a:solidFill>
-                <a:uFill>
-                  <a:solidFill>
-                    <a:srgbClr val="ffffff"/>
-                  </a:solidFill>
-                </a:uFill>
-                <a:latin typeface="Arial"/>
-                <a:ea typeface="DejaVu Sans"/>
-              </a:rPr>
-              <a:t>SpriteBatch</a:t>
-            </a:r>
-            <a:endParaRPr/>
-          </a:p>
-          <a:p>
-            <a:pPr algn="ctr">
-              <a:lnSpc>
-                <a:spcPct val="100000"/>
-              </a:lnSpc>
-            </a:pPr>
-            <a:endParaRPr/>
-          </a:p>
-          <a:p>
-            <a:pPr algn="ctr">
-              <a:lnSpc>
-                <a:spcPct val="100000"/>
-              </a:lnSpc>
-            </a:pPr>
-            <a:r>
-              <a:rPr lang="pt-BR" sz="1800" spc="-1" strike="noStrike">
-                <a:solidFill>
-                  <a:srgbClr val="000000"/>
-                </a:solidFill>
-                <a:uFill>
-                  <a:solidFill>
-                    <a:srgbClr val="ffffff"/>
-                  </a:solidFill>
-                </a:uFill>
-                <a:latin typeface="Arial"/>
-                <a:ea typeface="DejaVu Sans"/>
-              </a:rPr>
-              <a:t>É a função que é encarregada por desenhar os sprites/texturas na tela, sua implementação é nativa do XNA.</a:t>
-            </a:r>
-            <a:endParaRPr/>
-          </a:p>
-          <a:p>
-            <a:pPr>
-              <a:lnSpc>
-                <a:spcPct val="100000"/>
-              </a:lnSpc>
-            </a:pPr>
-            <a:endParaRPr/>
-          </a:p>
-          <a:p>
-            <a:pPr algn="ctr">
-              <a:lnSpc>
-                <a:spcPct val="100000"/>
-              </a:lnSpc>
-            </a:pPr>
-            <a:r>
-              <a:rPr lang="pt-BR" sz="2000" spc="-1" strike="noStrike" u="sng">
-                <a:solidFill>
-                  <a:srgbClr val="31859c"/>
-                </a:solidFill>
-                <a:uFill>
-                  <a:solidFill>
-                    <a:srgbClr val="ffffff"/>
-                  </a:solidFill>
-                </a:uFill>
-                <a:latin typeface="Arial"/>
-                <a:ea typeface="DejaVu Sans"/>
-              </a:rPr>
-              <a:t>Uso</a:t>
-            </a:r>
-            <a:r>
-              <a:rPr lang="pt-BR" sz="2000" spc="-1" strike="noStrike">
-                <a:solidFill>
-                  <a:srgbClr val="31859c"/>
-                </a:solidFill>
-                <a:uFill>
-                  <a:solidFill>
-                    <a:srgbClr val="ffffff"/>
-                  </a:solidFill>
-                </a:uFill>
-                <a:latin typeface="Arial"/>
-                <a:ea typeface="DejaVu Sans"/>
-              </a:rPr>
-              <a:t> </a:t>
-            </a:r>
-            <a:endParaRPr/>
-          </a:p>
-          <a:p>
-            <a:pPr algn="ctr">
-              <a:lnSpc>
-                <a:spcPct val="100000"/>
-              </a:lnSpc>
-            </a:pPr>
-            <a:endParaRPr/>
-          </a:p>
-          <a:p>
-            <a:pPr algn="ctr">
-              <a:lnSpc>
-                <a:spcPct val="100000"/>
-              </a:lnSpc>
-            </a:pPr>
-            <a:r>
-              <a:rPr lang="pt-BR" sz="1800" spc="-1" strike="noStrike">
-                <a:solidFill>
-                  <a:srgbClr val="000000"/>
-                </a:solidFill>
-                <a:uFill>
-                  <a:solidFill>
-                    <a:srgbClr val="ffffff"/>
-                  </a:solidFill>
-                </a:uFill>
-                <a:latin typeface="Arial"/>
-                <a:ea typeface="DejaVu Sans"/>
-              </a:rPr>
-              <a:t>spriteBatch</a:t>
-            </a:r>
-            <a:r>
-              <a:rPr lang="pt-BR" sz="1800" spc="-1" strike="noStrike">
-                <a:solidFill>
-                  <a:srgbClr val="77933c"/>
-                </a:solidFill>
-                <a:uFill>
-                  <a:solidFill>
-                    <a:srgbClr val="ffffff"/>
-                  </a:solidFill>
-                </a:uFill>
-                <a:latin typeface="Arial"/>
-                <a:ea typeface="DejaVu Sans"/>
-              </a:rPr>
-              <a:t>.</a:t>
-            </a:r>
-            <a:r>
-              <a:rPr lang="pt-BR" sz="1800" spc="-1" strike="noStrike">
-                <a:solidFill>
-                  <a:srgbClr val="000000"/>
-                </a:solidFill>
-                <a:uFill>
-                  <a:solidFill>
-                    <a:srgbClr val="ffffff"/>
-                  </a:solidFill>
-                </a:uFill>
-                <a:latin typeface="Arial"/>
-                <a:ea typeface="DejaVu Sans"/>
-              </a:rPr>
-              <a:t>Begin</a:t>
-            </a:r>
-            <a:r>
-              <a:rPr lang="pt-BR" sz="1800" spc="-1" strike="noStrike">
-                <a:solidFill>
-                  <a:srgbClr val="31859c"/>
-                </a:solidFill>
-                <a:uFill>
-                  <a:solidFill>
-                    <a:srgbClr val="ffffff"/>
-                  </a:solidFill>
-                </a:uFill>
-                <a:latin typeface="Arial"/>
-                <a:ea typeface="DejaVu Sans"/>
-              </a:rPr>
-              <a:t>(0, </a:t>
-            </a:r>
-            <a:r>
-              <a:rPr lang="pt-BR" sz="1800" spc="-1" strike="noStrike">
-                <a:solidFill>
-                  <a:srgbClr val="77933c"/>
-                </a:solidFill>
-                <a:uFill>
-                  <a:solidFill>
-                    <a:srgbClr val="ffffff"/>
-                  </a:solidFill>
-                </a:uFill>
-                <a:latin typeface="Arial"/>
-                <a:ea typeface="DejaVu Sans"/>
-              </a:rPr>
-              <a:t>BlendState</a:t>
-            </a:r>
-            <a:r>
-              <a:rPr lang="pt-BR" sz="1800" spc="-1" strike="noStrike">
-                <a:solidFill>
-                  <a:srgbClr val="31859c"/>
-                </a:solidFill>
-                <a:uFill>
-                  <a:solidFill>
-                    <a:srgbClr val="ffffff"/>
-                  </a:solidFill>
-                </a:uFill>
-                <a:latin typeface="Arial"/>
-                <a:ea typeface="DejaVu Sans"/>
-              </a:rPr>
-              <a:t>.</a:t>
-            </a:r>
-            <a:r>
-              <a:rPr lang="pt-BR" sz="1800" spc="-1" strike="noStrike">
-                <a:solidFill>
-                  <a:srgbClr val="000000"/>
-                </a:solidFill>
-                <a:uFill>
-                  <a:solidFill>
-                    <a:srgbClr val="ffffff"/>
-                  </a:solidFill>
-                </a:uFill>
-                <a:latin typeface="Arial"/>
-                <a:ea typeface="DejaVu Sans"/>
-              </a:rPr>
-              <a:t>NonPremultiplied</a:t>
-            </a:r>
-            <a:r>
-              <a:rPr lang="pt-BR" sz="1800" spc="-1" strike="noStrike">
-                <a:solidFill>
-                  <a:srgbClr val="31859c"/>
-                </a:solidFill>
-                <a:uFill>
-                  <a:solidFill>
-                    <a:srgbClr val="ffffff"/>
-                  </a:solidFill>
-                </a:uFill>
-                <a:latin typeface="Arial"/>
-                <a:ea typeface="DejaVu Sans"/>
-              </a:rPr>
-              <a:t>);</a:t>
-            </a:r>
-            <a:endParaRPr/>
-          </a:p>
-          <a:p>
-            <a:pPr algn="ctr">
-              <a:lnSpc>
-                <a:spcPct val="100000"/>
-              </a:lnSpc>
-            </a:pPr>
-            <a:r>
-              <a:rPr lang="pt-BR" sz="1800" spc="-1" strike="noStrike">
-                <a:solidFill>
-                  <a:srgbClr val="000000"/>
-                </a:solidFill>
-                <a:uFill>
-                  <a:solidFill>
-                    <a:srgbClr val="ffffff"/>
-                  </a:solidFill>
-                </a:uFill>
-                <a:latin typeface="Arial"/>
-                <a:ea typeface="DejaVu Sans"/>
-              </a:rPr>
-              <a:t>spriteBatch</a:t>
-            </a:r>
-            <a:r>
-              <a:rPr lang="pt-BR" sz="1800" spc="-1" strike="noStrike">
-                <a:solidFill>
-                  <a:srgbClr val="77933c"/>
-                </a:solidFill>
-                <a:uFill>
-                  <a:solidFill>
-                    <a:srgbClr val="ffffff"/>
-                  </a:solidFill>
-                </a:uFill>
-                <a:latin typeface="Arial"/>
-                <a:ea typeface="DejaVu Sans"/>
-              </a:rPr>
-              <a:t>.</a:t>
-            </a:r>
-            <a:r>
-              <a:rPr lang="pt-BR" sz="1800" spc="-1" strike="noStrike">
-                <a:solidFill>
-                  <a:srgbClr val="000000"/>
-                </a:solidFill>
-                <a:uFill>
-                  <a:solidFill>
-                    <a:srgbClr val="ffffff"/>
-                  </a:solidFill>
-                </a:uFill>
-                <a:latin typeface="Arial"/>
-                <a:ea typeface="DejaVu Sans"/>
-              </a:rPr>
-              <a:t>End();</a:t>
-            </a:r>
-            <a:endParaRPr/>
-          </a:p>
-          <a:p>
-            <a:pPr algn="ctr">
-              <a:lnSpc>
-                <a:spcPct val="100000"/>
-              </a:lnSpc>
-            </a:pPr>
-            <a:r>
-              <a:rPr lang="pt-BR" sz="1800" spc="-1" strike="noStrike">
-                <a:solidFill>
-                  <a:srgbClr val="000000"/>
-                </a:solidFill>
-                <a:uFill>
-                  <a:solidFill>
-                    <a:srgbClr val="ffffff"/>
-                  </a:solidFill>
-                </a:uFill>
-                <a:latin typeface="Arial"/>
-                <a:ea typeface="DejaVu Sans"/>
-              </a:rPr>
-              <a:t>spriteBatch</a:t>
-            </a:r>
-            <a:r>
-              <a:rPr lang="pt-BR" sz="1800" spc="-1" strike="noStrike">
-                <a:solidFill>
-                  <a:srgbClr val="77933c"/>
-                </a:solidFill>
-                <a:uFill>
-                  <a:solidFill>
-                    <a:srgbClr val="ffffff"/>
-                  </a:solidFill>
-                </a:uFill>
-                <a:latin typeface="Arial"/>
-                <a:ea typeface="DejaVu Sans"/>
-              </a:rPr>
-              <a:t>.</a:t>
-            </a:r>
-            <a:r>
-              <a:rPr lang="pt-BR" sz="1800" spc="-1" strike="noStrike">
-                <a:solidFill>
-                  <a:srgbClr val="000000"/>
-                </a:solidFill>
-                <a:uFill>
-                  <a:solidFill>
-                    <a:srgbClr val="ffffff"/>
-                  </a:solidFill>
-                </a:uFill>
-                <a:latin typeface="Arial"/>
-                <a:ea typeface="DejaVu Sans"/>
-              </a:rPr>
-              <a:t>Draw</a:t>
-            </a:r>
-            <a:r>
-              <a:rPr lang="pt-BR" sz="1800" spc="-1" strike="noStrike">
-                <a:solidFill>
-                  <a:srgbClr val="77933c"/>
-                </a:solidFill>
-                <a:uFill>
-                  <a:solidFill>
-                    <a:srgbClr val="ffffff"/>
-                  </a:solidFill>
-                </a:uFill>
-                <a:latin typeface="Arial"/>
-                <a:ea typeface="DejaVu Sans"/>
-              </a:rPr>
-              <a:t>(Texture2D, Vector2, Color);</a:t>
-            </a:r>
-            <a:endParaRPr/>
-          </a:p>
-          <a:p>
-            <a:pPr algn="ctr">
-              <a:lnSpc>
-                <a:spcPct val="100000"/>
-              </a:lnSpc>
-            </a:pPr>
-            <a:r>
-              <a:rPr lang="pt-BR" sz="1800" spc="-1" strike="noStrike">
-                <a:solidFill>
-                  <a:srgbClr val="000000"/>
-                </a:solidFill>
-                <a:uFill>
-                  <a:solidFill>
-                    <a:srgbClr val="ffffff"/>
-                  </a:solidFill>
-                </a:uFill>
-                <a:latin typeface="Arial"/>
-                <a:ea typeface="DejaVu Sans"/>
-              </a:rPr>
-              <a:t>spriteBatch.Draw(</a:t>
-            </a:r>
-            <a:r>
-              <a:rPr lang="pt-BR" sz="1800" spc="-1" strike="noStrike">
-                <a:solidFill>
-                  <a:srgbClr val="77933c"/>
-                </a:solidFill>
-                <a:uFill>
-                  <a:solidFill>
-                    <a:srgbClr val="ffffff"/>
-                  </a:solidFill>
-                </a:uFill>
-                <a:latin typeface="Arial"/>
-                <a:ea typeface="DejaVu Sans"/>
-              </a:rPr>
-              <a:t>Texture2D</a:t>
-            </a:r>
-            <a:r>
-              <a:rPr lang="pt-BR" sz="1800" spc="-1" strike="noStrike">
-                <a:solidFill>
-                  <a:srgbClr val="000000"/>
-                </a:solidFill>
-                <a:uFill>
-                  <a:solidFill>
-                    <a:srgbClr val="ffffff"/>
-                  </a:solidFill>
-                </a:uFill>
-                <a:latin typeface="Arial"/>
-                <a:ea typeface="DejaVu Sans"/>
-              </a:rPr>
-              <a:t>, </a:t>
-            </a:r>
-            <a:r>
-              <a:rPr lang="pt-BR" sz="1800" spc="-1" strike="noStrike">
-                <a:solidFill>
-                  <a:srgbClr val="77933c"/>
-                </a:solidFill>
-                <a:uFill>
-                  <a:solidFill>
-                    <a:srgbClr val="ffffff"/>
-                  </a:solidFill>
-                </a:uFill>
-                <a:latin typeface="Arial"/>
-                <a:ea typeface="DejaVu Sans"/>
-              </a:rPr>
-              <a:t>Rectangle</a:t>
-            </a:r>
-            <a:r>
-              <a:rPr lang="pt-BR" sz="1800" spc="-1" strike="noStrike">
-                <a:solidFill>
-                  <a:srgbClr val="000000"/>
-                </a:solidFill>
-                <a:uFill>
-                  <a:solidFill>
-                    <a:srgbClr val="ffffff"/>
-                  </a:solidFill>
-                </a:uFill>
-                <a:latin typeface="Arial"/>
-                <a:ea typeface="DejaVu Sans"/>
-              </a:rPr>
-              <a:t>?, </a:t>
-            </a:r>
-            <a:r>
-              <a:rPr lang="pt-BR" sz="1800" spc="-1" strike="noStrike">
-                <a:solidFill>
-                  <a:srgbClr val="77933c"/>
-                </a:solidFill>
-                <a:uFill>
-                  <a:solidFill>
-                    <a:srgbClr val="ffffff"/>
-                  </a:solidFill>
-                </a:uFill>
-                <a:latin typeface="Arial"/>
-                <a:ea typeface="DejaVu Sans"/>
-              </a:rPr>
-              <a:t>Rectangle</a:t>
-            </a:r>
-            <a:r>
-              <a:rPr lang="pt-BR" sz="1800" spc="-1" strike="noStrike">
-                <a:solidFill>
-                  <a:srgbClr val="000000"/>
-                </a:solidFill>
-                <a:uFill>
-                  <a:solidFill>
-                    <a:srgbClr val="ffffff"/>
-                  </a:solidFill>
-                </a:uFill>
-                <a:latin typeface="Arial"/>
-                <a:ea typeface="DejaVu Sans"/>
-              </a:rPr>
-              <a:t>, </a:t>
-            </a:r>
-            <a:r>
-              <a:rPr lang="pt-BR" sz="1800" spc="-1" strike="noStrike">
-                <a:solidFill>
-                  <a:srgbClr val="77933c"/>
-                </a:solidFill>
-                <a:uFill>
-                  <a:solidFill>
-                    <a:srgbClr val="ffffff"/>
-                  </a:solidFill>
-                </a:uFill>
-                <a:latin typeface="Arial"/>
-                <a:ea typeface="DejaVu Sans"/>
-              </a:rPr>
-              <a:t>Color</a:t>
-            </a:r>
-            <a:r>
-              <a:rPr lang="pt-BR" sz="1800" spc="-1" strike="noStrike">
-                <a:solidFill>
-                  <a:srgbClr val="000000"/>
-                </a:solidFill>
-                <a:uFill>
-                  <a:solidFill>
-                    <a:srgbClr val="ffffff"/>
-                  </a:solidFill>
-                </a:uFill>
-                <a:latin typeface="Arial"/>
-                <a:ea typeface="DejaVu Sans"/>
-              </a:rPr>
-              <a:t>, Rotation, </a:t>
-            </a:r>
-            <a:r>
-              <a:rPr lang="pt-BR" sz="1800" spc="-1" strike="noStrike">
-                <a:solidFill>
-                  <a:srgbClr val="77933c"/>
-                </a:solidFill>
-                <a:uFill>
-                  <a:solidFill>
-                    <a:srgbClr val="ffffff"/>
-                  </a:solidFill>
-                </a:uFill>
-                <a:latin typeface="Arial"/>
-                <a:ea typeface="DejaVu Sans"/>
-              </a:rPr>
-              <a:t>VectorRotation</a:t>
-            </a:r>
-            <a:r>
-              <a:rPr lang="pt-BR" sz="1800" spc="-1" strike="noStrike">
-                <a:solidFill>
-                  <a:srgbClr val="000000"/>
-                </a:solidFill>
-                <a:uFill>
-                  <a:solidFill>
-                    <a:srgbClr val="ffffff"/>
-                  </a:solidFill>
-                </a:uFill>
-                <a:latin typeface="Arial"/>
-                <a:ea typeface="DejaVu Sans"/>
-              </a:rPr>
-              <a:t>, </a:t>
-            </a:r>
-            <a:r>
-              <a:rPr lang="pt-BR" sz="1800" spc="-1" strike="noStrike">
-                <a:solidFill>
-                  <a:srgbClr val="77933c"/>
-                </a:solidFill>
-                <a:uFill>
-                  <a:solidFill>
-                    <a:srgbClr val="ffffff"/>
-                  </a:solidFill>
-                </a:uFill>
-                <a:latin typeface="Arial"/>
-                <a:ea typeface="DejaVu Sans"/>
-              </a:rPr>
-              <a:t>SpriteEffect</a:t>
-            </a:r>
-            <a:r>
-              <a:rPr lang="pt-BR" sz="1800" spc="-1" strike="noStrike">
-                <a:solidFill>
-                  <a:srgbClr val="000000"/>
-                </a:solidFill>
-                <a:uFill>
-                  <a:solidFill>
-                    <a:srgbClr val="ffffff"/>
-                  </a:solidFill>
-                </a:uFill>
-                <a:latin typeface="Arial"/>
-                <a:ea typeface="DejaVu Sans"/>
-              </a:rPr>
-              <a:t>, LayerDepth);</a:t>
-            </a:r>
-            <a:endParaRPr/>
-          </a:p>
-          <a:p>
-            <a:pPr algn="ctr">
-              <a:lnSpc>
-                <a:spcPct val="100000"/>
-              </a:lnSpc>
-            </a:pPr>
-            <a:endParaRPr/>
-          </a:p>
-          <a:p>
-            <a:pPr algn="ctr">
-              <a:lnSpc>
-                <a:spcPct val="100000"/>
-              </a:lnSpc>
-            </a:pPr>
-            <a:endParaRPr/>
-          </a:p>
-          <a:p>
-            <a:pPr algn="ctr">
-              <a:lnSpc>
-                <a:spcPct val="100000"/>
-              </a:lnSpc>
-            </a:pPr>
-            <a:endParaRPr/>
-          </a:p>
-          <a:p>
-            <a:pPr algn="ctr">
-              <a:lnSpc>
-                <a:spcPct val="100000"/>
-              </a:lnSpc>
-            </a:pPr>
-            <a:endParaRPr/>
-          </a:p>
-          <a:p>
-            <a:pPr algn="ctr">
-              <a:lnSpc>
-                <a:spcPct val="100000"/>
-              </a:lnSpc>
-            </a:pPr>
-            <a:endParaRPr/>
-          </a:p>
-          <a:p>
-            <a:pPr algn="ctr">
-              <a:lnSpc>
-                <a:spcPct val="100000"/>
-              </a:lnSpc>
-            </a:pPr>
-            <a:endParaRPr/>
-          </a:p>
-          <a:p>
-            <a:pPr>
-              <a:lnSpc>
-                <a:spcPct val="100000"/>
-              </a:lnSpc>
-            </a:pPr>
-            <a:endParaRPr/>
-          </a:p>
-          <a:p>
-            <a:pPr>
-              <a:lnSpc>
-                <a:spcPct val="100000"/>
-              </a:lnSpc>
-            </a:pPr>
-            <a:endParaRPr/>
-          </a:p>
-          <a:p>
-            <a:pPr>
-              <a:lnSpc>
-                <a:spcPct val="100000"/>
-              </a:lnSpc>
-            </a:pPr>
-            <a:endParaRPr/>
-          </a:p>
-        </p:txBody>
-      </p:sp>
+      </p:pic>
+      <p:pic>
+        <p:nvPicPr>
+          <p:cNvPr id="78" name="" descr=""/>
+          <p:cNvPicPr/>
+          <p:nvPr/>
+        </p:nvPicPr>
+        <p:blipFill>
+          <a:blip r:embed="rId2"/>
+          <a:stretch/>
+        </p:blipFill>
+        <p:spPr>
+          <a:xfrm>
+            <a:off x="3181680" y="5760000"/>
+            <a:ext cx="634320" cy="634320"/>
+          </a:xfrm>
+          <a:prstGeom prst="rect">
+            <a:avLst/>
+          </a:prstGeom>
+          <a:ln>
+            <a:noFill/>
+          </a:ln>
+        </p:spPr>
+      </p:pic>
+      <p:pic>
+        <p:nvPicPr>
+          <p:cNvPr id="79" name="" descr=""/>
+          <p:cNvPicPr/>
+          <p:nvPr/>
+        </p:nvPicPr>
+        <p:blipFill>
+          <a:blip r:embed="rId3"/>
+          <a:stretch/>
+        </p:blipFill>
+        <p:spPr>
+          <a:xfrm>
+            <a:off x="805680" y="5773680"/>
+            <a:ext cx="634320" cy="634320"/>
+          </a:xfrm>
+          <a:prstGeom prst="rect">
+            <a:avLst/>
+          </a:prstGeom>
+          <a:ln>
+            <a:noFill/>
+          </a:ln>
+        </p:spPr>
+      </p:pic>
+      <p:pic>
+        <p:nvPicPr>
+          <p:cNvPr id="80" name="" descr=""/>
+          <p:cNvPicPr/>
+          <p:nvPr/>
+        </p:nvPicPr>
+        <p:blipFill>
+          <a:blip r:embed="rId4"/>
+          <a:stretch/>
+        </p:blipFill>
+        <p:spPr>
+          <a:xfrm>
+            <a:off x="7645680" y="5760000"/>
+            <a:ext cx="634320" cy="634320"/>
+          </a:xfrm>
+          <a:prstGeom prst="rect">
+            <a:avLst/>
+          </a:prstGeom>
+          <a:ln>
+            <a:noFill/>
+          </a:ln>
+        </p:spPr>
+      </p:pic>
+      <p:pic>
+        <p:nvPicPr>
+          <p:cNvPr id="81" name="" descr=""/>
+          <p:cNvPicPr/>
+          <p:nvPr/>
+        </p:nvPicPr>
+        <p:blipFill>
+          <a:blip r:embed="rId5"/>
+          <a:stretch/>
+        </p:blipFill>
+        <p:spPr>
+          <a:xfrm>
+            <a:off x="2376000" y="1008000"/>
+            <a:ext cx="4536000" cy="4536000"/>
+          </a:xfrm>
+          <a:prstGeom prst="rect">
+            <a:avLst/>
+          </a:prstGeom>
+          <a:ln>
+            <a:noFill/>
+          </a:ln>
+        </p:spPr>
+      </p:pic>
     </p:spTree>
   </p:cSld>
   <p:timing>
@@ -5423,14 +5759,14 @@
       </p:grpSpPr>
       <p:sp>
         <p:nvSpPr>
-          <p:cNvPr id="78" name="CustomShape 1"/>
+          <p:cNvPr id="82" name="CustomShape 1"/>
           <p:cNvSpPr/>
           <p:nvPr/>
         </p:nvSpPr>
         <p:spPr>
           <a:xfrm>
             <a:off x="0" y="260640"/>
-            <a:ext cx="9143280" cy="5698800"/>
+            <a:ext cx="9142920" cy="5393520"/>
           </a:xfrm>
           <a:prstGeom prst="rect">
             <a:avLst/>
@@ -5483,7 +5819,7 @@
                 <a:latin typeface="Arial"/>
                 <a:ea typeface="DejaVu Sans"/>
               </a:rPr>
-              <a:t>GameTime</a:t>
+              <a:t>KeyboardState, Keyboard e Keys</a:t>
             </a:r>
             <a:endParaRPr/>
           </a:p>
@@ -5514,7 +5850,7 @@
                 <a:latin typeface="Arial"/>
                 <a:ea typeface="DejaVu Sans"/>
               </a:rPr>
-              <a:t>É a função que é encarregada de gerenciar o tempo do jogo (linha de tempo), sua implementação é nativa do XNA.</a:t>
+              <a:t>É a estrutura que captura os comandos do teclado</a:t>
             </a:r>
             <a:endParaRPr/>
           </a:p>
@@ -5591,7 +5927,7 @@
                 <a:latin typeface="Arial"/>
                 <a:ea typeface="DejaVu Sans"/>
               </a:rPr>
-              <a:t>gametime</a:t>
+              <a:t>KeyboardState </a:t>
             </a:r>
             <a:r>
               <a:rPr lang="pt-BR" sz="1800" spc="-1" strike="noStrike">
@@ -5606,32 +5942,167 @@
                 <a:latin typeface="Arial"/>
                 <a:ea typeface="DejaVu Sans"/>
               </a:rPr>
-              <a:t>.ElapsedGameTime.Milliseconds;</a:t>
-            </a:r>
-            <a:endParaRPr/>
-          </a:p>
-          <a:p>
-            <a:pPr algn="ctr">
-              <a:lnSpc>
-                <a:spcPct val="100000"/>
-              </a:lnSpc>
-            </a:pPr>
-            <a:endParaRPr/>
-          </a:p>
-          <a:p>
-            <a:pPr algn="ctr">
-              <a:lnSpc>
-                <a:spcPct val="100000"/>
-              </a:lnSpc>
-            </a:pPr>
-            <a:endParaRPr/>
-          </a:p>
-          <a:p>
-            <a:pPr algn="ctr">
-              <a:lnSpc>
-                <a:spcPct val="100000"/>
-              </a:lnSpc>
-            </a:pPr>
+              <a:t>teclado;</a:t>
+            </a:r>
+            <a:endParaRPr/>
+          </a:p>
+          <a:p>
+            <a:pPr algn="ctr">
+              <a:lnSpc>
+                <a:spcPct val="100000"/>
+              </a:lnSpc>
+            </a:pPr>
+            <a:r>
+              <a:rPr lang="pt-BR" sz="1800" spc="-1" strike="noStrike">
+                <a:solidFill>
+                  <a:srgbClr val="000000"/>
+                </a:solidFill>
+                <a:uFill>
+                  <a:solidFill>
+                    <a:srgbClr val="ffffff"/>
+                  </a:solidFill>
+                </a:uFill>
+                <a:latin typeface="Arial"/>
+                <a:ea typeface="DejaVu Sans"/>
+              </a:rPr>
+              <a:t>teclado = </a:t>
+            </a:r>
+            <a:r>
+              <a:rPr lang="pt-BR" sz="1800" spc="-1" strike="noStrike">
+                <a:solidFill>
+                  <a:srgbClr val="77933c"/>
+                </a:solidFill>
+                <a:uFill>
+                  <a:solidFill>
+                    <a:srgbClr val="ffffff"/>
+                  </a:solidFill>
+                </a:uFill>
+                <a:latin typeface="Arial"/>
+                <a:ea typeface="DejaVu Sans"/>
+              </a:rPr>
+              <a:t>Keyboard.</a:t>
+            </a:r>
+            <a:r>
+              <a:rPr lang="pt-BR" sz="1800" spc="-1" strike="noStrike">
+                <a:solidFill>
+                  <a:srgbClr val="000000"/>
+                </a:solidFill>
+                <a:uFill>
+                  <a:solidFill>
+                    <a:srgbClr val="ffffff"/>
+                  </a:solidFill>
+                </a:uFill>
+                <a:latin typeface="Arial"/>
+                <a:ea typeface="DejaVu Sans"/>
+              </a:rPr>
+              <a:t>GetState();</a:t>
+            </a:r>
+            <a:endParaRPr/>
+          </a:p>
+          <a:p>
+            <a:pPr algn="ctr">
+              <a:lnSpc>
+                <a:spcPct val="100000"/>
+              </a:lnSpc>
+            </a:pPr>
+            <a:r>
+              <a:rPr lang="pt-BR" sz="1800" spc="-1" strike="noStrike">
+                <a:solidFill>
+                  <a:srgbClr val="000000"/>
+                </a:solidFill>
+                <a:uFill>
+                  <a:solidFill>
+                    <a:srgbClr val="ffffff"/>
+                  </a:solidFill>
+                </a:uFill>
+                <a:latin typeface="Arial"/>
+                <a:ea typeface="DejaVu Sans"/>
+              </a:rPr>
+              <a:t>teclado. IsKeyDown(</a:t>
+            </a:r>
+            <a:r>
+              <a:rPr lang="pt-BR" sz="1800" spc="-1" strike="noStrike">
+                <a:solidFill>
+                  <a:srgbClr val="77933c"/>
+                </a:solidFill>
+                <a:uFill>
+                  <a:solidFill>
+                    <a:srgbClr val="ffffff"/>
+                  </a:solidFill>
+                </a:uFill>
+                <a:latin typeface="Arial"/>
+                <a:ea typeface="DejaVu Sans"/>
+              </a:rPr>
+              <a:t>Keys</a:t>
+            </a:r>
+            <a:r>
+              <a:rPr lang="pt-BR" sz="1800" spc="-1" strike="noStrike">
+                <a:solidFill>
+                  <a:srgbClr val="000000"/>
+                </a:solidFill>
+                <a:uFill>
+                  <a:solidFill>
+                    <a:srgbClr val="ffffff"/>
+                  </a:solidFill>
+                </a:uFill>
+                <a:latin typeface="Arial"/>
+                <a:ea typeface="DejaVu Sans"/>
+              </a:rPr>
+              <a:t>.Enter);</a:t>
+            </a:r>
+            <a:endParaRPr/>
+          </a:p>
+          <a:p>
+            <a:pPr algn="ctr">
+              <a:lnSpc>
+                <a:spcPct val="100000"/>
+              </a:lnSpc>
+            </a:pPr>
+            <a:r>
+              <a:rPr lang="pt-BR" sz="1800" spc="-1" strike="noStrike">
+                <a:solidFill>
+                  <a:srgbClr val="000000"/>
+                </a:solidFill>
+                <a:uFill>
+                  <a:solidFill>
+                    <a:srgbClr val="ffffff"/>
+                  </a:solidFill>
+                </a:uFill>
+                <a:latin typeface="Arial"/>
+                <a:ea typeface="DejaVu Sans"/>
+              </a:rPr>
+              <a:t>teclado. IsKeyUp(</a:t>
+            </a:r>
+            <a:r>
+              <a:rPr lang="pt-BR" sz="1800" spc="-1" strike="noStrike">
+                <a:solidFill>
+                  <a:srgbClr val="77933c"/>
+                </a:solidFill>
+                <a:uFill>
+                  <a:solidFill>
+                    <a:srgbClr val="ffffff"/>
+                  </a:solidFill>
+                </a:uFill>
+                <a:latin typeface="Arial"/>
+                <a:ea typeface="DejaVu Sans"/>
+              </a:rPr>
+              <a:t>Keys</a:t>
+            </a:r>
+            <a:r>
+              <a:rPr lang="pt-BR" sz="1800" spc="-1" strike="noStrike">
+                <a:solidFill>
+                  <a:srgbClr val="000000"/>
+                </a:solidFill>
+                <a:uFill>
+                  <a:solidFill>
+                    <a:srgbClr val="ffffff"/>
+                  </a:solidFill>
+                </a:uFill>
+                <a:latin typeface="Arial"/>
+                <a:ea typeface="DejaVu Sans"/>
+              </a:rPr>
+              <a:t>.Enter);</a:t>
+            </a:r>
             <a:endParaRPr/>
           </a:p>
           <a:p>
@@ -5725,459 +6196,29 @@
           <a:chExt cx="0" cy="0"/>
         </a:xfrm>
       </p:grpSpPr>
-      <p:sp>
-        <p:nvSpPr>
-          <p:cNvPr id="79" name="CustomShape 1"/>
-          <p:cNvSpPr/>
+      <p:pic>
+        <p:nvPicPr>
+          <p:cNvPr id="83" name="" descr=""/>
+          <p:cNvPicPr/>
           <p:nvPr/>
-        </p:nvSpPr>
-        <p:spPr>
-          <a:xfrm>
-            <a:off x="0" y="260640"/>
-            <a:ext cx="9143280" cy="7070400"/>
-          </a:xfrm>
-          <a:prstGeom prst="rect">
-            <a:avLst/>
-          </a:prstGeom>
-          <a:noFill/>
+        </p:nvPicPr>
+        <p:blipFill>
+          <a:blip r:embed="rId1"/>
+          <a:stretch/>
+        </p:blipFill>
+        <p:spPr>
+          <a:xfrm>
+            <a:off x="1597680" y="1008000"/>
+            <a:ext cx="5962320" cy="4952520"/>
+          </a:xfrm>
+          <a:prstGeom prst="rect">
+            <a:avLst/>
+          </a:prstGeom>
           <a:ln>
             <a:noFill/>
           </a:ln>
         </p:spPr>
-        <p:style>
-          <a:lnRef idx="0"/>
-          <a:fillRef idx="0"/>
-          <a:effectRef idx="0"/>
-          <a:fontRef idx="minor"/>
-        </p:style>
-        <p:txBody>
-          <a:bodyPr lIns="90000" rIns="90000" tIns="45000" bIns="45000"/>
-          <a:p>
-            <a:pPr algn="ctr">
-              <a:lnSpc>
-                <a:spcPct val="100000"/>
-              </a:lnSpc>
-            </a:pPr>
-            <a:endParaRPr/>
-          </a:p>
-          <a:p>
-            <a:pPr algn="ctr">
-              <a:lnSpc>
-                <a:spcPct val="100000"/>
-              </a:lnSpc>
-            </a:pPr>
-            <a:endParaRPr/>
-          </a:p>
-          <a:p>
-            <a:pPr algn="ctr">
-              <a:lnSpc>
-                <a:spcPct val="100000"/>
-              </a:lnSpc>
-            </a:pPr>
-            <a:r>
-              <a:rPr lang="pt-BR" sz="2000" spc="-1" strike="noStrike" u="sng">
-                <a:solidFill>
-                  <a:srgbClr val="77933c"/>
-                </a:solidFill>
-                <a:uFill>
-                  <a:solidFill>
-                    <a:srgbClr val="ffffff"/>
-                  </a:solidFill>
-                </a:uFill>
-                <a:latin typeface="Arial"/>
-                <a:ea typeface="DejaVu Sans"/>
-              </a:rPr>
-              <a:t>List</a:t>
-            </a:r>
-            <a:endParaRPr/>
-          </a:p>
-          <a:p>
-            <a:pPr algn="ctr">
-              <a:lnSpc>
-                <a:spcPct val="100000"/>
-              </a:lnSpc>
-            </a:pPr>
-            <a:endParaRPr/>
-          </a:p>
-          <a:p>
-            <a:pPr algn="ctr">
-              <a:lnSpc>
-                <a:spcPct val="100000"/>
-              </a:lnSpc>
-            </a:pPr>
-            <a:r>
-              <a:rPr lang="pt-BR" sz="1800" spc="-1" strike="noStrike">
-                <a:solidFill>
-                  <a:srgbClr val="000000"/>
-                </a:solidFill>
-                <a:uFill>
-                  <a:solidFill>
-                    <a:srgbClr val="ffffff"/>
-                  </a:solidFill>
-                </a:uFill>
-                <a:latin typeface="Arial"/>
-                <a:ea typeface="DejaVu Sans"/>
-              </a:rPr>
-              <a:t>É a estrutura que vamos usar para organizar e agrupar determinado tipo de objeto.</a:t>
-            </a:r>
-            <a:endParaRPr/>
-          </a:p>
-          <a:p>
-            <a:pPr>
-              <a:lnSpc>
-                <a:spcPct val="100000"/>
-              </a:lnSpc>
-            </a:pPr>
-            <a:endParaRPr/>
-          </a:p>
-          <a:p>
-            <a:pPr algn="ctr">
-              <a:lnSpc>
-                <a:spcPct val="100000"/>
-              </a:lnSpc>
-            </a:pPr>
-            <a:r>
-              <a:rPr lang="pt-BR" sz="2000" spc="-1" strike="noStrike" u="sng">
-                <a:solidFill>
-                  <a:srgbClr val="31859c"/>
-                </a:solidFill>
-                <a:uFill>
-                  <a:solidFill>
-                    <a:srgbClr val="ffffff"/>
-                  </a:solidFill>
-                </a:uFill>
-                <a:latin typeface="Arial"/>
-                <a:ea typeface="DejaVu Sans"/>
-              </a:rPr>
-              <a:t>Uso</a:t>
-            </a:r>
-            <a:r>
-              <a:rPr lang="pt-BR" sz="2000" spc="-1" strike="noStrike">
-                <a:solidFill>
-                  <a:srgbClr val="31859c"/>
-                </a:solidFill>
-                <a:uFill>
-                  <a:solidFill>
-                    <a:srgbClr val="ffffff"/>
-                  </a:solidFill>
-                </a:uFill>
-                <a:latin typeface="Arial"/>
-                <a:ea typeface="DejaVu Sans"/>
-              </a:rPr>
-              <a:t> </a:t>
-            </a:r>
-            <a:endParaRPr/>
-          </a:p>
-          <a:p>
-            <a:pPr algn="ctr">
-              <a:lnSpc>
-                <a:spcPct val="100000"/>
-              </a:lnSpc>
-            </a:pPr>
-            <a:endParaRPr/>
-          </a:p>
-          <a:p>
-            <a:pPr algn="ctr">
-              <a:lnSpc>
-                <a:spcPct val="100000"/>
-              </a:lnSpc>
-            </a:pPr>
-            <a:r>
-              <a:rPr lang="pt-BR" sz="1800" spc="-1" strike="noStrike">
-                <a:solidFill>
-                  <a:srgbClr val="77933c"/>
-                </a:solidFill>
-                <a:uFill>
-                  <a:solidFill>
-                    <a:srgbClr val="ffffff"/>
-                  </a:solidFill>
-                </a:uFill>
-                <a:latin typeface="Arial"/>
-                <a:ea typeface="DejaVu Sans"/>
-              </a:rPr>
-              <a:t>List&lt;String&gt; </a:t>
-            </a:r>
-            <a:r>
-              <a:rPr lang="pt-BR" sz="1800" spc="-1" strike="noStrike">
-                <a:solidFill>
-                  <a:srgbClr val="000000"/>
-                </a:solidFill>
-                <a:uFill>
-                  <a:solidFill>
-                    <a:srgbClr val="ffffff"/>
-                  </a:solidFill>
-                </a:uFill>
-                <a:latin typeface="Arial"/>
-                <a:ea typeface="DejaVu Sans"/>
-              </a:rPr>
-              <a:t>listaDeTexto</a:t>
-            </a:r>
-            <a:r>
-              <a:rPr lang="pt-BR" sz="1800" spc="-1" strike="noStrike">
-                <a:solidFill>
-                  <a:srgbClr val="77933c"/>
-                </a:solidFill>
-                <a:uFill>
-                  <a:solidFill>
-                    <a:srgbClr val="ffffff"/>
-                  </a:solidFill>
-                </a:uFill>
-                <a:latin typeface="Arial"/>
-                <a:ea typeface="DejaVu Sans"/>
-              </a:rPr>
-              <a:t> = new List&lt;String&gt;;</a:t>
-            </a:r>
-            <a:endParaRPr/>
-          </a:p>
-          <a:p>
-            <a:pPr algn="ctr">
-              <a:lnSpc>
-                <a:spcPct val="100000"/>
-              </a:lnSpc>
-            </a:pPr>
-            <a:r>
-              <a:rPr lang="pt-BR" sz="1800" spc="-1" strike="noStrike">
-                <a:solidFill>
-                  <a:srgbClr val="000000"/>
-                </a:solidFill>
-                <a:uFill>
-                  <a:solidFill>
-                    <a:srgbClr val="ffffff"/>
-                  </a:solidFill>
-                </a:uFill>
-                <a:latin typeface="Arial"/>
-                <a:ea typeface="DejaVu Sans"/>
-              </a:rPr>
-              <a:t>listaDeTexto</a:t>
-            </a:r>
-            <a:r>
-              <a:rPr lang="pt-BR" sz="1800" spc="-1" strike="noStrike">
-                <a:solidFill>
-                  <a:srgbClr val="77933c"/>
-                </a:solidFill>
-                <a:uFill>
-                  <a:solidFill>
-                    <a:srgbClr val="ffffff"/>
-                  </a:solidFill>
-                </a:uFill>
-                <a:latin typeface="Arial"/>
-                <a:ea typeface="DejaVu Sans"/>
-              </a:rPr>
-              <a:t>.add(“amarelo”);</a:t>
-            </a:r>
-            <a:endParaRPr/>
-          </a:p>
-          <a:p>
-            <a:pPr algn="ctr">
-              <a:lnSpc>
-                <a:spcPct val="100000"/>
-              </a:lnSpc>
-            </a:pPr>
-            <a:r>
-              <a:rPr lang="pt-BR" sz="1800" spc="-1" strike="noStrike">
-                <a:solidFill>
-                  <a:srgbClr val="000000"/>
-                </a:solidFill>
-                <a:uFill>
-                  <a:solidFill>
-                    <a:srgbClr val="ffffff"/>
-                  </a:solidFill>
-                </a:uFill>
-                <a:latin typeface="Arial"/>
-                <a:ea typeface="DejaVu Sans"/>
-              </a:rPr>
-              <a:t>listaDeTexto.Count;</a:t>
-            </a:r>
-            <a:endParaRPr/>
-          </a:p>
-          <a:p>
-            <a:pPr algn="ctr">
-              <a:lnSpc>
-                <a:spcPct val="100000"/>
-              </a:lnSpc>
-            </a:pPr>
-            <a:r>
-              <a:rPr lang="pt-BR" sz="1800" spc="-1" strike="noStrike">
-                <a:solidFill>
-                  <a:srgbClr val="000000"/>
-                </a:solidFill>
-                <a:uFill>
-                  <a:solidFill>
-                    <a:srgbClr val="ffffff"/>
-                  </a:solidFill>
-                </a:uFill>
-                <a:latin typeface="Arial"/>
-                <a:ea typeface="DejaVu Sans"/>
-              </a:rPr>
-              <a:t>listaDeTexto.Remove(ListItem);</a:t>
-            </a:r>
-            <a:endParaRPr/>
-          </a:p>
-          <a:p>
-            <a:pPr algn="ctr">
-              <a:lnSpc>
-                <a:spcPct val="100000"/>
-              </a:lnSpc>
-            </a:pPr>
-            <a:r>
-              <a:rPr lang="pt-BR" sz="1800" spc="-1" strike="noStrike">
-                <a:solidFill>
-                  <a:srgbClr val="000000"/>
-                </a:solidFill>
-                <a:uFill>
-                  <a:solidFill>
-                    <a:srgbClr val="ffffff"/>
-                  </a:solidFill>
-                </a:uFill>
-                <a:latin typeface="Arial"/>
-                <a:ea typeface="DejaVu Sans"/>
-              </a:rPr>
-              <a:t>listaDeTexto.Clear();</a:t>
-            </a:r>
-            <a:endParaRPr/>
-          </a:p>
-          <a:p>
-            <a:pPr algn="ctr">
-              <a:lnSpc>
-                <a:spcPct val="100000"/>
-              </a:lnSpc>
-            </a:pPr>
-            <a:r>
-              <a:rPr lang="pt-BR" sz="1800" spc="-1" strike="noStrike">
-                <a:solidFill>
-                  <a:srgbClr val="000000"/>
-                </a:solidFill>
-                <a:uFill>
-                  <a:solidFill>
-                    <a:srgbClr val="ffffff"/>
-                  </a:solidFill>
-                </a:uFill>
-                <a:latin typeface="Arial"/>
-                <a:ea typeface="DejaVu Sans"/>
-              </a:rPr>
-              <a:t>listaDeTexto</a:t>
-            </a:r>
-            <a:r>
-              <a:rPr lang="pt-BR" sz="1800" spc="-1" strike="noStrike">
-                <a:solidFill>
-                  <a:srgbClr val="77933c"/>
-                </a:solidFill>
-                <a:uFill>
-                  <a:solidFill>
-                    <a:srgbClr val="ffffff"/>
-                  </a:solidFill>
-                </a:uFill>
-                <a:latin typeface="Arial"/>
-                <a:ea typeface="DejaVu Sans"/>
-              </a:rPr>
-              <a:t> = (List&lt;String&gt;)banco.</a:t>
-            </a:r>
-            <a:r>
-              <a:rPr lang="pt-BR" sz="1800" spc="-1" strike="noStrike">
-                <a:solidFill>
-                  <a:srgbClr val="000000"/>
-                </a:solidFill>
-                <a:uFill>
-                  <a:solidFill>
-                    <a:srgbClr val="ffffff"/>
-                  </a:solidFill>
-                </a:uFill>
-                <a:latin typeface="Arial"/>
-                <a:ea typeface="DejaVu Sans"/>
-              </a:rPr>
-              <a:t>CarregarRecurso</a:t>
-            </a:r>
-            <a:r>
-              <a:rPr lang="pt-BR" sz="1800" spc="-1" strike="noStrike">
-                <a:solidFill>
-                  <a:srgbClr val="77933c"/>
-                </a:solidFill>
-                <a:uFill>
-                  <a:solidFill>
-                    <a:srgbClr val="ffffff"/>
-                  </a:solidFill>
-                </a:uFill>
-                <a:latin typeface="Arial"/>
-                <a:ea typeface="DejaVu Sans"/>
-              </a:rPr>
-              <a:t>(String);</a:t>
-            </a:r>
-            <a:endParaRPr/>
-          </a:p>
-          <a:p>
-            <a:pPr algn="ctr">
-              <a:lnSpc>
-                <a:spcPct val="100000"/>
-              </a:lnSpc>
-            </a:pPr>
-            <a:endParaRPr/>
-          </a:p>
-          <a:p>
-            <a:pPr algn="ctr">
-              <a:lnSpc>
-                <a:spcPct val="100000"/>
-              </a:lnSpc>
-            </a:pPr>
-            <a:endParaRPr/>
-          </a:p>
-          <a:p>
-            <a:pPr algn="ctr">
-              <a:lnSpc>
-                <a:spcPct val="100000"/>
-              </a:lnSpc>
-            </a:pPr>
-            <a:endParaRPr/>
-          </a:p>
-          <a:p>
-            <a:pPr algn="ctr">
-              <a:lnSpc>
-                <a:spcPct val="100000"/>
-              </a:lnSpc>
-            </a:pPr>
-            <a:endParaRPr/>
-          </a:p>
-          <a:p>
-            <a:pPr algn="ctr">
-              <a:lnSpc>
-                <a:spcPct val="100000"/>
-              </a:lnSpc>
-            </a:pPr>
-            <a:endParaRPr/>
-          </a:p>
-          <a:p>
-            <a:pPr algn="ctr">
-              <a:lnSpc>
-                <a:spcPct val="100000"/>
-              </a:lnSpc>
-            </a:pPr>
-            <a:endParaRPr/>
-          </a:p>
-          <a:p>
-            <a:pPr>
-              <a:lnSpc>
-                <a:spcPct val="100000"/>
-              </a:lnSpc>
-            </a:pPr>
-            <a:endParaRPr/>
-          </a:p>
-          <a:p>
-            <a:pPr>
-              <a:lnSpc>
-                <a:spcPct val="100000"/>
-              </a:lnSpc>
-            </a:pPr>
-            <a:endParaRPr/>
-          </a:p>
-          <a:p>
-            <a:pPr>
-              <a:lnSpc>
-                <a:spcPct val="100000"/>
-              </a:lnSpc>
-            </a:pPr>
-            <a:endParaRPr/>
-          </a:p>
-        </p:txBody>
-      </p:sp>
+      </p:pic>
     </p:spTree>
   </p:cSld>
   <p:timing>
@@ -6187,6 +6228,572 @@
           <p:childTnLst>
             <p:seq>
               <p:cTn id="14" nodeType="mainSeq"/>
+              <p:prevCondLst>
+                <p:cond delay="0" evt="onPrev">
+                  <p:tgtEl>
+                    <p:sldTgt/>
+                  </p:tgtEl>
+                </p:cond>
+              </p:prevCondLst>
+              <p:nextCondLst>
+                <p:cond delay="0" evt="onNext">
+                  <p:tgtEl>
+                    <p:sldTgt/>
+                  </p:tgtEl>
+                </p:cond>
+              </p:nextCondLst>
+            </p:seq>
+          </p:childTnLst>
+        </p:cTn>
+      </p:par>
+    </p:tnLst>
+  </p:timing>
+</p:sld>
+</file>
+
+<file path=ppt/slides/slide8.xml><?xml version="1.0" encoding="utf-8"?>
+<p:sld xmlns:a="http://schemas.openxmlformats.org/drawingml/2006/main" xmlns:p="http://schemas.openxmlformats.org/presentationml/2006/main" xmlns:r="http://schemas.openxmlformats.org/officeDocument/2006/relationships">
+  <p:cSld>
+    <p:spTree>
+      <p:nvGrpSpPr>
+        <p:cNvPr id="1" name=""/>
+        <p:cNvGrpSpPr/>
+        <p:nvPr/>
+      </p:nvGrpSpPr>
+      <p:grpSpPr>
+        <a:xfrm>
+          <a:off x="0" y="0"/>
+          <a:ext cx="0" cy="0"/>
+          <a:chOff x="0" y="0"/>
+          <a:chExt cx="0" cy="0"/>
+        </a:xfrm>
+      </p:grpSpPr>
+      <p:sp>
+        <p:nvSpPr>
+          <p:cNvPr id="84" name="CustomShape 1"/>
+          <p:cNvSpPr/>
+          <p:nvPr/>
+        </p:nvSpPr>
+        <p:spPr>
+          <a:xfrm>
+            <a:off x="0" y="260640"/>
+            <a:ext cx="9142920" cy="6765120"/>
+          </a:xfrm>
+          <a:prstGeom prst="rect">
+            <a:avLst/>
+          </a:prstGeom>
+          <a:noFill/>
+          <a:ln>
+            <a:noFill/>
+          </a:ln>
+        </p:spPr>
+        <p:style>
+          <a:lnRef idx="0"/>
+          <a:fillRef idx="0"/>
+          <a:effectRef idx="0"/>
+          <a:fontRef idx="minor"/>
+        </p:style>
+        <p:txBody>
+          <a:bodyPr lIns="90000" rIns="90000" tIns="45000" bIns="45000"/>
+          <a:p>
+            <a:pPr algn="ctr">
+              <a:lnSpc>
+                <a:spcPct val="100000"/>
+              </a:lnSpc>
+            </a:pPr>
+            <a:endParaRPr/>
+          </a:p>
+          <a:p>
+            <a:pPr algn="ctr">
+              <a:lnSpc>
+                <a:spcPct val="100000"/>
+              </a:lnSpc>
+            </a:pPr>
+            <a:endParaRPr/>
+          </a:p>
+          <a:p>
+            <a:pPr algn="ctr">
+              <a:lnSpc>
+                <a:spcPct val="100000"/>
+              </a:lnSpc>
+            </a:pPr>
+            <a:r>
+              <a:rPr lang="pt-BR" sz="2000" spc="-1" strike="noStrike" u="sng">
+                <a:solidFill>
+                  <a:srgbClr val="77933c"/>
+                </a:solidFill>
+                <a:uFill>
+                  <a:solidFill>
+                    <a:srgbClr val="ffffff"/>
+                  </a:solidFill>
+                </a:uFill>
+                <a:latin typeface="Arial"/>
+                <a:ea typeface="DejaVu Sans"/>
+              </a:rPr>
+              <a:t>Rectangle</a:t>
+            </a:r>
+            <a:endParaRPr/>
+          </a:p>
+          <a:p>
+            <a:pPr algn="ctr">
+              <a:lnSpc>
+                <a:spcPct val="100000"/>
+              </a:lnSpc>
+            </a:pPr>
+            <a:endParaRPr/>
+          </a:p>
+          <a:p>
+            <a:pPr algn="ctr">
+              <a:lnSpc>
+                <a:spcPct val="100000"/>
+              </a:lnSpc>
+            </a:pPr>
+            <a:r>
+              <a:rPr lang="pt-BR" sz="1800" spc="-1" strike="noStrike">
+                <a:solidFill>
+                  <a:srgbClr val="000000"/>
+                </a:solidFill>
+                <a:uFill>
+                  <a:solidFill>
+                    <a:srgbClr val="ffffff"/>
+                  </a:solidFill>
+                </a:uFill>
+                <a:latin typeface="Arial"/>
+                <a:ea typeface="DejaVu Sans"/>
+              </a:rPr>
+              <a:t>É a estrutura que tem as informaçoes de um retângulo</a:t>
+            </a:r>
+            <a:endParaRPr/>
+          </a:p>
+          <a:p>
+            <a:pPr>
+              <a:lnSpc>
+                <a:spcPct val="100000"/>
+              </a:lnSpc>
+            </a:pPr>
+            <a:endParaRPr/>
+          </a:p>
+          <a:p>
+            <a:pPr algn="ctr">
+              <a:lnSpc>
+                <a:spcPct val="100000"/>
+              </a:lnSpc>
+            </a:pPr>
+            <a:r>
+              <a:rPr lang="pt-BR" sz="2000" spc="-1" strike="noStrike" u="sng">
+                <a:solidFill>
+                  <a:srgbClr val="31859c"/>
+                </a:solidFill>
+                <a:uFill>
+                  <a:solidFill>
+                    <a:srgbClr val="ffffff"/>
+                  </a:solidFill>
+                </a:uFill>
+                <a:latin typeface="Arial"/>
+                <a:ea typeface="DejaVu Sans"/>
+              </a:rPr>
+              <a:t>Uso</a:t>
+            </a:r>
+            <a:r>
+              <a:rPr lang="pt-BR" sz="2000" spc="-1" strike="noStrike">
+                <a:solidFill>
+                  <a:srgbClr val="31859c"/>
+                </a:solidFill>
+                <a:uFill>
+                  <a:solidFill>
+                    <a:srgbClr val="ffffff"/>
+                  </a:solidFill>
+                </a:uFill>
+                <a:latin typeface="Arial"/>
+                <a:ea typeface="DejaVu Sans"/>
+              </a:rPr>
+              <a:t> </a:t>
+            </a:r>
+            <a:endParaRPr/>
+          </a:p>
+          <a:p>
+            <a:pPr algn="ctr">
+              <a:lnSpc>
+                <a:spcPct val="100000"/>
+              </a:lnSpc>
+            </a:pPr>
+            <a:endParaRPr/>
+          </a:p>
+          <a:p>
+            <a:pPr algn="ctr">
+              <a:lnSpc>
+                <a:spcPct val="100000"/>
+              </a:lnSpc>
+            </a:pPr>
+            <a:r>
+              <a:rPr lang="pt-BR" sz="1800" spc="-1" strike="noStrike">
+                <a:solidFill>
+                  <a:srgbClr val="77933c"/>
+                </a:solidFill>
+                <a:uFill>
+                  <a:solidFill>
+                    <a:srgbClr val="ffffff"/>
+                  </a:solidFill>
+                </a:uFill>
+                <a:latin typeface="Arial"/>
+                <a:ea typeface="DejaVu Sans"/>
+              </a:rPr>
+              <a:t>Rectangle </a:t>
+            </a:r>
+            <a:r>
+              <a:rPr lang="pt-BR" sz="1800" spc="-1" strike="noStrike">
+                <a:solidFill>
+                  <a:srgbClr val="000000"/>
+                </a:solidFill>
+                <a:uFill>
+                  <a:solidFill>
+                    <a:srgbClr val="ffffff"/>
+                  </a:solidFill>
+                </a:uFill>
+                <a:latin typeface="Arial"/>
+                <a:ea typeface="DejaVu Sans"/>
+              </a:rPr>
+              <a:t>retangulo;</a:t>
+            </a:r>
+            <a:endParaRPr/>
+          </a:p>
+          <a:p>
+            <a:pPr algn="ctr">
+              <a:lnSpc>
+                <a:spcPct val="100000"/>
+              </a:lnSpc>
+            </a:pPr>
+            <a:r>
+              <a:rPr lang="pt-BR" sz="1800" spc="-1" strike="noStrike">
+                <a:solidFill>
+                  <a:srgbClr val="000000"/>
+                </a:solidFill>
+                <a:uFill>
+                  <a:solidFill>
+                    <a:srgbClr val="ffffff"/>
+                  </a:solidFill>
+                </a:uFill>
+                <a:latin typeface="Arial"/>
+                <a:ea typeface="DejaVu Sans"/>
+              </a:rPr>
+              <a:t>retangulo = </a:t>
+            </a:r>
+            <a:r>
+              <a:rPr lang="pt-BR" sz="1800" spc="-1" strike="noStrike">
+                <a:solidFill>
+                  <a:srgbClr val="0070c0"/>
+                </a:solidFill>
+                <a:uFill>
+                  <a:solidFill>
+                    <a:srgbClr val="ffffff"/>
+                  </a:solidFill>
+                </a:uFill>
+                <a:latin typeface="Arial"/>
+                <a:ea typeface="DejaVu Sans"/>
+              </a:rPr>
+              <a:t>new</a:t>
+            </a:r>
+            <a:r>
+              <a:rPr lang="pt-BR" sz="1800" spc="-1" strike="noStrike">
+                <a:solidFill>
+                  <a:srgbClr val="77933c"/>
+                </a:solidFill>
+                <a:uFill>
+                  <a:solidFill>
+                    <a:srgbClr val="ffffff"/>
+                  </a:solidFill>
+                </a:uFill>
+                <a:latin typeface="Arial"/>
+                <a:ea typeface="DejaVu Sans"/>
+              </a:rPr>
+              <a:t> Rectangle (0, 0, 0, 0);</a:t>
+            </a:r>
+            <a:endParaRPr/>
+          </a:p>
+          <a:p>
+            <a:pPr algn="ctr">
+              <a:lnSpc>
+                <a:spcPct val="100000"/>
+              </a:lnSpc>
+            </a:pPr>
+            <a:r>
+              <a:rPr lang="pt-BR" sz="1800" spc="-1" strike="noStrike">
+                <a:solidFill>
+                  <a:srgbClr val="0070c0"/>
+                </a:solidFill>
+                <a:uFill>
+                  <a:solidFill>
+                    <a:srgbClr val="ffffff"/>
+                  </a:solidFill>
+                </a:uFill>
+                <a:latin typeface="Arial"/>
+                <a:ea typeface="DejaVu Sans"/>
+              </a:rPr>
+              <a:t>new</a:t>
+            </a:r>
+            <a:r>
+              <a:rPr lang="pt-BR" sz="1800" spc="-1" strike="noStrike">
+                <a:solidFill>
+                  <a:srgbClr val="77933c"/>
+                </a:solidFill>
+                <a:uFill>
+                  <a:solidFill>
+                    <a:srgbClr val="ffffff"/>
+                  </a:solidFill>
+                </a:uFill>
+                <a:latin typeface="Arial"/>
+                <a:ea typeface="DejaVu Sans"/>
+              </a:rPr>
+              <a:t> Rectangle (0, 0, 0, 0);</a:t>
+            </a:r>
+            <a:endParaRPr/>
+          </a:p>
+          <a:p>
+            <a:pPr algn="ctr">
+              <a:lnSpc>
+                <a:spcPct val="100000"/>
+              </a:lnSpc>
+            </a:pPr>
+            <a:r>
+              <a:rPr lang="pt-BR" sz="1800" spc="-1" strike="noStrike">
+                <a:solidFill>
+                  <a:srgbClr val="77933c"/>
+                </a:solidFill>
+                <a:uFill>
+                  <a:solidFill>
+                    <a:srgbClr val="ffffff"/>
+                  </a:solidFill>
+                </a:uFill>
+                <a:latin typeface="Arial"/>
+                <a:ea typeface="DejaVu Sans"/>
+              </a:rPr>
+              <a:t>Rectangle.intersects(Rectangle);</a:t>
+            </a:r>
+            <a:endParaRPr/>
+          </a:p>
+          <a:p>
+            <a:pPr algn="ctr">
+              <a:lnSpc>
+                <a:spcPct val="100000"/>
+              </a:lnSpc>
+            </a:pPr>
+            <a:r>
+              <a:rPr lang="pt-BR" sz="1800" spc="-1" strike="noStrike">
+                <a:solidFill>
+                  <a:srgbClr val="000000"/>
+                </a:solidFill>
+                <a:uFill>
+                  <a:solidFill>
+                    <a:srgbClr val="ffffff"/>
+                  </a:solidFill>
+                </a:uFill>
+                <a:latin typeface="Arial"/>
+                <a:ea typeface="DejaVu Sans"/>
+              </a:rPr>
+              <a:t>retangulo.X;</a:t>
+            </a:r>
+            <a:endParaRPr/>
+          </a:p>
+          <a:p>
+            <a:pPr algn="ctr">
+              <a:lnSpc>
+                <a:spcPct val="100000"/>
+              </a:lnSpc>
+            </a:pPr>
+            <a:r>
+              <a:rPr lang="pt-BR" sz="1800" spc="-1" strike="noStrike">
+                <a:solidFill>
+                  <a:srgbClr val="000000"/>
+                </a:solidFill>
+                <a:uFill>
+                  <a:solidFill>
+                    <a:srgbClr val="ffffff"/>
+                  </a:solidFill>
+                </a:uFill>
+                <a:latin typeface="Arial"/>
+                <a:ea typeface="DejaVu Sans"/>
+              </a:rPr>
+              <a:t>retangulo.Y;</a:t>
+            </a:r>
+            <a:endParaRPr/>
+          </a:p>
+          <a:p>
+            <a:pPr algn="ctr">
+              <a:lnSpc>
+                <a:spcPct val="100000"/>
+              </a:lnSpc>
+            </a:pPr>
+            <a:r>
+              <a:rPr lang="pt-BR" sz="1800" spc="-1" strike="noStrike">
+                <a:solidFill>
+                  <a:srgbClr val="000000"/>
+                </a:solidFill>
+                <a:uFill>
+                  <a:solidFill>
+                    <a:srgbClr val="ffffff"/>
+                  </a:solidFill>
+                </a:uFill>
+                <a:latin typeface="Arial"/>
+                <a:ea typeface="DejaVu Sans"/>
+              </a:rPr>
+              <a:t>retangulo.Width;</a:t>
+            </a:r>
+            <a:endParaRPr/>
+          </a:p>
+          <a:p>
+            <a:pPr algn="ctr">
+              <a:lnSpc>
+                <a:spcPct val="100000"/>
+              </a:lnSpc>
+            </a:pPr>
+            <a:r>
+              <a:rPr lang="pt-BR" sz="1800" spc="-1" strike="noStrike">
+                <a:solidFill>
+                  <a:srgbClr val="000000"/>
+                </a:solidFill>
+                <a:uFill>
+                  <a:solidFill>
+                    <a:srgbClr val="ffffff"/>
+                  </a:solidFill>
+                </a:uFill>
+                <a:latin typeface="Arial"/>
+                <a:ea typeface="DejaVu Sans"/>
+              </a:rPr>
+              <a:t>retangulo.Height;</a:t>
+            </a:r>
+            <a:endParaRPr/>
+          </a:p>
+          <a:p>
+            <a:pPr algn="ctr">
+              <a:lnSpc>
+                <a:spcPct val="100000"/>
+              </a:lnSpc>
+            </a:pPr>
+            <a:endParaRPr/>
+          </a:p>
+          <a:p>
+            <a:pPr algn="ctr">
+              <a:lnSpc>
+                <a:spcPct val="100000"/>
+              </a:lnSpc>
+            </a:pPr>
+            <a:endParaRPr/>
+          </a:p>
+          <a:p>
+            <a:pPr algn="ctr">
+              <a:lnSpc>
+                <a:spcPct val="100000"/>
+              </a:lnSpc>
+            </a:pPr>
+            <a:endParaRPr/>
+          </a:p>
+          <a:p>
+            <a:pPr>
+              <a:lnSpc>
+                <a:spcPct val="100000"/>
+              </a:lnSpc>
+            </a:pPr>
+            <a:endParaRPr/>
+          </a:p>
+          <a:p>
+            <a:pPr>
+              <a:lnSpc>
+                <a:spcPct val="100000"/>
+              </a:lnSpc>
+            </a:pPr>
+            <a:endParaRPr/>
+          </a:p>
+          <a:p>
+            <a:pPr>
+              <a:lnSpc>
+                <a:spcPct val="100000"/>
+              </a:lnSpc>
+            </a:pPr>
+            <a:endParaRPr/>
+          </a:p>
+        </p:txBody>
+      </p:sp>
+    </p:spTree>
+  </p:cSld>
+  <p:timing>
+    <p:tnLst>
+      <p:par>
+        <p:cTn id="15" dur="indefinite" restart="never" nodeType="tmRoot">
+          <p:childTnLst>
+            <p:seq>
+              <p:cTn id="16" nodeType="mainSeq"/>
+              <p:prevCondLst>
+                <p:cond delay="0" evt="onPrev">
+                  <p:tgtEl>
+                    <p:sldTgt/>
+                  </p:tgtEl>
+                </p:cond>
+              </p:prevCondLst>
+              <p:nextCondLst>
+                <p:cond delay="0" evt="onNext">
+                  <p:tgtEl>
+                    <p:sldTgt/>
+                  </p:tgtEl>
+                </p:cond>
+              </p:nextCondLst>
+            </p:seq>
+          </p:childTnLst>
+        </p:cTn>
+      </p:par>
+    </p:tnLst>
+  </p:timing>
+</p:sld>
+</file>
+
+<file path=ppt/slides/slide9.xml><?xml version="1.0" encoding="utf-8"?>
+<p:sld xmlns:a="http://schemas.openxmlformats.org/drawingml/2006/main" xmlns:p="http://schemas.openxmlformats.org/presentationml/2006/main" xmlns:r="http://schemas.openxmlformats.org/officeDocument/2006/relationships">
+  <p:cSld>
+    <p:spTree>
+      <p:nvGrpSpPr>
+        <p:cNvPr id="1" name=""/>
+        <p:cNvGrpSpPr/>
+        <p:nvPr/>
+      </p:nvGrpSpPr>
+      <p:grpSpPr>
+        <a:xfrm>
+          <a:off x="0" y="0"/>
+          <a:ext cx="0" cy="0"/>
+          <a:chOff x="0" y="0"/>
+          <a:chExt cx="0" cy="0"/>
+        </a:xfrm>
+      </p:grpSpPr>
+      <p:pic>
+        <p:nvPicPr>
+          <p:cNvPr id="85" name="" descr=""/>
+          <p:cNvPicPr/>
+          <p:nvPr/>
+        </p:nvPicPr>
+        <p:blipFill>
+          <a:blip r:embed="rId1"/>
+          <a:stretch/>
+        </p:blipFill>
+        <p:spPr>
+          <a:xfrm>
+            <a:off x="271080" y="12600"/>
+            <a:ext cx="8620920" cy="6857640"/>
+          </a:xfrm>
+          <a:prstGeom prst="rect">
+            <a:avLst/>
+          </a:prstGeom>
+          <a:ln>
+            <a:noFill/>
+          </a:ln>
+        </p:spPr>
+      </p:pic>
+    </p:spTree>
+  </p:cSld>
+  <p:timing>
+    <p:tnLst>
+      <p:par>
+        <p:cTn id="17" dur="indefinite" restart="never" nodeType="tmRoot">
+          <p:childTnLst>
+            <p:seq>
+              <p:cTn id="18" nodeType="mainSeq"/>
               <p:prevCondLst>
                 <p:cond delay="0" evt="onPrev">
                   <p:tgtEl>

--- a/Sequência de Ensino/Itens Necessários/Slide.pptx
+++ b/Sequência de Ensino/Itens Necessários/Slide.pptx
@@ -1,35 +1,130 @@
 
 <file path=ppt/presentation.xml><?xml version="1.0" encoding="utf-8"?>
-<p:presentation xmlns:a="http://schemas.openxmlformats.org/drawingml/2006/main" xmlns:p="http://schemas.openxmlformats.org/presentationml/2006/main" xmlns:r="http://schemas.openxmlformats.org/officeDocument/2006/relationships">
+<p:presentation xmlns:a="http://schemas.openxmlformats.org/drawingml/2006/main" xmlns:r="http://schemas.openxmlformats.org/officeDocument/2006/relationships" xmlns:p="http://schemas.openxmlformats.org/presentationml/2006/main">
   <p:sldMasterIdLst>
-    <p:sldMasterId id="2147483648" r:id="rId2"/>
-    <p:sldMasterId id="2147483661" r:id="rId3"/>
+    <p:sldMasterId id="2147483648" r:id="rId1"/>
+    <p:sldMasterId id="2147483661" r:id="rId2"/>
   </p:sldMasterIdLst>
   <p:sldIdLst>
-    <p:sldId id="256" r:id="rId4"/>
-    <p:sldId id="257" r:id="rId5"/>
-    <p:sldId id="258" r:id="rId6"/>
-    <p:sldId id="259" r:id="rId7"/>
-    <p:sldId id="260" r:id="rId8"/>
-    <p:sldId id="261" r:id="rId9"/>
-    <p:sldId id="262" r:id="rId10"/>
-    <p:sldId id="263" r:id="rId11"/>
-    <p:sldId id="264" r:id="rId12"/>
-    <p:sldId id="265" r:id="rId13"/>
-    <p:sldId id="266" r:id="rId14"/>
-    <p:sldId id="267" r:id="rId15"/>
-    <p:sldId id="268" r:id="rId16"/>
-    <p:sldId id="269" r:id="rId17"/>
-    <p:sldId id="270" r:id="rId18"/>
-    <p:sldId id="271" r:id="rId19"/>
+    <p:sldId id="256" r:id="rId3"/>
+    <p:sldId id="257" r:id="rId4"/>
+    <p:sldId id="258" r:id="rId5"/>
+    <p:sldId id="259" r:id="rId6"/>
+    <p:sldId id="260" r:id="rId7"/>
+    <p:sldId id="261" r:id="rId8"/>
+    <p:sldId id="262" r:id="rId9"/>
+    <p:sldId id="263" r:id="rId10"/>
+    <p:sldId id="264" r:id="rId11"/>
+    <p:sldId id="265" r:id="rId12"/>
+    <p:sldId id="266" r:id="rId13"/>
+    <p:sldId id="267" r:id="rId14"/>
+    <p:sldId id="268" r:id="rId15"/>
+    <p:sldId id="269" r:id="rId16"/>
+    <p:sldId id="270" r:id="rId17"/>
+    <p:sldId id="271" r:id="rId18"/>
   </p:sldIdLst>
-  <p:sldSz cx="9144000" cy="6858000"/>
-  <p:notesSz cx="7559675" cy="10691812"/>
+  <p:sldSz cx="9144000" cy="6858000" type="screen4x3"/>
+  <p:notesSz cx="7559675" cy="10691813"/>
+  <p:defaultTextStyle>
+    <a:defPPr>
+      <a:defRPr lang="pt-BR"/>
+    </a:defPPr>
+    <a:lvl1pPr marL="0" algn="l" defTabSz="914400" rtl="0" eaLnBrk="1" latinLnBrk="0" hangingPunct="1">
+      <a:defRPr sz="1800" kern="1200">
+        <a:solidFill>
+          <a:schemeClr val="tx1"/>
+        </a:solidFill>
+        <a:latin typeface="+mn-lt"/>
+        <a:ea typeface="+mn-ea"/>
+        <a:cs typeface="+mn-cs"/>
+      </a:defRPr>
+    </a:lvl1pPr>
+    <a:lvl2pPr marL="457200" algn="l" defTabSz="914400" rtl="0" eaLnBrk="1" latinLnBrk="0" hangingPunct="1">
+      <a:defRPr sz="1800" kern="1200">
+        <a:solidFill>
+          <a:schemeClr val="tx1"/>
+        </a:solidFill>
+        <a:latin typeface="+mn-lt"/>
+        <a:ea typeface="+mn-ea"/>
+        <a:cs typeface="+mn-cs"/>
+      </a:defRPr>
+    </a:lvl2pPr>
+    <a:lvl3pPr marL="914400" algn="l" defTabSz="914400" rtl="0" eaLnBrk="1" latinLnBrk="0" hangingPunct="1">
+      <a:defRPr sz="1800" kern="1200">
+        <a:solidFill>
+          <a:schemeClr val="tx1"/>
+        </a:solidFill>
+        <a:latin typeface="+mn-lt"/>
+        <a:ea typeface="+mn-ea"/>
+        <a:cs typeface="+mn-cs"/>
+      </a:defRPr>
+    </a:lvl3pPr>
+    <a:lvl4pPr marL="1371600" algn="l" defTabSz="914400" rtl="0" eaLnBrk="1" latinLnBrk="0" hangingPunct="1">
+      <a:defRPr sz="1800" kern="1200">
+        <a:solidFill>
+          <a:schemeClr val="tx1"/>
+        </a:solidFill>
+        <a:latin typeface="+mn-lt"/>
+        <a:ea typeface="+mn-ea"/>
+        <a:cs typeface="+mn-cs"/>
+      </a:defRPr>
+    </a:lvl4pPr>
+    <a:lvl5pPr marL="1828800" algn="l" defTabSz="914400" rtl="0" eaLnBrk="1" latinLnBrk="0" hangingPunct="1">
+      <a:defRPr sz="1800" kern="1200">
+        <a:solidFill>
+          <a:schemeClr val="tx1"/>
+        </a:solidFill>
+        <a:latin typeface="+mn-lt"/>
+        <a:ea typeface="+mn-ea"/>
+        <a:cs typeface="+mn-cs"/>
+      </a:defRPr>
+    </a:lvl5pPr>
+    <a:lvl6pPr marL="2286000" algn="l" defTabSz="914400" rtl="0" eaLnBrk="1" latinLnBrk="0" hangingPunct="1">
+      <a:defRPr sz="1800" kern="1200">
+        <a:solidFill>
+          <a:schemeClr val="tx1"/>
+        </a:solidFill>
+        <a:latin typeface="+mn-lt"/>
+        <a:ea typeface="+mn-ea"/>
+        <a:cs typeface="+mn-cs"/>
+      </a:defRPr>
+    </a:lvl6pPr>
+    <a:lvl7pPr marL="2743200" algn="l" defTabSz="914400" rtl="0" eaLnBrk="1" latinLnBrk="0" hangingPunct="1">
+      <a:defRPr sz="1800" kern="1200">
+        <a:solidFill>
+          <a:schemeClr val="tx1"/>
+        </a:solidFill>
+        <a:latin typeface="+mn-lt"/>
+        <a:ea typeface="+mn-ea"/>
+        <a:cs typeface="+mn-cs"/>
+      </a:defRPr>
+    </a:lvl7pPr>
+    <a:lvl8pPr marL="3200400" algn="l" defTabSz="914400" rtl="0" eaLnBrk="1" latinLnBrk="0" hangingPunct="1">
+      <a:defRPr sz="1800" kern="1200">
+        <a:solidFill>
+          <a:schemeClr val="tx1"/>
+        </a:solidFill>
+        <a:latin typeface="+mn-lt"/>
+        <a:ea typeface="+mn-ea"/>
+        <a:cs typeface="+mn-cs"/>
+      </a:defRPr>
+    </a:lvl8pPr>
+    <a:lvl9pPr marL="3657600" algn="l" defTabSz="914400" rtl="0" eaLnBrk="1" latinLnBrk="0" hangingPunct="1">
+      <a:defRPr sz="1800" kern="1200">
+        <a:solidFill>
+          <a:schemeClr val="tx1"/>
+        </a:solidFill>
+        <a:latin typeface="+mn-lt"/>
+        <a:ea typeface="+mn-ea"/>
+        <a:cs typeface="+mn-cs"/>
+      </a:defRPr>
+    </a:lvl9pPr>
+  </p:defaultTextStyle>
 </p:presentation>
 </file>
 
 <file path=ppt/slideLayouts/slideLayout1.xml><?xml version="1.0" encoding="utf-8"?>
-<p:sldLayout xmlns:a="http://schemas.openxmlformats.org/drawingml/2006/main" xmlns:p="http://schemas.openxmlformats.org/presentationml/2006/main" xmlns:r="http://schemas.openxmlformats.org/officeDocument/2006/relationships" type="blank" preserve="1">
+<p:sldLayout xmlns:a="http://schemas.openxmlformats.org/drawingml/2006/main" xmlns:r="http://schemas.openxmlformats.org/officeDocument/2006/relationships" xmlns:p="http://schemas.openxmlformats.org/presentationml/2006/main" type="blank" preserve="1">
   <p:cSld name="Blank Slide">
     <p:spTree>
       <p:nvGrpSpPr>
@@ -47,11 +142,14 @@
       </p:grpSpPr>
     </p:spTree>
   </p:cSld>
+  <p:clrMapOvr>
+    <a:masterClrMapping/>
+  </p:clrMapOvr>
 </p:sldLayout>
 </file>
 
 <file path=ppt/slideLayouts/slideLayout10.xml><?xml version="1.0" encoding="utf-8"?>
-<p:sldLayout xmlns:a="http://schemas.openxmlformats.org/drawingml/2006/main" xmlns:p="http://schemas.openxmlformats.org/presentationml/2006/main" xmlns:r="http://schemas.openxmlformats.org/officeDocument/2006/relationships" type="objOverTx" preserve="1">
+<p:sldLayout xmlns:a="http://schemas.openxmlformats.org/drawingml/2006/main" xmlns:r="http://schemas.openxmlformats.org/officeDocument/2006/relationships" xmlns:p="http://schemas.openxmlformats.org/presentationml/2006/main" type="objOverTx" preserve="1">
   <p:cSld name="Title, Content over Content">
     <p:spTree>
       <p:nvGrpSpPr>
@@ -87,7 +185,8 @@
           </a:prstGeom>
         </p:spPr>
         <p:txBody>
-          <a:bodyPr lIns="0" rIns="0" tIns="0" bIns="0" anchor="ctr"/>
+          <a:bodyPr lIns="0" tIns="0" rIns="0" bIns="0" anchor="ctr"/>
+          <a:lstStyle/>
           <a:p>
             <a:pPr algn="ctr"/>
             <a:endParaRPr/>
@@ -114,7 +213,8 @@
           </a:prstGeom>
         </p:spPr>
         <p:txBody>
-          <a:bodyPr lIns="0" rIns="0" tIns="0" bIns="0"/>
+          <a:bodyPr lIns="0" tIns="0" rIns="0" bIns="0"/>
+          <a:lstStyle/>
           <a:p>
             <a:endParaRPr/>
           </a:p>
@@ -140,7 +240,8 @@
           </a:prstGeom>
         </p:spPr>
         <p:txBody>
-          <a:bodyPr lIns="0" rIns="0" tIns="0" bIns="0"/>
+          <a:bodyPr lIns="0" tIns="0" rIns="0" bIns="0"/>
+          <a:lstStyle/>
           <a:p>
             <a:endParaRPr/>
           </a:p>
@@ -148,11 +249,14 @@
       </p:sp>
     </p:spTree>
   </p:cSld>
+  <p:clrMapOvr>
+    <a:masterClrMapping/>
+  </p:clrMapOvr>
 </p:sldLayout>
 </file>
 
 <file path=ppt/slideLayouts/slideLayout11.xml><?xml version="1.0" encoding="utf-8"?>
-<p:sldLayout xmlns:a="http://schemas.openxmlformats.org/drawingml/2006/main" xmlns:p="http://schemas.openxmlformats.org/presentationml/2006/main" xmlns:r="http://schemas.openxmlformats.org/officeDocument/2006/relationships" type="fourObj" preserve="1">
+<p:sldLayout xmlns:a="http://schemas.openxmlformats.org/drawingml/2006/main" xmlns:r="http://schemas.openxmlformats.org/officeDocument/2006/relationships" xmlns:p="http://schemas.openxmlformats.org/presentationml/2006/main" type="fourObj" preserve="1">
   <p:cSld name="Title, 4 Content">
     <p:spTree>
       <p:nvGrpSpPr>
@@ -188,7 +292,8 @@
           </a:prstGeom>
         </p:spPr>
         <p:txBody>
-          <a:bodyPr lIns="0" rIns="0" tIns="0" bIns="0" anchor="ctr"/>
+          <a:bodyPr lIns="0" tIns="0" rIns="0" bIns="0" anchor="ctr"/>
+          <a:lstStyle/>
           <a:p>
             <a:pPr algn="ctr"/>
             <a:endParaRPr/>
@@ -215,7 +320,8 @@
           </a:prstGeom>
         </p:spPr>
         <p:txBody>
-          <a:bodyPr lIns="0" rIns="0" tIns="0" bIns="0"/>
+          <a:bodyPr lIns="0" tIns="0" rIns="0" bIns="0"/>
+          <a:lstStyle/>
           <a:p>
             <a:endParaRPr/>
           </a:p>
@@ -241,7 +347,8 @@
           </a:prstGeom>
         </p:spPr>
         <p:txBody>
-          <a:bodyPr lIns="0" rIns="0" tIns="0" bIns="0"/>
+          <a:bodyPr lIns="0" tIns="0" rIns="0" bIns="0"/>
+          <a:lstStyle/>
           <a:p>
             <a:endParaRPr/>
           </a:p>
@@ -267,7 +374,8 @@
           </a:prstGeom>
         </p:spPr>
         <p:txBody>
-          <a:bodyPr lIns="0" rIns="0" tIns="0" bIns="0"/>
+          <a:bodyPr lIns="0" tIns="0" rIns="0" bIns="0"/>
+          <a:lstStyle/>
           <a:p>
             <a:endParaRPr/>
           </a:p>
@@ -293,7 +401,8 @@
           </a:prstGeom>
         </p:spPr>
         <p:txBody>
-          <a:bodyPr lIns="0" rIns="0" tIns="0" bIns="0"/>
+          <a:bodyPr lIns="0" tIns="0" rIns="0" bIns="0"/>
+          <a:lstStyle/>
           <a:p>
             <a:endParaRPr/>
           </a:p>
@@ -301,11 +410,14 @@
       </p:sp>
     </p:spTree>
   </p:cSld>
+  <p:clrMapOvr>
+    <a:masterClrMapping/>
+  </p:clrMapOvr>
 </p:sldLayout>
 </file>
 
 <file path=ppt/slideLayouts/slideLayout12.xml><?xml version="1.0" encoding="utf-8"?>
-<p:sldLayout xmlns:a="http://schemas.openxmlformats.org/drawingml/2006/main" xmlns:p="http://schemas.openxmlformats.org/presentationml/2006/main" xmlns:r="http://schemas.openxmlformats.org/officeDocument/2006/relationships" type="blank" preserve="1">
+<p:sldLayout xmlns:a="http://schemas.openxmlformats.org/drawingml/2006/main" xmlns:r="http://schemas.openxmlformats.org/officeDocument/2006/relationships" xmlns:p="http://schemas.openxmlformats.org/presentationml/2006/main" type="blank" preserve="1">
   <p:cSld name="Title, 6 Content">
     <p:spTree>
       <p:nvGrpSpPr>
@@ -341,7 +453,8 @@
           </a:prstGeom>
         </p:spPr>
         <p:txBody>
-          <a:bodyPr lIns="0" rIns="0" tIns="0" bIns="0" anchor="ctr"/>
+          <a:bodyPr lIns="0" tIns="0" rIns="0" bIns="0" anchor="ctr"/>
+          <a:lstStyle/>
           <a:p>
             <a:pPr algn="ctr"/>
             <a:endParaRPr/>
@@ -368,7 +481,8 @@
           </a:prstGeom>
         </p:spPr>
         <p:txBody>
-          <a:bodyPr lIns="0" rIns="0" tIns="0" bIns="0"/>
+          <a:bodyPr lIns="0" tIns="0" rIns="0" bIns="0"/>
+          <a:lstStyle/>
           <a:p>
             <a:endParaRPr/>
           </a:p>
@@ -394,7 +508,8 @@
           </a:prstGeom>
         </p:spPr>
         <p:txBody>
-          <a:bodyPr lIns="0" rIns="0" tIns="0" bIns="0"/>
+          <a:bodyPr lIns="0" tIns="0" rIns="0" bIns="0"/>
+          <a:lstStyle/>
           <a:p>
             <a:endParaRPr/>
           </a:p>
@@ -402,7 +517,7 @@
       </p:sp>
       <p:pic>
         <p:nvPicPr>
-          <p:cNvPr id="34" name="" descr=""/>
+          <p:cNvPr id="34" name="Imagem 33"/>
           <p:cNvPicPr/>
           <p:nvPr/>
         </p:nvPicPr>
@@ -425,12 +540,12 @@
       </p:pic>
       <p:pic>
         <p:nvPicPr>
-          <p:cNvPr id="35" name="" descr=""/>
+          <p:cNvPr id="35" name="Imagem 34"/>
           <p:cNvPicPr/>
           <p:nvPr/>
         </p:nvPicPr>
         <p:blipFill>
-          <a:blip r:embed="rId3"/>
+          <a:blip r:embed="rId2"/>
           <a:stretch/>
         </p:blipFill>
         <p:spPr>
@@ -448,11 +563,14 @@
       </p:pic>
     </p:spTree>
   </p:cSld>
+  <p:clrMapOvr>
+    <a:masterClrMapping/>
+  </p:clrMapOvr>
 </p:sldLayout>
 </file>
 
 <file path=ppt/slideLayouts/slideLayout13.xml><?xml version="1.0" encoding="utf-8"?>
-<p:sldLayout xmlns:a="http://schemas.openxmlformats.org/drawingml/2006/main" xmlns:p="http://schemas.openxmlformats.org/presentationml/2006/main" xmlns:r="http://schemas.openxmlformats.org/officeDocument/2006/relationships" type="blank" preserve="1">
+<p:sldLayout xmlns:a="http://schemas.openxmlformats.org/drawingml/2006/main" xmlns:r="http://schemas.openxmlformats.org/officeDocument/2006/relationships" xmlns:p="http://schemas.openxmlformats.org/presentationml/2006/main" type="blank" preserve="1">
   <p:cSld name="Blank Slide">
     <p:spTree>
       <p:nvGrpSpPr>
@@ -470,11 +588,14 @@
       </p:grpSpPr>
     </p:spTree>
   </p:cSld>
+  <p:clrMapOvr>
+    <a:masterClrMapping/>
+  </p:clrMapOvr>
 </p:sldLayout>
 </file>
 
 <file path=ppt/slideLayouts/slideLayout14.xml><?xml version="1.0" encoding="utf-8"?>
-<p:sldLayout xmlns:a="http://schemas.openxmlformats.org/drawingml/2006/main" xmlns:p="http://schemas.openxmlformats.org/presentationml/2006/main" xmlns:r="http://schemas.openxmlformats.org/officeDocument/2006/relationships" type="tx" preserve="1">
+<p:sldLayout xmlns:a="http://schemas.openxmlformats.org/drawingml/2006/main" xmlns:r="http://schemas.openxmlformats.org/officeDocument/2006/relationships" xmlns:p="http://schemas.openxmlformats.org/presentationml/2006/main" type="tx" preserve="1">
   <p:cSld name="Title Slide">
     <p:spTree>
       <p:nvGrpSpPr>
@@ -510,7 +631,8 @@
           </a:prstGeom>
         </p:spPr>
         <p:txBody>
-          <a:bodyPr lIns="0" rIns="0" tIns="0" bIns="0" anchor="ctr"/>
+          <a:bodyPr lIns="0" tIns="0" rIns="0" bIns="0" anchor="ctr"/>
+          <a:lstStyle/>
           <a:p>
             <a:pPr algn="ctr"/>
             <a:endParaRPr/>
@@ -537,7 +659,8 @@
           </a:prstGeom>
         </p:spPr>
         <p:txBody>
-          <a:bodyPr lIns="0" rIns="0" tIns="0" bIns="0" anchor="ctr"/>
+          <a:bodyPr lIns="0" tIns="0" rIns="0" bIns="0" anchor="ctr"/>
+          <a:lstStyle/>
           <a:p>
             <a:pPr algn="ctr"/>
             <a:endParaRPr/>
@@ -546,11 +669,14 @@
       </p:sp>
     </p:spTree>
   </p:cSld>
+  <p:clrMapOvr>
+    <a:masterClrMapping/>
+  </p:clrMapOvr>
 </p:sldLayout>
 </file>
 
 <file path=ppt/slideLayouts/slideLayout15.xml><?xml version="1.0" encoding="utf-8"?>
-<p:sldLayout xmlns:a="http://schemas.openxmlformats.org/drawingml/2006/main" xmlns:p="http://schemas.openxmlformats.org/presentationml/2006/main" xmlns:r="http://schemas.openxmlformats.org/officeDocument/2006/relationships" type="obj" preserve="1">
+<p:sldLayout xmlns:a="http://schemas.openxmlformats.org/drawingml/2006/main" xmlns:r="http://schemas.openxmlformats.org/officeDocument/2006/relationships" xmlns:p="http://schemas.openxmlformats.org/presentationml/2006/main" type="obj" preserve="1">
   <p:cSld name="Title, Content">
     <p:spTree>
       <p:nvGrpSpPr>
@@ -586,7 +712,8 @@
           </a:prstGeom>
         </p:spPr>
         <p:txBody>
-          <a:bodyPr lIns="0" rIns="0" tIns="0" bIns="0" anchor="ctr"/>
+          <a:bodyPr lIns="0" tIns="0" rIns="0" bIns="0" anchor="ctr"/>
+          <a:lstStyle/>
           <a:p>
             <a:pPr algn="ctr"/>
             <a:endParaRPr/>
@@ -613,7 +740,8 @@
           </a:prstGeom>
         </p:spPr>
         <p:txBody>
-          <a:bodyPr lIns="0" rIns="0" tIns="0" bIns="0"/>
+          <a:bodyPr lIns="0" tIns="0" rIns="0" bIns="0"/>
+          <a:lstStyle/>
           <a:p>
             <a:endParaRPr/>
           </a:p>
@@ -621,11 +749,14 @@
       </p:sp>
     </p:spTree>
   </p:cSld>
+  <p:clrMapOvr>
+    <a:masterClrMapping/>
+  </p:clrMapOvr>
 </p:sldLayout>
 </file>
 
 <file path=ppt/slideLayouts/slideLayout16.xml><?xml version="1.0" encoding="utf-8"?>
-<p:sldLayout xmlns:a="http://schemas.openxmlformats.org/drawingml/2006/main" xmlns:p="http://schemas.openxmlformats.org/presentationml/2006/main" xmlns:r="http://schemas.openxmlformats.org/officeDocument/2006/relationships" type="twoObj" preserve="1">
+<p:sldLayout xmlns:a="http://schemas.openxmlformats.org/drawingml/2006/main" xmlns:r="http://schemas.openxmlformats.org/officeDocument/2006/relationships" xmlns:p="http://schemas.openxmlformats.org/presentationml/2006/main" type="twoObj" preserve="1">
   <p:cSld name="Title, 2 Content">
     <p:spTree>
       <p:nvGrpSpPr>
@@ -661,7 +792,8 @@
           </a:prstGeom>
         </p:spPr>
         <p:txBody>
-          <a:bodyPr lIns="0" rIns="0" tIns="0" bIns="0" anchor="ctr"/>
+          <a:bodyPr lIns="0" tIns="0" rIns="0" bIns="0" anchor="ctr"/>
+          <a:lstStyle/>
           <a:p>
             <a:pPr algn="ctr"/>
             <a:endParaRPr/>
@@ -688,7 +820,8 @@
           </a:prstGeom>
         </p:spPr>
         <p:txBody>
-          <a:bodyPr lIns="0" rIns="0" tIns="0" bIns="0"/>
+          <a:bodyPr lIns="0" tIns="0" rIns="0" bIns="0"/>
+          <a:lstStyle/>
           <a:p>
             <a:endParaRPr/>
           </a:p>
@@ -714,7 +847,8 @@
           </a:prstGeom>
         </p:spPr>
         <p:txBody>
-          <a:bodyPr lIns="0" rIns="0" tIns="0" bIns="0"/>
+          <a:bodyPr lIns="0" tIns="0" rIns="0" bIns="0"/>
+          <a:lstStyle/>
           <a:p>
             <a:endParaRPr/>
           </a:p>
@@ -722,11 +856,14 @@
       </p:sp>
     </p:spTree>
   </p:cSld>
+  <p:clrMapOvr>
+    <a:masterClrMapping/>
+  </p:clrMapOvr>
 </p:sldLayout>
 </file>
 
 <file path=ppt/slideLayouts/slideLayout17.xml><?xml version="1.0" encoding="utf-8"?>
-<p:sldLayout xmlns:a="http://schemas.openxmlformats.org/drawingml/2006/main" xmlns:p="http://schemas.openxmlformats.org/presentationml/2006/main" xmlns:r="http://schemas.openxmlformats.org/officeDocument/2006/relationships" type="titleOnly" preserve="1">
+<p:sldLayout xmlns:a="http://schemas.openxmlformats.org/drawingml/2006/main" xmlns:r="http://schemas.openxmlformats.org/officeDocument/2006/relationships" xmlns:p="http://schemas.openxmlformats.org/presentationml/2006/main" type="titleOnly" preserve="1">
   <p:cSld name="Title Only">
     <p:spTree>
       <p:nvGrpSpPr>
@@ -762,7 +899,8 @@
           </a:prstGeom>
         </p:spPr>
         <p:txBody>
-          <a:bodyPr lIns="0" rIns="0" tIns="0" bIns="0" anchor="ctr"/>
+          <a:bodyPr lIns="0" tIns="0" rIns="0" bIns="0" anchor="ctr"/>
+          <a:lstStyle/>
           <a:p>
             <a:pPr algn="ctr"/>
             <a:endParaRPr/>
@@ -771,11 +909,14 @@
       </p:sp>
     </p:spTree>
   </p:cSld>
+  <p:clrMapOvr>
+    <a:masterClrMapping/>
+  </p:clrMapOvr>
 </p:sldLayout>
 </file>
 
 <file path=ppt/slideLayouts/slideLayout18.xml><?xml version="1.0" encoding="utf-8"?>
-<p:sldLayout xmlns:a="http://schemas.openxmlformats.org/drawingml/2006/main" xmlns:p="http://schemas.openxmlformats.org/presentationml/2006/main" xmlns:r="http://schemas.openxmlformats.org/officeDocument/2006/relationships" type="objOnly" preserve="1">
+<p:sldLayout xmlns:a="http://schemas.openxmlformats.org/drawingml/2006/main" xmlns:r="http://schemas.openxmlformats.org/officeDocument/2006/relationships" xmlns:p="http://schemas.openxmlformats.org/presentationml/2006/main" type="objOnly" preserve="1">
   <p:cSld name="Centered Text">
     <p:spTree>
       <p:nvGrpSpPr>
@@ -811,7 +952,8 @@
           </a:prstGeom>
         </p:spPr>
         <p:txBody>
-          <a:bodyPr lIns="0" rIns="0" tIns="0" bIns="0" anchor="ctr"/>
+          <a:bodyPr lIns="0" tIns="0" rIns="0" bIns="0" anchor="ctr"/>
+          <a:lstStyle/>
           <a:p>
             <a:pPr algn="ctr"/>
             <a:endParaRPr/>
@@ -820,11 +962,14 @@
       </p:sp>
     </p:spTree>
   </p:cSld>
+  <p:clrMapOvr>
+    <a:masterClrMapping/>
+  </p:clrMapOvr>
 </p:sldLayout>
 </file>
 
 <file path=ppt/slideLayouts/slideLayout19.xml><?xml version="1.0" encoding="utf-8"?>
-<p:sldLayout xmlns:a="http://schemas.openxmlformats.org/drawingml/2006/main" xmlns:p="http://schemas.openxmlformats.org/presentationml/2006/main" xmlns:r="http://schemas.openxmlformats.org/officeDocument/2006/relationships" type="twoObjAndObj" preserve="1">
+<p:sldLayout xmlns:a="http://schemas.openxmlformats.org/drawingml/2006/main" xmlns:r="http://schemas.openxmlformats.org/officeDocument/2006/relationships" xmlns:p="http://schemas.openxmlformats.org/presentationml/2006/main" type="twoObjAndObj" preserve="1">
   <p:cSld name="Title, 2 Content and Content">
     <p:spTree>
       <p:nvGrpSpPr>
@@ -860,7 +1005,8 @@
           </a:prstGeom>
         </p:spPr>
         <p:txBody>
-          <a:bodyPr lIns="0" rIns="0" tIns="0" bIns="0" anchor="ctr"/>
+          <a:bodyPr lIns="0" tIns="0" rIns="0" bIns="0" anchor="ctr"/>
+          <a:lstStyle/>
           <a:p>
             <a:pPr algn="ctr"/>
             <a:endParaRPr/>
@@ -887,7 +1033,8 @@
           </a:prstGeom>
         </p:spPr>
         <p:txBody>
-          <a:bodyPr lIns="0" rIns="0" tIns="0" bIns="0"/>
+          <a:bodyPr lIns="0" tIns="0" rIns="0" bIns="0"/>
+          <a:lstStyle/>
           <a:p>
             <a:endParaRPr/>
           </a:p>
@@ -913,7 +1060,8 @@
           </a:prstGeom>
         </p:spPr>
         <p:txBody>
-          <a:bodyPr lIns="0" rIns="0" tIns="0" bIns="0"/>
+          <a:bodyPr lIns="0" tIns="0" rIns="0" bIns="0"/>
+          <a:lstStyle/>
           <a:p>
             <a:endParaRPr/>
           </a:p>
@@ -939,7 +1087,8 @@
           </a:prstGeom>
         </p:spPr>
         <p:txBody>
-          <a:bodyPr lIns="0" rIns="0" tIns="0" bIns="0"/>
+          <a:bodyPr lIns="0" tIns="0" rIns="0" bIns="0"/>
+          <a:lstStyle/>
           <a:p>
             <a:endParaRPr/>
           </a:p>
@@ -947,11 +1096,14 @@
       </p:sp>
     </p:spTree>
   </p:cSld>
+  <p:clrMapOvr>
+    <a:masterClrMapping/>
+  </p:clrMapOvr>
 </p:sldLayout>
 </file>
 
 <file path=ppt/slideLayouts/slideLayout2.xml><?xml version="1.0" encoding="utf-8"?>
-<p:sldLayout xmlns:a="http://schemas.openxmlformats.org/drawingml/2006/main" xmlns:p="http://schemas.openxmlformats.org/presentationml/2006/main" xmlns:r="http://schemas.openxmlformats.org/officeDocument/2006/relationships" type="tx" preserve="1">
+<p:sldLayout xmlns:a="http://schemas.openxmlformats.org/drawingml/2006/main" xmlns:r="http://schemas.openxmlformats.org/officeDocument/2006/relationships" xmlns:p="http://schemas.openxmlformats.org/presentationml/2006/main" type="tx" preserve="1">
   <p:cSld name="Title Slide">
     <p:spTree>
       <p:nvGrpSpPr>
@@ -987,7 +1139,8 @@
           </a:prstGeom>
         </p:spPr>
         <p:txBody>
-          <a:bodyPr lIns="0" rIns="0" tIns="0" bIns="0" anchor="ctr"/>
+          <a:bodyPr lIns="0" tIns="0" rIns="0" bIns="0" anchor="ctr"/>
+          <a:lstStyle/>
           <a:p>
             <a:pPr algn="ctr"/>
             <a:endParaRPr/>
@@ -1014,7 +1167,8 @@
           </a:prstGeom>
         </p:spPr>
         <p:txBody>
-          <a:bodyPr lIns="0" rIns="0" tIns="0" bIns="0" anchor="ctr"/>
+          <a:bodyPr lIns="0" tIns="0" rIns="0" bIns="0" anchor="ctr"/>
+          <a:lstStyle/>
           <a:p>
             <a:pPr algn="ctr"/>
             <a:endParaRPr/>
@@ -1023,11 +1177,14 @@
       </p:sp>
     </p:spTree>
   </p:cSld>
+  <p:clrMapOvr>
+    <a:masterClrMapping/>
+  </p:clrMapOvr>
 </p:sldLayout>
 </file>
 
 <file path=ppt/slideLayouts/slideLayout20.xml><?xml version="1.0" encoding="utf-8"?>
-<p:sldLayout xmlns:a="http://schemas.openxmlformats.org/drawingml/2006/main" xmlns:p="http://schemas.openxmlformats.org/presentationml/2006/main" xmlns:r="http://schemas.openxmlformats.org/officeDocument/2006/relationships" type="objAndTwoObj" preserve="1">
+<p:sldLayout xmlns:a="http://schemas.openxmlformats.org/drawingml/2006/main" xmlns:r="http://schemas.openxmlformats.org/officeDocument/2006/relationships" xmlns:p="http://schemas.openxmlformats.org/presentationml/2006/main" type="objAndTwoObj" preserve="1">
   <p:cSld name="Title Content and 2 Content">
     <p:spTree>
       <p:nvGrpSpPr>
@@ -1063,7 +1220,8 @@
           </a:prstGeom>
         </p:spPr>
         <p:txBody>
-          <a:bodyPr lIns="0" rIns="0" tIns="0" bIns="0" anchor="ctr"/>
+          <a:bodyPr lIns="0" tIns="0" rIns="0" bIns="0" anchor="ctr"/>
+          <a:lstStyle/>
           <a:p>
             <a:pPr algn="ctr"/>
             <a:endParaRPr/>
@@ -1090,7 +1248,8 @@
           </a:prstGeom>
         </p:spPr>
         <p:txBody>
-          <a:bodyPr lIns="0" rIns="0" tIns="0" bIns="0"/>
+          <a:bodyPr lIns="0" tIns="0" rIns="0" bIns="0"/>
+          <a:lstStyle/>
           <a:p>
             <a:endParaRPr/>
           </a:p>
@@ -1116,7 +1275,8 @@
           </a:prstGeom>
         </p:spPr>
         <p:txBody>
-          <a:bodyPr lIns="0" rIns="0" tIns="0" bIns="0"/>
+          <a:bodyPr lIns="0" tIns="0" rIns="0" bIns="0"/>
+          <a:lstStyle/>
           <a:p>
             <a:endParaRPr/>
           </a:p>
@@ -1142,7 +1302,8 @@
           </a:prstGeom>
         </p:spPr>
         <p:txBody>
-          <a:bodyPr lIns="0" rIns="0" tIns="0" bIns="0"/>
+          <a:bodyPr lIns="0" tIns="0" rIns="0" bIns="0"/>
+          <a:lstStyle/>
           <a:p>
             <a:endParaRPr/>
           </a:p>
@@ -1150,11 +1311,14 @@
       </p:sp>
     </p:spTree>
   </p:cSld>
+  <p:clrMapOvr>
+    <a:masterClrMapping/>
+  </p:clrMapOvr>
 </p:sldLayout>
 </file>
 
 <file path=ppt/slideLayouts/slideLayout21.xml><?xml version="1.0" encoding="utf-8"?>
-<p:sldLayout xmlns:a="http://schemas.openxmlformats.org/drawingml/2006/main" xmlns:p="http://schemas.openxmlformats.org/presentationml/2006/main" xmlns:r="http://schemas.openxmlformats.org/officeDocument/2006/relationships" type="twoObjOverTx" preserve="1">
+<p:sldLayout xmlns:a="http://schemas.openxmlformats.org/drawingml/2006/main" xmlns:r="http://schemas.openxmlformats.org/officeDocument/2006/relationships" xmlns:p="http://schemas.openxmlformats.org/presentationml/2006/main" type="twoObjOverTx" preserve="1">
   <p:cSld name="Title, 2 Content over Content">
     <p:spTree>
       <p:nvGrpSpPr>
@@ -1190,7 +1354,8 @@
           </a:prstGeom>
         </p:spPr>
         <p:txBody>
-          <a:bodyPr lIns="0" rIns="0" tIns="0" bIns="0" anchor="ctr"/>
+          <a:bodyPr lIns="0" tIns="0" rIns="0" bIns="0" anchor="ctr"/>
+          <a:lstStyle/>
           <a:p>
             <a:pPr algn="ctr"/>
             <a:endParaRPr/>
@@ -1217,7 +1382,8 @@
           </a:prstGeom>
         </p:spPr>
         <p:txBody>
-          <a:bodyPr lIns="0" rIns="0" tIns="0" bIns="0"/>
+          <a:bodyPr lIns="0" tIns="0" rIns="0" bIns="0"/>
+          <a:lstStyle/>
           <a:p>
             <a:endParaRPr/>
           </a:p>
@@ -1243,7 +1409,8 @@
           </a:prstGeom>
         </p:spPr>
         <p:txBody>
-          <a:bodyPr lIns="0" rIns="0" tIns="0" bIns="0"/>
+          <a:bodyPr lIns="0" tIns="0" rIns="0" bIns="0"/>
+          <a:lstStyle/>
           <a:p>
             <a:endParaRPr/>
           </a:p>
@@ -1269,7 +1436,8 @@
           </a:prstGeom>
         </p:spPr>
         <p:txBody>
-          <a:bodyPr lIns="0" rIns="0" tIns="0" bIns="0"/>
+          <a:bodyPr lIns="0" tIns="0" rIns="0" bIns="0"/>
+          <a:lstStyle/>
           <a:p>
             <a:endParaRPr/>
           </a:p>
@@ -1277,11 +1445,14 @@
       </p:sp>
     </p:spTree>
   </p:cSld>
+  <p:clrMapOvr>
+    <a:masterClrMapping/>
+  </p:clrMapOvr>
 </p:sldLayout>
 </file>
 
 <file path=ppt/slideLayouts/slideLayout22.xml><?xml version="1.0" encoding="utf-8"?>
-<p:sldLayout xmlns:a="http://schemas.openxmlformats.org/drawingml/2006/main" xmlns:p="http://schemas.openxmlformats.org/presentationml/2006/main" xmlns:r="http://schemas.openxmlformats.org/officeDocument/2006/relationships" type="objOverTx" preserve="1">
+<p:sldLayout xmlns:a="http://schemas.openxmlformats.org/drawingml/2006/main" xmlns:r="http://schemas.openxmlformats.org/officeDocument/2006/relationships" xmlns:p="http://schemas.openxmlformats.org/presentationml/2006/main" type="objOverTx" preserve="1">
   <p:cSld name="Title, Content over Content">
     <p:spTree>
       <p:nvGrpSpPr>
@@ -1317,7 +1488,8 @@
           </a:prstGeom>
         </p:spPr>
         <p:txBody>
-          <a:bodyPr lIns="0" rIns="0" tIns="0" bIns="0" anchor="ctr"/>
+          <a:bodyPr lIns="0" tIns="0" rIns="0" bIns="0" anchor="ctr"/>
+          <a:lstStyle/>
           <a:p>
             <a:pPr algn="ctr"/>
             <a:endParaRPr/>
@@ -1344,7 +1516,8 @@
           </a:prstGeom>
         </p:spPr>
         <p:txBody>
-          <a:bodyPr lIns="0" rIns="0" tIns="0" bIns="0"/>
+          <a:bodyPr lIns="0" tIns="0" rIns="0" bIns="0"/>
+          <a:lstStyle/>
           <a:p>
             <a:endParaRPr/>
           </a:p>
@@ -1370,7 +1543,8 @@
           </a:prstGeom>
         </p:spPr>
         <p:txBody>
-          <a:bodyPr lIns="0" rIns="0" tIns="0" bIns="0"/>
+          <a:bodyPr lIns="0" tIns="0" rIns="0" bIns="0"/>
+          <a:lstStyle/>
           <a:p>
             <a:endParaRPr/>
           </a:p>
@@ -1378,11 +1552,14 @@
       </p:sp>
     </p:spTree>
   </p:cSld>
+  <p:clrMapOvr>
+    <a:masterClrMapping/>
+  </p:clrMapOvr>
 </p:sldLayout>
 </file>
 
 <file path=ppt/slideLayouts/slideLayout23.xml><?xml version="1.0" encoding="utf-8"?>
-<p:sldLayout xmlns:a="http://schemas.openxmlformats.org/drawingml/2006/main" xmlns:p="http://schemas.openxmlformats.org/presentationml/2006/main" xmlns:r="http://schemas.openxmlformats.org/officeDocument/2006/relationships" type="fourObj" preserve="1">
+<p:sldLayout xmlns:a="http://schemas.openxmlformats.org/drawingml/2006/main" xmlns:r="http://schemas.openxmlformats.org/officeDocument/2006/relationships" xmlns:p="http://schemas.openxmlformats.org/presentationml/2006/main" type="fourObj" preserve="1">
   <p:cSld name="Title, 4 Content">
     <p:spTree>
       <p:nvGrpSpPr>
@@ -1418,7 +1595,8 @@
           </a:prstGeom>
         </p:spPr>
         <p:txBody>
-          <a:bodyPr lIns="0" rIns="0" tIns="0" bIns="0" anchor="ctr"/>
+          <a:bodyPr lIns="0" tIns="0" rIns="0" bIns="0" anchor="ctr"/>
+          <a:lstStyle/>
           <a:p>
             <a:pPr algn="ctr"/>
             <a:endParaRPr/>
@@ -1445,7 +1623,8 @@
           </a:prstGeom>
         </p:spPr>
         <p:txBody>
-          <a:bodyPr lIns="0" rIns="0" tIns="0" bIns="0"/>
+          <a:bodyPr lIns="0" tIns="0" rIns="0" bIns="0"/>
+          <a:lstStyle/>
           <a:p>
             <a:endParaRPr/>
           </a:p>
@@ -1471,7 +1650,8 @@
           </a:prstGeom>
         </p:spPr>
         <p:txBody>
-          <a:bodyPr lIns="0" rIns="0" tIns="0" bIns="0"/>
+          <a:bodyPr lIns="0" tIns="0" rIns="0" bIns="0"/>
+          <a:lstStyle/>
           <a:p>
             <a:endParaRPr/>
           </a:p>
@@ -1497,7 +1677,8 @@
           </a:prstGeom>
         </p:spPr>
         <p:txBody>
-          <a:bodyPr lIns="0" rIns="0" tIns="0" bIns="0"/>
+          <a:bodyPr lIns="0" tIns="0" rIns="0" bIns="0"/>
+          <a:lstStyle/>
           <a:p>
             <a:endParaRPr/>
           </a:p>
@@ -1523,7 +1704,8 @@
           </a:prstGeom>
         </p:spPr>
         <p:txBody>
-          <a:bodyPr lIns="0" rIns="0" tIns="0" bIns="0"/>
+          <a:bodyPr lIns="0" tIns="0" rIns="0" bIns="0"/>
+          <a:lstStyle/>
           <a:p>
             <a:endParaRPr/>
           </a:p>
@@ -1531,11 +1713,14 @@
       </p:sp>
     </p:spTree>
   </p:cSld>
+  <p:clrMapOvr>
+    <a:masterClrMapping/>
+  </p:clrMapOvr>
 </p:sldLayout>
 </file>
 
 <file path=ppt/slideLayouts/slideLayout24.xml><?xml version="1.0" encoding="utf-8"?>
-<p:sldLayout xmlns:a="http://schemas.openxmlformats.org/drawingml/2006/main" xmlns:p="http://schemas.openxmlformats.org/presentationml/2006/main" xmlns:r="http://schemas.openxmlformats.org/officeDocument/2006/relationships" type="blank" preserve="1">
+<p:sldLayout xmlns:a="http://schemas.openxmlformats.org/drawingml/2006/main" xmlns:r="http://schemas.openxmlformats.org/officeDocument/2006/relationships" xmlns:p="http://schemas.openxmlformats.org/presentationml/2006/main" type="blank" preserve="1">
   <p:cSld name="Title, 6 Content">
     <p:spTree>
       <p:nvGrpSpPr>
@@ -1571,7 +1756,8 @@
           </a:prstGeom>
         </p:spPr>
         <p:txBody>
-          <a:bodyPr lIns="0" rIns="0" tIns="0" bIns="0" anchor="ctr"/>
+          <a:bodyPr lIns="0" tIns="0" rIns="0" bIns="0" anchor="ctr"/>
+          <a:lstStyle/>
           <a:p>
             <a:pPr algn="ctr"/>
             <a:endParaRPr/>
@@ -1598,7 +1784,8 @@
           </a:prstGeom>
         </p:spPr>
         <p:txBody>
-          <a:bodyPr lIns="0" rIns="0" tIns="0" bIns="0"/>
+          <a:bodyPr lIns="0" tIns="0" rIns="0" bIns="0"/>
+          <a:lstStyle/>
           <a:p>
             <a:endParaRPr/>
           </a:p>
@@ -1624,7 +1811,8 @@
           </a:prstGeom>
         </p:spPr>
         <p:txBody>
-          <a:bodyPr lIns="0" rIns="0" tIns="0" bIns="0"/>
+          <a:bodyPr lIns="0" tIns="0" rIns="0" bIns="0"/>
+          <a:lstStyle/>
           <a:p>
             <a:endParaRPr/>
           </a:p>
@@ -1632,7 +1820,7 @@
       </p:sp>
       <p:pic>
         <p:nvPicPr>
-          <p:cNvPr id="70" name="" descr=""/>
+          <p:cNvPr id="70" name="Imagem 69"/>
           <p:cNvPicPr/>
           <p:nvPr/>
         </p:nvPicPr>
@@ -1655,12 +1843,12 @@
       </p:pic>
       <p:pic>
         <p:nvPicPr>
-          <p:cNvPr id="71" name="" descr=""/>
+          <p:cNvPr id="71" name="Imagem 70"/>
           <p:cNvPicPr/>
           <p:nvPr/>
         </p:nvPicPr>
         <p:blipFill>
-          <a:blip r:embed="rId3"/>
+          <a:blip r:embed="rId2"/>
           <a:stretch/>
         </p:blipFill>
         <p:spPr>
@@ -1678,11 +1866,14 @@
       </p:pic>
     </p:spTree>
   </p:cSld>
+  <p:clrMapOvr>
+    <a:masterClrMapping/>
+  </p:clrMapOvr>
 </p:sldLayout>
 </file>
 
 <file path=ppt/slideLayouts/slideLayout3.xml><?xml version="1.0" encoding="utf-8"?>
-<p:sldLayout xmlns:a="http://schemas.openxmlformats.org/drawingml/2006/main" xmlns:p="http://schemas.openxmlformats.org/presentationml/2006/main" xmlns:r="http://schemas.openxmlformats.org/officeDocument/2006/relationships" type="obj" preserve="1">
+<p:sldLayout xmlns:a="http://schemas.openxmlformats.org/drawingml/2006/main" xmlns:r="http://schemas.openxmlformats.org/officeDocument/2006/relationships" xmlns:p="http://schemas.openxmlformats.org/presentationml/2006/main" type="obj" preserve="1">
   <p:cSld name="Title, Content">
     <p:spTree>
       <p:nvGrpSpPr>
@@ -1718,7 +1909,8 @@
           </a:prstGeom>
         </p:spPr>
         <p:txBody>
-          <a:bodyPr lIns="0" rIns="0" tIns="0" bIns="0" anchor="ctr"/>
+          <a:bodyPr lIns="0" tIns="0" rIns="0" bIns="0" anchor="ctr"/>
+          <a:lstStyle/>
           <a:p>
             <a:pPr algn="ctr"/>
             <a:endParaRPr/>
@@ -1745,7 +1937,8 @@
           </a:prstGeom>
         </p:spPr>
         <p:txBody>
-          <a:bodyPr lIns="0" rIns="0" tIns="0" bIns="0"/>
+          <a:bodyPr lIns="0" tIns="0" rIns="0" bIns="0"/>
+          <a:lstStyle/>
           <a:p>
             <a:endParaRPr/>
           </a:p>
@@ -1753,11 +1946,14 @@
       </p:sp>
     </p:spTree>
   </p:cSld>
+  <p:clrMapOvr>
+    <a:masterClrMapping/>
+  </p:clrMapOvr>
 </p:sldLayout>
 </file>
 
 <file path=ppt/slideLayouts/slideLayout4.xml><?xml version="1.0" encoding="utf-8"?>
-<p:sldLayout xmlns:a="http://schemas.openxmlformats.org/drawingml/2006/main" xmlns:p="http://schemas.openxmlformats.org/presentationml/2006/main" xmlns:r="http://schemas.openxmlformats.org/officeDocument/2006/relationships" type="twoObj" preserve="1">
+<p:sldLayout xmlns:a="http://schemas.openxmlformats.org/drawingml/2006/main" xmlns:r="http://schemas.openxmlformats.org/officeDocument/2006/relationships" xmlns:p="http://schemas.openxmlformats.org/presentationml/2006/main" type="twoObj" preserve="1">
   <p:cSld name="Title, 2 Content">
     <p:spTree>
       <p:nvGrpSpPr>
@@ -1793,7 +1989,8 @@
           </a:prstGeom>
         </p:spPr>
         <p:txBody>
-          <a:bodyPr lIns="0" rIns="0" tIns="0" bIns="0" anchor="ctr"/>
+          <a:bodyPr lIns="0" tIns="0" rIns="0" bIns="0" anchor="ctr"/>
+          <a:lstStyle/>
           <a:p>
             <a:pPr algn="ctr"/>
             <a:endParaRPr/>
@@ -1820,7 +2017,8 @@
           </a:prstGeom>
         </p:spPr>
         <p:txBody>
-          <a:bodyPr lIns="0" rIns="0" tIns="0" bIns="0"/>
+          <a:bodyPr lIns="0" tIns="0" rIns="0" bIns="0"/>
+          <a:lstStyle/>
           <a:p>
             <a:endParaRPr/>
           </a:p>
@@ -1846,7 +2044,8 @@
           </a:prstGeom>
         </p:spPr>
         <p:txBody>
-          <a:bodyPr lIns="0" rIns="0" tIns="0" bIns="0"/>
+          <a:bodyPr lIns="0" tIns="0" rIns="0" bIns="0"/>
+          <a:lstStyle/>
           <a:p>
             <a:endParaRPr/>
           </a:p>
@@ -1854,11 +2053,14 @@
       </p:sp>
     </p:spTree>
   </p:cSld>
+  <p:clrMapOvr>
+    <a:masterClrMapping/>
+  </p:clrMapOvr>
 </p:sldLayout>
 </file>
 
 <file path=ppt/slideLayouts/slideLayout5.xml><?xml version="1.0" encoding="utf-8"?>
-<p:sldLayout xmlns:a="http://schemas.openxmlformats.org/drawingml/2006/main" xmlns:p="http://schemas.openxmlformats.org/presentationml/2006/main" xmlns:r="http://schemas.openxmlformats.org/officeDocument/2006/relationships" type="titleOnly" preserve="1">
+<p:sldLayout xmlns:a="http://schemas.openxmlformats.org/drawingml/2006/main" xmlns:r="http://schemas.openxmlformats.org/officeDocument/2006/relationships" xmlns:p="http://schemas.openxmlformats.org/presentationml/2006/main" type="titleOnly" preserve="1">
   <p:cSld name="Title Only">
     <p:spTree>
       <p:nvGrpSpPr>
@@ -1894,7 +2096,8 @@
           </a:prstGeom>
         </p:spPr>
         <p:txBody>
-          <a:bodyPr lIns="0" rIns="0" tIns="0" bIns="0" anchor="ctr"/>
+          <a:bodyPr lIns="0" tIns="0" rIns="0" bIns="0" anchor="ctr"/>
+          <a:lstStyle/>
           <a:p>
             <a:pPr algn="ctr"/>
             <a:endParaRPr/>
@@ -1903,11 +2106,14 @@
       </p:sp>
     </p:spTree>
   </p:cSld>
+  <p:clrMapOvr>
+    <a:masterClrMapping/>
+  </p:clrMapOvr>
 </p:sldLayout>
 </file>
 
 <file path=ppt/slideLayouts/slideLayout6.xml><?xml version="1.0" encoding="utf-8"?>
-<p:sldLayout xmlns:a="http://schemas.openxmlformats.org/drawingml/2006/main" xmlns:p="http://schemas.openxmlformats.org/presentationml/2006/main" xmlns:r="http://schemas.openxmlformats.org/officeDocument/2006/relationships" type="objOnly" preserve="1">
+<p:sldLayout xmlns:a="http://schemas.openxmlformats.org/drawingml/2006/main" xmlns:r="http://schemas.openxmlformats.org/officeDocument/2006/relationships" xmlns:p="http://schemas.openxmlformats.org/presentationml/2006/main" type="objOnly" preserve="1">
   <p:cSld name="Centered Text">
     <p:spTree>
       <p:nvGrpSpPr>
@@ -1943,7 +2149,8 @@
           </a:prstGeom>
         </p:spPr>
         <p:txBody>
-          <a:bodyPr lIns="0" rIns="0" tIns="0" bIns="0" anchor="ctr"/>
+          <a:bodyPr lIns="0" tIns="0" rIns="0" bIns="0" anchor="ctr"/>
+          <a:lstStyle/>
           <a:p>
             <a:pPr algn="ctr"/>
             <a:endParaRPr/>
@@ -1952,11 +2159,14 @@
       </p:sp>
     </p:spTree>
   </p:cSld>
+  <p:clrMapOvr>
+    <a:masterClrMapping/>
+  </p:clrMapOvr>
 </p:sldLayout>
 </file>
 
 <file path=ppt/slideLayouts/slideLayout7.xml><?xml version="1.0" encoding="utf-8"?>
-<p:sldLayout xmlns:a="http://schemas.openxmlformats.org/drawingml/2006/main" xmlns:p="http://schemas.openxmlformats.org/presentationml/2006/main" xmlns:r="http://schemas.openxmlformats.org/officeDocument/2006/relationships" type="twoObjAndObj" preserve="1">
+<p:sldLayout xmlns:a="http://schemas.openxmlformats.org/drawingml/2006/main" xmlns:r="http://schemas.openxmlformats.org/officeDocument/2006/relationships" xmlns:p="http://schemas.openxmlformats.org/presentationml/2006/main" type="twoObjAndObj" preserve="1">
   <p:cSld name="Title, 2 Content and Content">
     <p:spTree>
       <p:nvGrpSpPr>
@@ -1992,7 +2202,8 @@
           </a:prstGeom>
         </p:spPr>
         <p:txBody>
-          <a:bodyPr lIns="0" rIns="0" tIns="0" bIns="0" anchor="ctr"/>
+          <a:bodyPr lIns="0" tIns="0" rIns="0" bIns="0" anchor="ctr"/>
+          <a:lstStyle/>
           <a:p>
             <a:pPr algn="ctr"/>
             <a:endParaRPr/>
@@ -2019,7 +2230,8 @@
           </a:prstGeom>
         </p:spPr>
         <p:txBody>
-          <a:bodyPr lIns="0" rIns="0" tIns="0" bIns="0"/>
+          <a:bodyPr lIns="0" tIns="0" rIns="0" bIns="0"/>
+          <a:lstStyle/>
           <a:p>
             <a:endParaRPr/>
           </a:p>
@@ -2045,7 +2257,8 @@
           </a:prstGeom>
         </p:spPr>
         <p:txBody>
-          <a:bodyPr lIns="0" rIns="0" tIns="0" bIns="0"/>
+          <a:bodyPr lIns="0" tIns="0" rIns="0" bIns="0"/>
+          <a:lstStyle/>
           <a:p>
             <a:endParaRPr/>
           </a:p>
@@ -2071,7 +2284,8 @@
           </a:prstGeom>
         </p:spPr>
         <p:txBody>
-          <a:bodyPr lIns="0" rIns="0" tIns="0" bIns="0"/>
+          <a:bodyPr lIns="0" tIns="0" rIns="0" bIns="0"/>
+          <a:lstStyle/>
           <a:p>
             <a:endParaRPr/>
           </a:p>
@@ -2079,11 +2293,14 @@
       </p:sp>
     </p:spTree>
   </p:cSld>
+  <p:clrMapOvr>
+    <a:masterClrMapping/>
+  </p:clrMapOvr>
 </p:sldLayout>
 </file>
 
 <file path=ppt/slideLayouts/slideLayout8.xml><?xml version="1.0" encoding="utf-8"?>
-<p:sldLayout xmlns:a="http://schemas.openxmlformats.org/drawingml/2006/main" xmlns:p="http://schemas.openxmlformats.org/presentationml/2006/main" xmlns:r="http://schemas.openxmlformats.org/officeDocument/2006/relationships" type="objAndTwoObj" preserve="1">
+<p:sldLayout xmlns:a="http://schemas.openxmlformats.org/drawingml/2006/main" xmlns:r="http://schemas.openxmlformats.org/officeDocument/2006/relationships" xmlns:p="http://schemas.openxmlformats.org/presentationml/2006/main" type="objAndTwoObj" preserve="1">
   <p:cSld name="Title Content and 2 Content">
     <p:spTree>
       <p:nvGrpSpPr>
@@ -2119,7 +2336,8 @@
           </a:prstGeom>
         </p:spPr>
         <p:txBody>
-          <a:bodyPr lIns="0" rIns="0" tIns="0" bIns="0" anchor="ctr"/>
+          <a:bodyPr lIns="0" tIns="0" rIns="0" bIns="0" anchor="ctr"/>
+          <a:lstStyle/>
           <a:p>
             <a:pPr algn="ctr"/>
             <a:endParaRPr/>
@@ -2146,7 +2364,8 @@
           </a:prstGeom>
         </p:spPr>
         <p:txBody>
-          <a:bodyPr lIns="0" rIns="0" tIns="0" bIns="0"/>
+          <a:bodyPr lIns="0" tIns="0" rIns="0" bIns="0"/>
+          <a:lstStyle/>
           <a:p>
             <a:endParaRPr/>
           </a:p>
@@ -2172,7 +2391,8 @@
           </a:prstGeom>
         </p:spPr>
         <p:txBody>
-          <a:bodyPr lIns="0" rIns="0" tIns="0" bIns="0"/>
+          <a:bodyPr lIns="0" tIns="0" rIns="0" bIns="0"/>
+          <a:lstStyle/>
           <a:p>
             <a:endParaRPr/>
           </a:p>
@@ -2198,7 +2418,8 @@
           </a:prstGeom>
         </p:spPr>
         <p:txBody>
-          <a:bodyPr lIns="0" rIns="0" tIns="0" bIns="0"/>
+          <a:bodyPr lIns="0" tIns="0" rIns="0" bIns="0"/>
+          <a:lstStyle/>
           <a:p>
             <a:endParaRPr/>
           </a:p>
@@ -2206,11 +2427,14 @@
       </p:sp>
     </p:spTree>
   </p:cSld>
+  <p:clrMapOvr>
+    <a:masterClrMapping/>
+  </p:clrMapOvr>
 </p:sldLayout>
 </file>
 
 <file path=ppt/slideLayouts/slideLayout9.xml><?xml version="1.0" encoding="utf-8"?>
-<p:sldLayout xmlns:a="http://schemas.openxmlformats.org/drawingml/2006/main" xmlns:p="http://schemas.openxmlformats.org/presentationml/2006/main" xmlns:r="http://schemas.openxmlformats.org/officeDocument/2006/relationships" type="twoObjOverTx" preserve="1">
+<p:sldLayout xmlns:a="http://schemas.openxmlformats.org/drawingml/2006/main" xmlns:r="http://schemas.openxmlformats.org/officeDocument/2006/relationships" xmlns:p="http://schemas.openxmlformats.org/presentationml/2006/main" type="twoObjOverTx" preserve="1">
   <p:cSld name="Title, 2 Content over Content">
     <p:spTree>
       <p:nvGrpSpPr>
@@ -2246,7 +2470,8 @@
           </a:prstGeom>
         </p:spPr>
         <p:txBody>
-          <a:bodyPr lIns="0" rIns="0" tIns="0" bIns="0" anchor="ctr"/>
+          <a:bodyPr lIns="0" tIns="0" rIns="0" bIns="0" anchor="ctr"/>
+          <a:lstStyle/>
           <a:p>
             <a:pPr algn="ctr"/>
             <a:endParaRPr/>
@@ -2273,7 +2498,8 @@
           </a:prstGeom>
         </p:spPr>
         <p:txBody>
-          <a:bodyPr lIns="0" rIns="0" tIns="0" bIns="0"/>
+          <a:bodyPr lIns="0" tIns="0" rIns="0" bIns="0"/>
+          <a:lstStyle/>
           <a:p>
             <a:endParaRPr/>
           </a:p>
@@ -2299,7 +2525,8 @@
           </a:prstGeom>
         </p:spPr>
         <p:txBody>
-          <a:bodyPr lIns="0" rIns="0" tIns="0" bIns="0"/>
+          <a:bodyPr lIns="0" tIns="0" rIns="0" bIns="0"/>
+          <a:lstStyle/>
           <a:p>
             <a:endParaRPr/>
           </a:p>
@@ -2325,7 +2552,8 @@
           </a:prstGeom>
         </p:spPr>
         <p:txBody>
-          <a:bodyPr lIns="0" rIns="0" tIns="0" bIns="0"/>
+          <a:bodyPr lIns="0" tIns="0" rIns="0" bIns="0"/>
+          <a:lstStyle/>
           <a:p>
             <a:endParaRPr/>
           </a:p>
@@ -2333,17 +2561,21 @@
       </p:sp>
     </p:spTree>
   </p:cSld>
+  <p:clrMapOvr>
+    <a:masterClrMapping/>
+  </p:clrMapOvr>
 </p:sldLayout>
 </file>
 
 <file path=ppt/slideMasters/slideMaster1.xml><?xml version="1.0" encoding="utf-8"?>
-<p:sldMaster xmlns:a="http://schemas.openxmlformats.org/drawingml/2006/main" xmlns:p="http://schemas.openxmlformats.org/presentationml/2006/main" xmlns:r="http://schemas.openxmlformats.org/officeDocument/2006/relationships">
+<p:sldMaster xmlns:a="http://schemas.openxmlformats.org/drawingml/2006/main" xmlns:r="http://schemas.openxmlformats.org/officeDocument/2006/relationships" xmlns:p="http://schemas.openxmlformats.org/presentationml/2006/main">
   <p:cSld>
     <p:bg>
       <p:bgPr>
         <a:solidFill>
-          <a:srgbClr val="ffffff"/>
+          <a:srgbClr val="FFFFFF"/>
         </a:solidFill>
+        <a:effectLst/>
       </p:bgPr>
     </p:bg>
     <p:spTree>
@@ -2362,7 +2594,7 @@
       </p:grpSpPr>
       <p:sp>
         <p:nvSpPr>
-          <p:cNvPr id="0" name="PlaceHolder 1"/>
+          <p:cNvPr id="2" name="PlaceHolder 1"/>
           <p:cNvSpPr>
             <a:spLocks noGrp="1"/>
           </p:cNvSpPr>
@@ -2380,7 +2612,8 @@
           </a:prstGeom>
         </p:spPr>
         <p:txBody>
-          <a:bodyPr lIns="0" rIns="0" tIns="0" bIns="0" anchor="ctr"/>
+          <a:bodyPr lIns="0" tIns="0" rIns="0" bIns="0" anchor="ctr"/>
+          <a:lstStyle/>
           <a:p>
             <a:pPr algn="ctr"/>
             <a:r>
@@ -2395,7 +2628,7 @@
       </p:sp>
       <p:sp>
         <p:nvSpPr>
-          <p:cNvPr id="1" name="PlaceHolder 2"/>
+          <p:cNvPr id="3" name="PlaceHolder 2"/>
           <p:cNvSpPr>
             <a:spLocks noGrp="1"/>
           </p:cNvSpPr>
@@ -2413,11 +2646,12 @@
           </a:prstGeom>
         </p:spPr>
         <p:txBody>
-          <a:bodyPr lIns="0" rIns="0" tIns="0" bIns="0"/>
+          <a:bodyPr lIns="0" tIns="0" rIns="0" bIns="0"/>
+          <a:lstStyle/>
           <a:p>
             <a:pPr marL="432000" indent="-324000">
               <a:buClr>
-                <a:srgbClr val="ffffff"/>
+                <a:srgbClr val="FFFFFF"/>
               </a:buClr>
               <a:buSzPct val="45000"/>
               <a:buFont typeface="StarSymbol"/>
@@ -2432,9 +2666,9 @@
             <a:endParaRPr/>
           </a:p>
           <a:p>
-            <a:pPr lvl="1" marL="864000" indent="-324000">
+            <a:pPr marL="864000" lvl="1" indent="-324000">
               <a:buClr>
-                <a:srgbClr val="ffffff"/>
+                <a:srgbClr val="FFFFFF"/>
               </a:buClr>
               <a:buSzPct val="75000"/>
               <a:buFont typeface="StarSymbol"/>
@@ -2449,9 +2683,9 @@
             <a:endParaRPr/>
           </a:p>
           <a:p>
-            <a:pPr lvl="2" marL="1296000" indent="-288000">
+            <a:pPr marL="1296000" lvl="2" indent="-288000">
               <a:buClr>
-                <a:srgbClr val="ffffff"/>
+                <a:srgbClr val="FFFFFF"/>
               </a:buClr>
               <a:buSzPct val="45000"/>
               <a:buFont typeface="StarSymbol"/>
@@ -2466,9 +2700,9 @@
             <a:endParaRPr/>
           </a:p>
           <a:p>
-            <a:pPr lvl="3" marL="1728000" indent="-216000">
+            <a:pPr marL="1728000" lvl="3" indent="-216000">
               <a:buClr>
-                <a:srgbClr val="ffffff"/>
+                <a:srgbClr val="FFFFFF"/>
               </a:buClr>
               <a:buSzPct val="75000"/>
               <a:buFont typeface="StarSymbol"/>
@@ -2483,9 +2717,9 @@
             <a:endParaRPr/>
           </a:p>
           <a:p>
-            <a:pPr lvl="4" marL="2160000" indent="-216000">
+            <a:pPr marL="2160000" lvl="4" indent="-216000">
               <a:buClr>
-                <a:srgbClr val="ffffff"/>
+                <a:srgbClr val="FFFFFF"/>
               </a:buClr>
               <a:buSzPct val="45000"/>
               <a:buFont typeface="StarSymbol"/>
@@ -2500,9 +2734,9 @@
             <a:endParaRPr/>
           </a:p>
           <a:p>
-            <a:pPr lvl="5" marL="2592000" indent="-216000">
+            <a:pPr marL="2592000" lvl="5" indent="-216000">
               <a:buClr>
-                <a:srgbClr val="ffffff"/>
+                <a:srgbClr val="FFFFFF"/>
               </a:buClr>
               <a:buSzPct val="45000"/>
               <a:buFont typeface="StarSymbol"/>
@@ -2517,9 +2751,9 @@
             <a:endParaRPr/>
           </a:p>
           <a:p>
-            <a:pPr lvl="6" marL="3024000" indent="-216000">
+            <a:pPr marL="3024000" lvl="6" indent="-216000">
               <a:buClr>
-                <a:srgbClr val="ffffff"/>
+                <a:srgbClr val="FFFFFF"/>
               </a:buClr>
               <a:buSzPct val="45000"/>
               <a:buFont typeface="StarSymbol"/>
@@ -2537,32 +2771,38 @@
       </p:sp>
     </p:spTree>
   </p:cSld>
-  <p:clrMap bg1="lt1" bg2="lt2" tx1="dk1" tx2="dk2" accent1="accent1" accent2="accent2" accent3="accent3" accent4="accent4" accent5="accent5" accent6="accent6" hlink="hlink" folHlink="folHlink"/>
+  <p:clrMap bg1="lt1" tx1="dk1" bg2="lt2" tx2="dk2" accent1="accent1" accent2="accent2" accent3="accent3" accent4="accent4" accent5="accent5" accent6="accent6" hlink="hlink" folHlink="folHlink"/>
   <p:sldLayoutIdLst>
-    <p:sldLayoutId id="2147483649" r:id="rId2"/>
-    <p:sldLayoutId id="2147483650" r:id="rId3"/>
-    <p:sldLayoutId id="2147483651" r:id="rId4"/>
-    <p:sldLayoutId id="2147483652" r:id="rId5"/>
-    <p:sldLayoutId id="2147483653" r:id="rId6"/>
-    <p:sldLayoutId id="2147483654" r:id="rId7"/>
-    <p:sldLayoutId id="2147483655" r:id="rId8"/>
-    <p:sldLayoutId id="2147483656" r:id="rId9"/>
-    <p:sldLayoutId id="2147483657" r:id="rId10"/>
-    <p:sldLayoutId id="2147483658" r:id="rId11"/>
-    <p:sldLayoutId id="2147483659" r:id="rId12"/>
-    <p:sldLayoutId id="2147483660" r:id="rId13"/>
+    <p:sldLayoutId id="2147483649" r:id="rId1"/>
+    <p:sldLayoutId id="2147483650" r:id="rId2"/>
+    <p:sldLayoutId id="2147483651" r:id="rId3"/>
+    <p:sldLayoutId id="2147483652" r:id="rId4"/>
+    <p:sldLayoutId id="2147483653" r:id="rId5"/>
+    <p:sldLayoutId id="2147483654" r:id="rId6"/>
+    <p:sldLayoutId id="2147483655" r:id="rId7"/>
+    <p:sldLayoutId id="2147483656" r:id="rId8"/>
+    <p:sldLayoutId id="2147483657" r:id="rId9"/>
+    <p:sldLayoutId id="2147483658" r:id="rId10"/>
+    <p:sldLayoutId id="2147483659" r:id="rId11"/>
+    <p:sldLayoutId id="2147483660" r:id="rId12"/>
   </p:sldLayoutIdLst>
+  <p:txStyles>
+    <p:titleStyle/>
+    <p:bodyStyle/>
+    <p:otherStyle/>
+  </p:txStyles>
 </p:sldMaster>
 </file>
 
 <file path=ppt/slideMasters/slideMaster2.xml><?xml version="1.0" encoding="utf-8"?>
-<p:sldMaster xmlns:a="http://schemas.openxmlformats.org/drawingml/2006/main" xmlns:p="http://schemas.openxmlformats.org/presentationml/2006/main" xmlns:r="http://schemas.openxmlformats.org/officeDocument/2006/relationships">
+<p:sldMaster xmlns:a="http://schemas.openxmlformats.org/drawingml/2006/main" xmlns:r="http://schemas.openxmlformats.org/officeDocument/2006/relationships" xmlns:p="http://schemas.openxmlformats.org/presentationml/2006/main">
   <p:cSld>
     <p:bg>
       <p:bgPr>
         <a:solidFill>
-          <a:srgbClr val="ffffff"/>
+          <a:srgbClr val="FFFFFF"/>
         </a:solidFill>
+        <a:effectLst/>
       </p:bgPr>
     </p:bg>
     <p:spTree>
@@ -2599,7 +2839,8 @@
           </a:prstGeom>
         </p:spPr>
         <p:txBody>
-          <a:bodyPr lIns="0" rIns="0" tIns="0" bIns="0" anchor="ctr"/>
+          <a:bodyPr lIns="0" tIns="0" rIns="0" bIns="0" anchor="ctr"/>
+          <a:lstStyle/>
           <a:p>
             <a:pPr algn="ctr"/>
             <a:r>
@@ -2632,11 +2873,12 @@
           </a:prstGeom>
         </p:spPr>
         <p:txBody>
-          <a:bodyPr lIns="0" rIns="0" tIns="0" bIns="0"/>
+          <a:bodyPr lIns="0" tIns="0" rIns="0" bIns="0"/>
+          <a:lstStyle/>
           <a:p>
             <a:pPr marL="432000" indent="-324000">
               <a:buClr>
-                <a:srgbClr val="ffffff"/>
+                <a:srgbClr val="FFFFFF"/>
               </a:buClr>
               <a:buSzPct val="45000"/>
               <a:buFont typeface="StarSymbol"/>
@@ -2651,9 +2893,9 @@
             <a:endParaRPr/>
           </a:p>
           <a:p>
-            <a:pPr lvl="1" marL="864000" indent="-324000">
+            <a:pPr marL="864000" lvl="1" indent="-324000">
               <a:buClr>
-                <a:srgbClr val="ffffff"/>
+                <a:srgbClr val="FFFFFF"/>
               </a:buClr>
               <a:buSzPct val="75000"/>
               <a:buFont typeface="StarSymbol"/>
@@ -2668,9 +2910,9 @@
             <a:endParaRPr/>
           </a:p>
           <a:p>
-            <a:pPr lvl="2" marL="1296000" indent="-288000">
+            <a:pPr marL="1296000" lvl="2" indent="-288000">
               <a:buClr>
-                <a:srgbClr val="ffffff"/>
+                <a:srgbClr val="FFFFFF"/>
               </a:buClr>
               <a:buSzPct val="45000"/>
               <a:buFont typeface="StarSymbol"/>
@@ -2685,9 +2927,9 @@
             <a:endParaRPr/>
           </a:p>
           <a:p>
-            <a:pPr lvl="3" marL="1728000" indent="-216000">
+            <a:pPr marL="1728000" lvl="3" indent="-216000">
               <a:buClr>
-                <a:srgbClr val="ffffff"/>
+                <a:srgbClr val="FFFFFF"/>
               </a:buClr>
               <a:buSzPct val="75000"/>
               <a:buFont typeface="StarSymbol"/>
@@ -2702,9 +2944,9 @@
             <a:endParaRPr/>
           </a:p>
           <a:p>
-            <a:pPr lvl="4" marL="2160000" indent="-216000">
+            <a:pPr marL="2160000" lvl="4" indent="-216000">
               <a:buClr>
-                <a:srgbClr val="ffffff"/>
+                <a:srgbClr val="FFFFFF"/>
               </a:buClr>
               <a:buSzPct val="45000"/>
               <a:buFont typeface="StarSymbol"/>
@@ -2719,9 +2961,9 @@
             <a:endParaRPr/>
           </a:p>
           <a:p>
-            <a:pPr lvl="5" marL="2592000" indent="-216000">
+            <a:pPr marL="2592000" lvl="5" indent="-216000">
               <a:buClr>
-                <a:srgbClr val="ffffff"/>
+                <a:srgbClr val="FFFFFF"/>
               </a:buClr>
               <a:buSzPct val="45000"/>
               <a:buFont typeface="StarSymbol"/>
@@ -2736,9 +2978,9 @@
             <a:endParaRPr/>
           </a:p>
           <a:p>
-            <a:pPr lvl="6" marL="3024000" indent="-216000">
+            <a:pPr marL="3024000" lvl="6" indent="-216000">
               <a:buClr>
-                <a:srgbClr val="ffffff"/>
+                <a:srgbClr val="FFFFFF"/>
               </a:buClr>
               <a:buSzPct val="45000"/>
               <a:buFont typeface="StarSymbol"/>
@@ -2756,26 +2998,31 @@
       </p:sp>
     </p:spTree>
   </p:cSld>
-  <p:clrMap bg1="lt1" bg2="lt2" tx1="dk1" tx2="dk2" accent1="accent1" accent2="accent2" accent3="accent3" accent4="accent4" accent5="accent5" accent6="accent6" hlink="hlink" folHlink="folHlink"/>
+  <p:clrMap bg1="lt1" tx1="dk1" bg2="lt2" tx2="dk2" accent1="accent1" accent2="accent2" accent3="accent3" accent4="accent4" accent5="accent5" accent6="accent6" hlink="hlink" folHlink="folHlink"/>
   <p:sldLayoutIdLst>
-    <p:sldLayoutId id="2147483662" r:id="rId2"/>
-    <p:sldLayoutId id="2147483663" r:id="rId3"/>
-    <p:sldLayoutId id="2147483664" r:id="rId4"/>
-    <p:sldLayoutId id="2147483665" r:id="rId5"/>
-    <p:sldLayoutId id="2147483666" r:id="rId6"/>
-    <p:sldLayoutId id="2147483667" r:id="rId7"/>
-    <p:sldLayoutId id="2147483668" r:id="rId8"/>
-    <p:sldLayoutId id="2147483669" r:id="rId9"/>
-    <p:sldLayoutId id="2147483670" r:id="rId10"/>
-    <p:sldLayoutId id="2147483671" r:id="rId11"/>
-    <p:sldLayoutId id="2147483672" r:id="rId12"/>
-    <p:sldLayoutId id="2147483673" r:id="rId13"/>
+    <p:sldLayoutId id="2147483662" r:id="rId1"/>
+    <p:sldLayoutId id="2147483663" r:id="rId2"/>
+    <p:sldLayoutId id="2147483664" r:id="rId3"/>
+    <p:sldLayoutId id="2147483665" r:id="rId4"/>
+    <p:sldLayoutId id="2147483666" r:id="rId5"/>
+    <p:sldLayoutId id="2147483667" r:id="rId6"/>
+    <p:sldLayoutId id="2147483668" r:id="rId7"/>
+    <p:sldLayoutId id="2147483669" r:id="rId8"/>
+    <p:sldLayoutId id="2147483670" r:id="rId9"/>
+    <p:sldLayoutId id="2147483671" r:id="rId10"/>
+    <p:sldLayoutId id="2147483672" r:id="rId11"/>
+    <p:sldLayoutId id="2147483673" r:id="rId12"/>
   </p:sldLayoutIdLst>
+  <p:txStyles>
+    <p:titleStyle/>
+    <p:bodyStyle/>
+    <p:otherStyle/>
+  </p:txStyles>
 </p:sldMaster>
 </file>
 
 <file path=ppt/slides/slide1.xml><?xml version="1.0" encoding="utf-8"?>
-<p:sld xmlns:a="http://schemas.openxmlformats.org/drawingml/2006/main" xmlns:p="http://schemas.openxmlformats.org/presentationml/2006/main" xmlns:r="http://schemas.openxmlformats.org/officeDocument/2006/relationships">
+<p:sld xmlns:a="http://schemas.openxmlformats.org/drawingml/2006/main" xmlns:r="http://schemas.openxmlformats.org/officeDocument/2006/relationships" xmlns:p="http://schemas.openxmlformats.org/presentationml/2006/main">
   <p:cSld>
     <p:spTree>
       <p:nvGrpSpPr>
@@ -2811,27 +3058,34 @@
           </a:ln>
         </p:spPr>
         <p:style>
-          <a:lnRef idx="0"/>
-          <a:fillRef idx="0"/>
-          <a:effectRef idx="0"/>
+          <a:lnRef idx="0">
+            <a:scrgbClr r="0" g="0" b="0"/>
+          </a:lnRef>
+          <a:fillRef idx="0">
+            <a:scrgbClr r="0" g="0" b="0"/>
+          </a:fillRef>
+          <a:effectRef idx="0">
+            <a:scrgbClr r="0" g="0" b="0"/>
+          </a:effectRef>
           <a:fontRef idx="minor"/>
         </p:style>
         <p:txBody>
-          <a:bodyPr lIns="90000" rIns="90000" tIns="45000" bIns="45000"/>
-          <a:p>
-            <a:pPr algn="ctr">
-              <a:lnSpc>
-                <a:spcPct val="100000"/>
-              </a:lnSpc>
-            </a:pPr>
-            <a:r>
-              <a:rPr lang="pt-BR" sz="3200" spc="-1" strike="noStrike">
+          <a:bodyPr lIns="90000" tIns="45000" rIns="90000" bIns="45000"/>
+          <a:lstStyle/>
+          <a:p>
+            <a:pPr algn="ctr">
+              <a:lnSpc>
+                <a:spcPct val="100000"/>
+              </a:lnSpc>
+            </a:pPr>
+            <a:r>
+              <a:rPr lang="pt-BR" sz="3200" strike="noStrike" spc="-1">
                 <a:solidFill>
                   <a:srgbClr val="000000"/>
                 </a:solidFill>
                 <a:uFill>
                   <a:solidFill>
-                    <a:srgbClr val="ffffff"/>
+                    <a:srgbClr val="FFFFFF"/>
                   </a:solidFill>
                 </a:uFill>
                 <a:latin typeface="Arial"/>
@@ -2864,13 +3118,13 @@
               </a:lnSpc>
             </a:pPr>
             <a:r>
-              <a:rPr lang="pt-BR" sz="2000" spc="-1" strike="noStrike" u="sng">
-                <a:solidFill>
-                  <a:srgbClr val="77933c"/>
-                </a:solidFill>
-                <a:uFill>
-                  <a:solidFill>
-                    <a:srgbClr val="ffffff"/>
+              <a:rPr lang="pt-BR" sz="2000" u="sng" strike="noStrike" spc="-1">
+                <a:solidFill>
+                  <a:srgbClr val="77933C"/>
+                </a:solidFill>
+                <a:uFill>
+                  <a:solidFill>
+                    <a:srgbClr val="FFFFFF"/>
                   </a:solidFill>
                 </a:uFill>
                 <a:latin typeface="Arial"/>
@@ -2895,13 +3149,13 @@
               </a:lnSpc>
             </a:pPr>
             <a:r>
-              <a:rPr lang="pt-BR" sz="1800" spc="-1" strike="noStrike">
+              <a:rPr lang="pt-BR" sz="1800" strike="noStrike" spc="-1">
                 <a:solidFill>
                   <a:srgbClr val="000000"/>
                 </a:solidFill>
                 <a:uFill>
                   <a:solidFill>
-                    <a:srgbClr val="ffffff"/>
+                    <a:srgbClr val="FFFFFF"/>
                   </a:solidFill>
                 </a:uFill>
                 <a:latin typeface="Arial"/>
@@ -2926,13 +3180,13 @@
               </a:lnSpc>
             </a:pPr>
             <a:r>
-              <a:rPr lang="pt-BR" sz="2000" spc="-1" strike="noStrike" u="sng">
-                <a:solidFill>
-                  <a:srgbClr val="31859c"/>
-                </a:solidFill>
-                <a:uFill>
-                  <a:solidFill>
-                    <a:srgbClr val="ffffff"/>
+              <a:rPr lang="pt-BR" sz="2000" u="sng" strike="noStrike" spc="-1">
+                <a:solidFill>
+                  <a:srgbClr val="31859C"/>
+                </a:solidFill>
+                <a:uFill>
+                  <a:solidFill>
+                    <a:srgbClr val="FFFFFF"/>
                   </a:solidFill>
                 </a:uFill>
                 <a:latin typeface="Arial"/>
@@ -2941,13 +3195,13 @@
               <a:t>Uso</a:t>
             </a:r>
             <a:r>
-              <a:rPr lang="pt-BR" sz="2000" spc="-1" strike="noStrike">
-                <a:solidFill>
-                  <a:srgbClr val="31859c"/>
-                </a:solidFill>
-                <a:uFill>
-                  <a:solidFill>
-                    <a:srgbClr val="ffffff"/>
+              <a:rPr lang="pt-BR" sz="2000" strike="noStrike" spc="-1">
+                <a:solidFill>
+                  <a:srgbClr val="31859C"/>
+                </a:solidFill>
+                <a:uFill>
+                  <a:solidFill>
+                    <a:srgbClr val="FFFFFF"/>
                   </a:solidFill>
                 </a:uFill>
                 <a:latin typeface="Arial"/>
@@ -2972,13 +3226,13 @@
               </a:lnSpc>
             </a:pPr>
             <a:r>
-              <a:rPr lang="pt-BR" sz="1800" spc="-1" strike="noStrike">
-                <a:solidFill>
-                  <a:srgbClr val="77933c"/>
-                </a:solidFill>
-                <a:uFill>
-                  <a:solidFill>
-                    <a:srgbClr val="ffffff"/>
+              <a:rPr lang="pt-BR" sz="1800" strike="noStrike" spc="-1">
+                <a:solidFill>
+                  <a:srgbClr val="77933C"/>
+                </a:solidFill>
+                <a:uFill>
+                  <a:solidFill>
+                    <a:srgbClr val="FFFFFF"/>
                   </a:solidFill>
                 </a:uFill>
                 <a:latin typeface="Arial"/>
@@ -2987,13 +3241,13 @@
               <a:t>Vector2</a:t>
             </a:r>
             <a:r>
-              <a:rPr lang="pt-BR" sz="2000" spc="-1" strike="noStrike">
+              <a:rPr lang="pt-BR" sz="2000" strike="noStrike" spc="-1">
                 <a:solidFill>
                   <a:srgbClr val="000000"/>
                 </a:solidFill>
                 <a:uFill>
                   <a:solidFill>
-                    <a:srgbClr val="ffffff"/>
+                    <a:srgbClr val="FFFFFF"/>
                   </a:solidFill>
                 </a:uFill>
                 <a:latin typeface="Arial"/>
@@ -3002,13 +3256,13 @@
               <a:t> </a:t>
             </a:r>
             <a:r>
-              <a:rPr lang="pt-BR" sz="1800" spc="-1" strike="noStrike">
+              <a:rPr lang="pt-BR" sz="1800" strike="noStrike" spc="-1">
                 <a:solidFill>
                   <a:srgbClr val="000000"/>
                 </a:solidFill>
                 <a:uFill>
                   <a:solidFill>
-                    <a:srgbClr val="ffffff"/>
+                    <a:srgbClr val="FFFFFF"/>
                   </a:solidFill>
                 </a:uFill>
                 <a:latin typeface="Arial"/>
@@ -3017,13 +3271,13 @@
               <a:t>vetor</a:t>
             </a:r>
             <a:r>
-              <a:rPr lang="pt-BR" sz="2000" spc="-1" strike="noStrike">
+              <a:rPr lang="pt-BR" sz="2000" strike="noStrike" spc="-1">
                 <a:solidFill>
                   <a:srgbClr val="000000"/>
                 </a:solidFill>
                 <a:uFill>
                   <a:solidFill>
-                    <a:srgbClr val="ffffff"/>
+                    <a:srgbClr val="FFFFFF"/>
                   </a:solidFill>
                 </a:uFill>
                 <a:latin typeface="Arial"/>
@@ -3040,13 +3294,13 @@
               </a:lnSpc>
             </a:pPr>
             <a:r>
-              <a:rPr lang="pt-BR" sz="1800" spc="-1" strike="noStrike">
-                <a:solidFill>
-                  <a:srgbClr val="77933c"/>
-                </a:solidFill>
-                <a:uFill>
-                  <a:solidFill>
-                    <a:srgbClr val="ffffff"/>
+              <a:rPr lang="pt-BR" sz="1800" strike="noStrike" spc="-1">
+                <a:solidFill>
+                  <a:srgbClr val="77933C"/>
+                </a:solidFill>
+                <a:uFill>
+                  <a:solidFill>
+                    <a:srgbClr val="FFFFFF"/>
                   </a:solidFill>
                 </a:uFill>
                 <a:latin typeface="Arial"/>
@@ -3055,13 +3309,13 @@
               <a:t>Vector2</a:t>
             </a:r>
             <a:r>
-              <a:rPr lang="pt-BR" sz="1800" spc="-1" strike="noStrike">
+              <a:rPr lang="pt-BR" sz="1800" strike="noStrike" spc="-1">
                 <a:solidFill>
                   <a:srgbClr val="000000"/>
                 </a:solidFill>
                 <a:uFill>
                   <a:solidFill>
-                    <a:srgbClr val="ffffff"/>
+                    <a:srgbClr val="FFFFFF"/>
                   </a:solidFill>
                 </a:uFill>
                 <a:latin typeface="Arial"/>
@@ -3070,13 +3324,13 @@
               <a:t> vetor = </a:t>
             </a:r>
             <a:r>
-              <a:rPr lang="pt-BR" sz="1800" spc="-1" strike="noStrike">
-                <a:solidFill>
-                  <a:srgbClr val="0070c0"/>
-                </a:solidFill>
-                <a:uFill>
-                  <a:solidFill>
-                    <a:srgbClr val="ffffff"/>
+              <a:rPr lang="pt-BR" sz="1800" strike="noStrike" spc="-1">
+                <a:solidFill>
+                  <a:srgbClr val="0070C0"/>
+                </a:solidFill>
+                <a:uFill>
+                  <a:solidFill>
+                    <a:srgbClr val="FFFFFF"/>
                   </a:solidFill>
                 </a:uFill>
                 <a:latin typeface="Arial"/>
@@ -3085,13 +3339,13 @@
               <a:t>new</a:t>
             </a:r>
             <a:r>
-              <a:rPr lang="pt-BR" sz="1800" spc="-1" strike="noStrike">
+              <a:rPr lang="pt-BR" sz="1800" strike="noStrike" spc="-1">
                 <a:solidFill>
                   <a:srgbClr val="000000"/>
                 </a:solidFill>
                 <a:uFill>
                   <a:solidFill>
-                    <a:srgbClr val="ffffff"/>
+                    <a:srgbClr val="FFFFFF"/>
                   </a:solidFill>
                 </a:uFill>
                 <a:latin typeface="Arial"/>
@@ -3100,13 +3354,13 @@
               <a:t> </a:t>
             </a:r>
             <a:r>
-              <a:rPr lang="pt-BR" sz="1800" spc="-1" strike="noStrike">
-                <a:solidFill>
-                  <a:srgbClr val="77933c"/>
-                </a:solidFill>
-                <a:uFill>
-                  <a:solidFill>
-                    <a:srgbClr val="ffffff"/>
+              <a:rPr lang="pt-BR" sz="1800" strike="noStrike" spc="-1">
+                <a:solidFill>
+                  <a:srgbClr val="77933C"/>
+                </a:solidFill>
+                <a:uFill>
+                  <a:solidFill>
+                    <a:srgbClr val="FFFFFF"/>
                   </a:solidFill>
                 </a:uFill>
                 <a:latin typeface="Arial"/>
@@ -3115,13 +3369,13 @@
               <a:t>Vector2</a:t>
             </a:r>
             <a:r>
-              <a:rPr lang="pt-BR" sz="1800" spc="-1" strike="noStrike">
+              <a:rPr lang="pt-BR" sz="1800" strike="noStrike" spc="-1">
                 <a:solidFill>
                   <a:srgbClr val="000000"/>
                 </a:solidFill>
                 <a:uFill>
                   <a:solidFill>
-                    <a:srgbClr val="ffffff"/>
+                    <a:srgbClr val="FFFFFF"/>
                   </a:solidFill>
                 </a:uFill>
                 <a:latin typeface="Arial"/>
@@ -3138,13 +3392,13 @@
               </a:lnSpc>
             </a:pPr>
             <a:r>
-              <a:rPr lang="pt-BR" sz="1800" spc="-1" strike="noStrike">
-                <a:solidFill>
-                  <a:srgbClr val="77933c"/>
-                </a:solidFill>
-                <a:uFill>
-                  <a:solidFill>
-                    <a:srgbClr val="ffffff"/>
+              <a:rPr lang="pt-BR" sz="1800" strike="noStrike" spc="-1">
+                <a:solidFill>
+                  <a:srgbClr val="77933C"/>
+                </a:solidFill>
+                <a:uFill>
+                  <a:solidFill>
+                    <a:srgbClr val="FFFFFF"/>
                   </a:solidFill>
                 </a:uFill>
                 <a:latin typeface="Arial"/>
@@ -3153,13 +3407,13 @@
               <a:t>Vector2</a:t>
             </a:r>
             <a:r>
-              <a:rPr lang="pt-BR" sz="1800" spc="-1" strike="noStrike">
+              <a:rPr lang="pt-BR" sz="1800" strike="noStrike" spc="-1">
                 <a:solidFill>
                   <a:srgbClr val="000000"/>
                 </a:solidFill>
                 <a:uFill>
                   <a:solidFill>
-                    <a:srgbClr val="ffffff"/>
+                    <a:srgbClr val="FFFFFF"/>
                   </a:solidFill>
                 </a:uFill>
                 <a:latin typeface="Arial"/>
@@ -3176,13 +3430,13 @@
               </a:lnSpc>
             </a:pPr>
             <a:r>
-              <a:rPr lang="pt-BR" sz="1800" spc="-1" strike="noStrike">
-                <a:solidFill>
-                  <a:srgbClr val="0070c0"/>
-                </a:solidFill>
-                <a:uFill>
-                  <a:solidFill>
-                    <a:srgbClr val="ffffff"/>
+              <a:rPr lang="pt-BR" sz="1800" strike="noStrike" spc="-1">
+                <a:solidFill>
+                  <a:srgbClr val="0070C0"/>
+                </a:solidFill>
+                <a:uFill>
+                  <a:solidFill>
+                    <a:srgbClr val="FFFFFF"/>
                   </a:solidFill>
                 </a:uFill>
                 <a:latin typeface="Arial"/>
@@ -3191,13 +3445,13 @@
               <a:t>new</a:t>
             </a:r>
             <a:r>
-              <a:rPr lang="pt-BR" sz="1800" spc="-1" strike="noStrike">
+              <a:rPr lang="pt-BR" sz="1800" strike="noStrike" spc="-1">
                 <a:solidFill>
                   <a:srgbClr val="000000"/>
                 </a:solidFill>
                 <a:uFill>
                   <a:solidFill>
-                    <a:srgbClr val="ffffff"/>
+                    <a:srgbClr val="FFFFFF"/>
                   </a:solidFill>
                 </a:uFill>
                 <a:latin typeface="Arial"/>
@@ -3206,13 +3460,13 @@
               <a:t>  </a:t>
             </a:r>
             <a:r>
-              <a:rPr lang="pt-BR" sz="1800" spc="-1" strike="noStrike">
-                <a:solidFill>
-                  <a:srgbClr val="77933c"/>
-                </a:solidFill>
-                <a:uFill>
-                  <a:solidFill>
-                    <a:srgbClr val="ffffff"/>
+              <a:rPr lang="pt-BR" sz="1800" strike="noStrike" spc="-1">
+                <a:solidFill>
+                  <a:srgbClr val="77933C"/>
+                </a:solidFill>
+                <a:uFill>
+                  <a:solidFill>
+                    <a:srgbClr val="FFFFFF"/>
                   </a:solidFill>
                 </a:uFill>
                 <a:latin typeface="Arial"/>
@@ -3221,13 +3475,13 @@
               <a:t>Vector2</a:t>
             </a:r>
             <a:r>
-              <a:rPr lang="pt-BR" sz="1800" spc="-1" strike="noStrike">
+              <a:rPr lang="pt-BR" sz="1800" strike="noStrike" spc="-1">
                 <a:solidFill>
                   <a:srgbClr val="000000"/>
                 </a:solidFill>
                 <a:uFill>
                   <a:solidFill>
-                    <a:srgbClr val="ffffff"/>
+                    <a:srgbClr val="FFFFFF"/>
                   </a:solidFill>
                 </a:uFill>
                 <a:latin typeface="Arial"/>
@@ -3265,6 +3519,9 @@
       </p:sp>
     </p:spTree>
   </p:cSld>
+  <p:clrMapOvr>
+    <a:masterClrMapping/>
+  </p:clrMapOvr>
   <p:timing>
     <p:tnLst>
       <p:par>
@@ -3273,14 +3530,14 @@
             <p:seq>
               <p:cTn id="2" nodeType="mainSeq"/>
               <p:prevCondLst>
-                <p:cond delay="0" evt="onPrev">
+                <p:cond evt="onPrev" delay="0">
                   <p:tgtEl>
                     <p:sldTgt/>
                   </p:tgtEl>
                 </p:cond>
               </p:prevCondLst>
               <p:nextCondLst>
-                <p:cond delay="0" evt="onNext">
+                <p:cond evt="onNext" delay="0">
                   <p:tgtEl>
                     <p:sldTgt/>
                   </p:tgtEl>
@@ -3296,7 +3553,7 @@
 </file>
 
 <file path=ppt/slides/slide10.xml><?xml version="1.0" encoding="utf-8"?>
-<p:sld xmlns:a="http://schemas.openxmlformats.org/drawingml/2006/main" xmlns:p="http://schemas.openxmlformats.org/presentationml/2006/main" xmlns:r="http://schemas.openxmlformats.org/officeDocument/2006/relationships">
+<p:sld xmlns:a="http://schemas.openxmlformats.org/drawingml/2006/main" xmlns:r="http://schemas.openxmlformats.org/officeDocument/2006/relationships" xmlns:p="http://schemas.openxmlformats.org/presentationml/2006/main">
   <p:cSld>
     <p:spTree>
       <p:nvGrpSpPr>
@@ -3314,12 +3571,12 @@
       </p:grpSpPr>
       <p:pic>
         <p:nvPicPr>
-          <p:cNvPr id="86" name="" descr=""/>
+          <p:cNvPr id="86" name="Imagem 85"/>
           <p:cNvPicPr/>
           <p:nvPr/>
         </p:nvPicPr>
         <p:blipFill>
-          <a:blip r:embed="rId1"/>
+          <a:blip r:embed="rId2"/>
           <a:stretch/>
         </p:blipFill>
         <p:spPr>
@@ -3337,22 +3594,25 @@
       </p:pic>
     </p:spTree>
   </p:cSld>
+  <p:clrMapOvr>
+    <a:masterClrMapping/>
+  </p:clrMapOvr>
   <p:timing>
     <p:tnLst>
       <p:par>
-        <p:cTn id="19" dur="indefinite" restart="never" nodeType="tmRoot">
+        <p:cTn id="1" dur="indefinite" restart="never" nodeType="tmRoot">
           <p:childTnLst>
             <p:seq>
-              <p:cTn id="20" nodeType="mainSeq"/>
+              <p:cTn id="2" nodeType="mainSeq"/>
               <p:prevCondLst>
-                <p:cond delay="0" evt="onPrev">
+                <p:cond evt="onPrev" delay="0">
                   <p:tgtEl>
                     <p:sldTgt/>
                   </p:tgtEl>
                 </p:cond>
               </p:prevCondLst>
               <p:nextCondLst>
-                <p:cond delay="0" evt="onNext">
+                <p:cond evt="onNext" delay="0">
                   <p:tgtEl>
                     <p:sldTgt/>
                   </p:tgtEl>
@@ -3368,7 +3628,7 @@
 </file>
 
 <file path=ppt/slides/slide11.xml><?xml version="1.0" encoding="utf-8"?>
-<p:sld xmlns:a="http://schemas.openxmlformats.org/drawingml/2006/main" xmlns:p="http://schemas.openxmlformats.org/presentationml/2006/main" xmlns:r="http://schemas.openxmlformats.org/officeDocument/2006/relationships">
+<p:sld xmlns:a="http://schemas.openxmlformats.org/drawingml/2006/main" xmlns:r="http://schemas.openxmlformats.org/officeDocument/2006/relationships" xmlns:p="http://schemas.openxmlformats.org/presentationml/2006/main">
   <p:cSld>
     <p:spTree>
       <p:nvGrpSpPr>
@@ -3404,43 +3664,50 @@
           </a:ln>
         </p:spPr>
         <p:style>
-          <a:lnRef idx="0"/>
-          <a:fillRef idx="0"/>
-          <a:effectRef idx="0"/>
+          <a:lnRef idx="0">
+            <a:scrgbClr r="0" g="0" b="0"/>
+          </a:lnRef>
+          <a:fillRef idx="0">
+            <a:scrgbClr r="0" g="0" b="0"/>
+          </a:fillRef>
+          <a:effectRef idx="0">
+            <a:scrgbClr r="0" g="0" b="0"/>
+          </a:effectRef>
           <a:fontRef idx="minor"/>
         </p:style>
         <p:txBody>
-          <a:bodyPr lIns="90000" rIns="90000" tIns="45000" bIns="45000"/>
-          <a:p>
-            <a:pPr algn="ctr">
-              <a:lnSpc>
-                <a:spcPct val="100000"/>
-              </a:lnSpc>
-            </a:pPr>
-            <a:endParaRPr/>
-          </a:p>
-          <a:p>
-            <a:pPr algn="ctr">
-              <a:lnSpc>
-                <a:spcPct val="100000"/>
-              </a:lnSpc>
-            </a:pPr>
-            <a:endParaRPr/>
-          </a:p>
-          <a:p>
-            <a:pPr algn="ctr">
-              <a:lnSpc>
-                <a:spcPct val="100000"/>
-              </a:lnSpc>
-            </a:pPr>
-            <a:r>
-              <a:rPr lang="pt-BR" sz="2000" spc="-1" strike="noStrike" u="sng">
-                <a:solidFill>
-                  <a:srgbClr val="77933c"/>
-                </a:solidFill>
-                <a:uFill>
-                  <a:solidFill>
-                    <a:srgbClr val="ffffff"/>
+          <a:bodyPr lIns="90000" tIns="45000" rIns="90000" bIns="45000"/>
+          <a:lstStyle/>
+          <a:p>
+            <a:pPr algn="ctr">
+              <a:lnSpc>
+                <a:spcPct val="100000"/>
+              </a:lnSpc>
+            </a:pPr>
+            <a:endParaRPr dirty="0"/>
+          </a:p>
+          <a:p>
+            <a:pPr algn="ctr">
+              <a:lnSpc>
+                <a:spcPct val="100000"/>
+              </a:lnSpc>
+            </a:pPr>
+            <a:endParaRPr dirty="0"/>
+          </a:p>
+          <a:p>
+            <a:pPr algn="ctr">
+              <a:lnSpc>
+                <a:spcPct val="100000"/>
+              </a:lnSpc>
+            </a:pPr>
+            <a:r>
+              <a:rPr lang="pt-BR" sz="2000" u="sng" strike="noStrike" spc="-1" dirty="0" err="1">
+                <a:solidFill>
+                  <a:srgbClr val="77933C"/>
+                </a:solidFill>
+                <a:uFill>
+                  <a:solidFill>
+                    <a:srgbClr val="FFFFFF"/>
                   </a:solidFill>
                 </a:uFill>
                 <a:latin typeface="Arial"/>
@@ -3448,38 +3715,68 @@
               </a:rPr>
               <a:t>SpriteBatch</a:t>
             </a:r>
-            <a:endParaRPr/>
-          </a:p>
-          <a:p>
-            <a:pPr algn="ctr">
-              <a:lnSpc>
-                <a:spcPct val="100000"/>
-              </a:lnSpc>
-            </a:pPr>
-            <a:endParaRPr/>
-          </a:p>
-          <a:p>
-            <a:pPr algn="ctr">
-              <a:lnSpc>
-                <a:spcPct val="100000"/>
-              </a:lnSpc>
-            </a:pPr>
-            <a:r>
-              <a:rPr lang="pt-BR" sz="1800" spc="-1" strike="noStrike">
+            <a:endParaRPr dirty="0"/>
+          </a:p>
+          <a:p>
+            <a:pPr algn="ctr">
+              <a:lnSpc>
+                <a:spcPct val="100000"/>
+              </a:lnSpc>
+            </a:pPr>
+            <a:endParaRPr dirty="0"/>
+          </a:p>
+          <a:p>
+            <a:pPr algn="ctr">
+              <a:lnSpc>
+                <a:spcPct val="100000"/>
+              </a:lnSpc>
+            </a:pPr>
+            <a:r>
+              <a:rPr lang="pt-BR" sz="1800" strike="noStrike" spc="-1" dirty="0">
                 <a:solidFill>
                   <a:srgbClr val="000000"/>
                 </a:solidFill>
                 <a:uFill>
                   <a:solidFill>
-                    <a:srgbClr val="ffffff"/>
-                  </a:solidFill>
-                </a:uFill>
-                <a:latin typeface="Arial"/>
-                <a:ea typeface="DejaVu Sans"/>
-              </a:rPr>
-              <a:t>É a função que é encarregada por desenhar os sprites/texturas na tela, sua implementação é nativa do XNA.</a:t>
-            </a:r>
-            <a:endParaRPr/>
+                    <a:srgbClr val="FFFFFF"/>
+                  </a:solidFill>
+                </a:uFill>
+                <a:latin typeface="Arial"/>
+                <a:ea typeface="DejaVu Sans"/>
+              </a:rPr>
+              <a:t>É a função que é encarregada por desenhar os </a:t>
+            </a:r>
+            <a:r>
+              <a:rPr lang="pt-BR" sz="1800" strike="noStrike" spc="-1" dirty="0" err="1">
+                <a:solidFill>
+                  <a:srgbClr val="000000"/>
+                </a:solidFill>
+                <a:uFill>
+                  <a:solidFill>
+                    <a:srgbClr val="FFFFFF"/>
+                  </a:solidFill>
+                </a:uFill>
+                <a:latin typeface="Arial"/>
+                <a:ea typeface="DejaVu Sans"/>
+              </a:rPr>
+              <a:t>sprites</a:t>
+            </a:r>
+            <a:r>
+              <a:rPr lang="pt-BR" sz="1800" strike="noStrike" spc="-1" dirty="0">
+                <a:solidFill>
+                  <a:srgbClr val="000000"/>
+                </a:solidFill>
+                <a:uFill>
+                  <a:solidFill>
+                    <a:srgbClr val="FFFFFF"/>
+                  </a:solidFill>
+                </a:uFill>
+                <a:latin typeface="Arial"/>
+                <a:ea typeface="DejaVu Sans"/>
+              </a:rPr>
+              <a:t>/texturas na tela, sua implementação é nativa do XNA.</a:t>
+            </a:r>
+            <a:endParaRPr dirty="0"/>
           </a:p>
           <a:p>
             <a:pPr>
@@ -3487,22 +3784,22 @@
                 <a:spcPct val="100000"/>
               </a:lnSpc>
             </a:pPr>
-            <a:endParaRPr/>
-          </a:p>
-          <a:p>
-            <a:pPr algn="ctr">
-              <a:lnSpc>
-                <a:spcPct val="100000"/>
-              </a:lnSpc>
-            </a:pPr>
-            <a:r>
-              <a:rPr lang="pt-BR" sz="2000" spc="-1" strike="noStrike" u="sng">
-                <a:solidFill>
-                  <a:srgbClr val="31859c"/>
-                </a:solidFill>
-                <a:uFill>
-                  <a:solidFill>
-                    <a:srgbClr val="ffffff"/>
+            <a:endParaRPr dirty="0"/>
+          </a:p>
+          <a:p>
+            <a:pPr algn="ctr">
+              <a:lnSpc>
+                <a:spcPct val="100000"/>
+              </a:lnSpc>
+            </a:pPr>
+            <a:r>
+              <a:rPr lang="pt-BR" sz="2000" u="sng" strike="noStrike" spc="-1" dirty="0">
+                <a:solidFill>
+                  <a:srgbClr val="31859C"/>
+                </a:solidFill>
+                <a:uFill>
+                  <a:solidFill>
+                    <a:srgbClr val="FFFFFF"/>
                   </a:solidFill>
                 </a:uFill>
                 <a:latin typeface="Arial"/>
@@ -3511,13 +3808,13 @@
               <a:t>Uso</a:t>
             </a:r>
             <a:r>
-              <a:rPr lang="pt-BR" sz="2000" spc="-1" strike="noStrike">
-                <a:solidFill>
-                  <a:srgbClr val="31859c"/>
-                </a:solidFill>
-                <a:uFill>
-                  <a:solidFill>
-                    <a:srgbClr val="ffffff"/>
+              <a:rPr lang="pt-BR" sz="2000" strike="noStrike" spc="-1" dirty="0">
+                <a:solidFill>
+                  <a:srgbClr val="31859C"/>
+                </a:solidFill>
+                <a:uFill>
+                  <a:solidFill>
+                    <a:srgbClr val="FFFFFF"/>
                   </a:solidFill>
                 </a:uFill>
                 <a:latin typeface="Arial"/>
@@ -3525,90 +3822,184 @@
               </a:rPr>
               <a:t> </a:t>
             </a:r>
-            <a:endParaRPr/>
-          </a:p>
-          <a:p>
-            <a:pPr algn="ctr">
-              <a:lnSpc>
-                <a:spcPct val="100000"/>
-              </a:lnSpc>
-            </a:pPr>
-            <a:endParaRPr/>
-          </a:p>
-          <a:p>
-            <a:pPr algn="ctr">
-              <a:lnSpc>
-                <a:spcPct val="100000"/>
-              </a:lnSpc>
-            </a:pPr>
-            <a:r>
-              <a:rPr lang="pt-BR" sz="1800" spc="-1" strike="noStrike">
+            <a:endParaRPr dirty="0"/>
+          </a:p>
+          <a:p>
+            <a:pPr algn="ctr">
+              <a:lnSpc>
+                <a:spcPct val="100000"/>
+              </a:lnSpc>
+            </a:pPr>
+            <a:endParaRPr dirty="0"/>
+          </a:p>
+          <a:p>
+            <a:pPr algn="ctr">
+              <a:lnSpc>
+                <a:spcPct val="100000"/>
+              </a:lnSpc>
+            </a:pPr>
+            <a:r>
+              <a:rPr lang="pt-BR" spc="-1" dirty="0" err="1" smtClean="0">
                 <a:solidFill>
                   <a:srgbClr val="000000"/>
                 </a:solidFill>
                 <a:uFill>
                   <a:solidFill>
-                    <a:srgbClr val="ffffff"/>
-                  </a:solidFill>
-                </a:uFill>
-                <a:latin typeface="Arial"/>
-                <a:ea typeface="DejaVu Sans"/>
+                    <a:srgbClr val="FFFFFF"/>
+                  </a:solidFill>
+                </a:uFill>
               </a:rPr>
               <a:t>spriteBatch</a:t>
             </a:r>
             <a:r>
-              <a:rPr lang="pt-BR" sz="1800" spc="-1" strike="noStrike">
-                <a:solidFill>
-                  <a:srgbClr val="77933c"/>
-                </a:solidFill>
-                <a:uFill>
-                  <a:solidFill>
-                    <a:srgbClr val="ffffff"/>
-                  </a:solidFill>
-                </a:uFill>
-                <a:latin typeface="Arial"/>
-                <a:ea typeface="DejaVu Sans"/>
+              <a:rPr lang="pt-BR" spc="-1" dirty="0" err="1" smtClean="0">
+                <a:solidFill>
+                  <a:srgbClr val="77933C"/>
+                </a:solidFill>
+                <a:uFill>
+                  <a:solidFill>
+                    <a:srgbClr val="FFFFFF"/>
+                  </a:solidFill>
+                </a:uFill>
               </a:rPr>
               <a:t>.</a:t>
             </a:r>
             <a:r>
-              <a:rPr lang="pt-BR" sz="1800" spc="-1" strike="noStrike">
+              <a:rPr lang="pt-BR" spc="-1" dirty="0" err="1" smtClean="0">
                 <a:solidFill>
                   <a:srgbClr val="000000"/>
                 </a:solidFill>
                 <a:uFill>
                   <a:solidFill>
-                    <a:srgbClr val="ffffff"/>
-                  </a:solidFill>
-                </a:uFill>
-                <a:latin typeface="Arial"/>
-                <a:ea typeface="DejaVu Sans"/>
+                    <a:srgbClr val="FFFFFF"/>
+                  </a:solidFill>
+                </a:uFill>
               </a:rPr>
               <a:t>Begin</a:t>
             </a:r>
             <a:r>
-              <a:rPr lang="pt-BR" sz="1800" spc="-1" strike="noStrike">
-                <a:solidFill>
-                  <a:srgbClr val="31859c"/>
-                </a:solidFill>
-                <a:uFill>
-                  <a:solidFill>
-                    <a:srgbClr val="ffffff"/>
-                  </a:solidFill>
-                </a:uFill>
-                <a:latin typeface="Arial"/>
-                <a:ea typeface="DejaVu Sans"/>
-              </a:rPr>
-              <a:t>(0, </a:t>
-            </a:r>
-            <a:r>
-              <a:rPr lang="pt-BR" sz="1800" spc="-1" strike="noStrike">
-                <a:solidFill>
-                  <a:srgbClr val="77933c"/>
-                </a:solidFill>
-                <a:uFill>
-                  <a:solidFill>
-                    <a:srgbClr val="ffffff"/>
+              <a:rPr lang="pt-BR" spc="-1" dirty="0" smtClean="0">
+                <a:solidFill>
+                  <a:srgbClr val="31859C"/>
+                </a:solidFill>
+                <a:uFill>
+                  <a:solidFill>
+                    <a:srgbClr val="FFFFFF"/>
+                  </a:solidFill>
+                </a:uFill>
+              </a:rPr>
+              <a:t>();</a:t>
+            </a:r>
+          </a:p>
+          <a:p>
+            <a:pPr algn="ctr">
+              <a:lnSpc>
+                <a:spcPct val="100000"/>
+              </a:lnSpc>
+            </a:pPr>
+            <a:r>
+              <a:rPr lang="pt-BR" spc="-1" dirty="0" smtClean="0">
+                <a:solidFill>
+                  <a:srgbClr val="31859C"/>
+                </a:solidFill>
+                <a:uFill>
+                  <a:solidFill>
+                    <a:srgbClr val="FFFFFF"/>
+                  </a:solidFill>
+                </a:uFill>
+              </a:rPr>
+              <a:t>ou</a:t>
+            </a:r>
+          </a:p>
+          <a:p>
+            <a:pPr algn="ctr">
+              <a:lnSpc>
+                <a:spcPct val="100000"/>
+              </a:lnSpc>
+            </a:pPr>
+            <a:r>
+              <a:rPr lang="pt-BR" sz="1800" strike="noStrike" spc="-1" dirty="0" err="1" smtClean="0">
+                <a:solidFill>
+                  <a:srgbClr val="000000"/>
+                </a:solidFill>
+                <a:uFill>
+                  <a:solidFill>
+                    <a:srgbClr val="FFFFFF"/>
+                  </a:solidFill>
+                </a:uFill>
+                <a:latin typeface="Arial"/>
+                <a:ea typeface="DejaVu Sans"/>
+              </a:rPr>
+              <a:t>spriteBatch</a:t>
+            </a:r>
+            <a:r>
+              <a:rPr lang="pt-BR" sz="1800" strike="noStrike" spc="-1" dirty="0" err="1" smtClean="0">
+                <a:solidFill>
+                  <a:srgbClr val="77933C"/>
+                </a:solidFill>
+                <a:uFill>
+                  <a:solidFill>
+                    <a:srgbClr val="FFFFFF"/>
+                  </a:solidFill>
+                </a:uFill>
+                <a:latin typeface="Arial"/>
+                <a:ea typeface="DejaVu Sans"/>
+              </a:rPr>
+              <a:t>.</a:t>
+            </a:r>
+            <a:r>
+              <a:rPr lang="pt-BR" sz="1800" strike="noStrike" spc="-1" dirty="0" err="1" smtClean="0">
+                <a:solidFill>
+                  <a:srgbClr val="000000"/>
+                </a:solidFill>
+                <a:uFill>
+                  <a:solidFill>
+                    <a:srgbClr val="FFFFFF"/>
+                  </a:solidFill>
+                </a:uFill>
+                <a:latin typeface="Arial"/>
+                <a:ea typeface="DejaVu Sans"/>
+              </a:rPr>
+              <a:t>Begin</a:t>
+            </a:r>
+            <a:r>
+              <a:rPr lang="pt-BR" sz="1800" strike="noStrike" spc="-1" dirty="0" smtClean="0">
+                <a:solidFill>
+                  <a:srgbClr val="31859C"/>
+                </a:solidFill>
+                <a:uFill>
+                  <a:solidFill>
+                    <a:srgbClr val="FFFFFF"/>
+                  </a:solidFill>
+                </a:uFill>
+                <a:latin typeface="Arial"/>
+                <a:ea typeface="DejaVu Sans"/>
+              </a:rPr>
+              <a:t>(0</a:t>
+            </a:r>
+            <a:r>
+              <a:rPr lang="pt-BR" sz="1800" strike="noStrike" spc="-1" dirty="0">
+                <a:solidFill>
+                  <a:srgbClr val="31859C"/>
+                </a:solidFill>
+                <a:uFill>
+                  <a:solidFill>
+                    <a:srgbClr val="FFFFFF"/>
+                  </a:solidFill>
+                </a:uFill>
+                <a:latin typeface="Arial"/>
+                <a:ea typeface="DejaVu Sans"/>
+              </a:rPr>
+              <a:t>, </a:t>
+            </a:r>
+            <a:r>
+              <a:rPr lang="pt-BR" sz="1800" strike="noStrike" spc="-1" dirty="0" err="1">
+                <a:solidFill>
+                  <a:srgbClr val="77933C"/>
+                </a:solidFill>
+                <a:uFill>
+                  <a:solidFill>
+                    <a:srgbClr val="FFFFFF"/>
                   </a:solidFill>
                 </a:uFill>
                 <a:latin typeface="Arial"/>
@@ -3617,13 +4008,13 @@
               <a:t>BlendState</a:t>
             </a:r>
             <a:r>
-              <a:rPr lang="pt-BR" sz="1800" spc="-1" strike="noStrike">
-                <a:solidFill>
-                  <a:srgbClr val="31859c"/>
-                </a:solidFill>
-                <a:uFill>
-                  <a:solidFill>
-                    <a:srgbClr val="ffffff"/>
+              <a:rPr lang="pt-BR" sz="1800" strike="noStrike" spc="-1" dirty="0" err="1">
+                <a:solidFill>
+                  <a:srgbClr val="31859C"/>
+                </a:solidFill>
+                <a:uFill>
+                  <a:solidFill>
+                    <a:srgbClr val="FFFFFF"/>
                   </a:solidFill>
                 </a:uFill>
                 <a:latin typeface="Arial"/>
@@ -3632,13 +4023,13 @@
               <a:t>.</a:t>
             </a:r>
             <a:r>
-              <a:rPr lang="pt-BR" sz="1800" spc="-1" strike="noStrike">
+              <a:rPr lang="pt-BR" sz="1800" strike="noStrike" spc="-1" dirty="0" err="1">
                 <a:solidFill>
                   <a:srgbClr val="000000"/>
                 </a:solidFill>
                 <a:uFill>
                   <a:solidFill>
-                    <a:srgbClr val="ffffff"/>
+                    <a:srgbClr val="FFFFFF"/>
                   </a:solidFill>
                 </a:uFill>
                 <a:latin typeface="Arial"/>
@@ -3647,13 +4038,13 @@
               <a:t>NonPremultiplied</a:t>
             </a:r>
             <a:r>
-              <a:rPr lang="pt-BR" sz="1800" spc="-1" strike="noStrike">
-                <a:solidFill>
-                  <a:srgbClr val="31859c"/>
-                </a:solidFill>
-                <a:uFill>
-                  <a:solidFill>
-                    <a:srgbClr val="ffffff"/>
+              <a:rPr lang="pt-BR" sz="1800" strike="noStrike" spc="-1" dirty="0" smtClean="0">
+                <a:solidFill>
+                  <a:srgbClr val="31859C"/>
+                </a:solidFill>
+                <a:uFill>
+                  <a:solidFill>
+                    <a:srgbClr val="FFFFFF"/>
                   </a:solidFill>
                 </a:uFill>
                 <a:latin typeface="Arial"/>
@@ -3661,22 +4052,43 @@
               </a:rPr>
               <a:t>);</a:t>
             </a:r>
-            <a:endParaRPr/>
-          </a:p>
-          <a:p>
-            <a:pPr algn="ctr">
-              <a:lnSpc>
-                <a:spcPct val="100000"/>
-              </a:lnSpc>
-            </a:pPr>
-            <a:r>
-              <a:rPr lang="pt-BR" sz="1800" spc="-1" strike="noStrike">
+          </a:p>
+          <a:p>
+            <a:pPr algn="ctr">
+              <a:lnSpc>
+                <a:spcPct val="100000"/>
+              </a:lnSpc>
+            </a:pPr>
+            <a:r>
+              <a:rPr lang="pt-BR" sz="1800" strike="noStrike" spc="-1" dirty="0" smtClean="0">
+                <a:solidFill>
+                  <a:srgbClr val="31859C"/>
+                </a:solidFill>
+                <a:uFill>
+                  <a:solidFill>
+                    <a:srgbClr val="FFFFFF"/>
+                  </a:solidFill>
+                </a:uFill>
+                <a:latin typeface="Arial"/>
+                <a:ea typeface="DejaVu Sans"/>
+              </a:rPr>
+              <a:t>||</a:t>
+            </a:r>
+          </a:p>
+          <a:p>
+            <a:pPr algn="ctr">
+              <a:lnSpc>
+                <a:spcPct val="100000"/>
+              </a:lnSpc>
+            </a:pPr>
+            <a:r>
+              <a:rPr lang="pt-BR" sz="1800" strike="noStrike" spc="-1" dirty="0" err="1" smtClean="0">
                 <a:solidFill>
                   <a:srgbClr val="000000"/>
                 </a:solidFill>
                 <a:uFill>
                   <a:solidFill>
-                    <a:srgbClr val="ffffff"/>
+                    <a:srgbClr val="FFFFFF"/>
                   </a:solidFill>
                 </a:uFill>
                 <a:latin typeface="Arial"/>
@@ -3685,13 +4097,13 @@
               <a:t>spriteBatch</a:t>
             </a:r>
             <a:r>
-              <a:rPr lang="pt-BR" sz="1800" spc="-1" strike="noStrike">
-                <a:solidFill>
-                  <a:srgbClr val="77933c"/>
-                </a:solidFill>
-                <a:uFill>
-                  <a:solidFill>
-                    <a:srgbClr val="ffffff"/>
+              <a:rPr lang="pt-BR" sz="1800" strike="noStrike" spc="-1" dirty="0" err="1" smtClean="0">
+                <a:solidFill>
+                  <a:srgbClr val="77933C"/>
+                </a:solidFill>
+                <a:uFill>
+                  <a:solidFill>
+                    <a:srgbClr val="FFFFFF"/>
                   </a:solidFill>
                 </a:uFill>
                 <a:latin typeface="Arial"/>
@@ -3700,152 +4112,177 @@
               <a:t>.</a:t>
             </a:r>
             <a:r>
-              <a:rPr lang="pt-BR" sz="1800" spc="-1" strike="noStrike">
+              <a:rPr lang="pt-BR" sz="1800" strike="noStrike" spc="-1" dirty="0" err="1" smtClean="0">
                 <a:solidFill>
                   <a:srgbClr val="000000"/>
                 </a:solidFill>
                 <a:uFill>
                   <a:solidFill>
-                    <a:srgbClr val="ffffff"/>
-                  </a:solidFill>
-                </a:uFill>
-                <a:latin typeface="Arial"/>
-                <a:ea typeface="DejaVu Sans"/>
-              </a:rPr>
-              <a:t>End();</a:t>
-            </a:r>
-            <a:endParaRPr/>
-          </a:p>
-          <a:p>
-            <a:pPr algn="ctr">
-              <a:lnSpc>
-                <a:spcPct val="100000"/>
-              </a:lnSpc>
-            </a:pPr>
-            <a:r>
-              <a:rPr lang="pt-BR" sz="1800" spc="-1" strike="noStrike">
+                    <a:srgbClr val="FFFFFF"/>
+                  </a:solidFill>
+                </a:uFill>
+                <a:latin typeface="Arial"/>
+                <a:ea typeface="DejaVu Sans"/>
+              </a:rPr>
+              <a:t>Draw</a:t>
+            </a:r>
+            <a:r>
+              <a:rPr lang="pt-BR" sz="1800" strike="noStrike" spc="-1" dirty="0" smtClean="0">
+                <a:solidFill>
+                  <a:srgbClr val="77933C"/>
+                </a:solidFill>
+                <a:uFill>
+                  <a:solidFill>
+                    <a:srgbClr val="FFFFFF"/>
+                  </a:solidFill>
+                </a:uFill>
+                <a:latin typeface="Arial"/>
+                <a:ea typeface="DejaVu Sans"/>
+              </a:rPr>
+              <a:t>(Texture2D</a:t>
+            </a:r>
+            <a:r>
+              <a:rPr lang="pt-BR" sz="1800" strike="noStrike" spc="-1" dirty="0">
+                <a:solidFill>
+                  <a:srgbClr val="77933C"/>
+                </a:solidFill>
+                <a:uFill>
+                  <a:solidFill>
+                    <a:srgbClr val="FFFFFF"/>
+                  </a:solidFill>
+                </a:uFill>
+                <a:latin typeface="Arial"/>
+                <a:ea typeface="DejaVu Sans"/>
+              </a:rPr>
+              <a:t>, Vector2, Color</a:t>
+            </a:r>
+            <a:r>
+              <a:rPr lang="pt-BR" sz="1800" strike="noStrike" spc="-1" dirty="0" smtClean="0">
+                <a:solidFill>
+                  <a:srgbClr val="77933C"/>
+                </a:solidFill>
+                <a:uFill>
+                  <a:solidFill>
+                    <a:srgbClr val="FFFFFF"/>
+                  </a:solidFill>
+                </a:uFill>
+                <a:latin typeface="Arial"/>
+                <a:ea typeface="DejaVu Sans"/>
+              </a:rPr>
+              <a:t>);</a:t>
+            </a:r>
+          </a:p>
+          <a:p>
+            <a:pPr algn="ctr"/>
+            <a:r>
+              <a:rPr lang="pt-BR" spc="-1" dirty="0" err="1" smtClean="0">
                 <a:solidFill>
                   <a:srgbClr val="000000"/>
                 </a:solidFill>
                 <a:uFill>
                   <a:solidFill>
-                    <a:srgbClr val="ffffff"/>
-                  </a:solidFill>
-                </a:uFill>
-                <a:latin typeface="Arial"/>
-                <a:ea typeface="DejaVu Sans"/>
+                    <a:srgbClr val="FFFFFF"/>
+                  </a:solidFill>
+                </a:uFill>
               </a:rPr>
               <a:t>spriteBatch</a:t>
             </a:r>
             <a:r>
-              <a:rPr lang="pt-BR" sz="1800" spc="-1" strike="noStrike">
-                <a:solidFill>
-                  <a:srgbClr val="77933c"/>
-                </a:solidFill>
-                <a:uFill>
-                  <a:solidFill>
-                    <a:srgbClr val="ffffff"/>
-                  </a:solidFill>
-                </a:uFill>
-                <a:latin typeface="Arial"/>
-                <a:ea typeface="DejaVu Sans"/>
+              <a:rPr lang="pt-BR" spc="-1" dirty="0" err="1" smtClean="0">
+                <a:solidFill>
+                  <a:srgbClr val="77933C"/>
+                </a:solidFill>
+                <a:uFill>
+                  <a:solidFill>
+                    <a:srgbClr val="FFFFFF"/>
+                  </a:solidFill>
+                </a:uFill>
               </a:rPr>
               <a:t>.</a:t>
             </a:r>
             <a:r>
-              <a:rPr lang="pt-BR" sz="1800" spc="-1" strike="noStrike">
+              <a:rPr lang="pt-BR" spc="-1" dirty="0" err="1" smtClean="0">
                 <a:solidFill>
                   <a:srgbClr val="000000"/>
                 </a:solidFill>
                 <a:uFill>
                   <a:solidFill>
-                    <a:srgbClr val="ffffff"/>
-                  </a:solidFill>
-                </a:uFill>
-                <a:latin typeface="Arial"/>
-                <a:ea typeface="DejaVu Sans"/>
-              </a:rPr>
-              <a:t>Draw</a:t>
-            </a:r>
-            <a:r>
-              <a:rPr lang="pt-BR" sz="1800" spc="-1" strike="noStrike">
-                <a:solidFill>
-                  <a:srgbClr val="77933c"/>
-                </a:solidFill>
-                <a:uFill>
-                  <a:solidFill>
-                    <a:srgbClr val="ffffff"/>
-                  </a:solidFill>
-                </a:uFill>
-                <a:latin typeface="Arial"/>
-                <a:ea typeface="DejaVu Sans"/>
-              </a:rPr>
-              <a:t>(Texture2D, Vector2, Color);</a:t>
-            </a:r>
-            <a:r>
-              <a:rPr lang="pt-BR" sz="1800" spc="-1" strike="noStrike">
+                    <a:srgbClr val="FFFFFF"/>
+                  </a:solidFill>
+                </a:uFill>
+              </a:rPr>
+              <a:t>End</a:t>
+            </a:r>
+            <a:r>
+              <a:rPr lang="pt-BR" spc="-1" dirty="0">
                 <a:solidFill>
                   <a:srgbClr val="000000"/>
                 </a:solidFill>
                 <a:uFill>
                   <a:solidFill>
-                    <a:srgbClr val="ffffff"/>
-                  </a:solidFill>
-                </a:uFill>
-                <a:latin typeface="Arial"/>
-                <a:ea typeface="DejaVu Sans"/>
-              </a:rPr>
-              <a:t>;</a:t>
-            </a:r>
-            <a:endParaRPr/>
-          </a:p>
-          <a:p>
-            <a:pPr algn="ctr">
-              <a:lnSpc>
-                <a:spcPct val="100000"/>
-              </a:lnSpc>
-            </a:pPr>
-            <a:endParaRPr/>
-          </a:p>
-          <a:p>
-            <a:pPr algn="ctr">
-              <a:lnSpc>
-                <a:spcPct val="100000"/>
-              </a:lnSpc>
-            </a:pPr>
-            <a:endParaRPr/>
-          </a:p>
-          <a:p>
-            <a:pPr algn="ctr">
-              <a:lnSpc>
-                <a:spcPct val="100000"/>
-              </a:lnSpc>
-            </a:pPr>
-            <a:endParaRPr/>
-          </a:p>
-          <a:p>
-            <a:pPr algn="ctr">
-              <a:lnSpc>
-                <a:spcPct val="100000"/>
-              </a:lnSpc>
-            </a:pPr>
-            <a:endParaRPr/>
-          </a:p>
-          <a:p>
-            <a:pPr algn="ctr">
-              <a:lnSpc>
-                <a:spcPct val="100000"/>
-              </a:lnSpc>
-            </a:pPr>
-            <a:endParaRPr/>
-          </a:p>
-          <a:p>
-            <a:pPr algn="ctr">
-              <a:lnSpc>
-                <a:spcPct val="100000"/>
-              </a:lnSpc>
-            </a:pPr>
-            <a:endParaRPr/>
+                    <a:srgbClr val="FFFFFF"/>
+                  </a:solidFill>
+                </a:uFill>
+              </a:rPr>
+              <a:t>();</a:t>
+            </a:r>
+            <a:endParaRPr lang="pt-BR" dirty="0" smtClean="0"/>
+          </a:p>
+          <a:p>
+            <a:pPr algn="ctr">
+              <a:lnSpc>
+                <a:spcPct val="100000"/>
+              </a:lnSpc>
+            </a:pPr>
+            <a:endParaRPr dirty="0"/>
+          </a:p>
+          <a:p>
+            <a:pPr algn="ctr">
+              <a:lnSpc>
+                <a:spcPct val="100000"/>
+              </a:lnSpc>
+            </a:pPr>
+            <a:endParaRPr dirty="0"/>
+          </a:p>
+          <a:p>
+            <a:pPr algn="ctr">
+              <a:lnSpc>
+                <a:spcPct val="100000"/>
+              </a:lnSpc>
+            </a:pPr>
+            <a:endParaRPr dirty="0"/>
+          </a:p>
+          <a:p>
+            <a:pPr algn="ctr">
+              <a:lnSpc>
+                <a:spcPct val="100000"/>
+              </a:lnSpc>
+            </a:pPr>
+            <a:endParaRPr dirty="0"/>
+          </a:p>
+          <a:p>
+            <a:pPr algn="ctr">
+              <a:lnSpc>
+                <a:spcPct val="100000"/>
+              </a:lnSpc>
+            </a:pPr>
+            <a:endParaRPr dirty="0"/>
+          </a:p>
+          <a:p>
+            <a:pPr algn="ctr">
+              <a:lnSpc>
+                <a:spcPct val="100000"/>
+              </a:lnSpc>
+            </a:pPr>
+            <a:endParaRPr dirty="0"/>
+          </a:p>
+          <a:p>
+            <a:pPr algn="ctr">
+              <a:lnSpc>
+                <a:spcPct val="100000"/>
+              </a:lnSpc>
+            </a:pPr>
+            <a:endParaRPr dirty="0"/>
           </a:p>
           <a:p>
             <a:pPr>
@@ -3853,7 +4290,7 @@
                 <a:spcPct val="100000"/>
               </a:lnSpc>
             </a:pPr>
-            <a:endParaRPr/>
+            <a:endParaRPr dirty="0"/>
           </a:p>
           <a:p>
             <a:pPr>
@@ -3861,7 +4298,7 @@
                 <a:spcPct val="100000"/>
               </a:lnSpc>
             </a:pPr>
-            <a:endParaRPr/>
+            <a:endParaRPr dirty="0"/>
           </a:p>
           <a:p>
             <a:pPr>
@@ -3869,28 +4306,31 @@
                 <a:spcPct val="100000"/>
               </a:lnSpc>
             </a:pPr>
-            <a:endParaRPr/>
+            <a:endParaRPr dirty="0"/>
           </a:p>
         </p:txBody>
       </p:sp>
     </p:spTree>
   </p:cSld>
+  <p:clrMapOvr>
+    <a:masterClrMapping/>
+  </p:clrMapOvr>
   <p:timing>
     <p:tnLst>
       <p:par>
-        <p:cTn id="21" dur="indefinite" restart="never" nodeType="tmRoot">
+        <p:cTn id="1" dur="indefinite" restart="never" nodeType="tmRoot">
           <p:childTnLst>
             <p:seq>
-              <p:cTn id="22" nodeType="mainSeq"/>
+              <p:cTn id="2" nodeType="mainSeq"/>
               <p:prevCondLst>
-                <p:cond delay="0" evt="onPrev">
+                <p:cond evt="onPrev" delay="0">
                   <p:tgtEl>
                     <p:sldTgt/>
                   </p:tgtEl>
                 </p:cond>
               </p:prevCondLst>
               <p:nextCondLst>
-                <p:cond delay="0" evt="onNext">
+                <p:cond evt="onNext" delay="0">
                   <p:tgtEl>
                     <p:sldTgt/>
                   </p:tgtEl>
@@ -3906,7 +4346,7 @@
 </file>
 
 <file path=ppt/slides/slide12.xml><?xml version="1.0" encoding="utf-8"?>
-<p:sld xmlns:a="http://schemas.openxmlformats.org/drawingml/2006/main" xmlns:p="http://schemas.openxmlformats.org/presentationml/2006/main" xmlns:r="http://schemas.openxmlformats.org/officeDocument/2006/relationships">
+<p:sld xmlns:a="http://schemas.openxmlformats.org/drawingml/2006/main" xmlns:r="http://schemas.openxmlformats.org/officeDocument/2006/relationships" xmlns:p="http://schemas.openxmlformats.org/presentationml/2006/main">
   <p:cSld>
     <p:spTree>
       <p:nvGrpSpPr>
@@ -3924,12 +4364,12 @@
       </p:grpSpPr>
       <p:pic>
         <p:nvPicPr>
-          <p:cNvPr id="88" name="" descr=""/>
+          <p:cNvPr id="88" name="Imagem 87"/>
           <p:cNvPicPr/>
           <p:nvPr/>
         </p:nvPicPr>
         <p:blipFill>
-          <a:blip r:embed="rId1"/>
+          <a:blip r:embed="rId2"/>
           <a:stretch/>
         </p:blipFill>
         <p:spPr>
@@ -3947,22 +4387,25 @@
       </p:pic>
     </p:spTree>
   </p:cSld>
+  <p:clrMapOvr>
+    <a:masterClrMapping/>
+  </p:clrMapOvr>
   <p:timing>
     <p:tnLst>
       <p:par>
-        <p:cTn id="23" dur="indefinite" restart="never" nodeType="tmRoot">
+        <p:cTn id="1" dur="indefinite" restart="never" nodeType="tmRoot">
           <p:childTnLst>
             <p:seq>
-              <p:cTn id="24" nodeType="mainSeq"/>
+              <p:cTn id="2" nodeType="mainSeq"/>
               <p:prevCondLst>
-                <p:cond delay="0" evt="onPrev">
+                <p:cond evt="onPrev" delay="0">
                   <p:tgtEl>
                     <p:sldTgt/>
                   </p:tgtEl>
                 </p:cond>
               </p:prevCondLst>
               <p:nextCondLst>
-                <p:cond delay="0" evt="onNext">
+                <p:cond evt="onNext" delay="0">
                   <p:tgtEl>
                     <p:sldTgt/>
                   </p:tgtEl>
@@ -3978,7 +4421,7 @@
 </file>
 
 <file path=ppt/slides/slide13.xml><?xml version="1.0" encoding="utf-8"?>
-<p:sld xmlns:a="http://schemas.openxmlformats.org/drawingml/2006/main" xmlns:p="http://schemas.openxmlformats.org/presentationml/2006/main" xmlns:r="http://schemas.openxmlformats.org/officeDocument/2006/relationships">
+<p:sld xmlns:a="http://schemas.openxmlformats.org/drawingml/2006/main" xmlns:r="http://schemas.openxmlformats.org/officeDocument/2006/relationships" xmlns:p="http://schemas.openxmlformats.org/presentationml/2006/main">
   <p:cSld>
     <p:spTree>
       <p:nvGrpSpPr>
@@ -4014,43 +4457,50 @@
           </a:ln>
         </p:spPr>
         <p:style>
-          <a:lnRef idx="0"/>
-          <a:fillRef idx="0"/>
-          <a:effectRef idx="0"/>
+          <a:lnRef idx="0">
+            <a:scrgbClr r="0" g="0" b="0"/>
+          </a:lnRef>
+          <a:fillRef idx="0">
+            <a:scrgbClr r="0" g="0" b="0"/>
+          </a:fillRef>
+          <a:effectRef idx="0">
+            <a:scrgbClr r="0" g="0" b="0"/>
+          </a:effectRef>
           <a:fontRef idx="minor"/>
         </p:style>
         <p:txBody>
-          <a:bodyPr lIns="90000" rIns="90000" tIns="45000" bIns="45000"/>
-          <a:p>
-            <a:pPr algn="ctr">
-              <a:lnSpc>
-                <a:spcPct val="100000"/>
-              </a:lnSpc>
-            </a:pPr>
-            <a:endParaRPr/>
-          </a:p>
-          <a:p>
-            <a:pPr algn="ctr">
-              <a:lnSpc>
-                <a:spcPct val="100000"/>
-              </a:lnSpc>
-            </a:pPr>
-            <a:endParaRPr/>
-          </a:p>
-          <a:p>
-            <a:pPr algn="ctr">
-              <a:lnSpc>
-                <a:spcPct val="100000"/>
-              </a:lnSpc>
-            </a:pPr>
-            <a:r>
-              <a:rPr lang="pt-BR" sz="2000" spc="-1" strike="noStrike" u="sng">
-                <a:solidFill>
-                  <a:srgbClr val="77933c"/>
-                </a:solidFill>
-                <a:uFill>
-                  <a:solidFill>
-                    <a:srgbClr val="ffffff"/>
+          <a:bodyPr lIns="90000" tIns="45000" rIns="90000" bIns="45000"/>
+          <a:lstStyle/>
+          <a:p>
+            <a:pPr algn="ctr">
+              <a:lnSpc>
+                <a:spcPct val="100000"/>
+              </a:lnSpc>
+            </a:pPr>
+            <a:endParaRPr/>
+          </a:p>
+          <a:p>
+            <a:pPr algn="ctr">
+              <a:lnSpc>
+                <a:spcPct val="100000"/>
+              </a:lnSpc>
+            </a:pPr>
+            <a:endParaRPr/>
+          </a:p>
+          <a:p>
+            <a:pPr algn="ctr">
+              <a:lnSpc>
+                <a:spcPct val="100000"/>
+              </a:lnSpc>
+            </a:pPr>
+            <a:r>
+              <a:rPr lang="pt-BR" sz="2000" u="sng" strike="noStrike" spc="-1">
+                <a:solidFill>
+                  <a:srgbClr val="77933C"/>
+                </a:solidFill>
+                <a:uFill>
+                  <a:solidFill>
+                    <a:srgbClr val="FFFFFF"/>
                   </a:solidFill>
                 </a:uFill>
                 <a:latin typeface="Arial"/>
@@ -4075,13 +4525,13 @@
               </a:lnSpc>
             </a:pPr>
             <a:r>
-              <a:rPr lang="pt-BR" sz="1800" spc="-1" strike="noStrike">
+              <a:rPr lang="pt-BR" sz="1800" strike="noStrike" spc="-1">
                 <a:solidFill>
                   <a:srgbClr val="000000"/>
                 </a:solidFill>
                 <a:uFill>
                   <a:solidFill>
-                    <a:srgbClr val="ffffff"/>
+                    <a:srgbClr val="FFFFFF"/>
                   </a:solidFill>
                 </a:uFill>
                 <a:latin typeface="Arial"/>
@@ -4106,13 +4556,13 @@
               </a:lnSpc>
             </a:pPr>
             <a:r>
-              <a:rPr lang="pt-BR" sz="2000" spc="-1" strike="noStrike" u="sng">
-                <a:solidFill>
-                  <a:srgbClr val="31859c"/>
-                </a:solidFill>
-                <a:uFill>
-                  <a:solidFill>
-                    <a:srgbClr val="ffffff"/>
+              <a:rPr lang="pt-BR" sz="2000" u="sng" strike="noStrike" spc="-1">
+                <a:solidFill>
+                  <a:srgbClr val="31859C"/>
+                </a:solidFill>
+                <a:uFill>
+                  <a:solidFill>
+                    <a:srgbClr val="FFFFFF"/>
                   </a:solidFill>
                 </a:uFill>
                 <a:latin typeface="Arial"/>
@@ -4121,13 +4571,13 @@
               <a:t>Uso</a:t>
             </a:r>
             <a:r>
-              <a:rPr lang="pt-BR" sz="2000" spc="-1" strike="noStrike">
-                <a:solidFill>
-                  <a:srgbClr val="31859c"/>
-                </a:solidFill>
-                <a:uFill>
-                  <a:solidFill>
-                    <a:srgbClr val="ffffff"/>
+              <a:rPr lang="pt-BR" sz="2000" strike="noStrike" spc="-1">
+                <a:solidFill>
+                  <a:srgbClr val="31859C"/>
+                </a:solidFill>
+                <a:uFill>
+                  <a:solidFill>
+                    <a:srgbClr val="FFFFFF"/>
                   </a:solidFill>
                 </a:uFill>
                 <a:latin typeface="Arial"/>
@@ -4152,13 +4602,13 @@
               </a:lnSpc>
             </a:pPr>
             <a:r>
-              <a:rPr lang="pt-BR" sz="1800" spc="-1" strike="noStrike">
-                <a:solidFill>
-                  <a:srgbClr val="77933c"/>
-                </a:solidFill>
-                <a:uFill>
-                  <a:solidFill>
-                    <a:srgbClr val="ffffff"/>
+              <a:rPr lang="pt-BR" sz="1800" strike="noStrike" spc="-1">
+                <a:solidFill>
+                  <a:srgbClr val="77933C"/>
+                </a:solidFill>
+                <a:uFill>
+                  <a:solidFill>
+                    <a:srgbClr val="FFFFFF"/>
                   </a:solidFill>
                 </a:uFill>
                 <a:latin typeface="Arial"/>
@@ -4167,13 +4617,13 @@
               <a:t>gametime</a:t>
             </a:r>
             <a:r>
-              <a:rPr lang="pt-BR" sz="1800" spc="-1" strike="noStrike">
+              <a:rPr lang="pt-BR" sz="1800" strike="noStrike" spc="-1">
                 <a:solidFill>
                   <a:srgbClr val="000000"/>
                 </a:solidFill>
                 <a:uFill>
                   <a:solidFill>
-                    <a:srgbClr val="ffffff"/>
+                    <a:srgbClr val="FFFFFF"/>
                   </a:solidFill>
                 </a:uFill>
                 <a:latin typeface="Arial"/>
@@ -4251,22 +4701,25 @@
       </p:sp>
     </p:spTree>
   </p:cSld>
+  <p:clrMapOvr>
+    <a:masterClrMapping/>
+  </p:clrMapOvr>
   <p:timing>
     <p:tnLst>
       <p:par>
-        <p:cTn id="25" dur="indefinite" restart="never" nodeType="tmRoot">
+        <p:cTn id="1" dur="indefinite" restart="never" nodeType="tmRoot">
           <p:childTnLst>
             <p:seq>
-              <p:cTn id="26" nodeType="mainSeq"/>
+              <p:cTn id="2" nodeType="mainSeq"/>
               <p:prevCondLst>
-                <p:cond delay="0" evt="onPrev">
+                <p:cond evt="onPrev" delay="0">
                   <p:tgtEl>
                     <p:sldTgt/>
                   </p:tgtEl>
                 </p:cond>
               </p:prevCondLst>
               <p:nextCondLst>
-                <p:cond delay="0" evt="onNext">
+                <p:cond evt="onNext" delay="0">
                   <p:tgtEl>
                     <p:sldTgt/>
                   </p:tgtEl>
@@ -4282,7 +4735,7 @@
 </file>
 
 <file path=ppt/slides/slide14.xml><?xml version="1.0" encoding="utf-8"?>
-<p:sld xmlns:a="http://schemas.openxmlformats.org/drawingml/2006/main" xmlns:p="http://schemas.openxmlformats.org/presentationml/2006/main" xmlns:r="http://schemas.openxmlformats.org/officeDocument/2006/relationships">
+<p:sld xmlns:a="http://schemas.openxmlformats.org/drawingml/2006/main" xmlns:r="http://schemas.openxmlformats.org/officeDocument/2006/relationships" xmlns:p="http://schemas.openxmlformats.org/presentationml/2006/main">
   <p:cSld>
     <p:spTree>
       <p:nvGrpSpPr>
@@ -4318,43 +4771,50 @@
           </a:ln>
         </p:spPr>
         <p:style>
-          <a:lnRef idx="0"/>
-          <a:fillRef idx="0"/>
-          <a:effectRef idx="0"/>
+          <a:lnRef idx="0">
+            <a:scrgbClr r="0" g="0" b="0"/>
+          </a:lnRef>
+          <a:fillRef idx="0">
+            <a:scrgbClr r="0" g="0" b="0"/>
+          </a:fillRef>
+          <a:effectRef idx="0">
+            <a:scrgbClr r="0" g="0" b="0"/>
+          </a:effectRef>
           <a:fontRef idx="minor"/>
         </p:style>
         <p:txBody>
-          <a:bodyPr lIns="90000" rIns="90000" tIns="45000" bIns="45000"/>
-          <a:p>
-            <a:pPr algn="ctr">
-              <a:lnSpc>
-                <a:spcPct val="100000"/>
-              </a:lnSpc>
-            </a:pPr>
-            <a:endParaRPr/>
-          </a:p>
-          <a:p>
-            <a:pPr algn="ctr">
-              <a:lnSpc>
-                <a:spcPct val="100000"/>
-              </a:lnSpc>
-            </a:pPr>
-            <a:endParaRPr/>
-          </a:p>
-          <a:p>
-            <a:pPr algn="ctr">
-              <a:lnSpc>
-                <a:spcPct val="100000"/>
-              </a:lnSpc>
-            </a:pPr>
-            <a:r>
-              <a:rPr lang="pt-BR" sz="2000" spc="-1" strike="noStrike" u="sng">
-                <a:solidFill>
-                  <a:srgbClr val="77933c"/>
-                </a:solidFill>
-                <a:uFill>
-                  <a:solidFill>
-                    <a:srgbClr val="ffffff"/>
+          <a:bodyPr lIns="90000" tIns="45000" rIns="90000" bIns="45000"/>
+          <a:lstStyle/>
+          <a:p>
+            <a:pPr algn="ctr">
+              <a:lnSpc>
+                <a:spcPct val="100000"/>
+              </a:lnSpc>
+            </a:pPr>
+            <a:endParaRPr dirty="0"/>
+          </a:p>
+          <a:p>
+            <a:pPr algn="ctr">
+              <a:lnSpc>
+                <a:spcPct val="100000"/>
+              </a:lnSpc>
+            </a:pPr>
+            <a:endParaRPr dirty="0"/>
+          </a:p>
+          <a:p>
+            <a:pPr algn="ctr">
+              <a:lnSpc>
+                <a:spcPct val="100000"/>
+              </a:lnSpc>
+            </a:pPr>
+            <a:r>
+              <a:rPr lang="pt-BR" sz="2000" u="sng" strike="noStrike" spc="-1" dirty="0" err="1">
+                <a:solidFill>
+                  <a:srgbClr val="77933C"/>
+                </a:solidFill>
+                <a:uFill>
+                  <a:solidFill>
+                    <a:srgbClr val="FFFFFF"/>
                   </a:solidFill>
                 </a:uFill>
                 <a:latin typeface="Arial"/>
@@ -4362,30 +4822,30 @@
               </a:rPr>
               <a:t>List</a:t>
             </a:r>
-            <a:endParaRPr/>
-          </a:p>
-          <a:p>
-            <a:pPr algn="ctr">
-              <a:lnSpc>
-                <a:spcPct val="100000"/>
-              </a:lnSpc>
-            </a:pPr>
-            <a:endParaRPr/>
-          </a:p>
-          <a:p>
-            <a:pPr algn="ctr">
-              <a:lnSpc>
-                <a:spcPct val="100000"/>
-              </a:lnSpc>
-            </a:pPr>
-            <a:r>
-              <a:rPr lang="pt-BR" sz="1800" spc="-1" strike="noStrike">
+            <a:endParaRPr dirty="0"/>
+          </a:p>
+          <a:p>
+            <a:pPr algn="ctr">
+              <a:lnSpc>
+                <a:spcPct val="100000"/>
+              </a:lnSpc>
+            </a:pPr>
+            <a:endParaRPr dirty="0"/>
+          </a:p>
+          <a:p>
+            <a:pPr algn="ctr">
+              <a:lnSpc>
+                <a:spcPct val="100000"/>
+              </a:lnSpc>
+            </a:pPr>
+            <a:r>
+              <a:rPr lang="pt-BR" sz="1800" strike="noStrike" spc="-1" dirty="0">
                 <a:solidFill>
                   <a:srgbClr val="000000"/>
                 </a:solidFill>
                 <a:uFill>
                   <a:solidFill>
-                    <a:srgbClr val="ffffff"/>
+                    <a:srgbClr val="FFFFFF"/>
                   </a:solidFill>
                 </a:uFill>
                 <a:latin typeface="Arial"/>
@@ -4393,7 +4853,7 @@
               </a:rPr>
               <a:t>É a estrutura que vamos usar para organizar e agrupar determinado tipo de objeto.</a:t>
             </a:r>
-            <a:endParaRPr/>
+            <a:endParaRPr dirty="0"/>
           </a:p>
           <a:p>
             <a:pPr>
@@ -4401,22 +4861,22 @@
                 <a:spcPct val="100000"/>
               </a:lnSpc>
             </a:pPr>
-            <a:endParaRPr/>
-          </a:p>
-          <a:p>
-            <a:pPr algn="ctr">
-              <a:lnSpc>
-                <a:spcPct val="100000"/>
-              </a:lnSpc>
-            </a:pPr>
-            <a:r>
-              <a:rPr lang="pt-BR" sz="2000" spc="-1" strike="noStrike" u="sng">
-                <a:solidFill>
-                  <a:srgbClr val="31859c"/>
-                </a:solidFill>
-                <a:uFill>
-                  <a:solidFill>
-                    <a:srgbClr val="ffffff"/>
+            <a:endParaRPr dirty="0"/>
+          </a:p>
+          <a:p>
+            <a:pPr algn="ctr">
+              <a:lnSpc>
+                <a:spcPct val="100000"/>
+              </a:lnSpc>
+            </a:pPr>
+            <a:r>
+              <a:rPr lang="pt-BR" sz="2000" u="sng" strike="noStrike" spc="-1" dirty="0">
+                <a:solidFill>
+                  <a:srgbClr val="31859C"/>
+                </a:solidFill>
+                <a:uFill>
+                  <a:solidFill>
+                    <a:srgbClr val="FFFFFF"/>
                   </a:solidFill>
                 </a:uFill>
                 <a:latin typeface="Arial"/>
@@ -4425,13 +4885,13 @@
               <a:t>Uso</a:t>
             </a:r>
             <a:r>
-              <a:rPr lang="pt-BR" sz="2000" spc="-1" strike="noStrike">
-                <a:solidFill>
-                  <a:srgbClr val="31859c"/>
-                </a:solidFill>
-                <a:uFill>
-                  <a:solidFill>
-                    <a:srgbClr val="ffffff"/>
+              <a:rPr lang="pt-BR" sz="2000" strike="noStrike" spc="-1" dirty="0">
+                <a:solidFill>
+                  <a:srgbClr val="31859C"/>
+                </a:solidFill>
+                <a:uFill>
+                  <a:solidFill>
+                    <a:srgbClr val="FFFFFF"/>
                   </a:solidFill>
                 </a:uFill>
                 <a:latin typeface="Arial"/>
@@ -4439,45 +4899,90 @@
               </a:rPr>
               <a:t> </a:t>
             </a:r>
-            <a:endParaRPr/>
-          </a:p>
-          <a:p>
-            <a:pPr algn="ctr">
-              <a:lnSpc>
-                <a:spcPct val="100000"/>
-              </a:lnSpc>
-            </a:pPr>
-            <a:endParaRPr/>
-          </a:p>
-          <a:p>
-            <a:pPr algn="ctr">
-              <a:lnSpc>
-                <a:spcPct val="100000"/>
-              </a:lnSpc>
-            </a:pPr>
-            <a:r>
-              <a:rPr lang="pt-BR" sz="1800" spc="-1" strike="noStrike">
-                <a:solidFill>
-                  <a:srgbClr val="77933c"/>
-                </a:solidFill>
-                <a:uFill>
-                  <a:solidFill>
-                    <a:srgbClr val="ffffff"/>
-                  </a:solidFill>
-                </a:uFill>
-                <a:latin typeface="Arial"/>
-                <a:ea typeface="DejaVu Sans"/>
-              </a:rPr>
-              <a:t>List&lt;String&gt; </a:t>
-            </a:r>
-            <a:r>
-              <a:rPr lang="pt-BR" sz="1800" spc="-1" strike="noStrike">
+            <a:endParaRPr dirty="0"/>
+          </a:p>
+          <a:p>
+            <a:pPr algn="ctr">
+              <a:lnSpc>
+                <a:spcPct val="100000"/>
+              </a:lnSpc>
+            </a:pPr>
+            <a:endParaRPr dirty="0"/>
+          </a:p>
+          <a:p>
+            <a:pPr algn="ctr">
+              <a:lnSpc>
+                <a:spcPct val="100000"/>
+              </a:lnSpc>
+            </a:pPr>
+            <a:r>
+              <a:rPr lang="pt-BR" sz="1800" strike="noStrike" spc="-1" dirty="0" err="1" smtClean="0">
+                <a:solidFill>
+                  <a:srgbClr val="77933C"/>
+                </a:solidFill>
+                <a:uFill>
+                  <a:solidFill>
+                    <a:srgbClr val="FFFFFF"/>
+                  </a:solidFill>
+                </a:uFill>
+                <a:latin typeface="Arial"/>
+                <a:ea typeface="DejaVu Sans"/>
+              </a:rPr>
+              <a:t>List</a:t>
+            </a:r>
+            <a:r>
+              <a:rPr lang="pt-BR" sz="1800" strike="noStrike" spc="-1" dirty="0" smtClean="0">
+                <a:solidFill>
+                  <a:srgbClr val="77933C"/>
+                </a:solidFill>
+                <a:uFill>
+                  <a:solidFill>
+                    <a:srgbClr val="FFFFFF"/>
+                  </a:solidFill>
+                </a:uFill>
+                <a:latin typeface="Arial"/>
+                <a:ea typeface="DejaVu Sans"/>
+              </a:rPr>
+              <a:t>&lt;</a:t>
+            </a:r>
+            <a:r>
+              <a:rPr lang="pt-BR" sz="1800" strike="noStrike" spc="-1" dirty="0" err="1" smtClean="0">
+                <a:solidFill>
+                  <a:srgbClr val="77933C"/>
+                </a:solidFill>
+                <a:uFill>
+                  <a:solidFill>
+                    <a:srgbClr val="FFFFFF"/>
+                  </a:solidFill>
+                </a:uFill>
+                <a:latin typeface="Arial"/>
+                <a:ea typeface="DejaVu Sans"/>
+              </a:rPr>
+              <a:t>String</a:t>
+            </a:r>
+            <a:r>
+              <a:rPr lang="pt-BR" sz="1800" strike="noStrike" spc="-1" dirty="0" smtClean="0">
+                <a:solidFill>
+                  <a:srgbClr val="77933C"/>
+                </a:solidFill>
+                <a:uFill>
+                  <a:solidFill>
+                    <a:srgbClr val="FFFFFF"/>
+                  </a:solidFill>
+                </a:uFill>
+                <a:latin typeface="Arial"/>
+                <a:ea typeface="DejaVu Sans"/>
+              </a:rPr>
+              <a:t>&gt; </a:t>
+            </a:r>
+            <a:r>
+              <a:rPr lang="pt-BR" sz="1800" strike="noStrike" spc="-1" dirty="0" err="1">
                 <a:solidFill>
                   <a:srgbClr val="000000"/>
                 </a:solidFill>
                 <a:uFill>
                   <a:solidFill>
-                    <a:srgbClr val="ffffff"/>
+                    <a:srgbClr val="FFFFFF"/>
                   </a:solidFill>
                 </a:uFill>
                 <a:latin typeface="Arial"/>
@@ -4486,36 +4991,96 @@
               <a:t>listaDeTexto</a:t>
             </a:r>
             <a:r>
-              <a:rPr lang="pt-BR" sz="1800" spc="-1" strike="noStrike">
-                <a:solidFill>
-                  <a:srgbClr val="77933c"/>
-                </a:solidFill>
-                <a:uFill>
-                  <a:solidFill>
-                    <a:srgbClr val="ffffff"/>
-                  </a:solidFill>
-                </a:uFill>
-                <a:latin typeface="Arial"/>
-                <a:ea typeface="DejaVu Sans"/>
-              </a:rPr>
-              <a:t> = new List&lt;String&gt;;</a:t>
-            </a:r>
-            <a:endParaRPr/>
-          </a:p>
-          <a:p>
-            <a:pPr algn="ctr">
-              <a:lnSpc>
-                <a:spcPct val="100000"/>
-              </a:lnSpc>
-            </a:pPr>
-            <a:r>
-              <a:rPr lang="pt-BR" sz="1800" spc="-1" strike="noStrike">
+              <a:rPr lang="pt-BR" sz="1800" strike="noStrike" spc="-1" dirty="0">
+                <a:solidFill>
+                  <a:srgbClr val="77933C"/>
+                </a:solidFill>
+                <a:uFill>
+                  <a:solidFill>
+                    <a:srgbClr val="FFFFFF"/>
+                  </a:solidFill>
+                </a:uFill>
+                <a:latin typeface="Arial"/>
+                <a:ea typeface="DejaVu Sans"/>
+              </a:rPr>
+              <a:t> = new </a:t>
+            </a:r>
+            <a:r>
+              <a:rPr lang="pt-BR" sz="1800" strike="noStrike" spc="-1" dirty="0" err="1" smtClean="0">
+                <a:solidFill>
+                  <a:srgbClr val="77933C"/>
+                </a:solidFill>
+                <a:uFill>
+                  <a:solidFill>
+                    <a:srgbClr val="FFFFFF"/>
+                  </a:solidFill>
+                </a:uFill>
+                <a:latin typeface="Arial"/>
+                <a:ea typeface="DejaVu Sans"/>
+              </a:rPr>
+              <a:t>List</a:t>
+            </a:r>
+            <a:r>
+              <a:rPr lang="pt-BR" sz="1800" strike="noStrike" spc="-1" dirty="0" smtClean="0">
+                <a:solidFill>
+                  <a:srgbClr val="77933C"/>
+                </a:solidFill>
+                <a:uFill>
+                  <a:solidFill>
+                    <a:srgbClr val="FFFFFF"/>
+                  </a:solidFill>
+                </a:uFill>
+                <a:latin typeface="Arial"/>
+                <a:ea typeface="DejaVu Sans"/>
+              </a:rPr>
+              <a:t>&lt;</a:t>
+            </a:r>
+            <a:r>
+              <a:rPr lang="pt-BR" sz="1800" strike="noStrike" spc="-1" dirty="0" err="1" smtClean="0">
+                <a:solidFill>
+                  <a:srgbClr val="77933C"/>
+                </a:solidFill>
+                <a:uFill>
+                  <a:solidFill>
+                    <a:srgbClr val="FFFFFF"/>
+                  </a:solidFill>
+                </a:uFill>
+                <a:latin typeface="Arial"/>
+                <a:ea typeface="DejaVu Sans"/>
+              </a:rPr>
+              <a:t>String</a:t>
+            </a:r>
+            <a:r>
+              <a:rPr lang="pt-BR" sz="1800" strike="noStrike" spc="-1" dirty="0" smtClean="0">
+                <a:solidFill>
+                  <a:srgbClr val="77933C"/>
+                </a:solidFill>
+                <a:uFill>
+                  <a:solidFill>
+                    <a:srgbClr val="FFFFFF"/>
+                  </a:solidFill>
+                </a:uFill>
+                <a:latin typeface="Arial"/>
+                <a:ea typeface="DejaVu Sans"/>
+              </a:rPr>
+              <a:t>&gt;;</a:t>
+            </a:r>
+            <a:endParaRPr dirty="0"/>
+          </a:p>
+          <a:p>
+            <a:pPr algn="ctr">
+              <a:lnSpc>
+                <a:spcPct val="100000"/>
+              </a:lnSpc>
+            </a:pPr>
+            <a:r>
+              <a:rPr lang="pt-BR" sz="1800" strike="noStrike" spc="-1" dirty="0" err="1">
                 <a:solidFill>
                   <a:srgbClr val="000000"/>
                 </a:solidFill>
                 <a:uFill>
                   <a:solidFill>
-                    <a:srgbClr val="ffffff"/>
+                    <a:srgbClr val="FFFFFF"/>
                   </a:solidFill>
                 </a:uFill>
                 <a:latin typeface="Arial"/>
@@ -4524,206 +5089,228 @@
               <a:t>listaDeTexto</a:t>
             </a:r>
             <a:r>
-              <a:rPr lang="pt-BR" sz="1800" spc="-1" strike="noStrike">
-                <a:solidFill>
-                  <a:srgbClr val="77933c"/>
-                </a:solidFill>
-                <a:uFill>
-                  <a:solidFill>
-                    <a:srgbClr val="ffffff"/>
-                  </a:solidFill>
-                </a:uFill>
-                <a:latin typeface="Arial"/>
-                <a:ea typeface="DejaVu Sans"/>
-              </a:rPr>
-              <a:t>.add(“amarelo”);</a:t>
-            </a:r>
-            <a:endParaRPr/>
-          </a:p>
-          <a:p>
-            <a:pPr algn="ctr">
-              <a:lnSpc>
-                <a:spcPct val="100000"/>
-              </a:lnSpc>
-            </a:pPr>
-            <a:r>
-              <a:rPr lang="pt-BR" sz="1800" spc="-1" strike="noStrike">
+              <a:rPr lang="pt-BR" sz="1800" strike="noStrike" spc="-1" dirty="0" err="1">
+                <a:solidFill>
+                  <a:srgbClr val="77933C"/>
+                </a:solidFill>
+                <a:uFill>
+                  <a:solidFill>
+                    <a:srgbClr val="FFFFFF"/>
+                  </a:solidFill>
+                </a:uFill>
+                <a:latin typeface="Arial"/>
+                <a:ea typeface="DejaVu Sans"/>
+              </a:rPr>
+              <a:t>.add</a:t>
+            </a:r>
+            <a:r>
+              <a:rPr lang="pt-BR" sz="1800" strike="noStrike" spc="-1" dirty="0">
+                <a:solidFill>
+                  <a:srgbClr val="77933C"/>
+                </a:solidFill>
+                <a:uFill>
+                  <a:solidFill>
+                    <a:srgbClr val="FFFFFF"/>
+                  </a:solidFill>
+                </a:uFill>
+                <a:latin typeface="Arial"/>
+                <a:ea typeface="DejaVu Sans"/>
+              </a:rPr>
+              <a:t>(“amarelo”);</a:t>
+            </a:r>
+            <a:endParaRPr dirty="0"/>
+          </a:p>
+          <a:p>
+            <a:pPr algn="ctr">
+              <a:lnSpc>
+                <a:spcPct val="100000"/>
+              </a:lnSpc>
+            </a:pPr>
+            <a:r>
+              <a:rPr lang="pt-BR" sz="1800" strike="noStrike" spc="-1" dirty="0" err="1">
                 <a:solidFill>
                   <a:srgbClr val="000000"/>
                 </a:solidFill>
                 <a:uFill>
                   <a:solidFill>
-                    <a:srgbClr val="ffffff"/>
-                  </a:solidFill>
-                </a:uFill>
-                <a:latin typeface="Arial"/>
-                <a:ea typeface="DejaVu Sans"/>
-              </a:rPr>
-              <a:t>listaDeTexto.Count;</a:t>
-            </a:r>
-            <a:endParaRPr/>
-          </a:p>
-          <a:p>
-            <a:pPr algn="ctr">
-              <a:lnSpc>
-                <a:spcPct val="100000"/>
-              </a:lnSpc>
-            </a:pPr>
-            <a:r>
-              <a:rPr lang="pt-BR" sz="1800" spc="-1" strike="noStrike">
+                    <a:srgbClr val="FFFFFF"/>
+                  </a:solidFill>
+                </a:uFill>
+                <a:latin typeface="Arial"/>
+                <a:ea typeface="DejaVu Sans"/>
+              </a:rPr>
+              <a:t>listaDeTexto.Count</a:t>
+            </a:r>
+            <a:r>
+              <a:rPr lang="pt-BR" sz="1800" strike="noStrike" spc="-1" dirty="0">
                 <a:solidFill>
                   <a:srgbClr val="000000"/>
                 </a:solidFill>
                 <a:uFill>
                   <a:solidFill>
-                    <a:srgbClr val="ffffff"/>
-                  </a:solidFill>
-                </a:uFill>
-                <a:latin typeface="Arial"/>
-                <a:ea typeface="DejaVu Sans"/>
-              </a:rPr>
-              <a:t>listaDeTexto.Remove(ListItem);</a:t>
-            </a:r>
-            <a:endParaRPr/>
-          </a:p>
-          <a:p>
-            <a:pPr algn="ctr">
-              <a:lnSpc>
-                <a:spcPct val="100000"/>
-              </a:lnSpc>
-            </a:pPr>
-            <a:r>
-              <a:rPr lang="pt-BR" sz="1800" spc="-1" strike="noStrike">
+                    <a:srgbClr val="FFFFFF"/>
+                  </a:solidFill>
+                </a:uFill>
+                <a:latin typeface="Arial"/>
+                <a:ea typeface="DejaVu Sans"/>
+              </a:rPr>
+              <a:t>;</a:t>
+            </a:r>
+            <a:endParaRPr dirty="0"/>
+          </a:p>
+          <a:p>
+            <a:pPr algn="ctr">
+              <a:lnSpc>
+                <a:spcPct val="100000"/>
+              </a:lnSpc>
+            </a:pPr>
+            <a:r>
+              <a:rPr lang="pt-BR" sz="1800" strike="noStrike" spc="-1" dirty="0" err="1">
                 <a:solidFill>
                   <a:srgbClr val="000000"/>
                 </a:solidFill>
                 <a:uFill>
                   <a:solidFill>
-                    <a:srgbClr val="ffffff"/>
-                  </a:solidFill>
-                </a:uFill>
-                <a:latin typeface="Arial"/>
-                <a:ea typeface="DejaVu Sans"/>
-              </a:rPr>
-              <a:t>listaDeTexto.Clear();</a:t>
-            </a:r>
-            <a:endParaRPr/>
-          </a:p>
-          <a:p>
-            <a:pPr algn="ctr">
-              <a:lnSpc>
-                <a:spcPct val="100000"/>
-              </a:lnSpc>
-            </a:pPr>
-            <a:r>
-              <a:rPr lang="pt-BR" sz="1800" spc="-1" strike="noStrike">
+                    <a:srgbClr val="FFFFFF"/>
+                  </a:solidFill>
+                </a:uFill>
+                <a:latin typeface="Arial"/>
+                <a:ea typeface="DejaVu Sans"/>
+              </a:rPr>
+              <a:t>listaDeTexto.Remove</a:t>
+            </a:r>
+            <a:r>
+              <a:rPr lang="pt-BR" sz="1800" strike="noStrike" spc="-1" dirty="0">
                 <a:solidFill>
                   <a:srgbClr val="000000"/>
                 </a:solidFill>
                 <a:uFill>
                   <a:solidFill>
-                    <a:srgbClr val="ffffff"/>
-                  </a:solidFill>
-                </a:uFill>
-                <a:latin typeface="Arial"/>
-                <a:ea typeface="DejaVu Sans"/>
-              </a:rPr>
-              <a:t>listaDeTexto</a:t>
-            </a:r>
-            <a:r>
-              <a:rPr lang="pt-BR" sz="1800" spc="-1" strike="noStrike">
-                <a:solidFill>
-                  <a:srgbClr val="77933c"/>
-                </a:solidFill>
-                <a:uFill>
-                  <a:solidFill>
-                    <a:srgbClr val="ffffff"/>
-                  </a:solidFill>
-                </a:uFill>
-                <a:latin typeface="Arial"/>
-                <a:ea typeface="DejaVu Sans"/>
-              </a:rPr>
-              <a:t> = (List&lt;String&gt;)banco.</a:t>
-            </a:r>
-            <a:r>
-              <a:rPr lang="pt-BR" sz="1800" spc="-1" strike="noStrike">
+                    <a:srgbClr val="FFFFFF"/>
+                  </a:solidFill>
+                </a:uFill>
+                <a:latin typeface="Arial"/>
+                <a:ea typeface="DejaVu Sans"/>
+              </a:rPr>
+              <a:t>(</a:t>
+            </a:r>
+            <a:r>
+              <a:rPr lang="pt-BR" sz="1800" strike="noStrike" spc="-1" dirty="0" err="1">
                 <a:solidFill>
                   <a:srgbClr val="000000"/>
                 </a:solidFill>
                 <a:uFill>
                   <a:solidFill>
-                    <a:srgbClr val="ffffff"/>
-                  </a:solidFill>
-                </a:uFill>
-                <a:latin typeface="Arial"/>
-                <a:ea typeface="DejaVu Sans"/>
-              </a:rPr>
-              <a:t>CarregarRecurso</a:t>
-            </a:r>
-            <a:r>
-              <a:rPr lang="pt-BR" sz="1800" spc="-1" strike="noStrike">
-                <a:solidFill>
-                  <a:srgbClr val="77933c"/>
-                </a:solidFill>
-                <a:uFill>
-                  <a:solidFill>
-                    <a:srgbClr val="ffffff"/>
-                  </a:solidFill>
-                </a:uFill>
-                <a:latin typeface="Arial"/>
-                <a:ea typeface="DejaVu Sans"/>
-              </a:rPr>
-              <a:t>(String);</a:t>
-            </a:r>
-            <a:endParaRPr/>
-          </a:p>
-          <a:p>
-            <a:pPr algn="ctr">
-              <a:lnSpc>
-                <a:spcPct val="100000"/>
-              </a:lnSpc>
-            </a:pPr>
-            <a:endParaRPr/>
-          </a:p>
-          <a:p>
-            <a:pPr algn="ctr">
-              <a:lnSpc>
-                <a:spcPct val="100000"/>
-              </a:lnSpc>
-            </a:pPr>
-            <a:endParaRPr/>
-          </a:p>
-          <a:p>
-            <a:pPr algn="ctr">
-              <a:lnSpc>
-                <a:spcPct val="100000"/>
-              </a:lnSpc>
-            </a:pPr>
-            <a:endParaRPr/>
-          </a:p>
-          <a:p>
-            <a:pPr algn="ctr">
-              <a:lnSpc>
-                <a:spcPct val="100000"/>
-              </a:lnSpc>
-            </a:pPr>
-            <a:endParaRPr/>
-          </a:p>
-          <a:p>
-            <a:pPr algn="ctr">
-              <a:lnSpc>
-                <a:spcPct val="100000"/>
-              </a:lnSpc>
-            </a:pPr>
-            <a:endParaRPr/>
-          </a:p>
-          <a:p>
-            <a:pPr algn="ctr">
-              <a:lnSpc>
-                <a:spcPct val="100000"/>
-              </a:lnSpc>
-            </a:pPr>
-            <a:endParaRPr/>
+                    <a:srgbClr val="FFFFFF"/>
+                  </a:solidFill>
+                </a:uFill>
+                <a:latin typeface="Arial"/>
+                <a:ea typeface="DejaVu Sans"/>
+              </a:rPr>
+              <a:t>ListItem</a:t>
+            </a:r>
+            <a:r>
+              <a:rPr lang="pt-BR" sz="1800" strike="noStrike" spc="-1" dirty="0">
+                <a:solidFill>
+                  <a:srgbClr val="000000"/>
+                </a:solidFill>
+                <a:uFill>
+                  <a:solidFill>
+                    <a:srgbClr val="FFFFFF"/>
+                  </a:solidFill>
+                </a:uFill>
+                <a:latin typeface="Arial"/>
+                <a:ea typeface="DejaVu Sans"/>
+              </a:rPr>
+              <a:t>);</a:t>
+            </a:r>
+            <a:endParaRPr dirty="0"/>
+          </a:p>
+          <a:p>
+            <a:pPr algn="ctr">
+              <a:lnSpc>
+                <a:spcPct val="100000"/>
+              </a:lnSpc>
+            </a:pPr>
+            <a:r>
+              <a:rPr lang="pt-BR" sz="1800" strike="noStrike" spc="-1" dirty="0" err="1">
+                <a:solidFill>
+                  <a:srgbClr val="000000"/>
+                </a:solidFill>
+                <a:uFill>
+                  <a:solidFill>
+                    <a:srgbClr val="FFFFFF"/>
+                  </a:solidFill>
+                </a:uFill>
+                <a:latin typeface="Arial"/>
+                <a:ea typeface="DejaVu Sans"/>
+              </a:rPr>
+              <a:t>listaDeTexto.Clear</a:t>
+            </a:r>
+            <a:r>
+              <a:rPr lang="pt-BR" sz="1800" strike="noStrike" spc="-1" dirty="0">
+                <a:solidFill>
+                  <a:srgbClr val="000000"/>
+                </a:solidFill>
+                <a:uFill>
+                  <a:solidFill>
+                    <a:srgbClr val="FFFFFF"/>
+                  </a:solidFill>
+                </a:uFill>
+                <a:latin typeface="Arial"/>
+                <a:ea typeface="DejaVu Sans"/>
+              </a:rPr>
+              <a:t>();</a:t>
+            </a:r>
+            <a:endParaRPr dirty="0"/>
+          </a:p>
+          <a:p>
+            <a:pPr algn="ctr">
+              <a:lnSpc>
+                <a:spcPct val="100000"/>
+              </a:lnSpc>
+            </a:pPr>
+            <a:endParaRPr dirty="0"/>
+          </a:p>
+          <a:p>
+            <a:pPr algn="ctr">
+              <a:lnSpc>
+                <a:spcPct val="100000"/>
+              </a:lnSpc>
+            </a:pPr>
+            <a:endParaRPr dirty="0"/>
+          </a:p>
+          <a:p>
+            <a:pPr algn="ctr">
+              <a:lnSpc>
+                <a:spcPct val="100000"/>
+              </a:lnSpc>
+            </a:pPr>
+            <a:endParaRPr dirty="0"/>
+          </a:p>
+          <a:p>
+            <a:pPr algn="ctr">
+              <a:lnSpc>
+                <a:spcPct val="100000"/>
+              </a:lnSpc>
+            </a:pPr>
+            <a:endParaRPr dirty="0"/>
+          </a:p>
+          <a:p>
+            <a:pPr algn="ctr">
+              <a:lnSpc>
+                <a:spcPct val="100000"/>
+              </a:lnSpc>
+            </a:pPr>
+            <a:endParaRPr dirty="0"/>
+          </a:p>
+          <a:p>
+            <a:pPr algn="ctr">
+              <a:lnSpc>
+                <a:spcPct val="100000"/>
+              </a:lnSpc>
+            </a:pPr>
+            <a:endParaRPr dirty="0"/>
           </a:p>
           <a:p>
             <a:pPr>
@@ -4731,7 +5318,7 @@
                 <a:spcPct val="100000"/>
               </a:lnSpc>
             </a:pPr>
-            <a:endParaRPr/>
+            <a:endParaRPr dirty="0"/>
           </a:p>
           <a:p>
             <a:pPr>
@@ -4739,7 +5326,7 @@
                 <a:spcPct val="100000"/>
               </a:lnSpc>
             </a:pPr>
-            <a:endParaRPr/>
+            <a:endParaRPr dirty="0"/>
           </a:p>
           <a:p>
             <a:pPr>
@@ -4747,28 +5334,31 @@
                 <a:spcPct val="100000"/>
               </a:lnSpc>
             </a:pPr>
-            <a:endParaRPr/>
+            <a:endParaRPr dirty="0"/>
           </a:p>
         </p:txBody>
       </p:sp>
     </p:spTree>
   </p:cSld>
+  <p:clrMapOvr>
+    <a:masterClrMapping/>
+  </p:clrMapOvr>
   <p:timing>
     <p:tnLst>
       <p:par>
-        <p:cTn id="27" dur="indefinite" restart="never" nodeType="tmRoot">
+        <p:cTn id="1" dur="indefinite" restart="never" nodeType="tmRoot">
           <p:childTnLst>
             <p:seq>
-              <p:cTn id="28" nodeType="mainSeq"/>
+              <p:cTn id="2" nodeType="mainSeq"/>
               <p:prevCondLst>
-                <p:cond delay="0" evt="onPrev">
+                <p:cond evt="onPrev" delay="0">
                   <p:tgtEl>
                     <p:sldTgt/>
                   </p:tgtEl>
                 </p:cond>
               </p:prevCondLst>
               <p:nextCondLst>
-                <p:cond delay="0" evt="onNext">
+                <p:cond evt="onNext" delay="0">
                   <p:tgtEl>
                     <p:sldTgt/>
                   </p:tgtEl>
@@ -4784,7 +5374,7 @@
 </file>
 
 <file path=ppt/slides/slide15.xml><?xml version="1.0" encoding="utf-8"?>
-<p:sld xmlns:a="http://schemas.openxmlformats.org/drawingml/2006/main" xmlns:p="http://schemas.openxmlformats.org/presentationml/2006/main" xmlns:r="http://schemas.openxmlformats.org/officeDocument/2006/relationships">
+<p:sld xmlns:a="http://schemas.openxmlformats.org/drawingml/2006/main" xmlns:r="http://schemas.openxmlformats.org/officeDocument/2006/relationships" xmlns:p="http://schemas.openxmlformats.org/presentationml/2006/main">
   <p:cSld>
     <p:spTree>
       <p:nvGrpSpPr>
@@ -4802,12 +5392,12 @@
       </p:grpSpPr>
       <p:pic>
         <p:nvPicPr>
-          <p:cNvPr id="91" name="" descr=""/>
+          <p:cNvPr id="91" name="Imagem 90"/>
           <p:cNvPicPr/>
           <p:nvPr/>
         </p:nvPicPr>
         <p:blipFill>
-          <a:blip r:embed="rId1"/>
+          <a:blip r:embed="rId2"/>
           <a:stretch/>
         </p:blipFill>
         <p:spPr>
@@ -4825,22 +5415,25 @@
       </p:pic>
     </p:spTree>
   </p:cSld>
+  <p:clrMapOvr>
+    <a:masterClrMapping/>
+  </p:clrMapOvr>
   <p:timing>
     <p:tnLst>
       <p:par>
-        <p:cTn id="29" dur="indefinite" restart="never" nodeType="tmRoot">
+        <p:cTn id="1" dur="indefinite" restart="never" nodeType="tmRoot">
           <p:childTnLst>
             <p:seq>
-              <p:cTn id="30" nodeType="mainSeq"/>
+              <p:cTn id="2" nodeType="mainSeq"/>
               <p:prevCondLst>
-                <p:cond delay="0" evt="onPrev">
+                <p:cond evt="onPrev" delay="0">
                   <p:tgtEl>
                     <p:sldTgt/>
                   </p:tgtEl>
                 </p:cond>
               </p:prevCondLst>
               <p:nextCondLst>
-                <p:cond delay="0" evt="onNext">
+                <p:cond evt="onNext" delay="0">
                   <p:tgtEl>
                     <p:sldTgt/>
                   </p:tgtEl>
@@ -4856,7 +5449,7 @@
 </file>
 
 <file path=ppt/slides/slide16.xml><?xml version="1.0" encoding="utf-8"?>
-<p:sld xmlns:a="http://schemas.openxmlformats.org/drawingml/2006/main" xmlns:p="http://schemas.openxmlformats.org/presentationml/2006/main" xmlns:r="http://schemas.openxmlformats.org/officeDocument/2006/relationships">
+<p:sld xmlns:a="http://schemas.openxmlformats.org/drawingml/2006/main" xmlns:r="http://schemas.openxmlformats.org/officeDocument/2006/relationships" xmlns:p="http://schemas.openxmlformats.org/presentationml/2006/main">
   <p:cSld>
     <p:spTree>
       <p:nvGrpSpPr>
@@ -4892,7 +5485,8 @@
           </a:ln>
         </p:spPr>
         <p:txBody>
-          <a:bodyPr lIns="90000" rIns="90000" tIns="45000" bIns="45000"/>
+          <a:bodyPr lIns="90000" tIns="45000" rIns="90000" bIns="45000"/>
+          <a:lstStyle/>
           <a:p>
             <a:r>
               <a:rPr lang="pt-BR" sz="2600" spc="-1">
@@ -4906,30 +5500,7 @@
       </p:sp>
       <p:pic>
         <p:nvPicPr>
-          <p:cNvPr id="93" name="" descr=""/>
-          <p:cNvPicPr/>
-          <p:nvPr/>
-        </p:nvPicPr>
-        <p:blipFill>
-          <a:blip r:embed="rId1"/>
-          <a:stretch/>
-        </p:blipFill>
-        <p:spPr>
-          <a:xfrm>
-            <a:off x="720000" y="963000"/>
-            <a:ext cx="7675560" cy="5085000"/>
-          </a:xfrm>
-          <a:prstGeom prst="rect">
-            <a:avLst/>
-          </a:prstGeom>
-          <a:ln>
-            <a:noFill/>
-          </a:ln>
-        </p:spPr>
-      </p:pic>
-      <p:pic>
-        <p:nvPicPr>
-          <p:cNvPr id="94" name="" descr=""/>
+          <p:cNvPr id="93" name="Imagem 92"/>
           <p:cNvPicPr/>
           <p:nvPr/>
         </p:nvPicPr>
@@ -4939,8 +5510,8 @@
         </p:blipFill>
         <p:spPr>
           <a:xfrm>
-            <a:off x="2664000" y="5904000"/>
-            <a:ext cx="4132800" cy="656640"/>
+            <a:off x="720000" y="963000"/>
+            <a:ext cx="7675560" cy="5085000"/>
           </a:xfrm>
           <a:prstGeom prst="rect">
             <a:avLst/>
@@ -4950,24 +5521,50 @@
           </a:ln>
         </p:spPr>
       </p:pic>
+      <p:pic>
+        <p:nvPicPr>
+          <p:cNvPr id="94" name="Imagem 93"/>
+          <p:cNvPicPr/>
+          <p:nvPr/>
+        </p:nvPicPr>
+        <p:blipFill>
+          <a:blip r:embed="rId3"/>
+          <a:stretch/>
+        </p:blipFill>
+        <p:spPr>
+          <a:xfrm>
+            <a:off x="2664000" y="5904000"/>
+            <a:ext cx="4132800" cy="656640"/>
+          </a:xfrm>
+          <a:prstGeom prst="rect">
+            <a:avLst/>
+          </a:prstGeom>
+          <a:ln>
+            <a:noFill/>
+          </a:ln>
+        </p:spPr>
+      </p:pic>
     </p:spTree>
   </p:cSld>
+  <p:clrMapOvr>
+    <a:masterClrMapping/>
+  </p:clrMapOvr>
   <p:timing>
     <p:tnLst>
       <p:par>
-        <p:cTn id="31" dur="indefinite" restart="never" nodeType="tmRoot">
+        <p:cTn id="1" dur="indefinite" restart="never" nodeType="tmRoot">
           <p:childTnLst>
             <p:seq>
-              <p:cTn id="32" nodeType="mainSeq"/>
+              <p:cTn id="2" nodeType="mainSeq"/>
               <p:prevCondLst>
-                <p:cond delay="0" evt="onPrev">
+                <p:cond evt="onPrev" delay="0">
                   <p:tgtEl>
                     <p:sldTgt/>
                   </p:tgtEl>
                 </p:cond>
               </p:prevCondLst>
               <p:nextCondLst>
-                <p:cond delay="0" evt="onNext">
+                <p:cond evt="onNext" delay="0">
                   <p:tgtEl>
                     <p:sldTgt/>
                   </p:tgtEl>
@@ -4983,7 +5580,7 @@
 </file>
 
 <file path=ppt/slides/slide2.xml><?xml version="1.0" encoding="utf-8"?>
-<p:sld xmlns:a="http://schemas.openxmlformats.org/drawingml/2006/main" xmlns:p="http://schemas.openxmlformats.org/presentationml/2006/main" xmlns:r="http://schemas.openxmlformats.org/officeDocument/2006/relationships">
+<p:sld xmlns:a="http://schemas.openxmlformats.org/drawingml/2006/main" xmlns:r="http://schemas.openxmlformats.org/officeDocument/2006/relationships" xmlns:p="http://schemas.openxmlformats.org/presentationml/2006/main">
   <p:cSld>
     <p:spTree>
       <p:nvGrpSpPr>
@@ -5001,12 +5598,12 @@
       </p:grpSpPr>
       <p:pic>
         <p:nvPicPr>
-          <p:cNvPr id="73" name="" descr=""/>
+          <p:cNvPr id="73" name="Imagem 72"/>
           <p:cNvPicPr/>
           <p:nvPr/>
         </p:nvPicPr>
         <p:blipFill>
-          <a:blip r:embed="rId1"/>
+          <a:blip r:embed="rId2"/>
           <a:stretch/>
         </p:blipFill>
         <p:spPr>
@@ -5024,22 +5621,25 @@
       </p:pic>
     </p:spTree>
   </p:cSld>
+  <p:clrMapOvr>
+    <a:masterClrMapping/>
+  </p:clrMapOvr>
   <p:timing>
     <p:tnLst>
       <p:par>
-        <p:cTn id="3" dur="indefinite" restart="never" nodeType="tmRoot">
+        <p:cTn id="1" dur="indefinite" restart="never" nodeType="tmRoot">
           <p:childTnLst>
             <p:seq>
-              <p:cTn id="4" nodeType="mainSeq"/>
+              <p:cTn id="2" nodeType="mainSeq"/>
               <p:prevCondLst>
-                <p:cond delay="0" evt="onPrev">
+                <p:cond evt="onPrev" delay="0">
                   <p:tgtEl>
                     <p:sldTgt/>
                   </p:tgtEl>
                 </p:cond>
               </p:prevCondLst>
               <p:nextCondLst>
-                <p:cond delay="0" evt="onNext">
+                <p:cond evt="onNext" delay="0">
                   <p:tgtEl>
                     <p:sldTgt/>
                   </p:tgtEl>
@@ -5055,7 +5655,7 @@
 </file>
 
 <file path=ppt/slides/slide3.xml><?xml version="1.0" encoding="utf-8"?>
-<p:sld xmlns:a="http://schemas.openxmlformats.org/drawingml/2006/main" xmlns:p="http://schemas.openxmlformats.org/presentationml/2006/main" xmlns:r="http://schemas.openxmlformats.org/officeDocument/2006/relationships">
+<p:sld xmlns:a="http://schemas.openxmlformats.org/drawingml/2006/main" xmlns:r="http://schemas.openxmlformats.org/officeDocument/2006/relationships" xmlns:p="http://schemas.openxmlformats.org/presentationml/2006/main">
   <p:cSld>
     <p:spTree>
       <p:nvGrpSpPr>
@@ -5073,12 +5673,12 @@
       </p:grpSpPr>
       <p:pic>
         <p:nvPicPr>
-          <p:cNvPr id="74" name="" descr=""/>
+          <p:cNvPr id="74" name="Imagem 73"/>
           <p:cNvPicPr/>
           <p:nvPr/>
         </p:nvPicPr>
         <p:blipFill>
-          <a:blip r:embed="rId1"/>
+          <a:blip r:embed="rId2"/>
           <a:stretch/>
         </p:blipFill>
         <p:spPr>
@@ -5096,22 +5696,25 @@
       </p:pic>
     </p:spTree>
   </p:cSld>
+  <p:clrMapOvr>
+    <a:masterClrMapping/>
+  </p:clrMapOvr>
   <p:timing>
     <p:tnLst>
       <p:par>
-        <p:cTn id="5" dur="indefinite" restart="never" nodeType="tmRoot">
+        <p:cTn id="1" dur="indefinite" restart="never" nodeType="tmRoot">
           <p:childTnLst>
             <p:seq>
-              <p:cTn id="6" nodeType="mainSeq"/>
+              <p:cTn id="2" nodeType="mainSeq"/>
               <p:prevCondLst>
-                <p:cond delay="0" evt="onPrev">
+                <p:cond evt="onPrev" delay="0">
                   <p:tgtEl>
                     <p:sldTgt/>
                   </p:tgtEl>
                 </p:cond>
               </p:prevCondLst>
               <p:nextCondLst>
-                <p:cond delay="0" evt="onNext">
+                <p:cond evt="onNext" delay="0">
                   <p:tgtEl>
                     <p:sldTgt/>
                   </p:tgtEl>
@@ -5127,7 +5730,7 @@
 </file>
 
 <file path=ppt/slides/slide4.xml><?xml version="1.0" encoding="utf-8"?>
-<p:sld xmlns:a="http://schemas.openxmlformats.org/drawingml/2006/main" xmlns:p="http://schemas.openxmlformats.org/presentationml/2006/main" xmlns:r="http://schemas.openxmlformats.org/officeDocument/2006/relationships">
+<p:sld xmlns:a="http://schemas.openxmlformats.org/drawingml/2006/main" xmlns:r="http://schemas.openxmlformats.org/officeDocument/2006/relationships" xmlns:p="http://schemas.openxmlformats.org/presentationml/2006/main">
   <p:cSld>
     <p:spTree>
       <p:nvGrpSpPr>
@@ -5163,43 +5766,50 @@
           </a:ln>
         </p:spPr>
         <p:style>
-          <a:lnRef idx="0"/>
-          <a:fillRef idx="0"/>
-          <a:effectRef idx="0"/>
+          <a:lnRef idx="0">
+            <a:scrgbClr r="0" g="0" b="0"/>
+          </a:lnRef>
+          <a:fillRef idx="0">
+            <a:scrgbClr r="0" g="0" b="0"/>
+          </a:fillRef>
+          <a:effectRef idx="0">
+            <a:scrgbClr r="0" g="0" b="0"/>
+          </a:effectRef>
           <a:fontRef idx="minor"/>
         </p:style>
         <p:txBody>
-          <a:bodyPr lIns="90000" rIns="90000" tIns="45000" bIns="45000"/>
-          <a:p>
-            <a:pPr algn="ctr">
-              <a:lnSpc>
-                <a:spcPct val="100000"/>
-              </a:lnSpc>
-            </a:pPr>
-            <a:endParaRPr/>
-          </a:p>
-          <a:p>
-            <a:pPr algn="ctr">
-              <a:lnSpc>
-                <a:spcPct val="100000"/>
-              </a:lnSpc>
-            </a:pPr>
-            <a:endParaRPr/>
-          </a:p>
-          <a:p>
-            <a:pPr algn="ctr">
-              <a:lnSpc>
-                <a:spcPct val="100000"/>
-              </a:lnSpc>
-            </a:pPr>
-            <a:r>
-              <a:rPr lang="pt-BR" sz="2000" spc="-1" strike="noStrike" u="sng">
-                <a:solidFill>
-                  <a:srgbClr val="77933c"/>
-                </a:solidFill>
-                <a:uFill>
-                  <a:solidFill>
-                    <a:srgbClr val="ffffff"/>
+          <a:bodyPr lIns="90000" tIns="45000" rIns="90000" bIns="45000"/>
+          <a:lstStyle/>
+          <a:p>
+            <a:pPr algn="ctr">
+              <a:lnSpc>
+                <a:spcPct val="100000"/>
+              </a:lnSpc>
+            </a:pPr>
+            <a:endParaRPr/>
+          </a:p>
+          <a:p>
+            <a:pPr algn="ctr">
+              <a:lnSpc>
+                <a:spcPct val="100000"/>
+              </a:lnSpc>
+            </a:pPr>
+            <a:endParaRPr/>
+          </a:p>
+          <a:p>
+            <a:pPr algn="ctr">
+              <a:lnSpc>
+                <a:spcPct val="100000"/>
+              </a:lnSpc>
+            </a:pPr>
+            <a:r>
+              <a:rPr lang="pt-BR" sz="2000" u="sng" strike="noStrike" spc="-1">
+                <a:solidFill>
+                  <a:srgbClr val="77933C"/>
+                </a:solidFill>
+                <a:uFill>
+                  <a:solidFill>
+                    <a:srgbClr val="FFFFFF"/>
                   </a:solidFill>
                 </a:uFill>
                 <a:latin typeface="Arial"/>
@@ -5224,13 +5834,13 @@
               </a:lnSpc>
             </a:pPr>
             <a:r>
-              <a:rPr lang="pt-BR" sz="1800" spc="-1" strike="noStrike">
+              <a:rPr lang="pt-BR" sz="1800" strike="noStrike" spc="-1">
                 <a:solidFill>
                   <a:srgbClr val="000000"/>
                 </a:solidFill>
                 <a:uFill>
                   <a:solidFill>
-                    <a:srgbClr val="ffffff"/>
+                    <a:srgbClr val="FFFFFF"/>
                   </a:solidFill>
                 </a:uFill>
                 <a:latin typeface="Arial"/>
@@ -5255,13 +5865,13 @@
               </a:lnSpc>
             </a:pPr>
             <a:r>
-              <a:rPr lang="pt-BR" sz="2000" spc="-1" strike="noStrike" u="sng">
-                <a:solidFill>
-                  <a:srgbClr val="31859c"/>
-                </a:solidFill>
-                <a:uFill>
-                  <a:solidFill>
-                    <a:srgbClr val="ffffff"/>
+              <a:rPr lang="pt-BR" sz="2000" u="sng" strike="noStrike" spc="-1">
+                <a:solidFill>
+                  <a:srgbClr val="31859C"/>
+                </a:solidFill>
+                <a:uFill>
+                  <a:solidFill>
+                    <a:srgbClr val="FFFFFF"/>
                   </a:solidFill>
                 </a:uFill>
                 <a:latin typeface="Arial"/>
@@ -5270,13 +5880,13 @@
               <a:t>Uso</a:t>
             </a:r>
             <a:r>
-              <a:rPr lang="pt-BR" sz="2000" spc="-1" strike="noStrike">
-                <a:solidFill>
-                  <a:srgbClr val="31859c"/>
-                </a:solidFill>
-                <a:uFill>
-                  <a:solidFill>
-                    <a:srgbClr val="ffffff"/>
+              <a:rPr lang="pt-BR" sz="2000" strike="noStrike" spc="-1">
+                <a:solidFill>
+                  <a:srgbClr val="31859C"/>
+                </a:solidFill>
+                <a:uFill>
+                  <a:solidFill>
+                    <a:srgbClr val="FFFFFF"/>
                   </a:solidFill>
                 </a:uFill>
                 <a:latin typeface="Arial"/>
@@ -5301,13 +5911,13 @@
               </a:lnSpc>
             </a:pPr>
             <a:r>
-              <a:rPr lang="pt-BR" sz="1800" spc="-1" strike="noStrike">
-                <a:solidFill>
-                  <a:srgbClr val="77933c"/>
-                </a:solidFill>
-                <a:uFill>
-                  <a:solidFill>
-                    <a:srgbClr val="ffffff"/>
+              <a:rPr lang="pt-BR" sz="1800" strike="noStrike" spc="-1">
+                <a:solidFill>
+                  <a:srgbClr val="77933C"/>
+                </a:solidFill>
+                <a:uFill>
+                  <a:solidFill>
+                    <a:srgbClr val="FFFFFF"/>
                   </a:solidFill>
                 </a:uFill>
                 <a:latin typeface="Arial"/>
@@ -5316,13 +5926,13 @@
               <a:t>Texture2D </a:t>
             </a:r>
             <a:r>
-              <a:rPr lang="pt-BR" sz="1800" spc="-1" strike="noStrike">
+              <a:rPr lang="pt-BR" sz="1800" strike="noStrike" spc="-1">
                 <a:solidFill>
                   <a:srgbClr val="000000"/>
                 </a:solidFill>
                 <a:uFill>
                   <a:solidFill>
-                    <a:srgbClr val="ffffff"/>
+                    <a:srgbClr val="FFFFFF"/>
                   </a:solidFill>
                 </a:uFill>
                 <a:latin typeface="Arial"/>
@@ -5339,134 +5949,119 @@
               </a:lnSpc>
             </a:pPr>
             <a:r>
-              <a:rPr lang="pt-BR" sz="1800" spc="-1" strike="noStrike">
+              <a:rPr lang="pt-BR" sz="1800" strike="noStrike" spc="-1">
                 <a:solidFill>
                   <a:srgbClr val="000000"/>
                 </a:solidFill>
                 <a:uFill>
                   <a:solidFill>
-                    <a:srgbClr val="ffffff"/>
-                  </a:solidFill>
-                </a:uFill>
-                <a:latin typeface="Arial"/>
-                <a:ea typeface="DejaVu Sans"/>
-              </a:rPr>
-              <a:t>textura =  </a:t>
-            </a:r>
-            <a:r>
-              <a:rPr lang="pt-BR" sz="1800" spc="-1" strike="noStrike">
+                    <a:srgbClr val="FFFFFF"/>
+                  </a:solidFill>
+                </a:uFill>
+                <a:latin typeface="Arial"/>
+                <a:ea typeface="DejaVu Sans"/>
+              </a:rPr>
+              <a:t>textura =  Content.Load&lt;</a:t>
+            </a:r>
+            <a:r>
+              <a:rPr lang="pt-BR" sz="1800" strike="noStrike" spc="-1">
+                <a:solidFill>
+                  <a:srgbClr val="77933C"/>
+                </a:solidFill>
+                <a:uFill>
+                  <a:solidFill>
+                    <a:srgbClr val="FFFFFF"/>
+                  </a:solidFill>
+                </a:uFill>
+                <a:latin typeface="Arial"/>
+                <a:ea typeface="DejaVu Sans"/>
+              </a:rPr>
+              <a:t> Texture2D </a:t>
+            </a:r>
+            <a:r>
+              <a:rPr lang="pt-BR" sz="1800" strike="noStrike" spc="-1">
                 <a:solidFill>
                   <a:srgbClr val="000000"/>
                 </a:solidFill>
                 <a:uFill>
                   <a:solidFill>
-                    <a:srgbClr val="ffffff"/>
-                  </a:solidFill>
-                </a:uFill>
-                <a:latin typeface="Arial"/>
-                <a:ea typeface="DejaVu Sans"/>
-              </a:rPr>
-              <a:t>Content.Load&lt;</a:t>
-            </a:r>
-            <a:r>
-              <a:rPr lang="pt-BR" sz="1800" spc="-1" strike="noStrike">
-                <a:solidFill>
-                  <a:srgbClr val="77933c"/>
-                </a:solidFill>
-                <a:uFill>
-                  <a:solidFill>
-                    <a:srgbClr val="ffffff"/>
-                  </a:solidFill>
-                </a:uFill>
-                <a:latin typeface="Arial"/>
-                <a:ea typeface="DejaVu Sans"/>
-              </a:rPr>
-              <a:t> Texture2D </a:t>
-            </a:r>
-            <a:r>
-              <a:rPr lang="pt-BR" sz="1800" spc="-1" strike="noStrike">
+                    <a:srgbClr val="FFFFFF"/>
+                  </a:solidFill>
+                </a:uFill>
+                <a:latin typeface="Arial"/>
+                <a:ea typeface="DejaVu Sans"/>
+              </a:rPr>
+              <a:t>&gt;(</a:t>
+            </a:r>
+            <a:r>
+              <a:rPr lang="pt-BR" sz="1800" strike="noStrike" spc="-1">
+                <a:solidFill>
+                  <a:srgbClr val="C00000"/>
+                </a:solidFill>
+                <a:uFill>
+                  <a:solidFill>
+                    <a:srgbClr val="FFFFFF"/>
+                  </a:solidFill>
+                </a:uFill>
+                <a:latin typeface="Arial"/>
+                <a:ea typeface="DejaVu Sans"/>
+              </a:rPr>
+              <a:t>“nome da textura”</a:t>
+            </a:r>
+            <a:r>
+              <a:rPr lang="pt-BR" sz="1800" strike="noStrike" spc="-1">
                 <a:solidFill>
                   <a:srgbClr val="000000"/>
                 </a:solidFill>
                 <a:uFill>
                   <a:solidFill>
-                    <a:srgbClr val="ffffff"/>
-                  </a:solidFill>
-                </a:uFill>
-                <a:latin typeface="Arial"/>
-                <a:ea typeface="DejaVu Sans"/>
-              </a:rPr>
-              <a:t>&gt;(</a:t>
-            </a:r>
-            <a:r>
-              <a:rPr lang="pt-BR" sz="1800" spc="-1" strike="noStrike">
-                <a:solidFill>
-                  <a:srgbClr val="c00000"/>
-                </a:solidFill>
-                <a:uFill>
-                  <a:solidFill>
-                    <a:srgbClr val="ffffff"/>
-                  </a:solidFill>
-                </a:uFill>
-                <a:latin typeface="Arial"/>
-                <a:ea typeface="DejaVu Sans"/>
-              </a:rPr>
-              <a:t>“nome da textura”</a:t>
-            </a:r>
-            <a:r>
-              <a:rPr lang="pt-BR" sz="1800" spc="-1" strike="noStrike">
+                    <a:srgbClr val="FFFFFF"/>
+                  </a:solidFill>
+                </a:uFill>
+                <a:latin typeface="Arial"/>
+                <a:ea typeface="DejaVu Sans"/>
+              </a:rPr>
+              <a:t>);</a:t>
+            </a:r>
+            <a:endParaRPr/>
+          </a:p>
+          <a:p>
+            <a:pPr algn="ctr">
+              <a:lnSpc>
+                <a:spcPct val="100000"/>
+              </a:lnSpc>
+            </a:pPr>
+            <a:r>
+              <a:rPr lang="pt-BR" sz="1800" strike="noStrike" spc="-1">
                 <a:solidFill>
                   <a:srgbClr val="000000"/>
                 </a:solidFill>
                 <a:uFill>
                   <a:solidFill>
-                    <a:srgbClr val="ffffff"/>
-                  </a:solidFill>
-                </a:uFill>
-                <a:latin typeface="Arial"/>
-                <a:ea typeface="DejaVu Sans"/>
-              </a:rPr>
-              <a:t>);</a:t>
-            </a:r>
-            <a:endParaRPr/>
-          </a:p>
-          <a:p>
-            <a:pPr algn="ctr">
-              <a:lnSpc>
-                <a:spcPct val="100000"/>
-              </a:lnSpc>
-            </a:pPr>
-            <a:r>
-              <a:rPr lang="pt-BR" sz="1800" spc="-1" strike="noStrike">
+                    <a:srgbClr val="FFFFFF"/>
+                  </a:solidFill>
+                </a:uFill>
+                <a:latin typeface="Arial"/>
+                <a:ea typeface="DejaVu Sans"/>
+              </a:rPr>
+              <a:t>textura.Width;</a:t>
+            </a:r>
+            <a:endParaRPr/>
+          </a:p>
+          <a:p>
+            <a:pPr algn="ctr">
+              <a:lnSpc>
+                <a:spcPct val="100000"/>
+              </a:lnSpc>
+            </a:pPr>
+            <a:r>
+              <a:rPr lang="pt-BR" sz="1800" strike="noStrike" spc="-1">
                 <a:solidFill>
                   <a:srgbClr val="000000"/>
                 </a:solidFill>
                 <a:uFill>
                   <a:solidFill>
-                    <a:srgbClr val="ffffff"/>
-                  </a:solidFill>
-                </a:uFill>
-                <a:latin typeface="Arial"/>
-                <a:ea typeface="DejaVu Sans"/>
-              </a:rPr>
-              <a:t>textura.Width;</a:t>
-            </a:r>
-            <a:endParaRPr/>
-          </a:p>
-          <a:p>
-            <a:pPr algn="ctr">
-              <a:lnSpc>
-                <a:spcPct val="100000"/>
-              </a:lnSpc>
-            </a:pPr>
-            <a:r>
-              <a:rPr lang="pt-BR" sz="1800" spc="-1" strike="noStrike">
-                <a:solidFill>
-                  <a:srgbClr val="000000"/>
-                </a:solidFill>
-                <a:uFill>
-                  <a:solidFill>
-                    <a:srgbClr val="ffffff"/>
+                    <a:srgbClr val="FFFFFF"/>
                   </a:solidFill>
                 </a:uFill>
                 <a:latin typeface="Arial"/>
@@ -5538,30 +6133,39 @@
           </a:ln>
         </p:spPr>
         <p:style>
-          <a:lnRef idx="0"/>
-          <a:fillRef idx="0"/>
-          <a:effectRef idx="0"/>
+          <a:lnRef idx="0">
+            <a:scrgbClr r="0" g="0" b="0"/>
+          </a:lnRef>
+          <a:fillRef idx="0">
+            <a:scrgbClr r="0" g="0" b="0"/>
+          </a:fillRef>
+          <a:effectRef idx="0">
+            <a:scrgbClr r="0" g="0" b="0"/>
+          </a:effectRef>
           <a:fontRef idx="minor"/>
         </p:style>
       </p:sp>
     </p:spTree>
   </p:cSld>
+  <p:clrMapOvr>
+    <a:masterClrMapping/>
+  </p:clrMapOvr>
   <p:timing>
     <p:tnLst>
       <p:par>
-        <p:cTn id="7" dur="indefinite" restart="never" nodeType="tmRoot">
+        <p:cTn id="1" dur="indefinite" restart="never" nodeType="tmRoot">
           <p:childTnLst>
             <p:seq>
-              <p:cTn id="8" nodeType="mainSeq"/>
+              <p:cTn id="2" nodeType="mainSeq"/>
               <p:prevCondLst>
-                <p:cond delay="0" evt="onPrev">
+                <p:cond evt="onPrev" delay="0">
                   <p:tgtEl>
                     <p:sldTgt/>
                   </p:tgtEl>
                 </p:cond>
               </p:prevCondLst>
               <p:nextCondLst>
-                <p:cond delay="0" evt="onNext">
+                <p:cond evt="onNext" delay="0">
                   <p:tgtEl>
                     <p:sldTgt/>
                   </p:tgtEl>
@@ -5577,7 +6181,7 @@
 </file>
 
 <file path=ppt/slides/slide5.xml><?xml version="1.0" encoding="utf-8"?>
-<p:sld xmlns:a="http://schemas.openxmlformats.org/drawingml/2006/main" xmlns:p="http://schemas.openxmlformats.org/presentationml/2006/main" xmlns:r="http://schemas.openxmlformats.org/officeDocument/2006/relationships">
+<p:sld xmlns:a="http://schemas.openxmlformats.org/drawingml/2006/main" xmlns:r="http://schemas.openxmlformats.org/officeDocument/2006/relationships" xmlns:p="http://schemas.openxmlformats.org/presentationml/2006/main">
   <p:cSld>
     <p:spTree>
       <p:nvGrpSpPr>
@@ -5595,30 +6199,7 @@
       </p:grpSpPr>
       <p:pic>
         <p:nvPicPr>
-          <p:cNvPr id="77" name="" descr=""/>
-          <p:cNvPicPr/>
-          <p:nvPr/>
-        </p:nvPicPr>
-        <p:blipFill>
-          <a:blip r:embed="rId1"/>
-          <a:stretch/>
-        </p:blipFill>
-        <p:spPr>
-          <a:xfrm>
-            <a:off x="5472000" y="5603760"/>
-            <a:ext cx="1020240" cy="948240"/>
-          </a:xfrm>
-          <a:prstGeom prst="rect">
-            <a:avLst/>
-          </a:prstGeom>
-          <a:ln>
-            <a:noFill/>
-          </a:ln>
-        </p:spPr>
-      </p:pic>
-      <p:pic>
-        <p:nvPicPr>
-          <p:cNvPr id="78" name="" descr=""/>
+          <p:cNvPr id="77" name="Imagem 76"/>
           <p:cNvPicPr/>
           <p:nvPr/>
         </p:nvPicPr>
@@ -5628,8 +6209,8 @@
         </p:blipFill>
         <p:spPr>
           <a:xfrm>
-            <a:off x="3181680" y="5760000"/>
-            <a:ext cx="634320" cy="634320"/>
+            <a:off x="5472000" y="5603760"/>
+            <a:ext cx="1020240" cy="948240"/>
           </a:xfrm>
           <a:prstGeom prst="rect">
             <a:avLst/>
@@ -5641,7 +6222,7 @@
       </p:pic>
       <p:pic>
         <p:nvPicPr>
-          <p:cNvPr id="79" name="" descr=""/>
+          <p:cNvPr id="78" name="Imagem 77"/>
           <p:cNvPicPr/>
           <p:nvPr/>
         </p:nvPicPr>
@@ -5651,7 +6232,7 @@
         </p:blipFill>
         <p:spPr>
           <a:xfrm>
-            <a:off x="805680" y="5773680"/>
+            <a:off x="3181680" y="5760000"/>
             <a:ext cx="634320" cy="634320"/>
           </a:xfrm>
           <a:prstGeom prst="rect">
@@ -5664,7 +6245,7 @@
       </p:pic>
       <p:pic>
         <p:nvPicPr>
-          <p:cNvPr id="80" name="" descr=""/>
+          <p:cNvPr id="79" name="Imagem 78"/>
           <p:cNvPicPr/>
           <p:nvPr/>
         </p:nvPicPr>
@@ -5674,7 +6255,7 @@
         </p:blipFill>
         <p:spPr>
           <a:xfrm>
-            <a:off x="7645680" y="5760000"/>
+            <a:off x="805680" y="5773680"/>
             <a:ext cx="634320" cy="634320"/>
           </a:xfrm>
           <a:prstGeom prst="rect">
@@ -5687,7 +6268,7 @@
       </p:pic>
       <p:pic>
         <p:nvPicPr>
-          <p:cNvPr id="81" name="" descr=""/>
+          <p:cNvPr id="80" name="Imagem 79"/>
           <p:cNvPicPr/>
           <p:nvPr/>
         </p:nvPicPr>
@@ -5697,8 +6278,8 @@
         </p:blipFill>
         <p:spPr>
           <a:xfrm>
-            <a:off x="2376000" y="1008000"/>
-            <a:ext cx="4536000" cy="4536000"/>
+            <a:off x="7645680" y="5760000"/>
+            <a:ext cx="634320" cy="634320"/>
           </a:xfrm>
           <a:prstGeom prst="rect">
             <a:avLst/>
@@ -5708,24 +6289,50 @@
           </a:ln>
         </p:spPr>
       </p:pic>
+      <p:pic>
+        <p:nvPicPr>
+          <p:cNvPr id="81" name="Imagem 80"/>
+          <p:cNvPicPr/>
+          <p:nvPr/>
+        </p:nvPicPr>
+        <p:blipFill>
+          <a:blip r:embed="rId6"/>
+          <a:stretch/>
+        </p:blipFill>
+        <p:spPr>
+          <a:xfrm>
+            <a:off x="2376000" y="1008000"/>
+            <a:ext cx="4536000" cy="4536000"/>
+          </a:xfrm>
+          <a:prstGeom prst="rect">
+            <a:avLst/>
+          </a:prstGeom>
+          <a:ln>
+            <a:noFill/>
+          </a:ln>
+        </p:spPr>
+      </p:pic>
     </p:spTree>
   </p:cSld>
+  <p:clrMapOvr>
+    <a:masterClrMapping/>
+  </p:clrMapOvr>
   <p:timing>
     <p:tnLst>
       <p:par>
-        <p:cTn id="9" dur="indefinite" restart="never" nodeType="tmRoot">
+        <p:cTn id="1" dur="indefinite" restart="never" nodeType="tmRoot">
           <p:childTnLst>
             <p:seq>
-              <p:cTn id="10" nodeType="mainSeq"/>
+              <p:cTn id="2" nodeType="mainSeq"/>
               <p:prevCondLst>
-                <p:cond delay="0" evt="onPrev">
+                <p:cond evt="onPrev" delay="0">
                   <p:tgtEl>
                     <p:sldTgt/>
                   </p:tgtEl>
                 </p:cond>
               </p:prevCondLst>
               <p:nextCondLst>
-                <p:cond delay="0" evt="onNext">
+                <p:cond evt="onNext" delay="0">
                   <p:tgtEl>
                     <p:sldTgt/>
                   </p:tgtEl>
@@ -5741,7 +6348,7 @@
 </file>
 
 <file path=ppt/slides/slide6.xml><?xml version="1.0" encoding="utf-8"?>
-<p:sld xmlns:a="http://schemas.openxmlformats.org/drawingml/2006/main" xmlns:p="http://schemas.openxmlformats.org/presentationml/2006/main" xmlns:r="http://schemas.openxmlformats.org/officeDocument/2006/relationships">
+<p:sld xmlns:a="http://schemas.openxmlformats.org/drawingml/2006/main" xmlns:r="http://schemas.openxmlformats.org/officeDocument/2006/relationships" xmlns:p="http://schemas.openxmlformats.org/presentationml/2006/main">
   <p:cSld>
     <p:spTree>
       <p:nvGrpSpPr>
@@ -5777,43 +6384,50 @@
           </a:ln>
         </p:spPr>
         <p:style>
-          <a:lnRef idx="0"/>
-          <a:fillRef idx="0"/>
-          <a:effectRef idx="0"/>
+          <a:lnRef idx="0">
+            <a:scrgbClr r="0" g="0" b="0"/>
+          </a:lnRef>
+          <a:fillRef idx="0">
+            <a:scrgbClr r="0" g="0" b="0"/>
+          </a:fillRef>
+          <a:effectRef idx="0">
+            <a:scrgbClr r="0" g="0" b="0"/>
+          </a:effectRef>
           <a:fontRef idx="minor"/>
         </p:style>
         <p:txBody>
-          <a:bodyPr lIns="90000" rIns="90000" tIns="45000" bIns="45000"/>
-          <a:p>
-            <a:pPr algn="ctr">
-              <a:lnSpc>
-                <a:spcPct val="100000"/>
-              </a:lnSpc>
-            </a:pPr>
-            <a:endParaRPr/>
-          </a:p>
-          <a:p>
-            <a:pPr algn="ctr">
-              <a:lnSpc>
-                <a:spcPct val="100000"/>
-              </a:lnSpc>
-            </a:pPr>
-            <a:endParaRPr/>
-          </a:p>
-          <a:p>
-            <a:pPr algn="ctr">
-              <a:lnSpc>
-                <a:spcPct val="100000"/>
-              </a:lnSpc>
-            </a:pPr>
-            <a:r>
-              <a:rPr lang="pt-BR" sz="2000" spc="-1" strike="noStrike" u="sng">
-                <a:solidFill>
-                  <a:srgbClr val="77933c"/>
-                </a:solidFill>
-                <a:uFill>
-                  <a:solidFill>
-                    <a:srgbClr val="ffffff"/>
+          <a:bodyPr lIns="90000" tIns="45000" rIns="90000" bIns="45000"/>
+          <a:lstStyle/>
+          <a:p>
+            <a:pPr algn="ctr">
+              <a:lnSpc>
+                <a:spcPct val="100000"/>
+              </a:lnSpc>
+            </a:pPr>
+            <a:endParaRPr/>
+          </a:p>
+          <a:p>
+            <a:pPr algn="ctr">
+              <a:lnSpc>
+                <a:spcPct val="100000"/>
+              </a:lnSpc>
+            </a:pPr>
+            <a:endParaRPr/>
+          </a:p>
+          <a:p>
+            <a:pPr algn="ctr">
+              <a:lnSpc>
+                <a:spcPct val="100000"/>
+              </a:lnSpc>
+            </a:pPr>
+            <a:r>
+              <a:rPr lang="pt-BR" sz="2000" u="sng" strike="noStrike" spc="-1">
+                <a:solidFill>
+                  <a:srgbClr val="77933C"/>
+                </a:solidFill>
+                <a:uFill>
+                  <a:solidFill>
+                    <a:srgbClr val="FFFFFF"/>
                   </a:solidFill>
                 </a:uFill>
                 <a:latin typeface="Arial"/>
@@ -5838,13 +6452,13 @@
               </a:lnSpc>
             </a:pPr>
             <a:r>
-              <a:rPr lang="pt-BR" sz="1800" spc="-1" strike="noStrike">
+              <a:rPr lang="pt-BR" sz="1800" strike="noStrike" spc="-1">
                 <a:solidFill>
                   <a:srgbClr val="000000"/>
                 </a:solidFill>
                 <a:uFill>
                   <a:solidFill>
-                    <a:srgbClr val="ffffff"/>
+                    <a:srgbClr val="FFFFFF"/>
                   </a:solidFill>
                 </a:uFill>
                 <a:latin typeface="Arial"/>
@@ -5869,13 +6483,13 @@
               </a:lnSpc>
             </a:pPr>
             <a:r>
-              <a:rPr lang="pt-BR" sz="2000" spc="-1" strike="noStrike" u="sng">
-                <a:solidFill>
-                  <a:srgbClr val="31859c"/>
-                </a:solidFill>
-                <a:uFill>
-                  <a:solidFill>
-                    <a:srgbClr val="ffffff"/>
+              <a:rPr lang="pt-BR" sz="2000" u="sng" strike="noStrike" spc="-1">
+                <a:solidFill>
+                  <a:srgbClr val="31859C"/>
+                </a:solidFill>
+                <a:uFill>
+                  <a:solidFill>
+                    <a:srgbClr val="FFFFFF"/>
                   </a:solidFill>
                 </a:uFill>
                 <a:latin typeface="Arial"/>
@@ -5884,13 +6498,13 @@
               <a:t>Uso</a:t>
             </a:r>
             <a:r>
-              <a:rPr lang="pt-BR" sz="2000" spc="-1" strike="noStrike">
-                <a:solidFill>
-                  <a:srgbClr val="31859c"/>
-                </a:solidFill>
-                <a:uFill>
-                  <a:solidFill>
-                    <a:srgbClr val="ffffff"/>
+              <a:rPr lang="pt-BR" sz="2000" strike="noStrike" spc="-1">
+                <a:solidFill>
+                  <a:srgbClr val="31859C"/>
+                </a:solidFill>
+                <a:uFill>
+                  <a:solidFill>
+                    <a:srgbClr val="FFFFFF"/>
                   </a:solidFill>
                 </a:uFill>
                 <a:latin typeface="Arial"/>
@@ -5915,13 +6529,13 @@
               </a:lnSpc>
             </a:pPr>
             <a:r>
-              <a:rPr lang="pt-BR" sz="1800" spc="-1" strike="noStrike">
-                <a:solidFill>
-                  <a:srgbClr val="77933c"/>
-                </a:solidFill>
-                <a:uFill>
-                  <a:solidFill>
-                    <a:srgbClr val="ffffff"/>
+              <a:rPr lang="pt-BR" sz="1800" strike="noStrike" spc="-1">
+                <a:solidFill>
+                  <a:srgbClr val="77933C"/>
+                </a:solidFill>
+                <a:uFill>
+                  <a:solidFill>
+                    <a:srgbClr val="FFFFFF"/>
                   </a:solidFill>
                 </a:uFill>
                 <a:latin typeface="Arial"/>
@@ -5930,13 +6544,13 @@
               <a:t>KeyboardState </a:t>
             </a:r>
             <a:r>
-              <a:rPr lang="pt-BR" sz="1800" spc="-1" strike="noStrike">
+              <a:rPr lang="pt-BR" sz="1800" strike="noStrike" spc="-1">
                 <a:solidFill>
                   <a:srgbClr val="000000"/>
                 </a:solidFill>
                 <a:uFill>
                   <a:solidFill>
-                    <a:srgbClr val="ffffff"/>
+                    <a:srgbClr val="FFFFFF"/>
                   </a:solidFill>
                 </a:uFill>
                 <a:latin typeface="Arial"/>
@@ -5953,13 +6567,13 @@
               </a:lnSpc>
             </a:pPr>
             <a:r>
-              <a:rPr lang="pt-BR" sz="1800" spc="-1" strike="noStrike">
+              <a:rPr lang="pt-BR" sz="1800" strike="noStrike" spc="-1">
                 <a:solidFill>
                   <a:srgbClr val="000000"/>
                 </a:solidFill>
                 <a:uFill>
                   <a:solidFill>
-                    <a:srgbClr val="ffffff"/>
+                    <a:srgbClr val="FFFFFF"/>
                   </a:solidFill>
                 </a:uFill>
                 <a:latin typeface="Arial"/>
@@ -5968,13 +6582,13 @@
               <a:t>teclado = </a:t>
             </a:r>
             <a:r>
-              <a:rPr lang="pt-BR" sz="1800" spc="-1" strike="noStrike">
-                <a:solidFill>
-                  <a:srgbClr val="77933c"/>
-                </a:solidFill>
-                <a:uFill>
-                  <a:solidFill>
-                    <a:srgbClr val="ffffff"/>
+              <a:rPr lang="pt-BR" sz="1800" strike="noStrike" spc="-1">
+                <a:solidFill>
+                  <a:srgbClr val="77933C"/>
+                </a:solidFill>
+                <a:uFill>
+                  <a:solidFill>
+                    <a:srgbClr val="FFFFFF"/>
                   </a:solidFill>
                 </a:uFill>
                 <a:latin typeface="Arial"/>
@@ -5983,13 +6597,13 @@
               <a:t>Keyboard.</a:t>
             </a:r>
             <a:r>
-              <a:rPr lang="pt-BR" sz="1800" spc="-1" strike="noStrike">
+              <a:rPr lang="pt-BR" sz="1800" strike="noStrike" spc="-1">
                 <a:solidFill>
                   <a:srgbClr val="000000"/>
                 </a:solidFill>
                 <a:uFill>
                   <a:solidFill>
-                    <a:srgbClr val="ffffff"/>
+                    <a:srgbClr val="FFFFFF"/>
                   </a:solidFill>
                 </a:uFill>
                 <a:latin typeface="Arial"/>
@@ -6006,13 +6620,13 @@
               </a:lnSpc>
             </a:pPr>
             <a:r>
-              <a:rPr lang="pt-BR" sz="1800" spc="-1" strike="noStrike">
+              <a:rPr lang="pt-BR" sz="1800" strike="noStrike" spc="-1">
                 <a:solidFill>
                   <a:srgbClr val="000000"/>
                 </a:solidFill>
                 <a:uFill>
                   <a:solidFill>
-                    <a:srgbClr val="ffffff"/>
+                    <a:srgbClr val="FFFFFF"/>
                   </a:solidFill>
                 </a:uFill>
                 <a:latin typeface="Arial"/>
@@ -6021,13 +6635,13 @@
               <a:t>teclado. IsKeyDown(</a:t>
             </a:r>
             <a:r>
-              <a:rPr lang="pt-BR" sz="1800" spc="-1" strike="noStrike">
-                <a:solidFill>
-                  <a:srgbClr val="77933c"/>
-                </a:solidFill>
-                <a:uFill>
-                  <a:solidFill>
-                    <a:srgbClr val="ffffff"/>
+              <a:rPr lang="pt-BR" sz="1800" strike="noStrike" spc="-1">
+                <a:solidFill>
+                  <a:srgbClr val="77933C"/>
+                </a:solidFill>
+                <a:uFill>
+                  <a:solidFill>
+                    <a:srgbClr val="FFFFFF"/>
                   </a:solidFill>
                 </a:uFill>
                 <a:latin typeface="Arial"/>
@@ -6036,13 +6650,13 @@
               <a:t>Keys</a:t>
             </a:r>
             <a:r>
-              <a:rPr lang="pt-BR" sz="1800" spc="-1" strike="noStrike">
+              <a:rPr lang="pt-BR" sz="1800" strike="noStrike" spc="-1">
                 <a:solidFill>
                   <a:srgbClr val="000000"/>
                 </a:solidFill>
                 <a:uFill>
                   <a:solidFill>
-                    <a:srgbClr val="ffffff"/>
+                    <a:srgbClr val="FFFFFF"/>
                   </a:solidFill>
                 </a:uFill>
                 <a:latin typeface="Arial"/>
@@ -6059,13 +6673,13 @@
               </a:lnSpc>
             </a:pPr>
             <a:r>
-              <a:rPr lang="pt-BR" sz="1800" spc="-1" strike="noStrike">
+              <a:rPr lang="pt-BR" sz="1800" strike="noStrike" spc="-1">
                 <a:solidFill>
                   <a:srgbClr val="000000"/>
                 </a:solidFill>
                 <a:uFill>
                   <a:solidFill>
-                    <a:srgbClr val="ffffff"/>
+                    <a:srgbClr val="FFFFFF"/>
                   </a:solidFill>
                 </a:uFill>
                 <a:latin typeface="Arial"/>
@@ -6074,13 +6688,13 @@
               <a:t>teclado. IsKeyUp(</a:t>
             </a:r>
             <a:r>
-              <a:rPr lang="pt-BR" sz="1800" spc="-1" strike="noStrike">
-                <a:solidFill>
-                  <a:srgbClr val="77933c"/>
-                </a:solidFill>
-                <a:uFill>
-                  <a:solidFill>
-                    <a:srgbClr val="ffffff"/>
+              <a:rPr lang="pt-BR" sz="1800" strike="noStrike" spc="-1">
+                <a:solidFill>
+                  <a:srgbClr val="77933C"/>
+                </a:solidFill>
+                <a:uFill>
+                  <a:solidFill>
+                    <a:srgbClr val="FFFFFF"/>
                   </a:solidFill>
                 </a:uFill>
                 <a:latin typeface="Arial"/>
@@ -6089,13 +6703,13 @@
               <a:t>Keys</a:t>
             </a:r>
             <a:r>
-              <a:rPr lang="pt-BR" sz="1800" spc="-1" strike="noStrike">
+              <a:rPr lang="pt-BR" sz="1800" strike="noStrike" spc="-1">
                 <a:solidFill>
                   <a:srgbClr val="000000"/>
                 </a:solidFill>
                 <a:uFill>
                   <a:solidFill>
-                    <a:srgbClr val="ffffff"/>
+                    <a:srgbClr val="FFFFFF"/>
                   </a:solidFill>
                 </a:uFill>
                 <a:latin typeface="Arial"/>
@@ -6149,22 +6763,25 @@
       </p:sp>
     </p:spTree>
   </p:cSld>
+  <p:clrMapOvr>
+    <a:masterClrMapping/>
+  </p:clrMapOvr>
   <p:timing>
     <p:tnLst>
       <p:par>
-        <p:cTn id="11" dur="indefinite" restart="never" nodeType="tmRoot">
+        <p:cTn id="1" dur="indefinite" restart="never" nodeType="tmRoot">
           <p:childTnLst>
             <p:seq>
-              <p:cTn id="12" nodeType="mainSeq"/>
+              <p:cTn id="2" nodeType="mainSeq"/>
               <p:prevCondLst>
-                <p:cond delay="0" evt="onPrev">
+                <p:cond evt="onPrev" delay="0">
                   <p:tgtEl>
                     <p:sldTgt/>
                   </p:tgtEl>
                 </p:cond>
               </p:prevCondLst>
               <p:nextCondLst>
-                <p:cond delay="0" evt="onNext">
+                <p:cond evt="onNext" delay="0">
                   <p:tgtEl>
                     <p:sldTgt/>
                   </p:tgtEl>
@@ -6180,7 +6797,7 @@
 </file>
 
 <file path=ppt/slides/slide7.xml><?xml version="1.0" encoding="utf-8"?>
-<p:sld xmlns:a="http://schemas.openxmlformats.org/drawingml/2006/main" xmlns:p="http://schemas.openxmlformats.org/presentationml/2006/main" xmlns:r="http://schemas.openxmlformats.org/officeDocument/2006/relationships">
+<p:sld xmlns:a="http://schemas.openxmlformats.org/drawingml/2006/main" xmlns:r="http://schemas.openxmlformats.org/officeDocument/2006/relationships" xmlns:p="http://schemas.openxmlformats.org/presentationml/2006/main">
   <p:cSld>
     <p:spTree>
       <p:nvGrpSpPr>
@@ -6198,12 +6815,12 @@
       </p:grpSpPr>
       <p:pic>
         <p:nvPicPr>
-          <p:cNvPr id="83" name="" descr=""/>
+          <p:cNvPr id="83" name="Imagem 82"/>
           <p:cNvPicPr/>
           <p:nvPr/>
         </p:nvPicPr>
         <p:blipFill>
-          <a:blip r:embed="rId1"/>
+          <a:blip r:embed="rId2"/>
           <a:stretch/>
         </p:blipFill>
         <p:spPr>
@@ -6221,22 +6838,25 @@
       </p:pic>
     </p:spTree>
   </p:cSld>
+  <p:clrMapOvr>
+    <a:masterClrMapping/>
+  </p:clrMapOvr>
   <p:timing>
     <p:tnLst>
       <p:par>
-        <p:cTn id="13" dur="indefinite" restart="never" nodeType="tmRoot">
+        <p:cTn id="1" dur="indefinite" restart="never" nodeType="tmRoot">
           <p:childTnLst>
             <p:seq>
-              <p:cTn id="14" nodeType="mainSeq"/>
+              <p:cTn id="2" nodeType="mainSeq"/>
               <p:prevCondLst>
-                <p:cond delay="0" evt="onPrev">
+                <p:cond evt="onPrev" delay="0">
                   <p:tgtEl>
                     <p:sldTgt/>
                   </p:tgtEl>
                 </p:cond>
               </p:prevCondLst>
               <p:nextCondLst>
-                <p:cond delay="0" evt="onNext">
+                <p:cond evt="onNext" delay="0">
                   <p:tgtEl>
                     <p:sldTgt/>
                   </p:tgtEl>
@@ -6252,7 +6872,7 @@
 </file>
 
 <file path=ppt/slides/slide8.xml><?xml version="1.0" encoding="utf-8"?>
-<p:sld xmlns:a="http://schemas.openxmlformats.org/drawingml/2006/main" xmlns:p="http://schemas.openxmlformats.org/presentationml/2006/main" xmlns:r="http://schemas.openxmlformats.org/officeDocument/2006/relationships">
+<p:sld xmlns:a="http://schemas.openxmlformats.org/drawingml/2006/main" xmlns:r="http://schemas.openxmlformats.org/officeDocument/2006/relationships" xmlns:p="http://schemas.openxmlformats.org/presentationml/2006/main">
   <p:cSld>
     <p:spTree>
       <p:nvGrpSpPr>
@@ -6288,43 +6908,50 @@
           </a:ln>
         </p:spPr>
         <p:style>
-          <a:lnRef idx="0"/>
-          <a:fillRef idx="0"/>
-          <a:effectRef idx="0"/>
+          <a:lnRef idx="0">
+            <a:scrgbClr r="0" g="0" b="0"/>
+          </a:lnRef>
+          <a:fillRef idx="0">
+            <a:scrgbClr r="0" g="0" b="0"/>
+          </a:fillRef>
+          <a:effectRef idx="0">
+            <a:scrgbClr r="0" g="0" b="0"/>
+          </a:effectRef>
           <a:fontRef idx="minor"/>
         </p:style>
         <p:txBody>
-          <a:bodyPr lIns="90000" rIns="90000" tIns="45000" bIns="45000"/>
-          <a:p>
-            <a:pPr algn="ctr">
-              <a:lnSpc>
-                <a:spcPct val="100000"/>
-              </a:lnSpc>
-            </a:pPr>
-            <a:endParaRPr/>
-          </a:p>
-          <a:p>
-            <a:pPr algn="ctr">
-              <a:lnSpc>
-                <a:spcPct val="100000"/>
-              </a:lnSpc>
-            </a:pPr>
-            <a:endParaRPr/>
-          </a:p>
-          <a:p>
-            <a:pPr algn="ctr">
-              <a:lnSpc>
-                <a:spcPct val="100000"/>
-              </a:lnSpc>
-            </a:pPr>
-            <a:r>
-              <a:rPr lang="pt-BR" sz="2000" spc="-1" strike="noStrike" u="sng">
-                <a:solidFill>
-                  <a:srgbClr val="77933c"/>
-                </a:solidFill>
-                <a:uFill>
-                  <a:solidFill>
-                    <a:srgbClr val="ffffff"/>
+          <a:bodyPr lIns="90000" tIns="45000" rIns="90000" bIns="45000"/>
+          <a:lstStyle/>
+          <a:p>
+            <a:pPr algn="ctr">
+              <a:lnSpc>
+                <a:spcPct val="100000"/>
+              </a:lnSpc>
+            </a:pPr>
+            <a:endParaRPr dirty="0"/>
+          </a:p>
+          <a:p>
+            <a:pPr algn="ctr">
+              <a:lnSpc>
+                <a:spcPct val="100000"/>
+              </a:lnSpc>
+            </a:pPr>
+            <a:endParaRPr dirty="0"/>
+          </a:p>
+          <a:p>
+            <a:pPr algn="ctr">
+              <a:lnSpc>
+                <a:spcPct val="100000"/>
+              </a:lnSpc>
+            </a:pPr>
+            <a:r>
+              <a:rPr lang="pt-BR" sz="2000" u="sng" strike="noStrike" spc="-1" dirty="0" err="1">
+                <a:solidFill>
+                  <a:srgbClr val="77933C"/>
+                </a:solidFill>
+                <a:uFill>
+                  <a:solidFill>
+                    <a:srgbClr val="FFFFFF"/>
                   </a:solidFill>
                 </a:uFill>
                 <a:latin typeface="Arial"/>
@@ -6332,38 +6959,68 @@
               </a:rPr>
               <a:t>Rectangle</a:t>
             </a:r>
-            <a:endParaRPr/>
-          </a:p>
-          <a:p>
-            <a:pPr algn="ctr">
-              <a:lnSpc>
-                <a:spcPct val="100000"/>
-              </a:lnSpc>
-            </a:pPr>
-            <a:endParaRPr/>
-          </a:p>
-          <a:p>
-            <a:pPr algn="ctr">
-              <a:lnSpc>
-                <a:spcPct val="100000"/>
-              </a:lnSpc>
-            </a:pPr>
-            <a:r>
-              <a:rPr lang="pt-BR" sz="1800" spc="-1" strike="noStrike">
+            <a:endParaRPr dirty="0"/>
+          </a:p>
+          <a:p>
+            <a:pPr algn="ctr">
+              <a:lnSpc>
+                <a:spcPct val="100000"/>
+              </a:lnSpc>
+            </a:pPr>
+            <a:endParaRPr dirty="0"/>
+          </a:p>
+          <a:p>
+            <a:pPr algn="ctr">
+              <a:lnSpc>
+                <a:spcPct val="100000"/>
+              </a:lnSpc>
+            </a:pPr>
+            <a:r>
+              <a:rPr lang="pt-BR" sz="1800" strike="noStrike" spc="-1" dirty="0">
                 <a:solidFill>
                   <a:srgbClr val="000000"/>
                 </a:solidFill>
                 <a:uFill>
                   <a:solidFill>
-                    <a:srgbClr val="ffffff"/>
-                  </a:solidFill>
-                </a:uFill>
-                <a:latin typeface="Arial"/>
-                <a:ea typeface="DejaVu Sans"/>
-              </a:rPr>
-              <a:t>É a estrutura que tem as informaçoes de um retângulo</a:t>
-            </a:r>
-            <a:endParaRPr/>
+                    <a:srgbClr val="FFFFFF"/>
+                  </a:solidFill>
+                </a:uFill>
+                <a:latin typeface="Arial"/>
+                <a:ea typeface="DejaVu Sans"/>
+              </a:rPr>
+              <a:t>É a estrutura que tem as </a:t>
+            </a:r>
+            <a:r>
+              <a:rPr lang="pt-BR" sz="1800" strike="noStrike" spc="-1" dirty="0" smtClean="0">
+                <a:solidFill>
+                  <a:srgbClr val="000000"/>
+                </a:solidFill>
+                <a:uFill>
+                  <a:solidFill>
+                    <a:srgbClr val="FFFFFF"/>
+                  </a:solidFill>
+                </a:uFill>
+                <a:latin typeface="Arial"/>
+                <a:ea typeface="DejaVu Sans"/>
+              </a:rPr>
+              <a:t>informações </a:t>
+            </a:r>
+            <a:r>
+              <a:rPr lang="pt-BR" sz="1800" strike="noStrike" spc="-1" dirty="0">
+                <a:solidFill>
+                  <a:srgbClr val="000000"/>
+                </a:solidFill>
+                <a:uFill>
+                  <a:solidFill>
+                    <a:srgbClr val="FFFFFF"/>
+                  </a:solidFill>
+                </a:uFill>
+                <a:latin typeface="Arial"/>
+                <a:ea typeface="DejaVu Sans"/>
+              </a:rPr>
+              <a:t>de um retângulo</a:t>
+            </a:r>
+            <a:endParaRPr dirty="0"/>
           </a:p>
           <a:p>
             <a:pPr>
@@ -6371,22 +7028,22 @@
                 <a:spcPct val="100000"/>
               </a:lnSpc>
             </a:pPr>
-            <a:endParaRPr/>
-          </a:p>
-          <a:p>
-            <a:pPr algn="ctr">
-              <a:lnSpc>
-                <a:spcPct val="100000"/>
-              </a:lnSpc>
-            </a:pPr>
-            <a:r>
-              <a:rPr lang="pt-BR" sz="2000" spc="-1" strike="noStrike" u="sng">
-                <a:solidFill>
-                  <a:srgbClr val="31859c"/>
-                </a:solidFill>
-                <a:uFill>
-                  <a:solidFill>
-                    <a:srgbClr val="ffffff"/>
+            <a:endParaRPr dirty="0"/>
+          </a:p>
+          <a:p>
+            <a:pPr algn="ctr">
+              <a:lnSpc>
+                <a:spcPct val="100000"/>
+              </a:lnSpc>
+            </a:pPr>
+            <a:r>
+              <a:rPr lang="pt-BR" sz="2000" u="sng" strike="noStrike" spc="-1" dirty="0">
+                <a:solidFill>
+                  <a:srgbClr val="31859C"/>
+                </a:solidFill>
+                <a:uFill>
+                  <a:solidFill>
+                    <a:srgbClr val="FFFFFF"/>
                   </a:solidFill>
                 </a:uFill>
                 <a:latin typeface="Arial"/>
@@ -6395,13 +7052,13 @@
               <a:t>Uso</a:t>
             </a:r>
             <a:r>
-              <a:rPr lang="pt-BR" sz="2000" spc="-1" strike="noStrike">
-                <a:solidFill>
-                  <a:srgbClr val="31859c"/>
-                </a:solidFill>
-                <a:uFill>
-                  <a:solidFill>
-                    <a:srgbClr val="ffffff"/>
+              <a:rPr lang="pt-BR" sz="2000" strike="noStrike" spc="-1" dirty="0">
+                <a:solidFill>
+                  <a:srgbClr val="31859C"/>
+                </a:solidFill>
+                <a:uFill>
+                  <a:solidFill>
+                    <a:srgbClr val="FFFFFF"/>
                   </a:solidFill>
                 </a:uFill>
                 <a:latin typeface="Arial"/>
@@ -6409,283 +7066,39 @@
               </a:rPr>
               <a:t> </a:t>
             </a:r>
-            <a:endParaRPr/>
-          </a:p>
-          <a:p>
-            <a:pPr algn="ctr">
-              <a:lnSpc>
-                <a:spcPct val="100000"/>
-              </a:lnSpc>
-            </a:pPr>
-            <a:endParaRPr/>
-          </a:p>
-          <a:p>
-            <a:pPr algn="ctr">
-              <a:lnSpc>
-                <a:spcPct val="100000"/>
-              </a:lnSpc>
-            </a:pPr>
-            <a:r>
-              <a:rPr lang="pt-BR" sz="1800" spc="-1" strike="noStrike">
-                <a:solidFill>
-                  <a:srgbClr val="77933c"/>
-                </a:solidFill>
-                <a:uFill>
-                  <a:solidFill>
-                    <a:srgbClr val="ffffff"/>
-                  </a:solidFill>
-                </a:uFill>
-                <a:latin typeface="Arial"/>
-                <a:ea typeface="DejaVu Sans"/>
-              </a:rPr>
-              <a:t>Rectangle </a:t>
-            </a:r>
-            <a:r>
-              <a:rPr lang="pt-BR" sz="1800" spc="-1" strike="noStrike">
-                <a:solidFill>
-                  <a:srgbClr val="000000"/>
-                </a:solidFill>
-                <a:uFill>
-                  <a:solidFill>
-                    <a:srgbClr val="ffffff"/>
-                  </a:solidFill>
-                </a:uFill>
-                <a:latin typeface="Arial"/>
-                <a:ea typeface="DejaVu Sans"/>
-              </a:rPr>
-              <a:t>retangulo;</a:t>
-            </a:r>
-            <a:endParaRPr/>
-          </a:p>
-          <a:p>
-            <a:pPr algn="ctr">
-              <a:lnSpc>
-                <a:spcPct val="100000"/>
-              </a:lnSpc>
-            </a:pPr>
-            <a:r>
-              <a:rPr lang="pt-BR" sz="1800" spc="-1" strike="noStrike">
-                <a:solidFill>
-                  <a:srgbClr val="000000"/>
-                </a:solidFill>
-                <a:uFill>
-                  <a:solidFill>
-                    <a:srgbClr val="ffffff"/>
-                  </a:solidFill>
-                </a:uFill>
-                <a:latin typeface="Arial"/>
-                <a:ea typeface="DejaVu Sans"/>
-              </a:rPr>
-              <a:t>retangulo = </a:t>
-            </a:r>
-            <a:r>
-              <a:rPr lang="pt-BR" sz="1800" spc="-1" strike="noStrike">
-                <a:solidFill>
-                  <a:srgbClr val="0070c0"/>
-                </a:solidFill>
-                <a:uFill>
-                  <a:solidFill>
-                    <a:srgbClr val="ffffff"/>
-                  </a:solidFill>
-                </a:uFill>
-                <a:latin typeface="Arial"/>
-                <a:ea typeface="DejaVu Sans"/>
-              </a:rPr>
-              <a:t>new</a:t>
-            </a:r>
-            <a:r>
-              <a:rPr lang="pt-BR" sz="1800" spc="-1" strike="noStrike">
-                <a:solidFill>
-                  <a:srgbClr val="77933c"/>
-                </a:solidFill>
-                <a:uFill>
-                  <a:solidFill>
-                    <a:srgbClr val="ffffff"/>
-                  </a:solidFill>
-                </a:uFill>
-                <a:latin typeface="Arial"/>
-                <a:ea typeface="DejaVu Sans"/>
-              </a:rPr>
-              <a:t> Rectangle (0, 0, 0, 0);</a:t>
-            </a:r>
-            <a:endParaRPr/>
-          </a:p>
-          <a:p>
-            <a:pPr algn="ctr">
-              <a:lnSpc>
-                <a:spcPct val="100000"/>
-              </a:lnSpc>
-            </a:pPr>
-            <a:r>
-              <a:rPr lang="pt-BR" sz="1800" spc="-1" strike="noStrike">
-                <a:solidFill>
-                  <a:srgbClr val="0070c0"/>
-                </a:solidFill>
-                <a:uFill>
-                  <a:solidFill>
-                    <a:srgbClr val="ffffff"/>
-                  </a:solidFill>
-                </a:uFill>
-                <a:latin typeface="Arial"/>
-                <a:ea typeface="DejaVu Sans"/>
-              </a:rPr>
-              <a:t>new</a:t>
-            </a:r>
-            <a:r>
-              <a:rPr lang="pt-BR" sz="1800" spc="-1" strike="noStrike">
-                <a:solidFill>
-                  <a:srgbClr val="77933c"/>
-                </a:solidFill>
-                <a:uFill>
-                  <a:solidFill>
-                    <a:srgbClr val="ffffff"/>
-                  </a:solidFill>
-                </a:uFill>
-                <a:latin typeface="Arial"/>
-                <a:ea typeface="DejaVu Sans"/>
-              </a:rPr>
-              <a:t> Rectangle (0, 0, 0, 0);</a:t>
-            </a:r>
-            <a:endParaRPr/>
-          </a:p>
-          <a:p>
-            <a:pPr algn="ctr">
-              <a:lnSpc>
-                <a:spcPct val="100000"/>
-              </a:lnSpc>
-            </a:pPr>
-            <a:r>
-              <a:rPr lang="pt-BR" sz="1800" spc="-1" strike="noStrike">
-                <a:solidFill>
-                  <a:srgbClr val="77933c"/>
-                </a:solidFill>
-                <a:uFill>
-                  <a:solidFill>
-                    <a:srgbClr val="ffffff"/>
-                  </a:solidFill>
-                </a:uFill>
-                <a:latin typeface="Arial"/>
-                <a:ea typeface="DejaVu Sans"/>
-              </a:rPr>
-              <a:t>Rectangle.intersects(Rectangle);</a:t>
-            </a:r>
-            <a:endParaRPr/>
-          </a:p>
-          <a:p>
-            <a:pPr algn="ctr">
-              <a:lnSpc>
-                <a:spcPct val="100000"/>
-              </a:lnSpc>
-            </a:pPr>
-            <a:r>
-              <a:rPr lang="pt-BR" sz="1800" spc="-1" strike="noStrike">
-                <a:solidFill>
-                  <a:srgbClr val="000000"/>
-                </a:solidFill>
-                <a:uFill>
-                  <a:solidFill>
-                    <a:srgbClr val="ffffff"/>
-                  </a:solidFill>
-                </a:uFill>
-                <a:latin typeface="Arial"/>
-                <a:ea typeface="DejaVu Sans"/>
-              </a:rPr>
-              <a:t>retangulo.X;</a:t>
-            </a:r>
-            <a:endParaRPr/>
-          </a:p>
-          <a:p>
-            <a:pPr algn="ctr">
-              <a:lnSpc>
-                <a:spcPct val="100000"/>
-              </a:lnSpc>
-            </a:pPr>
-            <a:r>
-              <a:rPr lang="pt-BR" sz="1800" spc="-1" strike="noStrike">
-                <a:solidFill>
-                  <a:srgbClr val="000000"/>
-                </a:solidFill>
-                <a:uFill>
-                  <a:solidFill>
-                    <a:srgbClr val="ffffff"/>
-                  </a:solidFill>
-                </a:uFill>
-                <a:latin typeface="Arial"/>
-                <a:ea typeface="DejaVu Sans"/>
-              </a:rPr>
-              <a:t>retangulo.Y;</a:t>
-            </a:r>
-            <a:endParaRPr/>
-          </a:p>
-          <a:p>
-            <a:pPr algn="ctr">
-              <a:lnSpc>
-                <a:spcPct val="100000"/>
-              </a:lnSpc>
-            </a:pPr>
-            <a:r>
-              <a:rPr lang="pt-BR" sz="1800" spc="-1" strike="noStrike">
-                <a:solidFill>
-                  <a:srgbClr val="000000"/>
-                </a:solidFill>
-                <a:uFill>
-                  <a:solidFill>
-                    <a:srgbClr val="ffffff"/>
-                  </a:solidFill>
-                </a:uFill>
-                <a:latin typeface="Arial"/>
-                <a:ea typeface="DejaVu Sans"/>
-              </a:rPr>
-              <a:t>retangulo.Width;</a:t>
-            </a:r>
-            <a:endParaRPr/>
-          </a:p>
-          <a:p>
-            <a:pPr algn="ctr">
-              <a:lnSpc>
-                <a:spcPct val="100000"/>
-              </a:lnSpc>
-            </a:pPr>
-            <a:r>
-              <a:rPr lang="pt-BR" sz="1800" spc="-1" strike="noStrike">
-                <a:solidFill>
-                  <a:srgbClr val="000000"/>
-                </a:solidFill>
-                <a:uFill>
-                  <a:solidFill>
-                    <a:srgbClr val="ffffff"/>
-                  </a:solidFill>
-                </a:uFill>
-                <a:latin typeface="Arial"/>
-                <a:ea typeface="DejaVu Sans"/>
-              </a:rPr>
-              <a:t>retangulo.Height;</a:t>
-            </a:r>
-            <a:endParaRPr/>
-          </a:p>
-          <a:p>
-            <a:pPr algn="ctr">
-              <a:lnSpc>
-                <a:spcPct val="100000"/>
-              </a:lnSpc>
-            </a:pPr>
-            <a:endParaRPr/>
-          </a:p>
-          <a:p>
-            <a:pPr algn="ctr">
-              <a:lnSpc>
-                <a:spcPct val="100000"/>
-              </a:lnSpc>
-            </a:pPr>
-            <a:endParaRPr/>
-          </a:p>
-          <a:p>
-            <a:pPr algn="ctr">
-              <a:lnSpc>
-                <a:spcPct val="100000"/>
-              </a:lnSpc>
-            </a:pPr>
-            <a:endParaRPr/>
+            <a:endParaRPr dirty="0"/>
+          </a:p>
+          <a:p>
+            <a:pPr algn="ctr">
+              <a:lnSpc>
+                <a:spcPct val="100000"/>
+              </a:lnSpc>
+            </a:pPr>
+            <a:endParaRPr dirty="0"/>
+          </a:p>
+          <a:p>
+            <a:pPr algn="ctr">
+              <a:lnSpc>
+                <a:spcPct val="100000"/>
+              </a:lnSpc>
+            </a:pPr>
+            <a:endParaRPr dirty="0"/>
+          </a:p>
+          <a:p>
+            <a:pPr algn="ctr">
+              <a:lnSpc>
+                <a:spcPct val="100000"/>
+              </a:lnSpc>
+            </a:pPr>
+            <a:endParaRPr dirty="0"/>
+          </a:p>
+          <a:p>
+            <a:pPr algn="ctr">
+              <a:lnSpc>
+                <a:spcPct val="100000"/>
+              </a:lnSpc>
+            </a:pPr>
+            <a:endParaRPr dirty="0"/>
           </a:p>
           <a:p>
             <a:pPr>
@@ -6693,7 +7106,7 @@
                 <a:spcPct val="100000"/>
               </a:lnSpc>
             </a:pPr>
-            <a:endParaRPr/>
+            <a:endParaRPr dirty="0"/>
           </a:p>
           <a:p>
             <a:pPr>
@@ -6701,7 +7114,7 @@
                 <a:spcPct val="100000"/>
               </a:lnSpc>
             </a:pPr>
-            <a:endParaRPr/>
+            <a:endParaRPr dirty="0"/>
           </a:p>
           <a:p>
             <a:pPr>
@@ -6709,28 +7122,72 @@
                 <a:spcPct val="100000"/>
               </a:lnSpc>
             </a:pPr>
-            <a:endParaRPr/>
+            <a:endParaRPr dirty="0"/>
           </a:p>
         </p:txBody>
       </p:sp>
+      <p:pic>
+        <p:nvPicPr>
+          <p:cNvPr id="1026" name="Picture 2" descr="C:\Users\Gustavo\Desktop\Sem título.png"/>
+          <p:cNvPicPr>
+            <a:picLocks noChangeAspect="1" noChangeArrowheads="1"/>
+          </p:cNvPicPr>
+          <p:nvPr/>
+        </p:nvPicPr>
+        <p:blipFill>
+          <a:blip r:embed="rId2">
+            <a:extLst>
+              <a:ext uri="{28A0092B-C50C-407E-A947-70E740481C1C}">
+                <a14:useLocalDpi xmlns:a14="http://schemas.microsoft.com/office/drawing/2010/main" val="0"/>
+              </a:ext>
+            </a:extLst>
+          </a:blip>
+          <a:srcRect/>
+          <a:stretch>
+            <a:fillRect/>
+          </a:stretch>
+        </p:blipFill>
+        <p:spPr bwMode="auto">
+          <a:xfrm>
+            <a:off x="2047335" y="2564904"/>
+            <a:ext cx="5048250" cy="3067050"/>
+          </a:xfrm>
+          <a:prstGeom prst="rect">
+            <a:avLst/>
+          </a:prstGeom>
+          <a:noFill/>
+          <a:extLst>
+            <a:ext uri="{909E8E84-426E-40DD-AFC4-6F175D3DCCD1}">
+              <a14:hiddenFill xmlns:a14="http://schemas.microsoft.com/office/drawing/2010/main">
+                <a:solidFill>
+                  <a:srgbClr val="FFFFFF"/>
+                </a:solidFill>
+              </a14:hiddenFill>
+            </a:ext>
+          </a:extLst>
+        </p:spPr>
+      </p:pic>
     </p:spTree>
   </p:cSld>
+  <p:clrMapOvr>
+    <a:masterClrMapping/>
+  </p:clrMapOvr>
   <p:timing>
     <p:tnLst>
       <p:par>
-        <p:cTn id="15" dur="indefinite" restart="never" nodeType="tmRoot">
+        <p:cTn id="1" dur="indefinite" restart="never" nodeType="tmRoot">
           <p:childTnLst>
             <p:seq>
-              <p:cTn id="16" nodeType="mainSeq"/>
+              <p:cTn id="2" nodeType="mainSeq"/>
               <p:prevCondLst>
-                <p:cond delay="0" evt="onPrev">
+                <p:cond evt="onPrev" delay="0">
                   <p:tgtEl>
                     <p:sldTgt/>
                   </p:tgtEl>
                 </p:cond>
               </p:prevCondLst>
               <p:nextCondLst>
-                <p:cond delay="0" evt="onNext">
+                <p:cond evt="onNext" delay="0">
                   <p:tgtEl>
                     <p:sldTgt/>
                   </p:tgtEl>
@@ -6746,7 +7203,7 @@
 </file>
 
 <file path=ppt/slides/slide9.xml><?xml version="1.0" encoding="utf-8"?>
-<p:sld xmlns:a="http://schemas.openxmlformats.org/drawingml/2006/main" xmlns:p="http://schemas.openxmlformats.org/presentationml/2006/main" xmlns:r="http://schemas.openxmlformats.org/officeDocument/2006/relationships">
+<p:sld xmlns:a="http://schemas.openxmlformats.org/drawingml/2006/main" xmlns:r="http://schemas.openxmlformats.org/officeDocument/2006/relationships" xmlns:p="http://schemas.openxmlformats.org/presentationml/2006/main">
   <p:cSld>
     <p:spTree>
       <p:nvGrpSpPr>
@@ -6764,12 +7221,12 @@
       </p:grpSpPr>
       <p:pic>
         <p:nvPicPr>
-          <p:cNvPr id="85" name="" descr=""/>
+          <p:cNvPr id="85" name="Imagem 84"/>
           <p:cNvPicPr/>
           <p:nvPr/>
         </p:nvPicPr>
         <p:blipFill>
-          <a:blip r:embed="rId1"/>
+          <a:blip r:embed="rId2"/>
           <a:stretch/>
         </p:blipFill>
         <p:spPr>
@@ -6787,22 +7244,25 @@
       </p:pic>
     </p:spTree>
   </p:cSld>
+  <p:clrMapOvr>
+    <a:masterClrMapping/>
+  </p:clrMapOvr>
   <p:timing>
     <p:tnLst>
       <p:par>
-        <p:cTn id="17" dur="indefinite" restart="never" nodeType="tmRoot">
+        <p:cTn id="1" dur="indefinite" restart="never" nodeType="tmRoot">
           <p:childTnLst>
             <p:seq>
-              <p:cTn id="18" nodeType="mainSeq"/>
+              <p:cTn id="2" nodeType="mainSeq"/>
               <p:prevCondLst>
-                <p:cond delay="0" evt="onPrev">
+                <p:cond evt="onPrev" delay="0">
                   <p:tgtEl>
                     <p:sldTgt/>
                   </p:tgtEl>
                 </p:cond>
               </p:prevCondLst>
               <p:nextCondLst>
-                <p:cond delay="0" evt="onNext">
+                <p:cond evt="onNext" delay="0">
                   <p:tgtEl>
                     <p:sldTgt/>
                   </p:tgtEl>
@@ -7037,6 +7497,8 @@
       </a:bgFillStyleLst>
     </a:fmtScheme>
   </a:themeElements>
+  <a:objectDefaults/>
+  <a:extraClrSchemeLst/>
 </a:theme>
 </file>
 
@@ -7260,5 +7722,7 @@
       </a:bgFillStyleLst>
     </a:fmtScheme>
   </a:themeElements>
+  <a:objectDefaults/>
+  <a:extraClrSchemeLst/>
 </a:theme>
 </file>